--- a/cpp/220517.pptx
+++ b/cpp/220517.pptx
@@ -6,6 +6,8 @@
   </p:sldMasterIdLst>
   <p:sldIdLst>
     <p:sldId id="256" r:id="rId2"/>
+    <p:sldId id="257" r:id="rId3"/>
+    <p:sldId id="258" r:id="rId4"/>
   </p:sldIdLst>
   <p:sldSz cx="12192000" cy="6858000"/>
   <p:notesSz cx="6858000" cy="9144000"/>
@@ -4329,6 +4331,3483 @@
     <p:extLst>
       <p:ext uri="{BB962C8B-B14F-4D97-AF65-F5344CB8AC3E}">
         <p14:creationId xmlns:p14="http://schemas.microsoft.com/office/powerpoint/2010/main" val="1100684594"/>
+      </p:ext>
+    </p:extLst>
+  </p:cSld>
+  <p:clrMapOvr>
+    <a:masterClrMapping/>
+  </p:clrMapOvr>
+</p:sld>
+</file>
+
+<file path=ppt/slides/slide2.xml><?xml version="1.0" encoding="utf-8"?>
+<p:sld xmlns:a="http://schemas.openxmlformats.org/drawingml/2006/main" xmlns:r="http://schemas.openxmlformats.org/officeDocument/2006/relationships" xmlns:p="http://schemas.openxmlformats.org/presentationml/2006/main">
+  <p:cSld>
+    <p:spTree>
+      <p:nvGrpSpPr>
+        <p:cNvPr id="1" name=""/>
+        <p:cNvGrpSpPr/>
+        <p:nvPr/>
+      </p:nvGrpSpPr>
+      <p:grpSpPr>
+        <a:xfrm>
+          <a:off x="0" y="0"/>
+          <a:ext cx="0" cy="0"/>
+          <a:chOff x="0" y="0"/>
+          <a:chExt cx="0" cy="0"/>
+        </a:xfrm>
+      </p:grpSpPr>
+      <p:sp>
+        <p:nvSpPr>
+          <p:cNvPr id="4" name="직사각형 3">
+            <a:extLst>
+              <a:ext uri="{FF2B5EF4-FFF2-40B4-BE49-F238E27FC236}">
+                <a16:creationId xmlns:a16="http://schemas.microsoft.com/office/drawing/2014/main" id="{FF01CADA-10C3-8BB2-AFF6-33852B1DDA62}"/>
+              </a:ext>
+            </a:extLst>
+          </p:cNvPr>
+          <p:cNvSpPr/>
+          <p:nvPr/>
+        </p:nvSpPr>
+        <p:spPr>
+          <a:xfrm>
+            <a:off x="353352" y="197346"/>
+            <a:ext cx="4784312" cy="6463308"/>
+          </a:xfrm>
+          <a:prstGeom prst="rect">
+            <a:avLst/>
+          </a:prstGeom>
+        </p:spPr>
+        <p:txBody>
+          <a:bodyPr wrap="square">
+            <a:spAutoFit/>
+          </a:bodyPr>
+          <a:lstStyle/>
+          <a:p>
+            <a:r>
+              <a:rPr lang="en" altLang="ko-Kore-KR" b="0" dirty="0">
+                <a:solidFill>
+                  <a:srgbClr val="0000FF"/>
+                </a:solidFill>
+                <a:effectLst/>
+                <a:latin typeface="DM Mono" panose="020B0509040201040103" pitchFamily="49" charset="0"/>
+              </a:rPr>
+              <a:t>int</a:t>
+            </a:r>
+            <a:r>
+              <a:rPr lang="en" altLang="ko-Kore-KR" b="0" dirty="0">
+                <a:solidFill>
+                  <a:srgbClr val="000000"/>
+                </a:solidFill>
+                <a:effectLst/>
+                <a:latin typeface="DM Mono" panose="020B0509040201040103" pitchFamily="49" charset="0"/>
+              </a:rPr>
+              <a:t> </a:t>
+            </a:r>
+            <a:r>
+              <a:rPr lang="en" altLang="ko-Kore-KR" b="0" dirty="0">
+                <a:solidFill>
+                  <a:srgbClr val="001080"/>
+                </a:solidFill>
+                <a:effectLst/>
+                <a:latin typeface="DM Mono" panose="020B0509040201040103" pitchFamily="49" charset="0"/>
+              </a:rPr>
+              <a:t>buff</a:t>
+            </a:r>
+            <a:r>
+              <a:rPr lang="en" altLang="ko-Kore-KR" b="0" dirty="0">
+                <a:solidFill>
+                  <a:srgbClr val="000000"/>
+                </a:solidFill>
+                <a:effectLst/>
+                <a:latin typeface="DM Mono" panose="020B0509040201040103" pitchFamily="49" charset="0"/>
+              </a:rPr>
+              <a:t>[</a:t>
+            </a:r>
+            <a:r>
+              <a:rPr lang="en" altLang="ko-Kore-KR" b="0" dirty="0">
+                <a:solidFill>
+                  <a:srgbClr val="098658"/>
+                </a:solidFill>
+                <a:effectLst/>
+                <a:latin typeface="DM Mono" panose="020B0509040201040103" pitchFamily="49" charset="0"/>
+              </a:rPr>
+              <a:t>10</a:t>
+            </a:r>
+            <a:r>
+              <a:rPr lang="en" altLang="ko-Kore-KR" b="0" dirty="0">
+                <a:solidFill>
+                  <a:srgbClr val="000000"/>
+                </a:solidFill>
+                <a:effectLst/>
+                <a:latin typeface="DM Mono" panose="020B0509040201040103" pitchFamily="49" charset="0"/>
+              </a:rPr>
+              <a:t>];</a:t>
+            </a:r>
+          </a:p>
+          <a:p>
+            <a:r>
+              <a:rPr lang="en" altLang="ko-Kore-KR" b="0" dirty="0">
+                <a:solidFill>
+                  <a:srgbClr val="0000FF"/>
+                </a:solidFill>
+                <a:effectLst/>
+                <a:latin typeface="DM Mono" panose="020B0509040201040103" pitchFamily="49" charset="0"/>
+              </a:rPr>
+              <a:t>int</a:t>
+            </a:r>
+            <a:r>
+              <a:rPr lang="en" altLang="ko-Kore-KR" b="0" dirty="0">
+                <a:solidFill>
+                  <a:srgbClr val="000000"/>
+                </a:solidFill>
+                <a:effectLst/>
+                <a:latin typeface="DM Mono" panose="020B0509040201040103" pitchFamily="49" charset="0"/>
+              </a:rPr>
+              <a:t> </a:t>
+            </a:r>
+            <a:r>
+              <a:rPr lang="en" altLang="ko-Kore-KR" b="0" dirty="0">
+                <a:solidFill>
+                  <a:srgbClr val="001080"/>
+                </a:solidFill>
+                <a:effectLst/>
+                <a:latin typeface="DM Mono" panose="020B0509040201040103" pitchFamily="49" charset="0"/>
+              </a:rPr>
+              <a:t>top</a:t>
+            </a:r>
+            <a:r>
+              <a:rPr lang="en" altLang="ko-Kore-KR" b="0" dirty="0">
+                <a:solidFill>
+                  <a:srgbClr val="000000"/>
+                </a:solidFill>
+                <a:effectLst/>
+                <a:latin typeface="DM Mono" panose="020B0509040201040103" pitchFamily="49" charset="0"/>
+              </a:rPr>
+              <a:t> = </a:t>
+            </a:r>
+            <a:r>
+              <a:rPr lang="en" altLang="ko-Kore-KR" b="0" dirty="0">
+                <a:solidFill>
+                  <a:srgbClr val="098658"/>
+                </a:solidFill>
+                <a:effectLst/>
+                <a:latin typeface="DM Mono" panose="020B0509040201040103" pitchFamily="49" charset="0"/>
+              </a:rPr>
+              <a:t>0</a:t>
+            </a:r>
+            <a:r>
+              <a:rPr lang="en" altLang="ko-Kore-KR" b="0" dirty="0">
+                <a:solidFill>
+                  <a:srgbClr val="000000"/>
+                </a:solidFill>
+                <a:effectLst/>
+                <a:latin typeface="DM Mono" panose="020B0509040201040103" pitchFamily="49" charset="0"/>
+              </a:rPr>
+              <a:t>;</a:t>
+            </a:r>
+          </a:p>
+          <a:p>
+            <a:br>
+              <a:rPr lang="en" altLang="ko-Kore-KR" b="0" dirty="0">
+                <a:solidFill>
+                  <a:srgbClr val="000000"/>
+                </a:solidFill>
+                <a:effectLst/>
+                <a:latin typeface="DM Mono" panose="020B0509040201040103" pitchFamily="49" charset="0"/>
+              </a:rPr>
+            </a:br>
+            <a:r>
+              <a:rPr lang="en" altLang="ko-Kore-KR" b="0" dirty="0">
+                <a:solidFill>
+                  <a:srgbClr val="0000FF"/>
+                </a:solidFill>
+                <a:effectLst/>
+                <a:latin typeface="DM Mono" panose="020B0509040201040103" pitchFamily="49" charset="0"/>
+              </a:rPr>
+              <a:t>void</a:t>
+            </a:r>
+            <a:r>
+              <a:rPr lang="en" altLang="ko-Kore-KR" b="0" dirty="0">
+                <a:solidFill>
+                  <a:srgbClr val="000000"/>
+                </a:solidFill>
+                <a:effectLst/>
+                <a:latin typeface="DM Mono" panose="020B0509040201040103" pitchFamily="49" charset="0"/>
+              </a:rPr>
+              <a:t> </a:t>
+            </a:r>
+            <a:r>
+              <a:rPr lang="en" altLang="ko-Kore-KR" b="0" dirty="0">
+                <a:solidFill>
+                  <a:srgbClr val="795E26"/>
+                </a:solidFill>
+                <a:effectLst/>
+                <a:latin typeface="DM Mono" panose="020B0509040201040103" pitchFamily="49" charset="0"/>
+              </a:rPr>
+              <a:t>push</a:t>
+            </a:r>
+            <a:r>
+              <a:rPr lang="en" altLang="ko-Kore-KR" b="0" dirty="0">
+                <a:solidFill>
+                  <a:srgbClr val="000000"/>
+                </a:solidFill>
+                <a:effectLst/>
+                <a:latin typeface="DM Mono" panose="020B0509040201040103" pitchFamily="49" charset="0"/>
+              </a:rPr>
+              <a:t>(</a:t>
+            </a:r>
+            <a:r>
+              <a:rPr lang="en" altLang="ko-Kore-KR" b="0" dirty="0">
+                <a:solidFill>
+                  <a:srgbClr val="0000FF"/>
+                </a:solidFill>
+                <a:effectLst/>
+                <a:latin typeface="DM Mono" panose="020B0509040201040103" pitchFamily="49" charset="0"/>
+              </a:rPr>
+              <a:t>int</a:t>
+            </a:r>
+            <a:r>
+              <a:rPr lang="en" altLang="ko-Kore-KR" b="0" dirty="0">
+                <a:solidFill>
+                  <a:srgbClr val="000000"/>
+                </a:solidFill>
+                <a:effectLst/>
+                <a:latin typeface="DM Mono" panose="020B0509040201040103" pitchFamily="49" charset="0"/>
+              </a:rPr>
+              <a:t> </a:t>
+            </a:r>
+            <a:r>
+              <a:rPr lang="en" altLang="ko-Kore-KR" b="0" dirty="0">
+                <a:solidFill>
+                  <a:srgbClr val="001080"/>
+                </a:solidFill>
+                <a:effectLst/>
+                <a:latin typeface="DM Mono" panose="020B0509040201040103" pitchFamily="49" charset="0"/>
+              </a:rPr>
+              <a:t>n</a:t>
+            </a:r>
+            <a:r>
+              <a:rPr lang="en" altLang="ko-Kore-KR" b="0" dirty="0">
+                <a:solidFill>
+                  <a:srgbClr val="000000"/>
+                </a:solidFill>
+                <a:effectLst/>
+                <a:latin typeface="DM Mono" panose="020B0509040201040103" pitchFamily="49" charset="0"/>
+              </a:rPr>
+              <a:t>)</a:t>
+            </a:r>
+          </a:p>
+          <a:p>
+            <a:r>
+              <a:rPr lang="en" altLang="ko-Kore-KR" b="0" dirty="0">
+                <a:solidFill>
+                  <a:srgbClr val="000000"/>
+                </a:solidFill>
+                <a:effectLst/>
+                <a:latin typeface="DM Mono" panose="020B0509040201040103" pitchFamily="49" charset="0"/>
+              </a:rPr>
+              <a:t>{</a:t>
+            </a:r>
+          </a:p>
+          <a:p>
+            <a:r>
+              <a:rPr lang="en" altLang="ko-Kore-KR" b="0" dirty="0">
+                <a:solidFill>
+                  <a:srgbClr val="001080"/>
+                </a:solidFill>
+                <a:effectLst/>
+                <a:latin typeface="DM Mono" panose="020B0509040201040103" pitchFamily="49" charset="0"/>
+              </a:rPr>
+              <a:t>  buff</a:t>
+            </a:r>
+            <a:r>
+              <a:rPr lang="en" altLang="ko-Kore-KR" b="0" dirty="0">
+                <a:solidFill>
+                  <a:srgbClr val="000000"/>
+                </a:solidFill>
+                <a:effectLst/>
+                <a:latin typeface="DM Mono" panose="020B0509040201040103" pitchFamily="49" charset="0"/>
+              </a:rPr>
+              <a:t>[</a:t>
+            </a:r>
+            <a:r>
+              <a:rPr lang="en" altLang="ko-Kore-KR" b="0" dirty="0">
+                <a:solidFill>
+                  <a:srgbClr val="001080"/>
+                </a:solidFill>
+                <a:effectLst/>
+                <a:latin typeface="DM Mono" panose="020B0509040201040103" pitchFamily="49" charset="0"/>
+              </a:rPr>
+              <a:t>top</a:t>
+            </a:r>
+            <a:r>
+              <a:rPr lang="en" altLang="ko-Kore-KR" b="0" dirty="0">
+                <a:solidFill>
+                  <a:srgbClr val="000000"/>
+                </a:solidFill>
+                <a:effectLst/>
+                <a:latin typeface="DM Mono" panose="020B0509040201040103" pitchFamily="49" charset="0"/>
+              </a:rPr>
+              <a:t>++] = </a:t>
+            </a:r>
+            <a:r>
+              <a:rPr lang="en" altLang="ko-Kore-KR" b="0" dirty="0">
+                <a:solidFill>
+                  <a:srgbClr val="001080"/>
+                </a:solidFill>
+                <a:effectLst/>
+                <a:latin typeface="DM Mono" panose="020B0509040201040103" pitchFamily="49" charset="0"/>
+              </a:rPr>
+              <a:t>n</a:t>
+            </a:r>
+            <a:r>
+              <a:rPr lang="en" altLang="ko-Kore-KR" b="0" dirty="0">
+                <a:solidFill>
+                  <a:srgbClr val="000000"/>
+                </a:solidFill>
+                <a:effectLst/>
+                <a:latin typeface="DM Mono" panose="020B0509040201040103" pitchFamily="49" charset="0"/>
+              </a:rPr>
+              <a:t>;</a:t>
+            </a:r>
+          </a:p>
+          <a:p>
+            <a:r>
+              <a:rPr lang="en" altLang="ko-Kore-KR" b="0" dirty="0">
+                <a:solidFill>
+                  <a:srgbClr val="000000"/>
+                </a:solidFill>
+                <a:effectLst/>
+                <a:latin typeface="DM Mono" panose="020B0509040201040103" pitchFamily="49" charset="0"/>
+              </a:rPr>
+              <a:t>}</a:t>
+            </a:r>
+          </a:p>
+          <a:p>
+            <a:br>
+              <a:rPr lang="en" altLang="ko-Kore-KR" b="0" dirty="0">
+                <a:solidFill>
+                  <a:srgbClr val="000000"/>
+                </a:solidFill>
+                <a:effectLst/>
+                <a:latin typeface="DM Mono" panose="020B0509040201040103" pitchFamily="49" charset="0"/>
+              </a:rPr>
+            </a:br>
+            <a:r>
+              <a:rPr lang="en" altLang="ko-Kore-KR" b="0" dirty="0">
+                <a:solidFill>
+                  <a:srgbClr val="0000FF"/>
+                </a:solidFill>
+                <a:effectLst/>
+                <a:latin typeface="DM Mono" panose="020B0509040201040103" pitchFamily="49" charset="0"/>
+              </a:rPr>
+              <a:t>int</a:t>
+            </a:r>
+            <a:r>
+              <a:rPr lang="en" altLang="ko-Kore-KR" b="0" dirty="0">
+                <a:solidFill>
+                  <a:srgbClr val="000000"/>
+                </a:solidFill>
+                <a:effectLst/>
+                <a:latin typeface="DM Mono" panose="020B0509040201040103" pitchFamily="49" charset="0"/>
+              </a:rPr>
+              <a:t> </a:t>
+            </a:r>
+            <a:r>
+              <a:rPr lang="en" altLang="ko-Kore-KR" b="0" dirty="0">
+                <a:solidFill>
+                  <a:srgbClr val="795E26"/>
+                </a:solidFill>
+                <a:effectLst/>
+                <a:latin typeface="DM Mono" panose="020B0509040201040103" pitchFamily="49" charset="0"/>
+              </a:rPr>
+              <a:t>pop</a:t>
+            </a:r>
+            <a:r>
+              <a:rPr lang="en" altLang="ko-Kore-KR" b="0" dirty="0">
+                <a:solidFill>
+                  <a:srgbClr val="000000"/>
+                </a:solidFill>
+                <a:effectLst/>
+                <a:latin typeface="DM Mono" panose="020B0509040201040103" pitchFamily="49" charset="0"/>
+              </a:rPr>
+              <a:t>()</a:t>
+            </a:r>
+          </a:p>
+          <a:p>
+            <a:r>
+              <a:rPr lang="en" altLang="ko-Kore-KR" b="0" dirty="0">
+                <a:solidFill>
+                  <a:srgbClr val="000000"/>
+                </a:solidFill>
+                <a:effectLst/>
+                <a:latin typeface="DM Mono" panose="020B0509040201040103" pitchFamily="49" charset="0"/>
+              </a:rPr>
+              <a:t>{</a:t>
+            </a:r>
+          </a:p>
+          <a:p>
+            <a:r>
+              <a:rPr lang="en" altLang="ko-Kore-KR" b="0" dirty="0">
+                <a:solidFill>
+                  <a:srgbClr val="AF00DB"/>
+                </a:solidFill>
+                <a:effectLst/>
+                <a:latin typeface="DM Mono" panose="020B0509040201040103" pitchFamily="49" charset="0"/>
+              </a:rPr>
+              <a:t>  return</a:t>
+            </a:r>
+            <a:r>
+              <a:rPr lang="en" altLang="ko-Kore-KR" b="0" dirty="0">
+                <a:solidFill>
+                  <a:srgbClr val="000000"/>
+                </a:solidFill>
+                <a:effectLst/>
+                <a:latin typeface="DM Mono" panose="020B0509040201040103" pitchFamily="49" charset="0"/>
+              </a:rPr>
+              <a:t> </a:t>
+            </a:r>
+            <a:r>
+              <a:rPr lang="en" altLang="ko-Kore-KR" b="0" dirty="0">
+                <a:solidFill>
+                  <a:srgbClr val="001080"/>
+                </a:solidFill>
+                <a:effectLst/>
+                <a:latin typeface="DM Mono" panose="020B0509040201040103" pitchFamily="49" charset="0"/>
+              </a:rPr>
+              <a:t>buff</a:t>
+            </a:r>
+            <a:r>
+              <a:rPr lang="en" altLang="ko-Kore-KR" b="0" dirty="0">
+                <a:solidFill>
+                  <a:srgbClr val="000000"/>
+                </a:solidFill>
+                <a:effectLst/>
+                <a:latin typeface="DM Mono" panose="020B0509040201040103" pitchFamily="49" charset="0"/>
+              </a:rPr>
+              <a:t>[--</a:t>
+            </a:r>
+            <a:r>
+              <a:rPr lang="en" altLang="ko-Kore-KR" b="0" dirty="0">
+                <a:solidFill>
+                  <a:srgbClr val="001080"/>
+                </a:solidFill>
+                <a:effectLst/>
+                <a:latin typeface="DM Mono" panose="020B0509040201040103" pitchFamily="49" charset="0"/>
+              </a:rPr>
+              <a:t>top</a:t>
+            </a:r>
+            <a:r>
+              <a:rPr lang="en" altLang="ko-Kore-KR" b="0" dirty="0">
+                <a:solidFill>
+                  <a:srgbClr val="000000"/>
+                </a:solidFill>
+                <a:effectLst/>
+                <a:latin typeface="DM Mono" panose="020B0509040201040103" pitchFamily="49" charset="0"/>
+              </a:rPr>
+              <a:t>];</a:t>
+            </a:r>
+          </a:p>
+          <a:p>
+            <a:r>
+              <a:rPr lang="en" altLang="ko-Kore-KR" b="0" dirty="0">
+                <a:solidFill>
+                  <a:srgbClr val="000000"/>
+                </a:solidFill>
+                <a:effectLst/>
+                <a:latin typeface="DM Mono" panose="020B0509040201040103" pitchFamily="49" charset="0"/>
+              </a:rPr>
+              <a:t>}</a:t>
+            </a:r>
+          </a:p>
+          <a:p>
+            <a:br>
+              <a:rPr lang="en" altLang="ko-Kore-KR" b="0" dirty="0">
+                <a:solidFill>
+                  <a:srgbClr val="000000"/>
+                </a:solidFill>
+                <a:effectLst/>
+                <a:latin typeface="DM Mono" panose="020B0509040201040103" pitchFamily="49" charset="0"/>
+              </a:rPr>
+            </a:br>
+            <a:r>
+              <a:rPr lang="en" altLang="ko-Kore-KR" b="0" dirty="0">
+                <a:solidFill>
+                  <a:srgbClr val="0000FF"/>
+                </a:solidFill>
+                <a:effectLst/>
+                <a:latin typeface="DM Mono" panose="020B0509040201040103" pitchFamily="49" charset="0"/>
+              </a:rPr>
+              <a:t>int</a:t>
+            </a:r>
+            <a:r>
+              <a:rPr lang="en" altLang="ko-Kore-KR" b="0" dirty="0">
+                <a:solidFill>
+                  <a:srgbClr val="000000"/>
+                </a:solidFill>
+                <a:effectLst/>
+                <a:latin typeface="DM Mono" panose="020B0509040201040103" pitchFamily="49" charset="0"/>
+              </a:rPr>
+              <a:t> </a:t>
+            </a:r>
+            <a:r>
+              <a:rPr lang="en" altLang="ko-Kore-KR" b="0" dirty="0">
+                <a:solidFill>
+                  <a:srgbClr val="795E26"/>
+                </a:solidFill>
+                <a:effectLst/>
+                <a:latin typeface="DM Mono" panose="020B0509040201040103" pitchFamily="49" charset="0"/>
+              </a:rPr>
+              <a:t>main</a:t>
+            </a:r>
+            <a:r>
+              <a:rPr lang="en" altLang="ko-Kore-KR" b="0" dirty="0">
+                <a:solidFill>
+                  <a:srgbClr val="000000"/>
+                </a:solidFill>
+                <a:effectLst/>
+                <a:latin typeface="DM Mono" panose="020B0509040201040103" pitchFamily="49" charset="0"/>
+              </a:rPr>
+              <a:t>()</a:t>
+            </a:r>
+          </a:p>
+          <a:p>
+            <a:r>
+              <a:rPr lang="en" altLang="ko-Kore-KR" b="0" dirty="0">
+                <a:solidFill>
+                  <a:srgbClr val="000000"/>
+                </a:solidFill>
+                <a:effectLst/>
+                <a:latin typeface="DM Mono" panose="020B0509040201040103" pitchFamily="49" charset="0"/>
+              </a:rPr>
+              <a:t>{</a:t>
+            </a:r>
+          </a:p>
+          <a:p>
+            <a:r>
+              <a:rPr lang="en" altLang="ko-Kore-KR" b="0" dirty="0">
+                <a:solidFill>
+                  <a:srgbClr val="795E26"/>
+                </a:solidFill>
+                <a:effectLst/>
+                <a:latin typeface="DM Mono" panose="020B0509040201040103" pitchFamily="49" charset="0"/>
+              </a:rPr>
+              <a:t>  </a:t>
+            </a:r>
+            <a:r>
+              <a:rPr lang="en" altLang="ko-Kore-KR" b="1" dirty="0">
+                <a:solidFill>
+                  <a:srgbClr val="795E26"/>
+                </a:solidFill>
+                <a:effectLst/>
+                <a:latin typeface="DM Mono" panose="020B0509040201040103" pitchFamily="49" charset="0"/>
+              </a:rPr>
+              <a:t>push</a:t>
+            </a:r>
+            <a:r>
+              <a:rPr lang="en" altLang="ko-Kore-KR" b="1" dirty="0">
+                <a:solidFill>
+                  <a:srgbClr val="000000"/>
+                </a:solidFill>
+                <a:effectLst/>
+                <a:latin typeface="DM Mono" panose="020B0509040201040103" pitchFamily="49" charset="0"/>
+              </a:rPr>
+              <a:t>(</a:t>
+            </a:r>
+            <a:r>
+              <a:rPr lang="en" altLang="ko-Kore-KR" b="1" dirty="0">
+                <a:solidFill>
+                  <a:srgbClr val="098658"/>
+                </a:solidFill>
+                <a:effectLst/>
+                <a:latin typeface="DM Mono" panose="020B0509040201040103" pitchFamily="49" charset="0"/>
+              </a:rPr>
+              <a:t>10</a:t>
+            </a:r>
+            <a:r>
+              <a:rPr lang="en" altLang="ko-Kore-KR" b="1" dirty="0">
+                <a:solidFill>
+                  <a:srgbClr val="000000"/>
+                </a:solidFill>
+                <a:effectLst/>
+                <a:latin typeface="DM Mono" panose="020B0509040201040103" pitchFamily="49" charset="0"/>
+              </a:rPr>
+              <a:t>);</a:t>
+            </a:r>
+          </a:p>
+          <a:p>
+            <a:r>
+              <a:rPr lang="en" altLang="ko-Kore-KR" b="0" dirty="0">
+                <a:solidFill>
+                  <a:srgbClr val="795E26"/>
+                </a:solidFill>
+                <a:effectLst/>
+                <a:latin typeface="DM Mono" panose="020B0509040201040103" pitchFamily="49" charset="0"/>
+              </a:rPr>
+              <a:t>  push</a:t>
+            </a:r>
+            <a:r>
+              <a:rPr lang="en" altLang="ko-Kore-KR" b="0" dirty="0">
+                <a:solidFill>
+                  <a:srgbClr val="000000"/>
+                </a:solidFill>
+                <a:effectLst/>
+                <a:latin typeface="DM Mono" panose="020B0509040201040103" pitchFamily="49" charset="0"/>
+              </a:rPr>
+              <a:t>(</a:t>
+            </a:r>
+            <a:r>
+              <a:rPr lang="en" altLang="ko-Kore-KR" b="0" dirty="0">
+                <a:solidFill>
+                  <a:srgbClr val="098658"/>
+                </a:solidFill>
+                <a:effectLst/>
+                <a:latin typeface="DM Mono" panose="020B0509040201040103" pitchFamily="49" charset="0"/>
+              </a:rPr>
+              <a:t>20</a:t>
+            </a:r>
+            <a:r>
+              <a:rPr lang="en" altLang="ko-Kore-KR" b="0" dirty="0">
+                <a:solidFill>
+                  <a:srgbClr val="000000"/>
+                </a:solidFill>
+                <a:effectLst/>
+                <a:latin typeface="DM Mono" panose="020B0509040201040103" pitchFamily="49" charset="0"/>
+              </a:rPr>
+              <a:t>);</a:t>
+            </a:r>
+          </a:p>
+          <a:p>
+            <a:r>
+              <a:rPr lang="en" altLang="ko-Kore-KR" b="0" dirty="0">
+                <a:solidFill>
+                  <a:srgbClr val="795E26"/>
+                </a:solidFill>
+                <a:effectLst/>
+                <a:latin typeface="DM Mono" panose="020B0509040201040103" pitchFamily="49" charset="0"/>
+              </a:rPr>
+              <a:t>  push</a:t>
+            </a:r>
+            <a:r>
+              <a:rPr lang="en" altLang="ko-Kore-KR" b="0" dirty="0">
+                <a:solidFill>
+                  <a:srgbClr val="000000"/>
+                </a:solidFill>
+                <a:effectLst/>
+                <a:latin typeface="DM Mono" panose="020B0509040201040103" pitchFamily="49" charset="0"/>
+              </a:rPr>
+              <a:t>(</a:t>
+            </a:r>
+            <a:r>
+              <a:rPr lang="en" altLang="ko-Kore-KR" b="0" dirty="0">
+                <a:solidFill>
+                  <a:srgbClr val="098658"/>
+                </a:solidFill>
+                <a:effectLst/>
+                <a:latin typeface="DM Mono" panose="020B0509040201040103" pitchFamily="49" charset="0"/>
+              </a:rPr>
+              <a:t>30</a:t>
+            </a:r>
+            <a:r>
+              <a:rPr lang="en" altLang="ko-Kore-KR" b="0" dirty="0">
+                <a:solidFill>
+                  <a:srgbClr val="000000"/>
+                </a:solidFill>
+                <a:effectLst/>
+                <a:latin typeface="DM Mono" panose="020B0509040201040103" pitchFamily="49" charset="0"/>
+              </a:rPr>
+              <a:t>);</a:t>
+            </a:r>
+          </a:p>
+          <a:p>
+            <a:br>
+              <a:rPr lang="en" altLang="ko-Kore-KR" b="0" dirty="0">
+                <a:solidFill>
+                  <a:srgbClr val="000000"/>
+                </a:solidFill>
+                <a:effectLst/>
+                <a:latin typeface="DM Mono" panose="020B0509040201040103" pitchFamily="49" charset="0"/>
+              </a:rPr>
+            </a:br>
+            <a:r>
+              <a:rPr lang="en" altLang="ko-Kore-KR" b="0" dirty="0">
+                <a:solidFill>
+                  <a:srgbClr val="000000"/>
+                </a:solidFill>
+                <a:effectLst/>
+                <a:latin typeface="DM Mono" panose="020B0509040201040103" pitchFamily="49" charset="0"/>
+              </a:rPr>
+              <a:t>  </a:t>
+            </a:r>
+            <a:r>
+              <a:rPr lang="en" altLang="ko-Kore-KR" b="0" dirty="0" err="1">
+                <a:solidFill>
+                  <a:srgbClr val="001080"/>
+                </a:solidFill>
+                <a:effectLst/>
+                <a:latin typeface="DM Mono" panose="020B0509040201040103" pitchFamily="49" charset="0"/>
+              </a:rPr>
+              <a:t>cout</a:t>
+            </a:r>
+            <a:r>
+              <a:rPr lang="en" altLang="ko-Kore-KR" b="0" dirty="0">
+                <a:solidFill>
+                  <a:srgbClr val="000000"/>
+                </a:solidFill>
+                <a:effectLst/>
+                <a:latin typeface="DM Mono" panose="020B0509040201040103" pitchFamily="49" charset="0"/>
+              </a:rPr>
+              <a:t> </a:t>
+            </a:r>
+            <a:r>
+              <a:rPr lang="en" altLang="ko-Kore-KR" b="0" dirty="0">
+                <a:solidFill>
+                  <a:srgbClr val="795E26"/>
+                </a:solidFill>
+                <a:effectLst/>
+                <a:latin typeface="DM Mono" panose="020B0509040201040103" pitchFamily="49" charset="0"/>
+              </a:rPr>
+              <a:t>&lt;&lt;</a:t>
+            </a:r>
+            <a:r>
+              <a:rPr lang="en" altLang="ko-Kore-KR" b="0" dirty="0">
+                <a:solidFill>
+                  <a:srgbClr val="000000"/>
+                </a:solidFill>
+                <a:effectLst/>
+                <a:latin typeface="DM Mono" panose="020B0509040201040103" pitchFamily="49" charset="0"/>
+              </a:rPr>
+              <a:t> </a:t>
+            </a:r>
+            <a:r>
+              <a:rPr lang="en" altLang="ko-Kore-KR" b="0" dirty="0">
+                <a:solidFill>
+                  <a:srgbClr val="795E26"/>
+                </a:solidFill>
+                <a:effectLst/>
+                <a:latin typeface="DM Mono" panose="020B0509040201040103" pitchFamily="49" charset="0"/>
+              </a:rPr>
+              <a:t>pop</a:t>
+            </a:r>
+            <a:r>
+              <a:rPr lang="en" altLang="ko-Kore-KR" b="0" dirty="0">
+                <a:solidFill>
+                  <a:srgbClr val="000000"/>
+                </a:solidFill>
+                <a:effectLst/>
+                <a:latin typeface="DM Mono" panose="020B0509040201040103" pitchFamily="49" charset="0"/>
+              </a:rPr>
+              <a:t>() </a:t>
+            </a:r>
+            <a:r>
+              <a:rPr lang="en" altLang="ko-Kore-KR" b="0" dirty="0">
+                <a:solidFill>
+                  <a:srgbClr val="795E26"/>
+                </a:solidFill>
+                <a:effectLst/>
+                <a:latin typeface="DM Mono" panose="020B0509040201040103" pitchFamily="49" charset="0"/>
+              </a:rPr>
+              <a:t>&lt;&lt;</a:t>
+            </a:r>
+            <a:r>
+              <a:rPr lang="en" altLang="ko-Kore-KR" b="0" dirty="0">
+                <a:solidFill>
+                  <a:srgbClr val="000000"/>
+                </a:solidFill>
+                <a:effectLst/>
+                <a:latin typeface="DM Mono" panose="020B0509040201040103" pitchFamily="49" charset="0"/>
+              </a:rPr>
+              <a:t> </a:t>
+            </a:r>
+            <a:r>
+              <a:rPr lang="en" altLang="ko-Kore-KR" b="0" dirty="0" err="1">
+                <a:solidFill>
+                  <a:srgbClr val="795E26"/>
+                </a:solidFill>
+                <a:effectLst/>
+                <a:latin typeface="DM Mono" panose="020B0509040201040103" pitchFamily="49" charset="0"/>
+              </a:rPr>
+              <a:t>endl</a:t>
+            </a:r>
+            <a:r>
+              <a:rPr lang="en" altLang="ko-Kore-KR" b="0" dirty="0">
+                <a:solidFill>
+                  <a:srgbClr val="000000"/>
+                </a:solidFill>
+                <a:effectLst/>
+                <a:latin typeface="DM Mono" panose="020B0509040201040103" pitchFamily="49" charset="0"/>
+              </a:rPr>
+              <a:t>;</a:t>
+            </a:r>
+          </a:p>
+          <a:p>
+            <a:r>
+              <a:rPr lang="en" altLang="ko-Kore-KR" b="0" dirty="0">
+                <a:solidFill>
+                  <a:srgbClr val="001080"/>
+                </a:solidFill>
+                <a:effectLst/>
+                <a:latin typeface="DM Mono" panose="020B0509040201040103" pitchFamily="49" charset="0"/>
+              </a:rPr>
+              <a:t>  </a:t>
+            </a:r>
+            <a:r>
+              <a:rPr lang="en" altLang="ko-Kore-KR" b="0" dirty="0" err="1">
+                <a:solidFill>
+                  <a:srgbClr val="001080"/>
+                </a:solidFill>
+                <a:effectLst/>
+                <a:latin typeface="DM Mono" panose="020B0509040201040103" pitchFamily="49" charset="0"/>
+              </a:rPr>
+              <a:t>cout</a:t>
+            </a:r>
+            <a:r>
+              <a:rPr lang="en" altLang="ko-Kore-KR" b="0" dirty="0">
+                <a:solidFill>
+                  <a:srgbClr val="000000"/>
+                </a:solidFill>
+                <a:effectLst/>
+                <a:latin typeface="DM Mono" panose="020B0509040201040103" pitchFamily="49" charset="0"/>
+              </a:rPr>
+              <a:t> </a:t>
+            </a:r>
+            <a:r>
+              <a:rPr lang="en" altLang="ko-Kore-KR" b="0" dirty="0">
+                <a:solidFill>
+                  <a:srgbClr val="795E26"/>
+                </a:solidFill>
+                <a:effectLst/>
+                <a:latin typeface="DM Mono" panose="020B0509040201040103" pitchFamily="49" charset="0"/>
+              </a:rPr>
+              <a:t>&lt;&lt;</a:t>
+            </a:r>
+            <a:r>
+              <a:rPr lang="en" altLang="ko-Kore-KR" b="0" dirty="0">
+                <a:solidFill>
+                  <a:srgbClr val="000000"/>
+                </a:solidFill>
+                <a:effectLst/>
+                <a:latin typeface="DM Mono" panose="020B0509040201040103" pitchFamily="49" charset="0"/>
+              </a:rPr>
+              <a:t> </a:t>
+            </a:r>
+            <a:r>
+              <a:rPr lang="en" altLang="ko-Kore-KR" b="0" dirty="0">
+                <a:solidFill>
+                  <a:srgbClr val="795E26"/>
+                </a:solidFill>
+                <a:effectLst/>
+                <a:latin typeface="DM Mono" panose="020B0509040201040103" pitchFamily="49" charset="0"/>
+              </a:rPr>
+              <a:t>pop</a:t>
+            </a:r>
+            <a:r>
+              <a:rPr lang="en" altLang="ko-Kore-KR" b="0" dirty="0">
+                <a:solidFill>
+                  <a:srgbClr val="000000"/>
+                </a:solidFill>
+                <a:effectLst/>
+                <a:latin typeface="DM Mono" panose="020B0509040201040103" pitchFamily="49" charset="0"/>
+              </a:rPr>
+              <a:t>() </a:t>
+            </a:r>
+            <a:r>
+              <a:rPr lang="en" altLang="ko-Kore-KR" b="0" dirty="0">
+                <a:solidFill>
+                  <a:srgbClr val="795E26"/>
+                </a:solidFill>
+                <a:effectLst/>
+                <a:latin typeface="DM Mono" panose="020B0509040201040103" pitchFamily="49" charset="0"/>
+              </a:rPr>
+              <a:t>&lt;&lt;</a:t>
+            </a:r>
+            <a:r>
+              <a:rPr lang="en" altLang="ko-Kore-KR" b="0" dirty="0">
+                <a:solidFill>
+                  <a:srgbClr val="000000"/>
+                </a:solidFill>
+                <a:effectLst/>
+                <a:latin typeface="DM Mono" panose="020B0509040201040103" pitchFamily="49" charset="0"/>
+              </a:rPr>
+              <a:t> </a:t>
+            </a:r>
+            <a:r>
+              <a:rPr lang="en" altLang="ko-Kore-KR" b="0" dirty="0" err="1">
+                <a:solidFill>
+                  <a:srgbClr val="795E26"/>
+                </a:solidFill>
+                <a:effectLst/>
+                <a:latin typeface="DM Mono" panose="020B0509040201040103" pitchFamily="49" charset="0"/>
+              </a:rPr>
+              <a:t>endl</a:t>
+            </a:r>
+            <a:r>
+              <a:rPr lang="en" altLang="ko-Kore-KR" b="0" dirty="0">
+                <a:solidFill>
+                  <a:srgbClr val="000000"/>
+                </a:solidFill>
+                <a:effectLst/>
+                <a:latin typeface="DM Mono" panose="020B0509040201040103" pitchFamily="49" charset="0"/>
+              </a:rPr>
+              <a:t>;</a:t>
+            </a:r>
+          </a:p>
+          <a:p>
+            <a:r>
+              <a:rPr lang="en" altLang="ko-Kore-KR" b="0" dirty="0">
+                <a:solidFill>
+                  <a:srgbClr val="001080"/>
+                </a:solidFill>
+                <a:effectLst/>
+                <a:latin typeface="DM Mono" panose="020B0509040201040103" pitchFamily="49" charset="0"/>
+              </a:rPr>
+              <a:t>  </a:t>
+            </a:r>
+            <a:r>
+              <a:rPr lang="en" altLang="ko-Kore-KR" b="0" dirty="0" err="1">
+                <a:solidFill>
+                  <a:srgbClr val="001080"/>
+                </a:solidFill>
+                <a:effectLst/>
+                <a:latin typeface="DM Mono" panose="020B0509040201040103" pitchFamily="49" charset="0"/>
+              </a:rPr>
+              <a:t>cout</a:t>
+            </a:r>
+            <a:r>
+              <a:rPr lang="en" altLang="ko-Kore-KR" b="0" dirty="0">
+                <a:solidFill>
+                  <a:srgbClr val="000000"/>
+                </a:solidFill>
+                <a:effectLst/>
+                <a:latin typeface="DM Mono" panose="020B0509040201040103" pitchFamily="49" charset="0"/>
+              </a:rPr>
+              <a:t> </a:t>
+            </a:r>
+            <a:r>
+              <a:rPr lang="en" altLang="ko-Kore-KR" b="0" dirty="0">
+                <a:solidFill>
+                  <a:srgbClr val="795E26"/>
+                </a:solidFill>
+                <a:effectLst/>
+                <a:latin typeface="DM Mono" panose="020B0509040201040103" pitchFamily="49" charset="0"/>
+              </a:rPr>
+              <a:t>&lt;&lt;</a:t>
+            </a:r>
+            <a:r>
+              <a:rPr lang="en" altLang="ko-Kore-KR" b="0" dirty="0">
+                <a:solidFill>
+                  <a:srgbClr val="000000"/>
+                </a:solidFill>
+                <a:effectLst/>
+                <a:latin typeface="DM Mono" panose="020B0509040201040103" pitchFamily="49" charset="0"/>
+              </a:rPr>
+              <a:t> </a:t>
+            </a:r>
+            <a:r>
+              <a:rPr lang="en" altLang="ko-Kore-KR" b="0" dirty="0">
+                <a:solidFill>
+                  <a:srgbClr val="795E26"/>
+                </a:solidFill>
+                <a:effectLst/>
+                <a:latin typeface="DM Mono" panose="020B0509040201040103" pitchFamily="49" charset="0"/>
+              </a:rPr>
+              <a:t>pop</a:t>
+            </a:r>
+            <a:r>
+              <a:rPr lang="en" altLang="ko-Kore-KR" b="0" dirty="0">
+                <a:solidFill>
+                  <a:srgbClr val="000000"/>
+                </a:solidFill>
+                <a:effectLst/>
+                <a:latin typeface="DM Mono" panose="020B0509040201040103" pitchFamily="49" charset="0"/>
+              </a:rPr>
+              <a:t>() </a:t>
+            </a:r>
+            <a:r>
+              <a:rPr lang="en" altLang="ko-Kore-KR" b="0" dirty="0">
+                <a:solidFill>
+                  <a:srgbClr val="795E26"/>
+                </a:solidFill>
+                <a:effectLst/>
+                <a:latin typeface="DM Mono" panose="020B0509040201040103" pitchFamily="49" charset="0"/>
+              </a:rPr>
+              <a:t>&lt;&lt;</a:t>
+            </a:r>
+            <a:r>
+              <a:rPr lang="en" altLang="ko-Kore-KR" b="0" dirty="0">
+                <a:solidFill>
+                  <a:srgbClr val="000000"/>
+                </a:solidFill>
+                <a:effectLst/>
+                <a:latin typeface="DM Mono" panose="020B0509040201040103" pitchFamily="49" charset="0"/>
+              </a:rPr>
+              <a:t> </a:t>
+            </a:r>
+            <a:r>
+              <a:rPr lang="en" altLang="ko-Kore-KR" b="0" dirty="0" err="1">
+                <a:solidFill>
+                  <a:srgbClr val="795E26"/>
+                </a:solidFill>
+                <a:effectLst/>
+                <a:latin typeface="DM Mono" panose="020B0509040201040103" pitchFamily="49" charset="0"/>
+              </a:rPr>
+              <a:t>endl</a:t>
+            </a:r>
+            <a:r>
+              <a:rPr lang="en" altLang="ko-Kore-KR" b="0" dirty="0">
+                <a:solidFill>
+                  <a:srgbClr val="000000"/>
+                </a:solidFill>
+                <a:effectLst/>
+                <a:latin typeface="DM Mono" panose="020B0509040201040103" pitchFamily="49" charset="0"/>
+              </a:rPr>
+              <a:t>;</a:t>
+            </a:r>
+          </a:p>
+          <a:p>
+            <a:r>
+              <a:rPr lang="en" altLang="ko-Kore-KR" b="0" dirty="0">
+                <a:solidFill>
+                  <a:srgbClr val="000000"/>
+                </a:solidFill>
+                <a:effectLst/>
+                <a:latin typeface="DM Mono" panose="020B0509040201040103" pitchFamily="49" charset="0"/>
+              </a:rPr>
+              <a:t>}</a:t>
+            </a:r>
+          </a:p>
+        </p:txBody>
+      </p:sp>
+      <p:sp>
+        <p:nvSpPr>
+          <p:cNvPr id="6" name="직사각형 5">
+            <a:extLst>
+              <a:ext uri="{FF2B5EF4-FFF2-40B4-BE49-F238E27FC236}">
+                <a16:creationId xmlns:a16="http://schemas.microsoft.com/office/drawing/2014/main" id="{0AAD2971-C304-0E60-DDB4-448CF37233EC}"/>
+              </a:ext>
+            </a:extLst>
+          </p:cNvPr>
+          <p:cNvSpPr/>
+          <p:nvPr/>
+        </p:nvSpPr>
+        <p:spPr>
+          <a:xfrm>
+            <a:off x="7508060" y="893904"/>
+            <a:ext cx="1530743" cy="436970"/>
+          </a:xfrm>
+          <a:prstGeom prst="rect">
+            <a:avLst/>
+          </a:prstGeom>
+          <a:solidFill>
+            <a:srgbClr val="FFFF00"/>
+          </a:solidFill>
+        </p:spPr>
+        <p:style>
+          <a:lnRef idx="2">
+            <a:schemeClr val="accent1">
+              <a:shade val="50000"/>
+            </a:schemeClr>
+          </a:lnRef>
+          <a:fillRef idx="1">
+            <a:schemeClr val="accent1"/>
+          </a:fillRef>
+          <a:effectRef idx="0">
+            <a:schemeClr val="accent1"/>
+          </a:effectRef>
+          <a:fontRef idx="minor">
+            <a:schemeClr val="lt1"/>
+          </a:fontRef>
+        </p:style>
+        <p:txBody>
+          <a:bodyPr rtlCol="0" anchor="ctr"/>
+          <a:lstStyle/>
+          <a:p>
+            <a:pPr algn="ctr"/>
+            <a:endParaRPr kumimoji="1" lang="ko-Kore-KR" altLang="en-US" sz="1400" dirty="0">
+              <a:solidFill>
+                <a:schemeClr val="tx1"/>
+              </a:solidFill>
+            </a:endParaRPr>
+          </a:p>
+        </p:txBody>
+      </p:sp>
+      <p:sp>
+        <p:nvSpPr>
+          <p:cNvPr id="7" name="직사각형 6">
+            <a:extLst>
+              <a:ext uri="{FF2B5EF4-FFF2-40B4-BE49-F238E27FC236}">
+                <a16:creationId xmlns:a16="http://schemas.microsoft.com/office/drawing/2014/main" id="{FBCFA194-0C15-2827-EEBA-DED30282F0AC}"/>
+              </a:ext>
+            </a:extLst>
+          </p:cNvPr>
+          <p:cNvSpPr/>
+          <p:nvPr/>
+        </p:nvSpPr>
+        <p:spPr>
+          <a:xfrm>
+            <a:off x="7508060" y="1330874"/>
+            <a:ext cx="1530743" cy="436970"/>
+          </a:xfrm>
+          <a:prstGeom prst="rect">
+            <a:avLst/>
+          </a:prstGeom>
+          <a:solidFill>
+            <a:srgbClr val="FFFF00"/>
+          </a:solidFill>
+        </p:spPr>
+        <p:style>
+          <a:lnRef idx="2">
+            <a:schemeClr val="accent1">
+              <a:shade val="50000"/>
+            </a:schemeClr>
+          </a:lnRef>
+          <a:fillRef idx="1">
+            <a:schemeClr val="accent1"/>
+          </a:fillRef>
+          <a:effectRef idx="0">
+            <a:schemeClr val="accent1"/>
+          </a:effectRef>
+          <a:fontRef idx="minor">
+            <a:schemeClr val="lt1"/>
+          </a:fontRef>
+        </p:style>
+        <p:txBody>
+          <a:bodyPr rtlCol="0" anchor="ctr"/>
+          <a:lstStyle/>
+          <a:p>
+            <a:pPr algn="ctr"/>
+            <a:endParaRPr kumimoji="1" lang="ko-Kore-KR" altLang="en-US" sz="1400" dirty="0">
+              <a:solidFill>
+                <a:schemeClr val="tx1"/>
+              </a:solidFill>
+            </a:endParaRPr>
+          </a:p>
+        </p:txBody>
+      </p:sp>
+      <p:sp>
+        <p:nvSpPr>
+          <p:cNvPr id="8" name="직사각형 7">
+            <a:extLst>
+              <a:ext uri="{FF2B5EF4-FFF2-40B4-BE49-F238E27FC236}">
+                <a16:creationId xmlns:a16="http://schemas.microsoft.com/office/drawing/2014/main" id="{99D2DD62-4F38-ECE5-2B20-D82A1B8AD1CC}"/>
+              </a:ext>
+            </a:extLst>
+          </p:cNvPr>
+          <p:cNvSpPr/>
+          <p:nvPr/>
+        </p:nvSpPr>
+        <p:spPr>
+          <a:xfrm>
+            <a:off x="7508060" y="1767844"/>
+            <a:ext cx="1530743" cy="436970"/>
+          </a:xfrm>
+          <a:prstGeom prst="rect">
+            <a:avLst/>
+          </a:prstGeom>
+          <a:solidFill>
+            <a:srgbClr val="FFFF00"/>
+          </a:solidFill>
+        </p:spPr>
+        <p:style>
+          <a:lnRef idx="2">
+            <a:schemeClr val="accent1">
+              <a:shade val="50000"/>
+            </a:schemeClr>
+          </a:lnRef>
+          <a:fillRef idx="1">
+            <a:schemeClr val="accent1"/>
+          </a:fillRef>
+          <a:effectRef idx="0">
+            <a:schemeClr val="accent1"/>
+          </a:effectRef>
+          <a:fontRef idx="minor">
+            <a:schemeClr val="lt1"/>
+          </a:fontRef>
+        </p:style>
+        <p:txBody>
+          <a:bodyPr rtlCol="0" anchor="ctr"/>
+          <a:lstStyle/>
+          <a:p>
+            <a:pPr algn="ctr"/>
+            <a:endParaRPr kumimoji="1" lang="ko-Kore-KR" altLang="en-US" sz="1400" dirty="0">
+              <a:solidFill>
+                <a:schemeClr val="tx1"/>
+              </a:solidFill>
+            </a:endParaRPr>
+          </a:p>
+        </p:txBody>
+      </p:sp>
+      <p:sp>
+        <p:nvSpPr>
+          <p:cNvPr id="9" name="직사각형 8">
+            <a:extLst>
+              <a:ext uri="{FF2B5EF4-FFF2-40B4-BE49-F238E27FC236}">
+                <a16:creationId xmlns:a16="http://schemas.microsoft.com/office/drawing/2014/main" id="{D8923471-6F24-BE81-0EEB-D73E63BAECF8}"/>
+              </a:ext>
+            </a:extLst>
+          </p:cNvPr>
+          <p:cNvSpPr/>
+          <p:nvPr/>
+        </p:nvSpPr>
+        <p:spPr>
+          <a:xfrm>
+            <a:off x="7508060" y="2204814"/>
+            <a:ext cx="1530743" cy="436970"/>
+          </a:xfrm>
+          <a:prstGeom prst="rect">
+            <a:avLst/>
+          </a:prstGeom>
+          <a:solidFill>
+            <a:srgbClr val="FFFF00"/>
+          </a:solidFill>
+        </p:spPr>
+        <p:style>
+          <a:lnRef idx="2">
+            <a:schemeClr val="accent1">
+              <a:shade val="50000"/>
+            </a:schemeClr>
+          </a:lnRef>
+          <a:fillRef idx="1">
+            <a:schemeClr val="accent1"/>
+          </a:fillRef>
+          <a:effectRef idx="0">
+            <a:schemeClr val="accent1"/>
+          </a:effectRef>
+          <a:fontRef idx="minor">
+            <a:schemeClr val="lt1"/>
+          </a:fontRef>
+        </p:style>
+        <p:txBody>
+          <a:bodyPr rtlCol="0" anchor="ctr"/>
+          <a:lstStyle/>
+          <a:p>
+            <a:pPr algn="ctr"/>
+            <a:endParaRPr kumimoji="1" lang="ko-Kore-KR" altLang="en-US" sz="1400" dirty="0">
+              <a:solidFill>
+                <a:schemeClr val="tx1"/>
+              </a:solidFill>
+            </a:endParaRPr>
+          </a:p>
+        </p:txBody>
+      </p:sp>
+      <p:sp>
+        <p:nvSpPr>
+          <p:cNvPr id="10" name="직사각형 9">
+            <a:extLst>
+              <a:ext uri="{FF2B5EF4-FFF2-40B4-BE49-F238E27FC236}">
+                <a16:creationId xmlns:a16="http://schemas.microsoft.com/office/drawing/2014/main" id="{2A401CBB-2CFC-3208-8C9E-41A29CBEF195}"/>
+              </a:ext>
+            </a:extLst>
+          </p:cNvPr>
+          <p:cNvSpPr/>
+          <p:nvPr/>
+        </p:nvSpPr>
+        <p:spPr>
+          <a:xfrm>
+            <a:off x="7508060" y="2641784"/>
+            <a:ext cx="1530743" cy="436970"/>
+          </a:xfrm>
+          <a:prstGeom prst="rect">
+            <a:avLst/>
+          </a:prstGeom>
+          <a:solidFill>
+            <a:srgbClr val="FFFF00"/>
+          </a:solidFill>
+        </p:spPr>
+        <p:style>
+          <a:lnRef idx="2">
+            <a:schemeClr val="accent1">
+              <a:shade val="50000"/>
+            </a:schemeClr>
+          </a:lnRef>
+          <a:fillRef idx="1">
+            <a:schemeClr val="accent1"/>
+          </a:fillRef>
+          <a:effectRef idx="0">
+            <a:schemeClr val="accent1"/>
+          </a:effectRef>
+          <a:fontRef idx="minor">
+            <a:schemeClr val="lt1"/>
+          </a:fontRef>
+        </p:style>
+        <p:txBody>
+          <a:bodyPr rtlCol="0" anchor="ctr"/>
+          <a:lstStyle/>
+          <a:p>
+            <a:pPr algn="ctr"/>
+            <a:endParaRPr kumimoji="1" lang="ko-Kore-KR" altLang="en-US" sz="1400" dirty="0">
+              <a:solidFill>
+                <a:schemeClr val="tx1"/>
+              </a:solidFill>
+            </a:endParaRPr>
+          </a:p>
+        </p:txBody>
+      </p:sp>
+      <p:sp>
+        <p:nvSpPr>
+          <p:cNvPr id="11" name="직사각형 10">
+            <a:extLst>
+              <a:ext uri="{FF2B5EF4-FFF2-40B4-BE49-F238E27FC236}">
+                <a16:creationId xmlns:a16="http://schemas.microsoft.com/office/drawing/2014/main" id="{1B0FC7BB-50BE-8AF5-E1D1-7F544E9EB090}"/>
+              </a:ext>
+            </a:extLst>
+          </p:cNvPr>
+          <p:cNvSpPr/>
+          <p:nvPr/>
+        </p:nvSpPr>
+        <p:spPr>
+          <a:xfrm>
+            <a:off x="7508060" y="3078754"/>
+            <a:ext cx="1530743" cy="436970"/>
+          </a:xfrm>
+          <a:prstGeom prst="rect">
+            <a:avLst/>
+          </a:prstGeom>
+          <a:solidFill>
+            <a:srgbClr val="FFFF00"/>
+          </a:solidFill>
+        </p:spPr>
+        <p:style>
+          <a:lnRef idx="2">
+            <a:schemeClr val="accent1">
+              <a:shade val="50000"/>
+            </a:schemeClr>
+          </a:lnRef>
+          <a:fillRef idx="1">
+            <a:schemeClr val="accent1"/>
+          </a:fillRef>
+          <a:effectRef idx="0">
+            <a:schemeClr val="accent1"/>
+          </a:effectRef>
+          <a:fontRef idx="minor">
+            <a:schemeClr val="lt1"/>
+          </a:fontRef>
+        </p:style>
+        <p:txBody>
+          <a:bodyPr rtlCol="0" anchor="ctr"/>
+          <a:lstStyle/>
+          <a:p>
+            <a:pPr algn="ctr"/>
+            <a:endParaRPr kumimoji="1" lang="ko-Kore-KR" altLang="en-US" sz="1400" dirty="0">
+              <a:solidFill>
+                <a:schemeClr val="tx1"/>
+              </a:solidFill>
+            </a:endParaRPr>
+          </a:p>
+        </p:txBody>
+      </p:sp>
+      <p:sp>
+        <p:nvSpPr>
+          <p:cNvPr id="12" name="직사각형 11">
+            <a:extLst>
+              <a:ext uri="{FF2B5EF4-FFF2-40B4-BE49-F238E27FC236}">
+                <a16:creationId xmlns:a16="http://schemas.microsoft.com/office/drawing/2014/main" id="{69639A87-7045-59FF-6C67-29C4BD16227F}"/>
+              </a:ext>
+            </a:extLst>
+          </p:cNvPr>
+          <p:cNvSpPr/>
+          <p:nvPr/>
+        </p:nvSpPr>
+        <p:spPr>
+          <a:xfrm>
+            <a:off x="7508060" y="3515724"/>
+            <a:ext cx="1530743" cy="436970"/>
+          </a:xfrm>
+          <a:prstGeom prst="rect">
+            <a:avLst/>
+          </a:prstGeom>
+          <a:solidFill>
+            <a:srgbClr val="FFFF00"/>
+          </a:solidFill>
+        </p:spPr>
+        <p:style>
+          <a:lnRef idx="2">
+            <a:schemeClr val="accent1">
+              <a:shade val="50000"/>
+            </a:schemeClr>
+          </a:lnRef>
+          <a:fillRef idx="1">
+            <a:schemeClr val="accent1"/>
+          </a:fillRef>
+          <a:effectRef idx="0">
+            <a:schemeClr val="accent1"/>
+          </a:effectRef>
+          <a:fontRef idx="minor">
+            <a:schemeClr val="lt1"/>
+          </a:fontRef>
+        </p:style>
+        <p:txBody>
+          <a:bodyPr rtlCol="0" anchor="ctr"/>
+          <a:lstStyle/>
+          <a:p>
+            <a:pPr algn="ctr"/>
+            <a:endParaRPr kumimoji="1" lang="ko-Kore-KR" altLang="en-US" sz="1400" dirty="0">
+              <a:solidFill>
+                <a:schemeClr val="tx1"/>
+              </a:solidFill>
+            </a:endParaRPr>
+          </a:p>
+        </p:txBody>
+      </p:sp>
+      <p:sp>
+        <p:nvSpPr>
+          <p:cNvPr id="13" name="직사각형 12">
+            <a:extLst>
+              <a:ext uri="{FF2B5EF4-FFF2-40B4-BE49-F238E27FC236}">
+                <a16:creationId xmlns:a16="http://schemas.microsoft.com/office/drawing/2014/main" id="{3B43222A-C4A2-53F6-1032-16D0A309942C}"/>
+              </a:ext>
+            </a:extLst>
+          </p:cNvPr>
+          <p:cNvSpPr/>
+          <p:nvPr/>
+        </p:nvSpPr>
+        <p:spPr>
+          <a:xfrm>
+            <a:off x="7508060" y="3952694"/>
+            <a:ext cx="1530743" cy="436970"/>
+          </a:xfrm>
+          <a:prstGeom prst="rect">
+            <a:avLst/>
+          </a:prstGeom>
+          <a:solidFill>
+            <a:srgbClr val="FFFF00"/>
+          </a:solidFill>
+        </p:spPr>
+        <p:style>
+          <a:lnRef idx="2">
+            <a:schemeClr val="accent1">
+              <a:shade val="50000"/>
+            </a:schemeClr>
+          </a:lnRef>
+          <a:fillRef idx="1">
+            <a:schemeClr val="accent1"/>
+          </a:fillRef>
+          <a:effectRef idx="0">
+            <a:schemeClr val="accent1"/>
+          </a:effectRef>
+          <a:fontRef idx="minor">
+            <a:schemeClr val="lt1"/>
+          </a:fontRef>
+        </p:style>
+        <p:txBody>
+          <a:bodyPr rtlCol="0" anchor="ctr"/>
+          <a:lstStyle/>
+          <a:p>
+            <a:pPr algn="ctr"/>
+            <a:endParaRPr kumimoji="1" lang="ko-Kore-KR" altLang="en-US" sz="1400" dirty="0">
+              <a:solidFill>
+                <a:schemeClr val="tx1"/>
+              </a:solidFill>
+            </a:endParaRPr>
+          </a:p>
+        </p:txBody>
+      </p:sp>
+      <p:sp>
+        <p:nvSpPr>
+          <p:cNvPr id="14" name="직사각형 13">
+            <a:extLst>
+              <a:ext uri="{FF2B5EF4-FFF2-40B4-BE49-F238E27FC236}">
+                <a16:creationId xmlns:a16="http://schemas.microsoft.com/office/drawing/2014/main" id="{25F02642-7114-4C11-4310-A5ABEE2E79C5}"/>
+              </a:ext>
+            </a:extLst>
+          </p:cNvPr>
+          <p:cNvSpPr/>
+          <p:nvPr/>
+        </p:nvSpPr>
+        <p:spPr>
+          <a:xfrm>
+            <a:off x="7508060" y="4389664"/>
+            <a:ext cx="1530743" cy="436970"/>
+          </a:xfrm>
+          <a:prstGeom prst="rect">
+            <a:avLst/>
+          </a:prstGeom>
+          <a:solidFill>
+            <a:srgbClr val="FFFF00"/>
+          </a:solidFill>
+        </p:spPr>
+        <p:style>
+          <a:lnRef idx="2">
+            <a:schemeClr val="accent1">
+              <a:shade val="50000"/>
+            </a:schemeClr>
+          </a:lnRef>
+          <a:fillRef idx="1">
+            <a:schemeClr val="accent1"/>
+          </a:fillRef>
+          <a:effectRef idx="0">
+            <a:schemeClr val="accent1"/>
+          </a:effectRef>
+          <a:fontRef idx="minor">
+            <a:schemeClr val="lt1"/>
+          </a:fontRef>
+        </p:style>
+        <p:txBody>
+          <a:bodyPr rtlCol="0" anchor="ctr"/>
+          <a:lstStyle/>
+          <a:p>
+            <a:pPr algn="ctr"/>
+            <a:endParaRPr kumimoji="1" lang="ko-Kore-KR" altLang="en-US" sz="1400" dirty="0">
+              <a:solidFill>
+                <a:schemeClr val="tx1"/>
+              </a:solidFill>
+            </a:endParaRPr>
+          </a:p>
+        </p:txBody>
+      </p:sp>
+      <p:sp>
+        <p:nvSpPr>
+          <p:cNvPr id="15" name="직사각형 14">
+            <a:extLst>
+              <a:ext uri="{FF2B5EF4-FFF2-40B4-BE49-F238E27FC236}">
+                <a16:creationId xmlns:a16="http://schemas.microsoft.com/office/drawing/2014/main" id="{459423C6-4D66-A703-519F-7F4B7744142F}"/>
+              </a:ext>
+            </a:extLst>
+          </p:cNvPr>
+          <p:cNvSpPr/>
+          <p:nvPr/>
+        </p:nvSpPr>
+        <p:spPr>
+          <a:xfrm>
+            <a:off x="7508060" y="4826634"/>
+            <a:ext cx="1530743" cy="436970"/>
+          </a:xfrm>
+          <a:prstGeom prst="rect">
+            <a:avLst/>
+          </a:prstGeom>
+          <a:solidFill>
+            <a:srgbClr val="FFFF00"/>
+          </a:solidFill>
+        </p:spPr>
+        <p:style>
+          <a:lnRef idx="2">
+            <a:schemeClr val="accent1">
+              <a:shade val="50000"/>
+            </a:schemeClr>
+          </a:lnRef>
+          <a:fillRef idx="1">
+            <a:schemeClr val="accent1"/>
+          </a:fillRef>
+          <a:effectRef idx="0">
+            <a:schemeClr val="accent1"/>
+          </a:effectRef>
+          <a:fontRef idx="minor">
+            <a:schemeClr val="lt1"/>
+          </a:fontRef>
+        </p:style>
+        <p:txBody>
+          <a:bodyPr rtlCol="0" anchor="ctr"/>
+          <a:lstStyle/>
+          <a:p>
+            <a:pPr algn="ctr"/>
+            <a:endParaRPr kumimoji="1" lang="ko-Kore-KR" altLang="en-US" sz="1400" dirty="0">
+              <a:solidFill>
+                <a:schemeClr val="tx1"/>
+              </a:solidFill>
+            </a:endParaRPr>
+          </a:p>
+        </p:txBody>
+      </p:sp>
+      <p:sp>
+        <p:nvSpPr>
+          <p:cNvPr id="16" name="직사각형 15">
+            <a:extLst>
+              <a:ext uri="{FF2B5EF4-FFF2-40B4-BE49-F238E27FC236}">
+                <a16:creationId xmlns:a16="http://schemas.microsoft.com/office/drawing/2014/main" id="{5DFCD438-2ED3-4BDE-3F8D-AC11DA88AF9D}"/>
+              </a:ext>
+            </a:extLst>
+          </p:cNvPr>
+          <p:cNvSpPr/>
+          <p:nvPr/>
+        </p:nvSpPr>
+        <p:spPr>
+          <a:xfrm>
+            <a:off x="5735905" y="675419"/>
+            <a:ext cx="509798" cy="436970"/>
+          </a:xfrm>
+          <a:prstGeom prst="rect">
+            <a:avLst/>
+          </a:prstGeom>
+          <a:solidFill>
+            <a:srgbClr val="FFFF00"/>
+          </a:solidFill>
+        </p:spPr>
+        <p:style>
+          <a:lnRef idx="2">
+            <a:schemeClr val="accent1">
+              <a:shade val="50000"/>
+            </a:schemeClr>
+          </a:lnRef>
+          <a:fillRef idx="1">
+            <a:schemeClr val="accent1"/>
+          </a:fillRef>
+          <a:effectRef idx="0">
+            <a:schemeClr val="accent1"/>
+          </a:effectRef>
+          <a:fontRef idx="minor">
+            <a:schemeClr val="lt1"/>
+          </a:fontRef>
+        </p:style>
+        <p:txBody>
+          <a:bodyPr rtlCol="0" anchor="ctr"/>
+          <a:lstStyle/>
+          <a:p>
+            <a:pPr algn="ctr"/>
+            <a:r>
+              <a:rPr kumimoji="1" lang="en-US" altLang="ko-Kore-KR" sz="1400" dirty="0">
+                <a:solidFill>
+                  <a:schemeClr val="tx1"/>
+                </a:solidFill>
+              </a:rPr>
+              <a:t>0</a:t>
+            </a:r>
+            <a:endParaRPr kumimoji="1" lang="ko-Kore-KR" altLang="en-US" sz="1400" dirty="0">
+              <a:solidFill>
+                <a:schemeClr val="tx1"/>
+              </a:solidFill>
+            </a:endParaRPr>
+          </a:p>
+        </p:txBody>
+      </p:sp>
+      <p:sp>
+        <p:nvSpPr>
+          <p:cNvPr id="17" name="직사각형 16">
+            <a:extLst>
+              <a:ext uri="{FF2B5EF4-FFF2-40B4-BE49-F238E27FC236}">
+                <a16:creationId xmlns:a16="http://schemas.microsoft.com/office/drawing/2014/main" id="{479A36C2-36CB-805B-A520-4FD9F99C3C82}"/>
+              </a:ext>
+            </a:extLst>
+          </p:cNvPr>
+          <p:cNvSpPr/>
+          <p:nvPr/>
+        </p:nvSpPr>
+        <p:spPr>
+          <a:xfrm>
+            <a:off x="5137664" y="709238"/>
+            <a:ext cx="598241" cy="369332"/>
+          </a:xfrm>
+          <a:prstGeom prst="rect">
+            <a:avLst/>
+          </a:prstGeom>
+        </p:spPr>
+        <p:txBody>
+          <a:bodyPr wrap="none">
+            <a:spAutoFit/>
+          </a:bodyPr>
+          <a:lstStyle/>
+          <a:p>
+            <a:r>
+              <a:rPr lang="en" altLang="ko-Kore-KR" b="0" dirty="0">
+                <a:solidFill>
+                  <a:srgbClr val="001080"/>
+                </a:solidFill>
+                <a:effectLst/>
+                <a:latin typeface="DM Mono" panose="020B0509040201040103" pitchFamily="49" charset="0"/>
+              </a:rPr>
+              <a:t>top</a:t>
+            </a:r>
+            <a:endParaRPr lang="ko-Kore-KR" altLang="en-US" dirty="0"/>
+          </a:p>
+        </p:txBody>
+      </p:sp>
+      <p:cxnSp>
+        <p:nvCxnSpPr>
+          <p:cNvPr id="19" name="구부러진 연결선[U] 18">
+            <a:extLst>
+              <a:ext uri="{FF2B5EF4-FFF2-40B4-BE49-F238E27FC236}">
+                <a16:creationId xmlns:a16="http://schemas.microsoft.com/office/drawing/2014/main" id="{05CE30EE-65FD-8966-59BB-35143F2FCDCC}"/>
+              </a:ext>
+            </a:extLst>
+          </p:cNvPr>
+          <p:cNvCxnSpPr>
+            <a:stCxn id="16" idx="3"/>
+            <a:endCxn id="15" idx="1"/>
+          </p:cNvCxnSpPr>
+          <p:nvPr/>
+        </p:nvCxnSpPr>
+        <p:spPr>
+          <a:xfrm>
+            <a:off x="6245703" y="893904"/>
+            <a:ext cx="1262357" cy="4151215"/>
+          </a:xfrm>
+          <a:prstGeom prst="curvedConnector3">
+            <a:avLst/>
+          </a:prstGeom>
+          <a:ln>
+            <a:tailEnd type="triangle"/>
+          </a:ln>
+        </p:spPr>
+        <p:style>
+          <a:lnRef idx="1">
+            <a:schemeClr val="dk1"/>
+          </a:lnRef>
+          <a:fillRef idx="0">
+            <a:schemeClr val="dk1"/>
+          </a:fillRef>
+          <a:effectRef idx="0">
+            <a:schemeClr val="dk1"/>
+          </a:effectRef>
+          <a:fontRef idx="minor">
+            <a:schemeClr val="tx1"/>
+          </a:fontRef>
+        </p:style>
+      </p:cxnSp>
+    </p:spTree>
+    <p:extLst>
+      <p:ext uri="{BB962C8B-B14F-4D97-AF65-F5344CB8AC3E}">
+        <p14:creationId xmlns:p14="http://schemas.microsoft.com/office/powerpoint/2010/main" val="3151168217"/>
+      </p:ext>
+    </p:extLst>
+  </p:cSld>
+  <p:clrMapOvr>
+    <a:masterClrMapping/>
+  </p:clrMapOvr>
+</p:sld>
+</file>
+
+<file path=ppt/slides/slide3.xml><?xml version="1.0" encoding="utf-8"?>
+<p:sld xmlns:a="http://schemas.openxmlformats.org/drawingml/2006/main" xmlns:r="http://schemas.openxmlformats.org/officeDocument/2006/relationships" xmlns:p="http://schemas.openxmlformats.org/presentationml/2006/main">
+  <p:cSld>
+    <p:spTree>
+      <p:nvGrpSpPr>
+        <p:cNvPr id="1" name=""/>
+        <p:cNvGrpSpPr/>
+        <p:nvPr/>
+      </p:nvGrpSpPr>
+      <p:grpSpPr>
+        <a:xfrm>
+          <a:off x="0" y="0"/>
+          <a:ext cx="0" cy="0"/>
+          <a:chOff x="0" y="0"/>
+          <a:chExt cx="0" cy="0"/>
+        </a:xfrm>
+      </p:grpSpPr>
+      <p:sp>
+        <p:nvSpPr>
+          <p:cNvPr id="4" name="직사각형 3">
+            <a:extLst>
+              <a:ext uri="{FF2B5EF4-FFF2-40B4-BE49-F238E27FC236}">
+                <a16:creationId xmlns:a16="http://schemas.microsoft.com/office/drawing/2014/main" id="{FF01CADA-10C3-8BB2-AFF6-33852B1DDA62}"/>
+              </a:ext>
+            </a:extLst>
+          </p:cNvPr>
+          <p:cNvSpPr/>
+          <p:nvPr/>
+        </p:nvSpPr>
+        <p:spPr>
+          <a:xfrm>
+            <a:off x="353352" y="197346"/>
+            <a:ext cx="4784312" cy="6463308"/>
+          </a:xfrm>
+          <a:prstGeom prst="rect">
+            <a:avLst/>
+          </a:prstGeom>
+        </p:spPr>
+        <p:txBody>
+          <a:bodyPr wrap="square">
+            <a:spAutoFit/>
+          </a:bodyPr>
+          <a:lstStyle/>
+          <a:p>
+            <a:r>
+              <a:rPr lang="en" altLang="ko-Kore-KR" b="0" dirty="0">
+                <a:solidFill>
+                  <a:srgbClr val="0000FF"/>
+                </a:solidFill>
+                <a:effectLst/>
+                <a:latin typeface="DM Mono" panose="020B0509040201040103" pitchFamily="49" charset="0"/>
+              </a:rPr>
+              <a:t>int</a:t>
+            </a:r>
+            <a:r>
+              <a:rPr lang="en" altLang="ko-Kore-KR" b="0" dirty="0">
+                <a:solidFill>
+                  <a:srgbClr val="000000"/>
+                </a:solidFill>
+                <a:effectLst/>
+                <a:latin typeface="DM Mono" panose="020B0509040201040103" pitchFamily="49" charset="0"/>
+              </a:rPr>
+              <a:t> </a:t>
+            </a:r>
+            <a:r>
+              <a:rPr lang="en" altLang="ko-Kore-KR" b="0" dirty="0">
+                <a:solidFill>
+                  <a:srgbClr val="001080"/>
+                </a:solidFill>
+                <a:effectLst/>
+                <a:latin typeface="DM Mono" panose="020B0509040201040103" pitchFamily="49" charset="0"/>
+              </a:rPr>
+              <a:t>buff</a:t>
+            </a:r>
+            <a:r>
+              <a:rPr lang="en" altLang="ko-Kore-KR" b="0" dirty="0">
+                <a:solidFill>
+                  <a:srgbClr val="000000"/>
+                </a:solidFill>
+                <a:effectLst/>
+                <a:latin typeface="DM Mono" panose="020B0509040201040103" pitchFamily="49" charset="0"/>
+              </a:rPr>
+              <a:t>[</a:t>
+            </a:r>
+            <a:r>
+              <a:rPr lang="en" altLang="ko-Kore-KR" b="0" dirty="0">
+                <a:solidFill>
+                  <a:srgbClr val="098658"/>
+                </a:solidFill>
+                <a:effectLst/>
+                <a:latin typeface="DM Mono" panose="020B0509040201040103" pitchFamily="49" charset="0"/>
+              </a:rPr>
+              <a:t>10</a:t>
+            </a:r>
+            <a:r>
+              <a:rPr lang="en" altLang="ko-Kore-KR" b="0" dirty="0">
+                <a:solidFill>
+                  <a:srgbClr val="000000"/>
+                </a:solidFill>
+                <a:effectLst/>
+                <a:latin typeface="DM Mono" panose="020B0509040201040103" pitchFamily="49" charset="0"/>
+              </a:rPr>
+              <a:t>];</a:t>
+            </a:r>
+          </a:p>
+          <a:p>
+            <a:r>
+              <a:rPr lang="en" altLang="ko-Kore-KR" b="0" dirty="0">
+                <a:solidFill>
+                  <a:srgbClr val="0000FF"/>
+                </a:solidFill>
+                <a:effectLst/>
+                <a:latin typeface="DM Mono" panose="020B0509040201040103" pitchFamily="49" charset="0"/>
+              </a:rPr>
+              <a:t>int</a:t>
+            </a:r>
+            <a:r>
+              <a:rPr lang="en" altLang="ko-Kore-KR" b="0" dirty="0">
+                <a:solidFill>
+                  <a:srgbClr val="000000"/>
+                </a:solidFill>
+                <a:effectLst/>
+                <a:latin typeface="DM Mono" panose="020B0509040201040103" pitchFamily="49" charset="0"/>
+              </a:rPr>
+              <a:t> </a:t>
+            </a:r>
+            <a:r>
+              <a:rPr lang="en" altLang="ko-Kore-KR" b="0" dirty="0">
+                <a:solidFill>
+                  <a:srgbClr val="001080"/>
+                </a:solidFill>
+                <a:effectLst/>
+                <a:latin typeface="DM Mono" panose="020B0509040201040103" pitchFamily="49" charset="0"/>
+              </a:rPr>
+              <a:t>top</a:t>
+            </a:r>
+            <a:r>
+              <a:rPr lang="en" altLang="ko-Kore-KR" b="0" dirty="0">
+                <a:solidFill>
+                  <a:srgbClr val="000000"/>
+                </a:solidFill>
+                <a:effectLst/>
+                <a:latin typeface="DM Mono" panose="020B0509040201040103" pitchFamily="49" charset="0"/>
+              </a:rPr>
+              <a:t> = </a:t>
+            </a:r>
+            <a:r>
+              <a:rPr lang="en" altLang="ko-Kore-KR" b="0" dirty="0">
+                <a:solidFill>
+                  <a:srgbClr val="098658"/>
+                </a:solidFill>
+                <a:effectLst/>
+                <a:latin typeface="DM Mono" panose="020B0509040201040103" pitchFamily="49" charset="0"/>
+              </a:rPr>
+              <a:t>0</a:t>
+            </a:r>
+            <a:r>
+              <a:rPr lang="en" altLang="ko-Kore-KR" b="0" dirty="0">
+                <a:solidFill>
+                  <a:srgbClr val="000000"/>
+                </a:solidFill>
+                <a:effectLst/>
+                <a:latin typeface="DM Mono" panose="020B0509040201040103" pitchFamily="49" charset="0"/>
+              </a:rPr>
+              <a:t>;</a:t>
+            </a:r>
+          </a:p>
+          <a:p>
+            <a:br>
+              <a:rPr lang="en" altLang="ko-Kore-KR" b="0" dirty="0">
+                <a:solidFill>
+                  <a:srgbClr val="000000"/>
+                </a:solidFill>
+                <a:effectLst/>
+                <a:latin typeface="DM Mono" panose="020B0509040201040103" pitchFamily="49" charset="0"/>
+              </a:rPr>
+            </a:br>
+            <a:r>
+              <a:rPr lang="en" altLang="ko-Kore-KR" b="0" dirty="0">
+                <a:solidFill>
+                  <a:srgbClr val="0000FF"/>
+                </a:solidFill>
+                <a:effectLst/>
+                <a:latin typeface="DM Mono" panose="020B0509040201040103" pitchFamily="49" charset="0"/>
+              </a:rPr>
+              <a:t>void</a:t>
+            </a:r>
+            <a:r>
+              <a:rPr lang="en" altLang="ko-Kore-KR" b="0" dirty="0">
+                <a:solidFill>
+                  <a:srgbClr val="000000"/>
+                </a:solidFill>
+                <a:effectLst/>
+                <a:latin typeface="DM Mono" panose="020B0509040201040103" pitchFamily="49" charset="0"/>
+              </a:rPr>
+              <a:t> </a:t>
+            </a:r>
+            <a:r>
+              <a:rPr lang="en" altLang="ko-Kore-KR" b="0" dirty="0">
+                <a:solidFill>
+                  <a:srgbClr val="795E26"/>
+                </a:solidFill>
+                <a:effectLst/>
+                <a:latin typeface="DM Mono" panose="020B0509040201040103" pitchFamily="49" charset="0"/>
+              </a:rPr>
+              <a:t>push</a:t>
+            </a:r>
+            <a:r>
+              <a:rPr lang="en" altLang="ko-Kore-KR" b="0" dirty="0">
+                <a:solidFill>
+                  <a:srgbClr val="000000"/>
+                </a:solidFill>
+                <a:effectLst/>
+                <a:latin typeface="DM Mono" panose="020B0509040201040103" pitchFamily="49" charset="0"/>
+              </a:rPr>
+              <a:t>(</a:t>
+            </a:r>
+            <a:r>
+              <a:rPr lang="en" altLang="ko-Kore-KR" b="0" dirty="0">
+                <a:solidFill>
+                  <a:srgbClr val="0000FF"/>
+                </a:solidFill>
+                <a:effectLst/>
+                <a:latin typeface="DM Mono" panose="020B0509040201040103" pitchFamily="49" charset="0"/>
+              </a:rPr>
+              <a:t>int</a:t>
+            </a:r>
+            <a:r>
+              <a:rPr lang="en" altLang="ko-Kore-KR" b="0" dirty="0">
+                <a:solidFill>
+                  <a:srgbClr val="000000"/>
+                </a:solidFill>
+                <a:effectLst/>
+                <a:latin typeface="DM Mono" panose="020B0509040201040103" pitchFamily="49" charset="0"/>
+              </a:rPr>
+              <a:t> </a:t>
+            </a:r>
+            <a:r>
+              <a:rPr lang="en" altLang="ko-Kore-KR" b="0" dirty="0">
+                <a:solidFill>
+                  <a:srgbClr val="001080"/>
+                </a:solidFill>
+                <a:effectLst/>
+                <a:latin typeface="DM Mono" panose="020B0509040201040103" pitchFamily="49" charset="0"/>
+              </a:rPr>
+              <a:t>n</a:t>
+            </a:r>
+            <a:r>
+              <a:rPr lang="en" altLang="ko-Kore-KR" b="0" dirty="0">
+                <a:solidFill>
+                  <a:srgbClr val="000000"/>
+                </a:solidFill>
+                <a:effectLst/>
+                <a:latin typeface="DM Mono" panose="020B0509040201040103" pitchFamily="49" charset="0"/>
+              </a:rPr>
+              <a:t>)</a:t>
+            </a:r>
+          </a:p>
+          <a:p>
+            <a:r>
+              <a:rPr lang="en" altLang="ko-Kore-KR" b="0" dirty="0">
+                <a:solidFill>
+                  <a:srgbClr val="000000"/>
+                </a:solidFill>
+                <a:effectLst/>
+                <a:latin typeface="DM Mono" panose="020B0509040201040103" pitchFamily="49" charset="0"/>
+              </a:rPr>
+              <a:t>{</a:t>
+            </a:r>
+          </a:p>
+          <a:p>
+            <a:r>
+              <a:rPr lang="en" altLang="ko-Kore-KR" b="0" dirty="0">
+                <a:solidFill>
+                  <a:srgbClr val="001080"/>
+                </a:solidFill>
+                <a:effectLst/>
+                <a:latin typeface="DM Mono" panose="020B0509040201040103" pitchFamily="49" charset="0"/>
+              </a:rPr>
+              <a:t>  buff</a:t>
+            </a:r>
+            <a:r>
+              <a:rPr lang="en" altLang="ko-Kore-KR" b="0" dirty="0">
+                <a:solidFill>
+                  <a:srgbClr val="000000"/>
+                </a:solidFill>
+                <a:effectLst/>
+                <a:latin typeface="DM Mono" panose="020B0509040201040103" pitchFamily="49" charset="0"/>
+              </a:rPr>
+              <a:t>[</a:t>
+            </a:r>
+            <a:r>
+              <a:rPr lang="en" altLang="ko-Kore-KR" b="0" dirty="0">
+                <a:solidFill>
+                  <a:srgbClr val="001080"/>
+                </a:solidFill>
+                <a:effectLst/>
+                <a:latin typeface="DM Mono" panose="020B0509040201040103" pitchFamily="49" charset="0"/>
+              </a:rPr>
+              <a:t>top</a:t>
+            </a:r>
+            <a:r>
+              <a:rPr lang="en" altLang="ko-Kore-KR" b="0" dirty="0">
+                <a:solidFill>
+                  <a:srgbClr val="000000"/>
+                </a:solidFill>
+                <a:effectLst/>
+                <a:latin typeface="DM Mono" panose="020B0509040201040103" pitchFamily="49" charset="0"/>
+              </a:rPr>
+              <a:t>++] = </a:t>
+            </a:r>
+            <a:r>
+              <a:rPr lang="en" altLang="ko-Kore-KR" b="0" dirty="0">
+                <a:solidFill>
+                  <a:srgbClr val="001080"/>
+                </a:solidFill>
+                <a:effectLst/>
+                <a:latin typeface="DM Mono" panose="020B0509040201040103" pitchFamily="49" charset="0"/>
+              </a:rPr>
+              <a:t>n</a:t>
+            </a:r>
+            <a:r>
+              <a:rPr lang="en" altLang="ko-Kore-KR" b="0" dirty="0">
+                <a:solidFill>
+                  <a:srgbClr val="000000"/>
+                </a:solidFill>
+                <a:effectLst/>
+                <a:latin typeface="DM Mono" panose="020B0509040201040103" pitchFamily="49" charset="0"/>
+              </a:rPr>
+              <a:t>;</a:t>
+            </a:r>
+          </a:p>
+          <a:p>
+            <a:r>
+              <a:rPr lang="en" altLang="ko-Kore-KR" b="0" dirty="0">
+                <a:solidFill>
+                  <a:srgbClr val="000000"/>
+                </a:solidFill>
+                <a:effectLst/>
+                <a:latin typeface="DM Mono" panose="020B0509040201040103" pitchFamily="49" charset="0"/>
+              </a:rPr>
+              <a:t>}</a:t>
+            </a:r>
+          </a:p>
+          <a:p>
+            <a:br>
+              <a:rPr lang="en" altLang="ko-Kore-KR" b="0" dirty="0">
+                <a:solidFill>
+                  <a:srgbClr val="000000"/>
+                </a:solidFill>
+                <a:effectLst/>
+                <a:latin typeface="DM Mono" panose="020B0509040201040103" pitchFamily="49" charset="0"/>
+              </a:rPr>
+            </a:br>
+            <a:r>
+              <a:rPr lang="en" altLang="ko-Kore-KR" b="0" dirty="0">
+                <a:solidFill>
+                  <a:srgbClr val="0000FF"/>
+                </a:solidFill>
+                <a:effectLst/>
+                <a:latin typeface="DM Mono" panose="020B0509040201040103" pitchFamily="49" charset="0"/>
+              </a:rPr>
+              <a:t>int</a:t>
+            </a:r>
+            <a:r>
+              <a:rPr lang="en" altLang="ko-Kore-KR" b="0" dirty="0">
+                <a:solidFill>
+                  <a:srgbClr val="000000"/>
+                </a:solidFill>
+                <a:effectLst/>
+                <a:latin typeface="DM Mono" panose="020B0509040201040103" pitchFamily="49" charset="0"/>
+              </a:rPr>
+              <a:t> </a:t>
+            </a:r>
+            <a:r>
+              <a:rPr lang="en" altLang="ko-Kore-KR" b="0" dirty="0">
+                <a:solidFill>
+                  <a:srgbClr val="795E26"/>
+                </a:solidFill>
+                <a:effectLst/>
+                <a:latin typeface="DM Mono" panose="020B0509040201040103" pitchFamily="49" charset="0"/>
+              </a:rPr>
+              <a:t>pop</a:t>
+            </a:r>
+            <a:r>
+              <a:rPr lang="en" altLang="ko-Kore-KR" b="0" dirty="0">
+                <a:solidFill>
+                  <a:srgbClr val="000000"/>
+                </a:solidFill>
+                <a:effectLst/>
+                <a:latin typeface="DM Mono" panose="020B0509040201040103" pitchFamily="49" charset="0"/>
+              </a:rPr>
+              <a:t>()</a:t>
+            </a:r>
+          </a:p>
+          <a:p>
+            <a:r>
+              <a:rPr lang="en" altLang="ko-Kore-KR" b="0" dirty="0">
+                <a:solidFill>
+                  <a:srgbClr val="000000"/>
+                </a:solidFill>
+                <a:effectLst/>
+                <a:latin typeface="DM Mono" panose="020B0509040201040103" pitchFamily="49" charset="0"/>
+              </a:rPr>
+              <a:t>{</a:t>
+            </a:r>
+          </a:p>
+          <a:p>
+            <a:r>
+              <a:rPr lang="en" altLang="ko-Kore-KR" b="0" dirty="0">
+                <a:solidFill>
+                  <a:srgbClr val="AF00DB"/>
+                </a:solidFill>
+                <a:effectLst/>
+                <a:latin typeface="DM Mono" panose="020B0509040201040103" pitchFamily="49" charset="0"/>
+              </a:rPr>
+              <a:t>  return</a:t>
+            </a:r>
+            <a:r>
+              <a:rPr lang="en" altLang="ko-Kore-KR" b="0" dirty="0">
+                <a:solidFill>
+                  <a:srgbClr val="000000"/>
+                </a:solidFill>
+                <a:effectLst/>
+                <a:latin typeface="DM Mono" panose="020B0509040201040103" pitchFamily="49" charset="0"/>
+              </a:rPr>
+              <a:t> </a:t>
+            </a:r>
+            <a:r>
+              <a:rPr lang="en" altLang="ko-Kore-KR" b="0" dirty="0">
+                <a:solidFill>
+                  <a:srgbClr val="001080"/>
+                </a:solidFill>
+                <a:effectLst/>
+                <a:latin typeface="DM Mono" panose="020B0509040201040103" pitchFamily="49" charset="0"/>
+              </a:rPr>
+              <a:t>buff</a:t>
+            </a:r>
+            <a:r>
+              <a:rPr lang="en" altLang="ko-Kore-KR" b="0" dirty="0">
+                <a:solidFill>
+                  <a:srgbClr val="000000"/>
+                </a:solidFill>
+                <a:effectLst/>
+                <a:latin typeface="DM Mono" panose="020B0509040201040103" pitchFamily="49" charset="0"/>
+              </a:rPr>
+              <a:t>[--</a:t>
+            </a:r>
+            <a:r>
+              <a:rPr lang="en" altLang="ko-Kore-KR" b="0" dirty="0">
+                <a:solidFill>
+                  <a:srgbClr val="001080"/>
+                </a:solidFill>
+                <a:effectLst/>
+                <a:latin typeface="DM Mono" panose="020B0509040201040103" pitchFamily="49" charset="0"/>
+              </a:rPr>
+              <a:t>top</a:t>
+            </a:r>
+            <a:r>
+              <a:rPr lang="en" altLang="ko-Kore-KR" b="0" dirty="0">
+                <a:solidFill>
+                  <a:srgbClr val="000000"/>
+                </a:solidFill>
+                <a:effectLst/>
+                <a:latin typeface="DM Mono" panose="020B0509040201040103" pitchFamily="49" charset="0"/>
+              </a:rPr>
+              <a:t>];</a:t>
+            </a:r>
+          </a:p>
+          <a:p>
+            <a:r>
+              <a:rPr lang="en" altLang="ko-Kore-KR" b="0" dirty="0">
+                <a:solidFill>
+                  <a:srgbClr val="000000"/>
+                </a:solidFill>
+                <a:effectLst/>
+                <a:latin typeface="DM Mono" panose="020B0509040201040103" pitchFamily="49" charset="0"/>
+              </a:rPr>
+              <a:t>}</a:t>
+            </a:r>
+          </a:p>
+          <a:p>
+            <a:br>
+              <a:rPr lang="en" altLang="ko-Kore-KR" b="0" dirty="0">
+                <a:solidFill>
+                  <a:srgbClr val="000000"/>
+                </a:solidFill>
+                <a:effectLst/>
+                <a:latin typeface="DM Mono" panose="020B0509040201040103" pitchFamily="49" charset="0"/>
+              </a:rPr>
+            </a:br>
+            <a:r>
+              <a:rPr lang="en" altLang="ko-Kore-KR" b="0" dirty="0">
+                <a:solidFill>
+                  <a:srgbClr val="0000FF"/>
+                </a:solidFill>
+                <a:effectLst/>
+                <a:latin typeface="DM Mono" panose="020B0509040201040103" pitchFamily="49" charset="0"/>
+              </a:rPr>
+              <a:t>int</a:t>
+            </a:r>
+            <a:r>
+              <a:rPr lang="en" altLang="ko-Kore-KR" b="0" dirty="0">
+                <a:solidFill>
+                  <a:srgbClr val="000000"/>
+                </a:solidFill>
+                <a:effectLst/>
+                <a:latin typeface="DM Mono" panose="020B0509040201040103" pitchFamily="49" charset="0"/>
+              </a:rPr>
+              <a:t> </a:t>
+            </a:r>
+            <a:r>
+              <a:rPr lang="en" altLang="ko-Kore-KR" b="0" dirty="0">
+                <a:solidFill>
+                  <a:srgbClr val="795E26"/>
+                </a:solidFill>
+                <a:effectLst/>
+                <a:latin typeface="DM Mono" panose="020B0509040201040103" pitchFamily="49" charset="0"/>
+              </a:rPr>
+              <a:t>main</a:t>
+            </a:r>
+            <a:r>
+              <a:rPr lang="en" altLang="ko-Kore-KR" b="0" dirty="0">
+                <a:solidFill>
+                  <a:srgbClr val="000000"/>
+                </a:solidFill>
+                <a:effectLst/>
+                <a:latin typeface="DM Mono" panose="020B0509040201040103" pitchFamily="49" charset="0"/>
+              </a:rPr>
+              <a:t>()</a:t>
+            </a:r>
+          </a:p>
+          <a:p>
+            <a:r>
+              <a:rPr lang="en" altLang="ko-Kore-KR" b="0" dirty="0">
+                <a:solidFill>
+                  <a:srgbClr val="000000"/>
+                </a:solidFill>
+                <a:effectLst/>
+                <a:latin typeface="DM Mono" panose="020B0509040201040103" pitchFamily="49" charset="0"/>
+              </a:rPr>
+              <a:t>{</a:t>
+            </a:r>
+          </a:p>
+          <a:p>
+            <a:r>
+              <a:rPr lang="en" altLang="ko-Kore-KR" b="0" dirty="0">
+                <a:solidFill>
+                  <a:srgbClr val="795E26"/>
+                </a:solidFill>
+                <a:effectLst/>
+                <a:latin typeface="DM Mono" panose="020B0509040201040103" pitchFamily="49" charset="0"/>
+              </a:rPr>
+              <a:t>  </a:t>
+            </a:r>
+            <a:r>
+              <a:rPr lang="en" altLang="ko-Kore-KR" b="1" dirty="0">
+                <a:solidFill>
+                  <a:srgbClr val="795E26"/>
+                </a:solidFill>
+                <a:effectLst/>
+                <a:latin typeface="DM Mono" panose="020B0509040201040103" pitchFamily="49" charset="0"/>
+              </a:rPr>
+              <a:t>push</a:t>
+            </a:r>
+            <a:r>
+              <a:rPr lang="en" altLang="ko-Kore-KR" b="1" dirty="0">
+                <a:solidFill>
+                  <a:srgbClr val="000000"/>
+                </a:solidFill>
+                <a:effectLst/>
+                <a:latin typeface="DM Mono" panose="020B0509040201040103" pitchFamily="49" charset="0"/>
+              </a:rPr>
+              <a:t>(</a:t>
+            </a:r>
+            <a:r>
+              <a:rPr lang="en" altLang="ko-Kore-KR" b="1" dirty="0">
+                <a:solidFill>
+                  <a:srgbClr val="098658"/>
+                </a:solidFill>
+                <a:effectLst/>
+                <a:latin typeface="DM Mono" panose="020B0509040201040103" pitchFamily="49" charset="0"/>
+              </a:rPr>
+              <a:t>10</a:t>
+            </a:r>
+            <a:r>
+              <a:rPr lang="en" altLang="ko-Kore-KR" b="1" dirty="0">
+                <a:solidFill>
+                  <a:srgbClr val="000000"/>
+                </a:solidFill>
+                <a:effectLst/>
+                <a:latin typeface="DM Mono" panose="020B0509040201040103" pitchFamily="49" charset="0"/>
+              </a:rPr>
+              <a:t>);</a:t>
+            </a:r>
+          </a:p>
+          <a:p>
+            <a:r>
+              <a:rPr lang="en" altLang="ko-Kore-KR" b="0" dirty="0">
+                <a:solidFill>
+                  <a:srgbClr val="795E26"/>
+                </a:solidFill>
+                <a:effectLst/>
+                <a:latin typeface="DM Mono" panose="020B0509040201040103" pitchFamily="49" charset="0"/>
+              </a:rPr>
+              <a:t>  push</a:t>
+            </a:r>
+            <a:r>
+              <a:rPr lang="en" altLang="ko-Kore-KR" b="0" dirty="0">
+                <a:solidFill>
+                  <a:srgbClr val="000000"/>
+                </a:solidFill>
+                <a:effectLst/>
+                <a:latin typeface="DM Mono" panose="020B0509040201040103" pitchFamily="49" charset="0"/>
+              </a:rPr>
+              <a:t>(</a:t>
+            </a:r>
+            <a:r>
+              <a:rPr lang="en" altLang="ko-Kore-KR" b="0" dirty="0">
+                <a:solidFill>
+                  <a:srgbClr val="098658"/>
+                </a:solidFill>
+                <a:effectLst/>
+                <a:latin typeface="DM Mono" panose="020B0509040201040103" pitchFamily="49" charset="0"/>
+              </a:rPr>
+              <a:t>20</a:t>
+            </a:r>
+            <a:r>
+              <a:rPr lang="en" altLang="ko-Kore-KR" b="0" dirty="0">
+                <a:solidFill>
+                  <a:srgbClr val="000000"/>
+                </a:solidFill>
+                <a:effectLst/>
+                <a:latin typeface="DM Mono" panose="020B0509040201040103" pitchFamily="49" charset="0"/>
+              </a:rPr>
+              <a:t>);</a:t>
+            </a:r>
+          </a:p>
+          <a:p>
+            <a:r>
+              <a:rPr lang="en" altLang="ko-Kore-KR" b="0" dirty="0">
+                <a:solidFill>
+                  <a:srgbClr val="795E26"/>
+                </a:solidFill>
+                <a:effectLst/>
+                <a:latin typeface="DM Mono" panose="020B0509040201040103" pitchFamily="49" charset="0"/>
+              </a:rPr>
+              <a:t>  push</a:t>
+            </a:r>
+            <a:r>
+              <a:rPr lang="en" altLang="ko-Kore-KR" b="0" dirty="0">
+                <a:solidFill>
+                  <a:srgbClr val="000000"/>
+                </a:solidFill>
+                <a:effectLst/>
+                <a:latin typeface="DM Mono" panose="020B0509040201040103" pitchFamily="49" charset="0"/>
+              </a:rPr>
+              <a:t>(</a:t>
+            </a:r>
+            <a:r>
+              <a:rPr lang="en" altLang="ko-Kore-KR" b="0" dirty="0">
+                <a:solidFill>
+                  <a:srgbClr val="098658"/>
+                </a:solidFill>
+                <a:effectLst/>
+                <a:latin typeface="DM Mono" panose="020B0509040201040103" pitchFamily="49" charset="0"/>
+              </a:rPr>
+              <a:t>30</a:t>
+            </a:r>
+            <a:r>
+              <a:rPr lang="en" altLang="ko-Kore-KR" b="0" dirty="0">
+                <a:solidFill>
+                  <a:srgbClr val="000000"/>
+                </a:solidFill>
+                <a:effectLst/>
+                <a:latin typeface="DM Mono" panose="020B0509040201040103" pitchFamily="49" charset="0"/>
+              </a:rPr>
+              <a:t>);</a:t>
+            </a:r>
+          </a:p>
+          <a:p>
+            <a:br>
+              <a:rPr lang="en" altLang="ko-Kore-KR" b="0" dirty="0">
+                <a:solidFill>
+                  <a:srgbClr val="000000"/>
+                </a:solidFill>
+                <a:effectLst/>
+                <a:latin typeface="DM Mono" panose="020B0509040201040103" pitchFamily="49" charset="0"/>
+              </a:rPr>
+            </a:br>
+            <a:r>
+              <a:rPr lang="en" altLang="ko-Kore-KR" b="0" dirty="0">
+                <a:solidFill>
+                  <a:srgbClr val="000000"/>
+                </a:solidFill>
+                <a:effectLst/>
+                <a:latin typeface="DM Mono" panose="020B0509040201040103" pitchFamily="49" charset="0"/>
+              </a:rPr>
+              <a:t>  </a:t>
+            </a:r>
+            <a:r>
+              <a:rPr lang="en" altLang="ko-Kore-KR" b="0" dirty="0" err="1">
+                <a:solidFill>
+                  <a:srgbClr val="001080"/>
+                </a:solidFill>
+                <a:effectLst/>
+                <a:latin typeface="DM Mono" panose="020B0509040201040103" pitchFamily="49" charset="0"/>
+              </a:rPr>
+              <a:t>cout</a:t>
+            </a:r>
+            <a:r>
+              <a:rPr lang="en" altLang="ko-Kore-KR" b="0" dirty="0">
+                <a:solidFill>
+                  <a:srgbClr val="000000"/>
+                </a:solidFill>
+                <a:effectLst/>
+                <a:latin typeface="DM Mono" panose="020B0509040201040103" pitchFamily="49" charset="0"/>
+              </a:rPr>
+              <a:t> </a:t>
+            </a:r>
+            <a:r>
+              <a:rPr lang="en" altLang="ko-Kore-KR" b="0" dirty="0">
+                <a:solidFill>
+                  <a:srgbClr val="795E26"/>
+                </a:solidFill>
+                <a:effectLst/>
+                <a:latin typeface="DM Mono" panose="020B0509040201040103" pitchFamily="49" charset="0"/>
+              </a:rPr>
+              <a:t>&lt;&lt;</a:t>
+            </a:r>
+            <a:r>
+              <a:rPr lang="en" altLang="ko-Kore-KR" b="0" dirty="0">
+                <a:solidFill>
+                  <a:srgbClr val="000000"/>
+                </a:solidFill>
+                <a:effectLst/>
+                <a:latin typeface="DM Mono" panose="020B0509040201040103" pitchFamily="49" charset="0"/>
+              </a:rPr>
+              <a:t> </a:t>
+            </a:r>
+            <a:r>
+              <a:rPr lang="en" altLang="ko-Kore-KR" b="0" dirty="0">
+                <a:solidFill>
+                  <a:srgbClr val="795E26"/>
+                </a:solidFill>
+                <a:effectLst/>
+                <a:latin typeface="DM Mono" panose="020B0509040201040103" pitchFamily="49" charset="0"/>
+              </a:rPr>
+              <a:t>pop</a:t>
+            </a:r>
+            <a:r>
+              <a:rPr lang="en" altLang="ko-Kore-KR" b="0" dirty="0">
+                <a:solidFill>
+                  <a:srgbClr val="000000"/>
+                </a:solidFill>
+                <a:effectLst/>
+                <a:latin typeface="DM Mono" panose="020B0509040201040103" pitchFamily="49" charset="0"/>
+              </a:rPr>
+              <a:t>() </a:t>
+            </a:r>
+            <a:r>
+              <a:rPr lang="en" altLang="ko-Kore-KR" b="0" dirty="0">
+                <a:solidFill>
+                  <a:srgbClr val="795E26"/>
+                </a:solidFill>
+                <a:effectLst/>
+                <a:latin typeface="DM Mono" panose="020B0509040201040103" pitchFamily="49" charset="0"/>
+              </a:rPr>
+              <a:t>&lt;&lt;</a:t>
+            </a:r>
+            <a:r>
+              <a:rPr lang="en" altLang="ko-Kore-KR" b="0" dirty="0">
+                <a:solidFill>
+                  <a:srgbClr val="000000"/>
+                </a:solidFill>
+                <a:effectLst/>
+                <a:latin typeface="DM Mono" panose="020B0509040201040103" pitchFamily="49" charset="0"/>
+              </a:rPr>
+              <a:t> </a:t>
+            </a:r>
+            <a:r>
+              <a:rPr lang="en" altLang="ko-Kore-KR" b="0" dirty="0" err="1">
+                <a:solidFill>
+                  <a:srgbClr val="795E26"/>
+                </a:solidFill>
+                <a:effectLst/>
+                <a:latin typeface="DM Mono" panose="020B0509040201040103" pitchFamily="49" charset="0"/>
+              </a:rPr>
+              <a:t>endl</a:t>
+            </a:r>
+            <a:r>
+              <a:rPr lang="en" altLang="ko-Kore-KR" b="0" dirty="0">
+                <a:solidFill>
+                  <a:srgbClr val="000000"/>
+                </a:solidFill>
+                <a:effectLst/>
+                <a:latin typeface="DM Mono" panose="020B0509040201040103" pitchFamily="49" charset="0"/>
+              </a:rPr>
+              <a:t>;</a:t>
+            </a:r>
+          </a:p>
+          <a:p>
+            <a:r>
+              <a:rPr lang="en" altLang="ko-Kore-KR" b="0" dirty="0">
+                <a:solidFill>
+                  <a:srgbClr val="001080"/>
+                </a:solidFill>
+                <a:effectLst/>
+                <a:latin typeface="DM Mono" panose="020B0509040201040103" pitchFamily="49" charset="0"/>
+              </a:rPr>
+              <a:t>  </a:t>
+            </a:r>
+            <a:r>
+              <a:rPr lang="en" altLang="ko-Kore-KR" b="0" dirty="0" err="1">
+                <a:solidFill>
+                  <a:srgbClr val="001080"/>
+                </a:solidFill>
+                <a:effectLst/>
+                <a:latin typeface="DM Mono" panose="020B0509040201040103" pitchFamily="49" charset="0"/>
+              </a:rPr>
+              <a:t>cout</a:t>
+            </a:r>
+            <a:r>
+              <a:rPr lang="en" altLang="ko-Kore-KR" b="0" dirty="0">
+                <a:solidFill>
+                  <a:srgbClr val="000000"/>
+                </a:solidFill>
+                <a:effectLst/>
+                <a:latin typeface="DM Mono" panose="020B0509040201040103" pitchFamily="49" charset="0"/>
+              </a:rPr>
+              <a:t> </a:t>
+            </a:r>
+            <a:r>
+              <a:rPr lang="en" altLang="ko-Kore-KR" b="0" dirty="0">
+                <a:solidFill>
+                  <a:srgbClr val="795E26"/>
+                </a:solidFill>
+                <a:effectLst/>
+                <a:latin typeface="DM Mono" panose="020B0509040201040103" pitchFamily="49" charset="0"/>
+              </a:rPr>
+              <a:t>&lt;&lt;</a:t>
+            </a:r>
+            <a:r>
+              <a:rPr lang="en" altLang="ko-Kore-KR" b="0" dirty="0">
+                <a:solidFill>
+                  <a:srgbClr val="000000"/>
+                </a:solidFill>
+                <a:effectLst/>
+                <a:latin typeface="DM Mono" panose="020B0509040201040103" pitchFamily="49" charset="0"/>
+              </a:rPr>
+              <a:t> </a:t>
+            </a:r>
+            <a:r>
+              <a:rPr lang="en" altLang="ko-Kore-KR" b="0" dirty="0">
+                <a:solidFill>
+                  <a:srgbClr val="795E26"/>
+                </a:solidFill>
+                <a:effectLst/>
+                <a:latin typeface="DM Mono" panose="020B0509040201040103" pitchFamily="49" charset="0"/>
+              </a:rPr>
+              <a:t>pop</a:t>
+            </a:r>
+            <a:r>
+              <a:rPr lang="en" altLang="ko-Kore-KR" b="0" dirty="0">
+                <a:solidFill>
+                  <a:srgbClr val="000000"/>
+                </a:solidFill>
+                <a:effectLst/>
+                <a:latin typeface="DM Mono" panose="020B0509040201040103" pitchFamily="49" charset="0"/>
+              </a:rPr>
+              <a:t>() </a:t>
+            </a:r>
+            <a:r>
+              <a:rPr lang="en" altLang="ko-Kore-KR" b="0" dirty="0">
+                <a:solidFill>
+                  <a:srgbClr val="795E26"/>
+                </a:solidFill>
+                <a:effectLst/>
+                <a:latin typeface="DM Mono" panose="020B0509040201040103" pitchFamily="49" charset="0"/>
+              </a:rPr>
+              <a:t>&lt;&lt;</a:t>
+            </a:r>
+            <a:r>
+              <a:rPr lang="en" altLang="ko-Kore-KR" b="0" dirty="0">
+                <a:solidFill>
+                  <a:srgbClr val="000000"/>
+                </a:solidFill>
+                <a:effectLst/>
+                <a:latin typeface="DM Mono" panose="020B0509040201040103" pitchFamily="49" charset="0"/>
+              </a:rPr>
+              <a:t> </a:t>
+            </a:r>
+            <a:r>
+              <a:rPr lang="en" altLang="ko-Kore-KR" b="0" dirty="0" err="1">
+                <a:solidFill>
+                  <a:srgbClr val="795E26"/>
+                </a:solidFill>
+                <a:effectLst/>
+                <a:latin typeface="DM Mono" panose="020B0509040201040103" pitchFamily="49" charset="0"/>
+              </a:rPr>
+              <a:t>endl</a:t>
+            </a:r>
+            <a:r>
+              <a:rPr lang="en" altLang="ko-Kore-KR" b="0" dirty="0">
+                <a:solidFill>
+                  <a:srgbClr val="000000"/>
+                </a:solidFill>
+                <a:effectLst/>
+                <a:latin typeface="DM Mono" panose="020B0509040201040103" pitchFamily="49" charset="0"/>
+              </a:rPr>
+              <a:t>;</a:t>
+            </a:r>
+          </a:p>
+          <a:p>
+            <a:r>
+              <a:rPr lang="en" altLang="ko-Kore-KR" b="0" dirty="0">
+                <a:solidFill>
+                  <a:srgbClr val="001080"/>
+                </a:solidFill>
+                <a:effectLst/>
+                <a:latin typeface="DM Mono" panose="020B0509040201040103" pitchFamily="49" charset="0"/>
+              </a:rPr>
+              <a:t>  </a:t>
+            </a:r>
+            <a:r>
+              <a:rPr lang="en" altLang="ko-Kore-KR" b="0" dirty="0" err="1">
+                <a:solidFill>
+                  <a:srgbClr val="001080"/>
+                </a:solidFill>
+                <a:effectLst/>
+                <a:latin typeface="DM Mono" panose="020B0509040201040103" pitchFamily="49" charset="0"/>
+              </a:rPr>
+              <a:t>cout</a:t>
+            </a:r>
+            <a:r>
+              <a:rPr lang="en" altLang="ko-Kore-KR" b="0" dirty="0">
+                <a:solidFill>
+                  <a:srgbClr val="000000"/>
+                </a:solidFill>
+                <a:effectLst/>
+                <a:latin typeface="DM Mono" panose="020B0509040201040103" pitchFamily="49" charset="0"/>
+              </a:rPr>
+              <a:t> </a:t>
+            </a:r>
+            <a:r>
+              <a:rPr lang="en" altLang="ko-Kore-KR" b="0" dirty="0">
+                <a:solidFill>
+                  <a:srgbClr val="795E26"/>
+                </a:solidFill>
+                <a:effectLst/>
+                <a:latin typeface="DM Mono" panose="020B0509040201040103" pitchFamily="49" charset="0"/>
+              </a:rPr>
+              <a:t>&lt;&lt;</a:t>
+            </a:r>
+            <a:r>
+              <a:rPr lang="en" altLang="ko-Kore-KR" b="0" dirty="0">
+                <a:solidFill>
+                  <a:srgbClr val="000000"/>
+                </a:solidFill>
+                <a:effectLst/>
+                <a:latin typeface="DM Mono" panose="020B0509040201040103" pitchFamily="49" charset="0"/>
+              </a:rPr>
+              <a:t> </a:t>
+            </a:r>
+            <a:r>
+              <a:rPr lang="en" altLang="ko-Kore-KR" b="0" dirty="0">
+                <a:solidFill>
+                  <a:srgbClr val="795E26"/>
+                </a:solidFill>
+                <a:effectLst/>
+                <a:latin typeface="DM Mono" panose="020B0509040201040103" pitchFamily="49" charset="0"/>
+              </a:rPr>
+              <a:t>pop</a:t>
+            </a:r>
+            <a:r>
+              <a:rPr lang="en" altLang="ko-Kore-KR" b="0" dirty="0">
+                <a:solidFill>
+                  <a:srgbClr val="000000"/>
+                </a:solidFill>
+                <a:effectLst/>
+                <a:latin typeface="DM Mono" panose="020B0509040201040103" pitchFamily="49" charset="0"/>
+              </a:rPr>
+              <a:t>() </a:t>
+            </a:r>
+            <a:r>
+              <a:rPr lang="en" altLang="ko-Kore-KR" b="0" dirty="0">
+                <a:solidFill>
+                  <a:srgbClr val="795E26"/>
+                </a:solidFill>
+                <a:effectLst/>
+                <a:latin typeface="DM Mono" panose="020B0509040201040103" pitchFamily="49" charset="0"/>
+              </a:rPr>
+              <a:t>&lt;&lt;</a:t>
+            </a:r>
+            <a:r>
+              <a:rPr lang="en" altLang="ko-Kore-KR" b="0" dirty="0">
+                <a:solidFill>
+                  <a:srgbClr val="000000"/>
+                </a:solidFill>
+                <a:effectLst/>
+                <a:latin typeface="DM Mono" panose="020B0509040201040103" pitchFamily="49" charset="0"/>
+              </a:rPr>
+              <a:t> </a:t>
+            </a:r>
+            <a:r>
+              <a:rPr lang="en" altLang="ko-Kore-KR" b="0" dirty="0" err="1">
+                <a:solidFill>
+                  <a:srgbClr val="795E26"/>
+                </a:solidFill>
+                <a:effectLst/>
+                <a:latin typeface="DM Mono" panose="020B0509040201040103" pitchFamily="49" charset="0"/>
+              </a:rPr>
+              <a:t>endl</a:t>
+            </a:r>
+            <a:r>
+              <a:rPr lang="en" altLang="ko-Kore-KR" b="0" dirty="0">
+                <a:solidFill>
+                  <a:srgbClr val="000000"/>
+                </a:solidFill>
+                <a:effectLst/>
+                <a:latin typeface="DM Mono" panose="020B0509040201040103" pitchFamily="49" charset="0"/>
+              </a:rPr>
+              <a:t>;</a:t>
+            </a:r>
+          </a:p>
+          <a:p>
+            <a:r>
+              <a:rPr lang="en" altLang="ko-Kore-KR" b="0" dirty="0">
+                <a:solidFill>
+                  <a:srgbClr val="000000"/>
+                </a:solidFill>
+                <a:effectLst/>
+                <a:latin typeface="DM Mono" panose="020B0509040201040103" pitchFamily="49" charset="0"/>
+              </a:rPr>
+              <a:t>}</a:t>
+            </a:r>
+          </a:p>
+        </p:txBody>
+      </p:sp>
+      <p:sp>
+        <p:nvSpPr>
+          <p:cNvPr id="6" name="직사각형 5">
+            <a:extLst>
+              <a:ext uri="{FF2B5EF4-FFF2-40B4-BE49-F238E27FC236}">
+                <a16:creationId xmlns:a16="http://schemas.microsoft.com/office/drawing/2014/main" id="{0AAD2971-C304-0E60-DDB4-448CF37233EC}"/>
+              </a:ext>
+            </a:extLst>
+          </p:cNvPr>
+          <p:cNvSpPr/>
+          <p:nvPr/>
+        </p:nvSpPr>
+        <p:spPr>
+          <a:xfrm>
+            <a:off x="7508060" y="893904"/>
+            <a:ext cx="1530743" cy="436970"/>
+          </a:xfrm>
+          <a:prstGeom prst="rect">
+            <a:avLst/>
+          </a:prstGeom>
+          <a:solidFill>
+            <a:srgbClr val="FFFF00"/>
+          </a:solidFill>
+        </p:spPr>
+        <p:style>
+          <a:lnRef idx="2">
+            <a:schemeClr val="accent1">
+              <a:shade val="50000"/>
+            </a:schemeClr>
+          </a:lnRef>
+          <a:fillRef idx="1">
+            <a:schemeClr val="accent1"/>
+          </a:fillRef>
+          <a:effectRef idx="0">
+            <a:schemeClr val="accent1"/>
+          </a:effectRef>
+          <a:fontRef idx="minor">
+            <a:schemeClr val="lt1"/>
+          </a:fontRef>
+        </p:style>
+        <p:txBody>
+          <a:bodyPr rtlCol="0" anchor="ctr"/>
+          <a:lstStyle/>
+          <a:p>
+            <a:pPr algn="ctr"/>
+            <a:endParaRPr kumimoji="1" lang="ko-Kore-KR" altLang="en-US" sz="1400" dirty="0">
+              <a:solidFill>
+                <a:schemeClr val="tx1"/>
+              </a:solidFill>
+            </a:endParaRPr>
+          </a:p>
+        </p:txBody>
+      </p:sp>
+      <p:sp>
+        <p:nvSpPr>
+          <p:cNvPr id="7" name="직사각형 6">
+            <a:extLst>
+              <a:ext uri="{FF2B5EF4-FFF2-40B4-BE49-F238E27FC236}">
+                <a16:creationId xmlns:a16="http://schemas.microsoft.com/office/drawing/2014/main" id="{FBCFA194-0C15-2827-EEBA-DED30282F0AC}"/>
+              </a:ext>
+            </a:extLst>
+          </p:cNvPr>
+          <p:cNvSpPr/>
+          <p:nvPr/>
+        </p:nvSpPr>
+        <p:spPr>
+          <a:xfrm>
+            <a:off x="7508060" y="1330874"/>
+            <a:ext cx="1530743" cy="436970"/>
+          </a:xfrm>
+          <a:prstGeom prst="rect">
+            <a:avLst/>
+          </a:prstGeom>
+          <a:solidFill>
+            <a:srgbClr val="FFFF00"/>
+          </a:solidFill>
+        </p:spPr>
+        <p:style>
+          <a:lnRef idx="2">
+            <a:schemeClr val="accent1">
+              <a:shade val="50000"/>
+            </a:schemeClr>
+          </a:lnRef>
+          <a:fillRef idx="1">
+            <a:schemeClr val="accent1"/>
+          </a:fillRef>
+          <a:effectRef idx="0">
+            <a:schemeClr val="accent1"/>
+          </a:effectRef>
+          <a:fontRef idx="minor">
+            <a:schemeClr val="lt1"/>
+          </a:fontRef>
+        </p:style>
+        <p:txBody>
+          <a:bodyPr rtlCol="0" anchor="ctr"/>
+          <a:lstStyle/>
+          <a:p>
+            <a:pPr algn="ctr"/>
+            <a:endParaRPr kumimoji="1" lang="ko-Kore-KR" altLang="en-US" sz="1400" dirty="0">
+              <a:solidFill>
+                <a:schemeClr val="tx1"/>
+              </a:solidFill>
+            </a:endParaRPr>
+          </a:p>
+        </p:txBody>
+      </p:sp>
+      <p:sp>
+        <p:nvSpPr>
+          <p:cNvPr id="8" name="직사각형 7">
+            <a:extLst>
+              <a:ext uri="{FF2B5EF4-FFF2-40B4-BE49-F238E27FC236}">
+                <a16:creationId xmlns:a16="http://schemas.microsoft.com/office/drawing/2014/main" id="{99D2DD62-4F38-ECE5-2B20-D82A1B8AD1CC}"/>
+              </a:ext>
+            </a:extLst>
+          </p:cNvPr>
+          <p:cNvSpPr/>
+          <p:nvPr/>
+        </p:nvSpPr>
+        <p:spPr>
+          <a:xfrm>
+            <a:off x="7508060" y="1767844"/>
+            <a:ext cx="1530743" cy="436970"/>
+          </a:xfrm>
+          <a:prstGeom prst="rect">
+            <a:avLst/>
+          </a:prstGeom>
+          <a:solidFill>
+            <a:srgbClr val="FFFF00"/>
+          </a:solidFill>
+        </p:spPr>
+        <p:style>
+          <a:lnRef idx="2">
+            <a:schemeClr val="accent1">
+              <a:shade val="50000"/>
+            </a:schemeClr>
+          </a:lnRef>
+          <a:fillRef idx="1">
+            <a:schemeClr val="accent1"/>
+          </a:fillRef>
+          <a:effectRef idx="0">
+            <a:schemeClr val="accent1"/>
+          </a:effectRef>
+          <a:fontRef idx="minor">
+            <a:schemeClr val="lt1"/>
+          </a:fontRef>
+        </p:style>
+        <p:txBody>
+          <a:bodyPr rtlCol="0" anchor="ctr"/>
+          <a:lstStyle/>
+          <a:p>
+            <a:pPr algn="ctr"/>
+            <a:endParaRPr kumimoji="1" lang="ko-Kore-KR" altLang="en-US" sz="1400" dirty="0">
+              <a:solidFill>
+                <a:schemeClr val="tx1"/>
+              </a:solidFill>
+            </a:endParaRPr>
+          </a:p>
+        </p:txBody>
+      </p:sp>
+      <p:sp>
+        <p:nvSpPr>
+          <p:cNvPr id="9" name="직사각형 8">
+            <a:extLst>
+              <a:ext uri="{FF2B5EF4-FFF2-40B4-BE49-F238E27FC236}">
+                <a16:creationId xmlns:a16="http://schemas.microsoft.com/office/drawing/2014/main" id="{D8923471-6F24-BE81-0EEB-D73E63BAECF8}"/>
+              </a:ext>
+            </a:extLst>
+          </p:cNvPr>
+          <p:cNvSpPr/>
+          <p:nvPr/>
+        </p:nvSpPr>
+        <p:spPr>
+          <a:xfrm>
+            <a:off x="7508060" y="2204814"/>
+            <a:ext cx="1530743" cy="436970"/>
+          </a:xfrm>
+          <a:prstGeom prst="rect">
+            <a:avLst/>
+          </a:prstGeom>
+          <a:solidFill>
+            <a:srgbClr val="FFFF00"/>
+          </a:solidFill>
+        </p:spPr>
+        <p:style>
+          <a:lnRef idx="2">
+            <a:schemeClr val="accent1">
+              <a:shade val="50000"/>
+            </a:schemeClr>
+          </a:lnRef>
+          <a:fillRef idx="1">
+            <a:schemeClr val="accent1"/>
+          </a:fillRef>
+          <a:effectRef idx="0">
+            <a:schemeClr val="accent1"/>
+          </a:effectRef>
+          <a:fontRef idx="minor">
+            <a:schemeClr val="lt1"/>
+          </a:fontRef>
+        </p:style>
+        <p:txBody>
+          <a:bodyPr rtlCol="0" anchor="ctr"/>
+          <a:lstStyle/>
+          <a:p>
+            <a:pPr algn="ctr"/>
+            <a:endParaRPr kumimoji="1" lang="ko-Kore-KR" altLang="en-US" sz="1400" dirty="0">
+              <a:solidFill>
+                <a:schemeClr val="tx1"/>
+              </a:solidFill>
+            </a:endParaRPr>
+          </a:p>
+        </p:txBody>
+      </p:sp>
+      <p:sp>
+        <p:nvSpPr>
+          <p:cNvPr id="10" name="직사각형 9">
+            <a:extLst>
+              <a:ext uri="{FF2B5EF4-FFF2-40B4-BE49-F238E27FC236}">
+                <a16:creationId xmlns:a16="http://schemas.microsoft.com/office/drawing/2014/main" id="{2A401CBB-2CFC-3208-8C9E-41A29CBEF195}"/>
+              </a:ext>
+            </a:extLst>
+          </p:cNvPr>
+          <p:cNvSpPr/>
+          <p:nvPr/>
+        </p:nvSpPr>
+        <p:spPr>
+          <a:xfrm>
+            <a:off x="7508060" y="2641784"/>
+            <a:ext cx="1530743" cy="436970"/>
+          </a:xfrm>
+          <a:prstGeom prst="rect">
+            <a:avLst/>
+          </a:prstGeom>
+          <a:solidFill>
+            <a:srgbClr val="FFFF00"/>
+          </a:solidFill>
+        </p:spPr>
+        <p:style>
+          <a:lnRef idx="2">
+            <a:schemeClr val="accent1">
+              <a:shade val="50000"/>
+            </a:schemeClr>
+          </a:lnRef>
+          <a:fillRef idx="1">
+            <a:schemeClr val="accent1"/>
+          </a:fillRef>
+          <a:effectRef idx="0">
+            <a:schemeClr val="accent1"/>
+          </a:effectRef>
+          <a:fontRef idx="minor">
+            <a:schemeClr val="lt1"/>
+          </a:fontRef>
+        </p:style>
+        <p:txBody>
+          <a:bodyPr rtlCol="0" anchor="ctr"/>
+          <a:lstStyle/>
+          <a:p>
+            <a:pPr algn="ctr"/>
+            <a:endParaRPr kumimoji="1" lang="ko-Kore-KR" altLang="en-US" sz="1400" dirty="0">
+              <a:solidFill>
+                <a:schemeClr val="tx1"/>
+              </a:solidFill>
+            </a:endParaRPr>
+          </a:p>
+        </p:txBody>
+      </p:sp>
+      <p:sp>
+        <p:nvSpPr>
+          <p:cNvPr id="11" name="직사각형 10">
+            <a:extLst>
+              <a:ext uri="{FF2B5EF4-FFF2-40B4-BE49-F238E27FC236}">
+                <a16:creationId xmlns:a16="http://schemas.microsoft.com/office/drawing/2014/main" id="{1B0FC7BB-50BE-8AF5-E1D1-7F544E9EB090}"/>
+              </a:ext>
+            </a:extLst>
+          </p:cNvPr>
+          <p:cNvSpPr/>
+          <p:nvPr/>
+        </p:nvSpPr>
+        <p:spPr>
+          <a:xfrm>
+            <a:off x="7508060" y="3078754"/>
+            <a:ext cx="1530743" cy="436970"/>
+          </a:xfrm>
+          <a:prstGeom prst="rect">
+            <a:avLst/>
+          </a:prstGeom>
+          <a:solidFill>
+            <a:srgbClr val="FFFF00"/>
+          </a:solidFill>
+        </p:spPr>
+        <p:style>
+          <a:lnRef idx="2">
+            <a:schemeClr val="accent1">
+              <a:shade val="50000"/>
+            </a:schemeClr>
+          </a:lnRef>
+          <a:fillRef idx="1">
+            <a:schemeClr val="accent1"/>
+          </a:fillRef>
+          <a:effectRef idx="0">
+            <a:schemeClr val="accent1"/>
+          </a:effectRef>
+          <a:fontRef idx="minor">
+            <a:schemeClr val="lt1"/>
+          </a:fontRef>
+        </p:style>
+        <p:txBody>
+          <a:bodyPr rtlCol="0" anchor="ctr"/>
+          <a:lstStyle/>
+          <a:p>
+            <a:pPr algn="ctr"/>
+            <a:endParaRPr kumimoji="1" lang="ko-Kore-KR" altLang="en-US" sz="1400" dirty="0">
+              <a:solidFill>
+                <a:schemeClr val="tx1"/>
+              </a:solidFill>
+            </a:endParaRPr>
+          </a:p>
+        </p:txBody>
+      </p:sp>
+      <p:sp>
+        <p:nvSpPr>
+          <p:cNvPr id="12" name="직사각형 11">
+            <a:extLst>
+              <a:ext uri="{FF2B5EF4-FFF2-40B4-BE49-F238E27FC236}">
+                <a16:creationId xmlns:a16="http://schemas.microsoft.com/office/drawing/2014/main" id="{69639A87-7045-59FF-6C67-29C4BD16227F}"/>
+              </a:ext>
+            </a:extLst>
+          </p:cNvPr>
+          <p:cNvSpPr/>
+          <p:nvPr/>
+        </p:nvSpPr>
+        <p:spPr>
+          <a:xfrm>
+            <a:off x="7508060" y="3515724"/>
+            <a:ext cx="1530743" cy="436970"/>
+          </a:xfrm>
+          <a:prstGeom prst="rect">
+            <a:avLst/>
+          </a:prstGeom>
+          <a:solidFill>
+            <a:srgbClr val="FFFF00"/>
+          </a:solidFill>
+        </p:spPr>
+        <p:style>
+          <a:lnRef idx="2">
+            <a:schemeClr val="accent1">
+              <a:shade val="50000"/>
+            </a:schemeClr>
+          </a:lnRef>
+          <a:fillRef idx="1">
+            <a:schemeClr val="accent1"/>
+          </a:fillRef>
+          <a:effectRef idx="0">
+            <a:schemeClr val="accent1"/>
+          </a:effectRef>
+          <a:fontRef idx="minor">
+            <a:schemeClr val="lt1"/>
+          </a:fontRef>
+        </p:style>
+        <p:txBody>
+          <a:bodyPr rtlCol="0" anchor="ctr"/>
+          <a:lstStyle/>
+          <a:p>
+            <a:pPr algn="ctr"/>
+            <a:endParaRPr kumimoji="1" lang="ko-Kore-KR" altLang="en-US" sz="1400" dirty="0">
+              <a:solidFill>
+                <a:schemeClr val="tx1"/>
+              </a:solidFill>
+            </a:endParaRPr>
+          </a:p>
+        </p:txBody>
+      </p:sp>
+      <p:sp>
+        <p:nvSpPr>
+          <p:cNvPr id="13" name="직사각형 12">
+            <a:extLst>
+              <a:ext uri="{FF2B5EF4-FFF2-40B4-BE49-F238E27FC236}">
+                <a16:creationId xmlns:a16="http://schemas.microsoft.com/office/drawing/2014/main" id="{3B43222A-C4A2-53F6-1032-16D0A309942C}"/>
+              </a:ext>
+            </a:extLst>
+          </p:cNvPr>
+          <p:cNvSpPr/>
+          <p:nvPr/>
+        </p:nvSpPr>
+        <p:spPr>
+          <a:xfrm>
+            <a:off x="7508060" y="3952694"/>
+            <a:ext cx="1530743" cy="436970"/>
+          </a:xfrm>
+          <a:prstGeom prst="rect">
+            <a:avLst/>
+          </a:prstGeom>
+          <a:solidFill>
+            <a:srgbClr val="FFFF00"/>
+          </a:solidFill>
+        </p:spPr>
+        <p:style>
+          <a:lnRef idx="2">
+            <a:schemeClr val="accent1">
+              <a:shade val="50000"/>
+            </a:schemeClr>
+          </a:lnRef>
+          <a:fillRef idx="1">
+            <a:schemeClr val="accent1"/>
+          </a:fillRef>
+          <a:effectRef idx="0">
+            <a:schemeClr val="accent1"/>
+          </a:effectRef>
+          <a:fontRef idx="minor">
+            <a:schemeClr val="lt1"/>
+          </a:fontRef>
+        </p:style>
+        <p:txBody>
+          <a:bodyPr rtlCol="0" anchor="ctr"/>
+          <a:lstStyle/>
+          <a:p>
+            <a:pPr algn="ctr"/>
+            <a:r>
+              <a:rPr kumimoji="1" lang="en-US" altLang="ko-Kore-KR" sz="1400" dirty="0">
+                <a:solidFill>
+                  <a:schemeClr val="tx1"/>
+                </a:solidFill>
+              </a:rPr>
+              <a:t>30</a:t>
+            </a:r>
+            <a:endParaRPr kumimoji="1" lang="ko-Kore-KR" altLang="en-US" sz="1400" dirty="0">
+              <a:solidFill>
+                <a:schemeClr val="tx1"/>
+              </a:solidFill>
+            </a:endParaRPr>
+          </a:p>
+        </p:txBody>
+      </p:sp>
+      <p:sp>
+        <p:nvSpPr>
+          <p:cNvPr id="14" name="직사각형 13">
+            <a:extLst>
+              <a:ext uri="{FF2B5EF4-FFF2-40B4-BE49-F238E27FC236}">
+                <a16:creationId xmlns:a16="http://schemas.microsoft.com/office/drawing/2014/main" id="{25F02642-7114-4C11-4310-A5ABEE2E79C5}"/>
+              </a:ext>
+            </a:extLst>
+          </p:cNvPr>
+          <p:cNvSpPr/>
+          <p:nvPr/>
+        </p:nvSpPr>
+        <p:spPr>
+          <a:xfrm>
+            <a:off x="7508060" y="4389664"/>
+            <a:ext cx="1530743" cy="436970"/>
+          </a:xfrm>
+          <a:prstGeom prst="rect">
+            <a:avLst/>
+          </a:prstGeom>
+          <a:solidFill>
+            <a:srgbClr val="FFFF00"/>
+          </a:solidFill>
+        </p:spPr>
+        <p:style>
+          <a:lnRef idx="2">
+            <a:schemeClr val="accent1">
+              <a:shade val="50000"/>
+            </a:schemeClr>
+          </a:lnRef>
+          <a:fillRef idx="1">
+            <a:schemeClr val="accent1"/>
+          </a:fillRef>
+          <a:effectRef idx="0">
+            <a:schemeClr val="accent1"/>
+          </a:effectRef>
+          <a:fontRef idx="minor">
+            <a:schemeClr val="lt1"/>
+          </a:fontRef>
+        </p:style>
+        <p:txBody>
+          <a:bodyPr rtlCol="0" anchor="ctr"/>
+          <a:lstStyle/>
+          <a:p>
+            <a:pPr algn="ctr"/>
+            <a:r>
+              <a:rPr kumimoji="1" lang="en-US" altLang="ko-Kore-KR" sz="1400" dirty="0">
+                <a:solidFill>
+                  <a:schemeClr val="tx1"/>
+                </a:solidFill>
+              </a:rPr>
+              <a:t>20</a:t>
+            </a:r>
+            <a:endParaRPr kumimoji="1" lang="ko-Kore-KR" altLang="en-US" sz="1400" dirty="0">
+              <a:solidFill>
+                <a:schemeClr val="tx1"/>
+              </a:solidFill>
+            </a:endParaRPr>
+          </a:p>
+        </p:txBody>
+      </p:sp>
+      <p:sp>
+        <p:nvSpPr>
+          <p:cNvPr id="15" name="직사각형 14">
+            <a:extLst>
+              <a:ext uri="{FF2B5EF4-FFF2-40B4-BE49-F238E27FC236}">
+                <a16:creationId xmlns:a16="http://schemas.microsoft.com/office/drawing/2014/main" id="{459423C6-4D66-A703-519F-7F4B7744142F}"/>
+              </a:ext>
+            </a:extLst>
+          </p:cNvPr>
+          <p:cNvSpPr/>
+          <p:nvPr/>
+        </p:nvSpPr>
+        <p:spPr>
+          <a:xfrm>
+            <a:off x="7508059" y="4826634"/>
+            <a:ext cx="1530743" cy="436970"/>
+          </a:xfrm>
+          <a:prstGeom prst="rect">
+            <a:avLst/>
+          </a:prstGeom>
+          <a:solidFill>
+            <a:srgbClr val="FFFF00"/>
+          </a:solidFill>
+        </p:spPr>
+        <p:style>
+          <a:lnRef idx="2">
+            <a:schemeClr val="accent1">
+              <a:shade val="50000"/>
+            </a:schemeClr>
+          </a:lnRef>
+          <a:fillRef idx="1">
+            <a:schemeClr val="accent1"/>
+          </a:fillRef>
+          <a:effectRef idx="0">
+            <a:schemeClr val="accent1"/>
+          </a:effectRef>
+          <a:fontRef idx="minor">
+            <a:schemeClr val="lt1"/>
+          </a:fontRef>
+        </p:style>
+        <p:txBody>
+          <a:bodyPr rtlCol="0" anchor="ctr"/>
+          <a:lstStyle/>
+          <a:p>
+            <a:pPr algn="ctr"/>
+            <a:r>
+              <a:rPr kumimoji="1" lang="en-US" altLang="ko-Kore-KR" sz="1400" dirty="0">
+                <a:solidFill>
+                  <a:schemeClr val="tx1"/>
+                </a:solidFill>
+              </a:rPr>
+              <a:t>10</a:t>
+            </a:r>
+            <a:endParaRPr kumimoji="1" lang="ko-Kore-KR" altLang="en-US" sz="1400" dirty="0">
+              <a:solidFill>
+                <a:schemeClr val="tx1"/>
+              </a:solidFill>
+            </a:endParaRPr>
+          </a:p>
+        </p:txBody>
+      </p:sp>
+      <p:sp>
+        <p:nvSpPr>
+          <p:cNvPr id="16" name="직사각형 15">
+            <a:extLst>
+              <a:ext uri="{FF2B5EF4-FFF2-40B4-BE49-F238E27FC236}">
+                <a16:creationId xmlns:a16="http://schemas.microsoft.com/office/drawing/2014/main" id="{5DFCD438-2ED3-4BDE-3F8D-AC11DA88AF9D}"/>
+              </a:ext>
+            </a:extLst>
+          </p:cNvPr>
+          <p:cNvSpPr/>
+          <p:nvPr/>
+        </p:nvSpPr>
+        <p:spPr>
+          <a:xfrm>
+            <a:off x="5735905" y="675419"/>
+            <a:ext cx="509798" cy="436970"/>
+          </a:xfrm>
+          <a:prstGeom prst="rect">
+            <a:avLst/>
+          </a:prstGeom>
+          <a:solidFill>
+            <a:srgbClr val="FFFF00"/>
+          </a:solidFill>
+        </p:spPr>
+        <p:style>
+          <a:lnRef idx="2">
+            <a:schemeClr val="accent1">
+              <a:shade val="50000"/>
+            </a:schemeClr>
+          </a:lnRef>
+          <a:fillRef idx="1">
+            <a:schemeClr val="accent1"/>
+          </a:fillRef>
+          <a:effectRef idx="0">
+            <a:schemeClr val="accent1"/>
+          </a:effectRef>
+          <a:fontRef idx="minor">
+            <a:schemeClr val="lt1"/>
+          </a:fontRef>
+        </p:style>
+        <p:txBody>
+          <a:bodyPr rtlCol="0" anchor="ctr"/>
+          <a:lstStyle/>
+          <a:p>
+            <a:pPr algn="ctr"/>
+            <a:r>
+              <a:rPr kumimoji="1" lang="en-US" altLang="ko-Kore-KR" sz="1400" dirty="0">
+                <a:solidFill>
+                  <a:schemeClr val="tx1"/>
+                </a:solidFill>
+              </a:rPr>
+              <a:t>3</a:t>
+            </a:r>
+            <a:endParaRPr kumimoji="1" lang="ko-Kore-KR" altLang="en-US" sz="1400" dirty="0">
+              <a:solidFill>
+                <a:schemeClr val="tx1"/>
+              </a:solidFill>
+            </a:endParaRPr>
+          </a:p>
+        </p:txBody>
+      </p:sp>
+      <p:sp>
+        <p:nvSpPr>
+          <p:cNvPr id="17" name="직사각형 16">
+            <a:extLst>
+              <a:ext uri="{FF2B5EF4-FFF2-40B4-BE49-F238E27FC236}">
+                <a16:creationId xmlns:a16="http://schemas.microsoft.com/office/drawing/2014/main" id="{479A36C2-36CB-805B-A520-4FD9F99C3C82}"/>
+              </a:ext>
+            </a:extLst>
+          </p:cNvPr>
+          <p:cNvSpPr/>
+          <p:nvPr/>
+        </p:nvSpPr>
+        <p:spPr>
+          <a:xfrm>
+            <a:off x="5137664" y="709238"/>
+            <a:ext cx="598241" cy="369332"/>
+          </a:xfrm>
+          <a:prstGeom prst="rect">
+            <a:avLst/>
+          </a:prstGeom>
+        </p:spPr>
+        <p:txBody>
+          <a:bodyPr wrap="none">
+            <a:spAutoFit/>
+          </a:bodyPr>
+          <a:lstStyle/>
+          <a:p>
+            <a:r>
+              <a:rPr lang="en" altLang="ko-Kore-KR" b="0" dirty="0">
+                <a:solidFill>
+                  <a:srgbClr val="001080"/>
+                </a:solidFill>
+                <a:effectLst/>
+                <a:latin typeface="DM Mono" panose="020B0509040201040103" pitchFamily="49" charset="0"/>
+              </a:rPr>
+              <a:t>top</a:t>
+            </a:r>
+            <a:endParaRPr lang="ko-Kore-KR" altLang="en-US" dirty="0"/>
+          </a:p>
+        </p:txBody>
+      </p:sp>
+      <p:cxnSp>
+        <p:nvCxnSpPr>
+          <p:cNvPr id="19" name="구부러진 연결선[U] 18">
+            <a:extLst>
+              <a:ext uri="{FF2B5EF4-FFF2-40B4-BE49-F238E27FC236}">
+                <a16:creationId xmlns:a16="http://schemas.microsoft.com/office/drawing/2014/main" id="{05CE30EE-65FD-8966-59BB-35143F2FCDCC}"/>
+              </a:ext>
+            </a:extLst>
+          </p:cNvPr>
+          <p:cNvCxnSpPr>
+            <a:cxnSpLocks/>
+            <a:stCxn id="16" idx="3"/>
+            <a:endCxn id="12" idx="1"/>
+          </p:cNvCxnSpPr>
+          <p:nvPr/>
+        </p:nvCxnSpPr>
+        <p:spPr>
+          <a:xfrm>
+            <a:off x="6245703" y="893904"/>
+            <a:ext cx="1262357" cy="2840305"/>
+          </a:xfrm>
+          <a:prstGeom prst="curvedConnector3">
+            <a:avLst/>
+          </a:prstGeom>
+          <a:ln>
+            <a:tailEnd type="triangle"/>
+          </a:ln>
+        </p:spPr>
+        <p:style>
+          <a:lnRef idx="1">
+            <a:schemeClr val="dk1"/>
+          </a:lnRef>
+          <a:fillRef idx="0">
+            <a:schemeClr val="dk1"/>
+          </a:fillRef>
+          <a:effectRef idx="0">
+            <a:schemeClr val="dk1"/>
+          </a:effectRef>
+          <a:fontRef idx="minor">
+            <a:schemeClr val="tx1"/>
+          </a:fontRef>
+        </p:style>
+      </p:cxnSp>
+    </p:spTree>
+    <p:extLst>
+      <p:ext uri="{BB962C8B-B14F-4D97-AF65-F5344CB8AC3E}">
+        <p14:creationId xmlns:p14="http://schemas.microsoft.com/office/powerpoint/2010/main" val="408007640"/>
       </p:ext>
     </p:extLst>
   </p:cSld>

--- a/cpp/220517.pptx
+++ b/cpp/220517.pptx
@@ -7705,12 +7705,12 @@
           <a:p>
             <a:pPr algn="ctr"/>
             <a:r>
-              <a:rPr kumimoji="1" lang="en-US" altLang="ko-Kore-KR" sz="1400" dirty="0">
+              <a:rPr kumimoji="1" lang="en-US" altLang="ko-KR" sz="1400" dirty="0">
                 <a:solidFill>
                   <a:schemeClr val="tx1"/>
                 </a:solidFill>
               </a:rPr>
-              <a:t>3</a:t>
+              <a:t>0</a:t>
             </a:r>
             <a:endParaRPr kumimoji="1" lang="ko-Kore-KR" altLang="en-US" sz="1400" dirty="0">
               <a:solidFill>
@@ -7773,14 +7773,14 @@
           <p:cNvCxnSpPr>
             <a:cxnSpLocks/>
             <a:stCxn id="16" idx="3"/>
-            <a:endCxn id="12" idx="1"/>
+            <a:endCxn id="15" idx="1"/>
           </p:cNvCxnSpPr>
           <p:nvPr/>
         </p:nvCxnSpPr>
         <p:spPr>
           <a:xfrm>
             <a:off x="6245703" y="893904"/>
-            <a:ext cx="1262357" cy="2840305"/>
+            <a:ext cx="1262356" cy="4151215"/>
           </a:xfrm>
           <a:prstGeom prst="curvedConnector3">
             <a:avLst/>

--- a/cpp/220517.pptx
+++ b/cpp/220517.pptx
@@ -8,6 +8,11 @@
     <p:sldId id="256" r:id="rId2"/>
     <p:sldId id="257" r:id="rId3"/>
     <p:sldId id="258" r:id="rId4"/>
+    <p:sldId id="259" r:id="rId5"/>
+    <p:sldId id="260" r:id="rId6"/>
+    <p:sldId id="261" r:id="rId7"/>
+    <p:sldId id="263" r:id="rId8"/>
+    <p:sldId id="262" r:id="rId9"/>
   </p:sldIdLst>
   <p:sldSz cx="12192000" cy="6858000"/>
   <p:notesSz cx="6858000" cy="9144000"/>
@@ -7808,6 +7813,4798 @@
     <p:extLst>
       <p:ext uri="{BB962C8B-B14F-4D97-AF65-F5344CB8AC3E}">
         <p14:creationId xmlns:p14="http://schemas.microsoft.com/office/powerpoint/2010/main" val="408007640"/>
+      </p:ext>
+    </p:extLst>
+  </p:cSld>
+  <p:clrMapOvr>
+    <a:masterClrMapping/>
+  </p:clrMapOvr>
+</p:sld>
+</file>
+
+<file path=ppt/slides/slide4.xml><?xml version="1.0" encoding="utf-8"?>
+<p:sld xmlns:a="http://schemas.openxmlformats.org/drawingml/2006/main" xmlns:r="http://schemas.openxmlformats.org/officeDocument/2006/relationships" xmlns:p="http://schemas.openxmlformats.org/presentationml/2006/main">
+  <p:cSld>
+    <p:spTree>
+      <p:nvGrpSpPr>
+        <p:cNvPr id="1" name=""/>
+        <p:cNvGrpSpPr/>
+        <p:nvPr/>
+      </p:nvGrpSpPr>
+      <p:grpSpPr>
+        <a:xfrm>
+          <a:off x="0" y="0"/>
+          <a:ext cx="0" cy="0"/>
+          <a:chOff x="0" y="0"/>
+          <a:chExt cx="0" cy="0"/>
+        </a:xfrm>
+      </p:grpSpPr>
+      <p:sp>
+        <p:nvSpPr>
+          <p:cNvPr id="6" name="직사각형 5">
+            <a:extLst>
+              <a:ext uri="{FF2B5EF4-FFF2-40B4-BE49-F238E27FC236}">
+                <a16:creationId xmlns:a16="http://schemas.microsoft.com/office/drawing/2014/main" id="{0AAD2971-C304-0E60-DDB4-448CF37233EC}"/>
+              </a:ext>
+            </a:extLst>
+          </p:cNvPr>
+          <p:cNvSpPr/>
+          <p:nvPr/>
+        </p:nvSpPr>
+        <p:spPr>
+          <a:xfrm>
+            <a:off x="1722254" y="715879"/>
+            <a:ext cx="1530743" cy="436970"/>
+          </a:xfrm>
+          <a:prstGeom prst="rect">
+            <a:avLst/>
+          </a:prstGeom>
+          <a:solidFill>
+            <a:srgbClr val="FFFF00"/>
+          </a:solidFill>
+        </p:spPr>
+        <p:style>
+          <a:lnRef idx="2">
+            <a:schemeClr val="accent1">
+              <a:shade val="50000"/>
+            </a:schemeClr>
+          </a:lnRef>
+          <a:fillRef idx="1">
+            <a:schemeClr val="accent1"/>
+          </a:fillRef>
+          <a:effectRef idx="0">
+            <a:schemeClr val="accent1"/>
+          </a:effectRef>
+          <a:fontRef idx="minor">
+            <a:schemeClr val="lt1"/>
+          </a:fontRef>
+        </p:style>
+        <p:txBody>
+          <a:bodyPr rtlCol="0" anchor="ctr"/>
+          <a:lstStyle/>
+          <a:p>
+            <a:pPr algn="ctr"/>
+            <a:endParaRPr kumimoji="1" lang="ko-Kore-KR" altLang="en-US" sz="1400" dirty="0">
+              <a:solidFill>
+                <a:schemeClr val="tx1"/>
+              </a:solidFill>
+            </a:endParaRPr>
+          </a:p>
+        </p:txBody>
+      </p:sp>
+      <p:sp>
+        <p:nvSpPr>
+          <p:cNvPr id="7" name="직사각형 6">
+            <a:extLst>
+              <a:ext uri="{FF2B5EF4-FFF2-40B4-BE49-F238E27FC236}">
+                <a16:creationId xmlns:a16="http://schemas.microsoft.com/office/drawing/2014/main" id="{FBCFA194-0C15-2827-EEBA-DED30282F0AC}"/>
+              </a:ext>
+            </a:extLst>
+          </p:cNvPr>
+          <p:cNvSpPr/>
+          <p:nvPr/>
+        </p:nvSpPr>
+        <p:spPr>
+          <a:xfrm>
+            <a:off x="1722254" y="1152849"/>
+            <a:ext cx="1530743" cy="436970"/>
+          </a:xfrm>
+          <a:prstGeom prst="rect">
+            <a:avLst/>
+          </a:prstGeom>
+          <a:solidFill>
+            <a:srgbClr val="92D050"/>
+          </a:solidFill>
+        </p:spPr>
+        <p:style>
+          <a:lnRef idx="2">
+            <a:schemeClr val="accent1">
+              <a:shade val="50000"/>
+            </a:schemeClr>
+          </a:lnRef>
+          <a:fillRef idx="1">
+            <a:schemeClr val="accent1"/>
+          </a:fillRef>
+          <a:effectRef idx="0">
+            <a:schemeClr val="accent1"/>
+          </a:effectRef>
+          <a:fontRef idx="minor">
+            <a:schemeClr val="lt1"/>
+          </a:fontRef>
+        </p:style>
+        <p:txBody>
+          <a:bodyPr rtlCol="0" anchor="ctr"/>
+          <a:lstStyle/>
+          <a:p>
+            <a:pPr algn="ctr"/>
+            <a:r>
+              <a:rPr kumimoji="1" lang="en-US" altLang="ko-Kore-KR" sz="1400" dirty="0">
+                <a:solidFill>
+                  <a:schemeClr val="tx1"/>
+                </a:solidFill>
+              </a:rPr>
+              <a:t>1</a:t>
+            </a:r>
+            <a:r>
+              <a:rPr kumimoji="1" lang="en-US" altLang="ko-KR" sz="1400" dirty="0">
+                <a:solidFill>
+                  <a:schemeClr val="tx1"/>
+                </a:solidFill>
+              </a:rPr>
+              <a:t>0</a:t>
+            </a:r>
+            <a:endParaRPr kumimoji="1" lang="ko-Kore-KR" altLang="en-US" sz="1400" dirty="0">
+              <a:solidFill>
+                <a:schemeClr val="tx1"/>
+              </a:solidFill>
+            </a:endParaRPr>
+          </a:p>
+        </p:txBody>
+      </p:sp>
+      <p:sp>
+        <p:nvSpPr>
+          <p:cNvPr id="8" name="직사각형 7">
+            <a:extLst>
+              <a:ext uri="{FF2B5EF4-FFF2-40B4-BE49-F238E27FC236}">
+                <a16:creationId xmlns:a16="http://schemas.microsoft.com/office/drawing/2014/main" id="{99D2DD62-4F38-ECE5-2B20-D82A1B8AD1CC}"/>
+              </a:ext>
+            </a:extLst>
+          </p:cNvPr>
+          <p:cNvSpPr/>
+          <p:nvPr/>
+        </p:nvSpPr>
+        <p:spPr>
+          <a:xfrm>
+            <a:off x="1722254" y="1589819"/>
+            <a:ext cx="1530743" cy="436970"/>
+          </a:xfrm>
+          <a:prstGeom prst="rect">
+            <a:avLst/>
+          </a:prstGeom>
+          <a:solidFill>
+            <a:srgbClr val="FFFF00"/>
+          </a:solidFill>
+        </p:spPr>
+        <p:style>
+          <a:lnRef idx="2">
+            <a:schemeClr val="accent1">
+              <a:shade val="50000"/>
+            </a:schemeClr>
+          </a:lnRef>
+          <a:fillRef idx="1">
+            <a:schemeClr val="accent1"/>
+          </a:fillRef>
+          <a:effectRef idx="0">
+            <a:schemeClr val="accent1"/>
+          </a:effectRef>
+          <a:fontRef idx="minor">
+            <a:schemeClr val="lt1"/>
+          </a:fontRef>
+        </p:style>
+        <p:txBody>
+          <a:bodyPr rtlCol="0" anchor="ctr"/>
+          <a:lstStyle/>
+          <a:p>
+            <a:pPr algn="ctr"/>
+            <a:endParaRPr kumimoji="1" lang="ko-Kore-KR" altLang="en-US" sz="1400" dirty="0">
+              <a:solidFill>
+                <a:schemeClr val="tx1"/>
+              </a:solidFill>
+            </a:endParaRPr>
+          </a:p>
+        </p:txBody>
+      </p:sp>
+      <p:sp>
+        <p:nvSpPr>
+          <p:cNvPr id="9" name="직사각형 8">
+            <a:extLst>
+              <a:ext uri="{FF2B5EF4-FFF2-40B4-BE49-F238E27FC236}">
+                <a16:creationId xmlns:a16="http://schemas.microsoft.com/office/drawing/2014/main" id="{D8923471-6F24-BE81-0EEB-D73E63BAECF8}"/>
+              </a:ext>
+            </a:extLst>
+          </p:cNvPr>
+          <p:cNvSpPr/>
+          <p:nvPr/>
+        </p:nvSpPr>
+        <p:spPr>
+          <a:xfrm>
+            <a:off x="1722254" y="2026789"/>
+            <a:ext cx="1530743" cy="436970"/>
+          </a:xfrm>
+          <a:prstGeom prst="rect">
+            <a:avLst/>
+          </a:prstGeom>
+          <a:solidFill>
+            <a:srgbClr val="92D050"/>
+          </a:solidFill>
+        </p:spPr>
+        <p:style>
+          <a:lnRef idx="2">
+            <a:schemeClr val="accent1">
+              <a:shade val="50000"/>
+            </a:schemeClr>
+          </a:lnRef>
+          <a:fillRef idx="1">
+            <a:schemeClr val="accent1"/>
+          </a:fillRef>
+          <a:effectRef idx="0">
+            <a:schemeClr val="accent1"/>
+          </a:effectRef>
+          <a:fontRef idx="minor">
+            <a:schemeClr val="lt1"/>
+          </a:fontRef>
+        </p:style>
+        <p:txBody>
+          <a:bodyPr rtlCol="0" anchor="ctr"/>
+          <a:lstStyle/>
+          <a:p>
+            <a:pPr algn="ctr"/>
+            <a:r>
+              <a:rPr kumimoji="1" lang="en-US" altLang="ko-Kore-KR" sz="1400" dirty="0">
+                <a:solidFill>
+                  <a:schemeClr val="tx1"/>
+                </a:solidFill>
+              </a:rPr>
+              <a:t>3</a:t>
+            </a:r>
+            <a:r>
+              <a:rPr kumimoji="1" lang="en-US" altLang="ko-KR" sz="1400" dirty="0">
+                <a:solidFill>
+                  <a:schemeClr val="tx1"/>
+                </a:solidFill>
+              </a:rPr>
+              <a:t>0</a:t>
+            </a:r>
+            <a:endParaRPr kumimoji="1" lang="ko-Kore-KR" altLang="en-US" sz="1400" dirty="0">
+              <a:solidFill>
+                <a:schemeClr val="tx1"/>
+              </a:solidFill>
+            </a:endParaRPr>
+          </a:p>
+        </p:txBody>
+      </p:sp>
+      <p:sp>
+        <p:nvSpPr>
+          <p:cNvPr id="10" name="직사각형 9">
+            <a:extLst>
+              <a:ext uri="{FF2B5EF4-FFF2-40B4-BE49-F238E27FC236}">
+                <a16:creationId xmlns:a16="http://schemas.microsoft.com/office/drawing/2014/main" id="{2A401CBB-2CFC-3208-8C9E-41A29CBEF195}"/>
+              </a:ext>
+            </a:extLst>
+          </p:cNvPr>
+          <p:cNvSpPr/>
+          <p:nvPr/>
+        </p:nvSpPr>
+        <p:spPr>
+          <a:xfrm>
+            <a:off x="1722254" y="2463759"/>
+            <a:ext cx="1530743" cy="436970"/>
+          </a:xfrm>
+          <a:prstGeom prst="rect">
+            <a:avLst/>
+          </a:prstGeom>
+          <a:solidFill>
+            <a:srgbClr val="FFFF00"/>
+          </a:solidFill>
+        </p:spPr>
+        <p:style>
+          <a:lnRef idx="2">
+            <a:schemeClr val="accent1">
+              <a:shade val="50000"/>
+            </a:schemeClr>
+          </a:lnRef>
+          <a:fillRef idx="1">
+            <a:schemeClr val="accent1"/>
+          </a:fillRef>
+          <a:effectRef idx="0">
+            <a:schemeClr val="accent1"/>
+          </a:effectRef>
+          <a:fontRef idx="minor">
+            <a:schemeClr val="lt1"/>
+          </a:fontRef>
+        </p:style>
+        <p:txBody>
+          <a:bodyPr rtlCol="0" anchor="ctr"/>
+          <a:lstStyle/>
+          <a:p>
+            <a:pPr algn="ctr"/>
+            <a:endParaRPr kumimoji="1" lang="ko-Kore-KR" altLang="en-US" sz="1400" dirty="0">
+              <a:solidFill>
+                <a:schemeClr val="tx1"/>
+              </a:solidFill>
+            </a:endParaRPr>
+          </a:p>
+        </p:txBody>
+      </p:sp>
+      <p:sp>
+        <p:nvSpPr>
+          <p:cNvPr id="11" name="직사각형 10">
+            <a:extLst>
+              <a:ext uri="{FF2B5EF4-FFF2-40B4-BE49-F238E27FC236}">
+                <a16:creationId xmlns:a16="http://schemas.microsoft.com/office/drawing/2014/main" id="{1B0FC7BB-50BE-8AF5-E1D1-7F544E9EB090}"/>
+              </a:ext>
+            </a:extLst>
+          </p:cNvPr>
+          <p:cNvSpPr/>
+          <p:nvPr/>
+        </p:nvSpPr>
+        <p:spPr>
+          <a:xfrm>
+            <a:off x="1722254" y="2900729"/>
+            <a:ext cx="1530743" cy="436970"/>
+          </a:xfrm>
+          <a:prstGeom prst="rect">
+            <a:avLst/>
+          </a:prstGeom>
+          <a:solidFill>
+            <a:srgbClr val="FFFF00"/>
+          </a:solidFill>
+        </p:spPr>
+        <p:style>
+          <a:lnRef idx="2">
+            <a:schemeClr val="accent1">
+              <a:shade val="50000"/>
+            </a:schemeClr>
+          </a:lnRef>
+          <a:fillRef idx="1">
+            <a:schemeClr val="accent1"/>
+          </a:fillRef>
+          <a:effectRef idx="0">
+            <a:schemeClr val="accent1"/>
+          </a:effectRef>
+          <a:fontRef idx="minor">
+            <a:schemeClr val="lt1"/>
+          </a:fontRef>
+        </p:style>
+        <p:txBody>
+          <a:bodyPr rtlCol="0" anchor="ctr"/>
+          <a:lstStyle/>
+          <a:p>
+            <a:pPr algn="ctr"/>
+            <a:endParaRPr kumimoji="1" lang="ko-Kore-KR" altLang="en-US" sz="1400" dirty="0">
+              <a:solidFill>
+                <a:schemeClr val="tx1"/>
+              </a:solidFill>
+            </a:endParaRPr>
+          </a:p>
+        </p:txBody>
+      </p:sp>
+      <p:sp>
+        <p:nvSpPr>
+          <p:cNvPr id="12" name="직사각형 11">
+            <a:extLst>
+              <a:ext uri="{FF2B5EF4-FFF2-40B4-BE49-F238E27FC236}">
+                <a16:creationId xmlns:a16="http://schemas.microsoft.com/office/drawing/2014/main" id="{69639A87-7045-59FF-6C67-29C4BD16227F}"/>
+              </a:ext>
+            </a:extLst>
+          </p:cNvPr>
+          <p:cNvSpPr/>
+          <p:nvPr/>
+        </p:nvSpPr>
+        <p:spPr>
+          <a:xfrm>
+            <a:off x="1722254" y="3337699"/>
+            <a:ext cx="1530743" cy="436970"/>
+          </a:xfrm>
+          <a:prstGeom prst="rect">
+            <a:avLst/>
+          </a:prstGeom>
+          <a:solidFill>
+            <a:srgbClr val="92D050"/>
+          </a:solidFill>
+        </p:spPr>
+        <p:style>
+          <a:lnRef idx="2">
+            <a:schemeClr val="accent1">
+              <a:shade val="50000"/>
+            </a:schemeClr>
+          </a:lnRef>
+          <a:fillRef idx="1">
+            <a:schemeClr val="accent1"/>
+          </a:fillRef>
+          <a:effectRef idx="0">
+            <a:schemeClr val="accent1"/>
+          </a:effectRef>
+          <a:fontRef idx="minor">
+            <a:schemeClr val="lt1"/>
+          </a:fontRef>
+        </p:style>
+        <p:txBody>
+          <a:bodyPr rtlCol="0" anchor="ctr"/>
+          <a:lstStyle/>
+          <a:p>
+            <a:pPr algn="ctr"/>
+            <a:r>
+              <a:rPr kumimoji="1" lang="en-US" altLang="ko-Kore-KR" sz="1400" dirty="0">
+                <a:solidFill>
+                  <a:schemeClr val="tx1"/>
+                </a:solidFill>
+              </a:rPr>
+              <a:t>2</a:t>
+            </a:r>
+            <a:r>
+              <a:rPr kumimoji="1" lang="en-US" altLang="ko-KR" sz="1400" dirty="0">
+                <a:solidFill>
+                  <a:schemeClr val="tx1"/>
+                </a:solidFill>
+              </a:rPr>
+              <a:t>0</a:t>
+            </a:r>
+            <a:endParaRPr kumimoji="1" lang="ko-Kore-KR" altLang="en-US" sz="1400" dirty="0">
+              <a:solidFill>
+                <a:schemeClr val="tx1"/>
+              </a:solidFill>
+            </a:endParaRPr>
+          </a:p>
+        </p:txBody>
+      </p:sp>
+      <p:sp>
+        <p:nvSpPr>
+          <p:cNvPr id="13" name="직사각형 12">
+            <a:extLst>
+              <a:ext uri="{FF2B5EF4-FFF2-40B4-BE49-F238E27FC236}">
+                <a16:creationId xmlns:a16="http://schemas.microsoft.com/office/drawing/2014/main" id="{3B43222A-C4A2-53F6-1032-16D0A309942C}"/>
+              </a:ext>
+            </a:extLst>
+          </p:cNvPr>
+          <p:cNvSpPr/>
+          <p:nvPr/>
+        </p:nvSpPr>
+        <p:spPr>
+          <a:xfrm>
+            <a:off x="1722254" y="3774669"/>
+            <a:ext cx="1530743" cy="436970"/>
+          </a:xfrm>
+          <a:prstGeom prst="rect">
+            <a:avLst/>
+          </a:prstGeom>
+          <a:solidFill>
+            <a:srgbClr val="FFFF00"/>
+          </a:solidFill>
+        </p:spPr>
+        <p:style>
+          <a:lnRef idx="2">
+            <a:schemeClr val="accent1">
+              <a:shade val="50000"/>
+            </a:schemeClr>
+          </a:lnRef>
+          <a:fillRef idx="1">
+            <a:schemeClr val="accent1"/>
+          </a:fillRef>
+          <a:effectRef idx="0">
+            <a:schemeClr val="accent1"/>
+          </a:effectRef>
+          <a:fontRef idx="minor">
+            <a:schemeClr val="lt1"/>
+          </a:fontRef>
+        </p:style>
+        <p:txBody>
+          <a:bodyPr rtlCol="0" anchor="ctr"/>
+          <a:lstStyle/>
+          <a:p>
+            <a:pPr algn="ctr"/>
+            <a:endParaRPr kumimoji="1" lang="ko-Kore-KR" altLang="en-US" sz="1400" dirty="0">
+              <a:solidFill>
+                <a:schemeClr val="tx1"/>
+              </a:solidFill>
+            </a:endParaRPr>
+          </a:p>
+        </p:txBody>
+      </p:sp>
+      <p:sp>
+        <p:nvSpPr>
+          <p:cNvPr id="14" name="직사각형 13">
+            <a:extLst>
+              <a:ext uri="{FF2B5EF4-FFF2-40B4-BE49-F238E27FC236}">
+                <a16:creationId xmlns:a16="http://schemas.microsoft.com/office/drawing/2014/main" id="{25F02642-7114-4C11-4310-A5ABEE2E79C5}"/>
+              </a:ext>
+            </a:extLst>
+          </p:cNvPr>
+          <p:cNvSpPr/>
+          <p:nvPr/>
+        </p:nvSpPr>
+        <p:spPr>
+          <a:xfrm>
+            <a:off x="1722254" y="4211639"/>
+            <a:ext cx="1530743" cy="436970"/>
+          </a:xfrm>
+          <a:prstGeom prst="rect">
+            <a:avLst/>
+          </a:prstGeom>
+          <a:solidFill>
+            <a:srgbClr val="FFFF00"/>
+          </a:solidFill>
+        </p:spPr>
+        <p:style>
+          <a:lnRef idx="2">
+            <a:schemeClr val="accent1">
+              <a:shade val="50000"/>
+            </a:schemeClr>
+          </a:lnRef>
+          <a:fillRef idx="1">
+            <a:schemeClr val="accent1"/>
+          </a:fillRef>
+          <a:effectRef idx="0">
+            <a:schemeClr val="accent1"/>
+          </a:effectRef>
+          <a:fontRef idx="minor">
+            <a:schemeClr val="lt1"/>
+          </a:fontRef>
+        </p:style>
+        <p:txBody>
+          <a:bodyPr rtlCol="0" anchor="ctr"/>
+          <a:lstStyle/>
+          <a:p>
+            <a:pPr algn="ctr"/>
+            <a:endParaRPr kumimoji="1" lang="ko-Kore-KR" altLang="en-US" sz="1400" dirty="0">
+              <a:solidFill>
+                <a:schemeClr val="tx1"/>
+              </a:solidFill>
+            </a:endParaRPr>
+          </a:p>
+        </p:txBody>
+      </p:sp>
+      <p:sp>
+        <p:nvSpPr>
+          <p:cNvPr id="15" name="직사각형 14">
+            <a:extLst>
+              <a:ext uri="{FF2B5EF4-FFF2-40B4-BE49-F238E27FC236}">
+                <a16:creationId xmlns:a16="http://schemas.microsoft.com/office/drawing/2014/main" id="{459423C6-4D66-A703-519F-7F4B7744142F}"/>
+              </a:ext>
+            </a:extLst>
+          </p:cNvPr>
+          <p:cNvSpPr/>
+          <p:nvPr/>
+        </p:nvSpPr>
+        <p:spPr>
+          <a:xfrm>
+            <a:off x="1722253" y="4648609"/>
+            <a:ext cx="1530743" cy="436970"/>
+          </a:xfrm>
+          <a:prstGeom prst="rect">
+            <a:avLst/>
+          </a:prstGeom>
+          <a:solidFill>
+            <a:srgbClr val="FFFF00"/>
+          </a:solidFill>
+        </p:spPr>
+        <p:style>
+          <a:lnRef idx="2">
+            <a:schemeClr val="accent1">
+              <a:shade val="50000"/>
+            </a:schemeClr>
+          </a:lnRef>
+          <a:fillRef idx="1">
+            <a:schemeClr val="accent1"/>
+          </a:fillRef>
+          <a:effectRef idx="0">
+            <a:schemeClr val="accent1"/>
+          </a:effectRef>
+          <a:fontRef idx="minor">
+            <a:schemeClr val="lt1"/>
+          </a:fontRef>
+        </p:style>
+        <p:txBody>
+          <a:bodyPr rtlCol="0" anchor="ctr"/>
+          <a:lstStyle/>
+          <a:p>
+            <a:pPr algn="ctr"/>
+            <a:endParaRPr kumimoji="1" lang="ko-Kore-KR" altLang="en-US" sz="1400" dirty="0">
+              <a:solidFill>
+                <a:schemeClr val="tx1"/>
+              </a:solidFill>
+            </a:endParaRPr>
+          </a:p>
+        </p:txBody>
+      </p:sp>
+      <p:cxnSp>
+        <p:nvCxnSpPr>
+          <p:cNvPr id="18" name="구부러진 연결선[U] 17">
+            <a:extLst>
+              <a:ext uri="{FF2B5EF4-FFF2-40B4-BE49-F238E27FC236}">
+                <a16:creationId xmlns:a16="http://schemas.microsoft.com/office/drawing/2014/main" id="{09C5FBDA-E230-30FF-00D9-FAA4F7993CAA}"/>
+              </a:ext>
+            </a:extLst>
+          </p:cNvPr>
+          <p:cNvCxnSpPr>
+            <a:cxnSpLocks/>
+            <a:stCxn id="7" idx="3"/>
+            <a:endCxn id="12" idx="3"/>
+          </p:cNvCxnSpPr>
+          <p:nvPr/>
+        </p:nvCxnSpPr>
+        <p:spPr>
+          <a:xfrm>
+            <a:off x="3252997" y="1371334"/>
+            <a:ext cx="12700" cy="2184850"/>
+          </a:xfrm>
+          <a:prstGeom prst="curvedConnector3">
+            <a:avLst>
+              <a:gd name="adj1" fmla="val 4284961"/>
+            </a:avLst>
+          </a:prstGeom>
+          <a:ln>
+            <a:tailEnd type="triangle"/>
+          </a:ln>
+        </p:spPr>
+        <p:style>
+          <a:lnRef idx="1">
+            <a:schemeClr val="dk1"/>
+          </a:lnRef>
+          <a:fillRef idx="0">
+            <a:schemeClr val="dk1"/>
+          </a:fillRef>
+          <a:effectRef idx="0">
+            <a:schemeClr val="dk1"/>
+          </a:effectRef>
+          <a:fontRef idx="minor">
+            <a:schemeClr val="tx1"/>
+          </a:fontRef>
+        </p:style>
+      </p:cxnSp>
+      <p:cxnSp>
+        <p:nvCxnSpPr>
+          <p:cNvPr id="20" name="구부러진 연결선[U] 19">
+            <a:extLst>
+              <a:ext uri="{FF2B5EF4-FFF2-40B4-BE49-F238E27FC236}">
+                <a16:creationId xmlns:a16="http://schemas.microsoft.com/office/drawing/2014/main" id="{F3BD60EA-7632-E514-1799-A10BCDE0D514}"/>
+              </a:ext>
+            </a:extLst>
+          </p:cNvPr>
+          <p:cNvCxnSpPr>
+            <a:cxnSpLocks/>
+            <a:stCxn id="12" idx="1"/>
+            <a:endCxn id="9" idx="1"/>
+          </p:cNvCxnSpPr>
+          <p:nvPr/>
+        </p:nvCxnSpPr>
+        <p:spPr>
+          <a:xfrm rot="10800000">
+            <a:off x="1722254" y="2245274"/>
+            <a:ext cx="12700" cy="1310910"/>
+          </a:xfrm>
+          <a:prstGeom prst="curvedConnector3">
+            <a:avLst>
+              <a:gd name="adj1" fmla="val 4221244"/>
+            </a:avLst>
+          </a:prstGeom>
+          <a:ln>
+            <a:tailEnd type="triangle"/>
+          </a:ln>
+        </p:spPr>
+        <p:style>
+          <a:lnRef idx="1">
+            <a:schemeClr val="dk1"/>
+          </a:lnRef>
+          <a:fillRef idx="0">
+            <a:schemeClr val="dk1"/>
+          </a:fillRef>
+          <a:effectRef idx="0">
+            <a:schemeClr val="dk1"/>
+          </a:effectRef>
+          <a:fontRef idx="minor">
+            <a:schemeClr val="tx1"/>
+          </a:fontRef>
+        </p:style>
+      </p:cxnSp>
+      <p:sp>
+        <p:nvSpPr>
+          <p:cNvPr id="26" name="직사각형 25">
+            <a:extLst>
+              <a:ext uri="{FF2B5EF4-FFF2-40B4-BE49-F238E27FC236}">
+                <a16:creationId xmlns:a16="http://schemas.microsoft.com/office/drawing/2014/main" id="{7147A99B-D995-A4D6-1A12-D1EBF1E4E601}"/>
+              </a:ext>
+            </a:extLst>
+          </p:cNvPr>
+          <p:cNvSpPr/>
+          <p:nvPr/>
+        </p:nvSpPr>
+        <p:spPr>
+          <a:xfrm>
+            <a:off x="5684654" y="1176594"/>
+            <a:ext cx="1530743" cy="436970"/>
+          </a:xfrm>
+          <a:prstGeom prst="rect">
+            <a:avLst/>
+          </a:prstGeom>
+          <a:solidFill>
+            <a:srgbClr val="92D050"/>
+          </a:solidFill>
+        </p:spPr>
+        <p:style>
+          <a:lnRef idx="2">
+            <a:schemeClr val="accent1">
+              <a:shade val="50000"/>
+            </a:schemeClr>
+          </a:lnRef>
+          <a:fillRef idx="1">
+            <a:schemeClr val="accent1"/>
+          </a:fillRef>
+          <a:effectRef idx="0">
+            <a:schemeClr val="accent1"/>
+          </a:effectRef>
+          <a:fontRef idx="minor">
+            <a:schemeClr val="lt1"/>
+          </a:fontRef>
+        </p:style>
+        <p:txBody>
+          <a:bodyPr rtlCol="0" anchor="ctr"/>
+          <a:lstStyle/>
+          <a:p>
+            <a:pPr algn="ctr"/>
+            <a:r>
+              <a:rPr kumimoji="1" lang="en-US" altLang="ko-Kore-KR" sz="1400" dirty="0">
+                <a:solidFill>
+                  <a:schemeClr val="tx1"/>
+                </a:solidFill>
+              </a:rPr>
+              <a:t>1</a:t>
+            </a:r>
+            <a:r>
+              <a:rPr kumimoji="1" lang="en-US" altLang="ko-KR" sz="1400" dirty="0">
+                <a:solidFill>
+                  <a:schemeClr val="tx1"/>
+                </a:solidFill>
+              </a:rPr>
+              <a:t>0</a:t>
+            </a:r>
+            <a:endParaRPr kumimoji="1" lang="ko-Kore-KR" altLang="en-US" sz="1400" dirty="0">
+              <a:solidFill>
+                <a:schemeClr val="tx1"/>
+              </a:solidFill>
+            </a:endParaRPr>
+          </a:p>
+        </p:txBody>
+      </p:sp>
+      <p:sp>
+        <p:nvSpPr>
+          <p:cNvPr id="28" name="직사각형 27">
+            <a:extLst>
+              <a:ext uri="{FF2B5EF4-FFF2-40B4-BE49-F238E27FC236}">
+                <a16:creationId xmlns:a16="http://schemas.microsoft.com/office/drawing/2014/main" id="{C6242C2A-B080-756D-2CA3-75676E78B33D}"/>
+              </a:ext>
+            </a:extLst>
+          </p:cNvPr>
+          <p:cNvSpPr/>
+          <p:nvPr/>
+        </p:nvSpPr>
+        <p:spPr>
+          <a:xfrm>
+            <a:off x="8615319" y="5244436"/>
+            <a:ext cx="1530743" cy="436970"/>
+          </a:xfrm>
+          <a:prstGeom prst="rect">
+            <a:avLst/>
+          </a:prstGeom>
+          <a:solidFill>
+            <a:srgbClr val="92D050"/>
+          </a:solidFill>
+        </p:spPr>
+        <p:style>
+          <a:lnRef idx="2">
+            <a:schemeClr val="accent1">
+              <a:shade val="50000"/>
+            </a:schemeClr>
+          </a:lnRef>
+          <a:fillRef idx="1">
+            <a:schemeClr val="accent1"/>
+          </a:fillRef>
+          <a:effectRef idx="0">
+            <a:schemeClr val="accent1"/>
+          </a:effectRef>
+          <a:fontRef idx="minor">
+            <a:schemeClr val="lt1"/>
+          </a:fontRef>
+        </p:style>
+        <p:txBody>
+          <a:bodyPr rtlCol="0" anchor="ctr"/>
+          <a:lstStyle/>
+          <a:p>
+            <a:pPr algn="ctr"/>
+            <a:r>
+              <a:rPr kumimoji="1" lang="en-US" altLang="ko-Kore-KR" sz="1400" dirty="0">
+                <a:solidFill>
+                  <a:schemeClr val="tx1"/>
+                </a:solidFill>
+              </a:rPr>
+              <a:t>3</a:t>
+            </a:r>
+            <a:r>
+              <a:rPr kumimoji="1" lang="en-US" altLang="ko-KR" sz="1400" dirty="0">
+                <a:solidFill>
+                  <a:schemeClr val="tx1"/>
+                </a:solidFill>
+              </a:rPr>
+              <a:t>0</a:t>
+            </a:r>
+            <a:endParaRPr kumimoji="1" lang="ko-Kore-KR" altLang="en-US" sz="1400" dirty="0">
+              <a:solidFill>
+                <a:schemeClr val="tx1"/>
+              </a:solidFill>
+            </a:endParaRPr>
+          </a:p>
+        </p:txBody>
+      </p:sp>
+      <p:sp>
+        <p:nvSpPr>
+          <p:cNvPr id="31" name="직사각형 30">
+            <a:extLst>
+              <a:ext uri="{FF2B5EF4-FFF2-40B4-BE49-F238E27FC236}">
+                <a16:creationId xmlns:a16="http://schemas.microsoft.com/office/drawing/2014/main" id="{D72E4333-A3DF-7CFE-3CB9-CD1F85EB6139}"/>
+              </a:ext>
+            </a:extLst>
+          </p:cNvPr>
+          <p:cNvSpPr/>
+          <p:nvPr/>
+        </p:nvSpPr>
+        <p:spPr>
+          <a:xfrm>
+            <a:off x="7215397" y="3412285"/>
+            <a:ext cx="1530743" cy="436970"/>
+          </a:xfrm>
+          <a:prstGeom prst="rect">
+            <a:avLst/>
+          </a:prstGeom>
+          <a:solidFill>
+            <a:srgbClr val="92D050"/>
+          </a:solidFill>
+        </p:spPr>
+        <p:style>
+          <a:lnRef idx="2">
+            <a:schemeClr val="accent1">
+              <a:shade val="50000"/>
+            </a:schemeClr>
+          </a:lnRef>
+          <a:fillRef idx="1">
+            <a:schemeClr val="accent1"/>
+          </a:fillRef>
+          <a:effectRef idx="0">
+            <a:schemeClr val="accent1"/>
+          </a:effectRef>
+          <a:fontRef idx="minor">
+            <a:schemeClr val="lt1"/>
+          </a:fontRef>
+        </p:style>
+        <p:txBody>
+          <a:bodyPr rtlCol="0" anchor="ctr"/>
+          <a:lstStyle/>
+          <a:p>
+            <a:pPr algn="ctr"/>
+            <a:r>
+              <a:rPr kumimoji="1" lang="en-US" altLang="ko-Kore-KR" sz="1400" dirty="0">
+                <a:solidFill>
+                  <a:schemeClr val="tx1"/>
+                </a:solidFill>
+              </a:rPr>
+              <a:t>2</a:t>
+            </a:r>
+            <a:r>
+              <a:rPr kumimoji="1" lang="en-US" altLang="ko-KR" sz="1400" dirty="0">
+                <a:solidFill>
+                  <a:schemeClr val="tx1"/>
+                </a:solidFill>
+              </a:rPr>
+              <a:t>0</a:t>
+            </a:r>
+            <a:endParaRPr kumimoji="1" lang="ko-Kore-KR" altLang="en-US" sz="1400" dirty="0">
+              <a:solidFill>
+                <a:schemeClr val="tx1"/>
+              </a:solidFill>
+            </a:endParaRPr>
+          </a:p>
+        </p:txBody>
+      </p:sp>
+      <p:cxnSp>
+        <p:nvCxnSpPr>
+          <p:cNvPr id="35" name="구부러진 연결선[U] 34">
+            <a:extLst>
+              <a:ext uri="{FF2B5EF4-FFF2-40B4-BE49-F238E27FC236}">
+                <a16:creationId xmlns:a16="http://schemas.microsoft.com/office/drawing/2014/main" id="{384A6347-A8B0-F008-BC41-C82AD88676E5}"/>
+              </a:ext>
+            </a:extLst>
+          </p:cNvPr>
+          <p:cNvCxnSpPr>
+            <a:cxnSpLocks/>
+            <a:stCxn id="26" idx="3"/>
+            <a:endCxn id="41" idx="3"/>
+          </p:cNvCxnSpPr>
+          <p:nvPr/>
+        </p:nvCxnSpPr>
+        <p:spPr>
+          <a:xfrm>
+            <a:off x="7215397" y="1395079"/>
+            <a:ext cx="12701" cy="1227087"/>
+          </a:xfrm>
+          <a:prstGeom prst="curvedConnector3">
+            <a:avLst>
+              <a:gd name="adj1" fmla="val 1899858"/>
+            </a:avLst>
+          </a:prstGeom>
+          <a:ln>
+            <a:tailEnd type="triangle"/>
+          </a:ln>
+        </p:spPr>
+        <p:style>
+          <a:lnRef idx="1">
+            <a:schemeClr val="dk1"/>
+          </a:lnRef>
+          <a:fillRef idx="0">
+            <a:schemeClr val="dk1"/>
+          </a:fillRef>
+          <a:effectRef idx="0">
+            <a:schemeClr val="dk1"/>
+          </a:effectRef>
+          <a:fontRef idx="minor">
+            <a:schemeClr val="tx1"/>
+          </a:fontRef>
+        </p:style>
+      </p:cxnSp>
+      <p:cxnSp>
+        <p:nvCxnSpPr>
+          <p:cNvPr id="36" name="구부러진 연결선[U] 35">
+            <a:extLst>
+              <a:ext uri="{FF2B5EF4-FFF2-40B4-BE49-F238E27FC236}">
+                <a16:creationId xmlns:a16="http://schemas.microsoft.com/office/drawing/2014/main" id="{3D7EA512-7EB6-3E3E-DEEA-818D44D00B8F}"/>
+              </a:ext>
+            </a:extLst>
+          </p:cNvPr>
+          <p:cNvCxnSpPr>
+            <a:cxnSpLocks/>
+            <a:stCxn id="31" idx="1"/>
+            <a:endCxn id="28" idx="1"/>
+          </p:cNvCxnSpPr>
+          <p:nvPr/>
+        </p:nvCxnSpPr>
+        <p:spPr>
+          <a:xfrm rot="10800000" flipH="1" flipV="1">
+            <a:off x="7215397" y="3630769"/>
+            <a:ext cx="1399922" cy="1832151"/>
+          </a:xfrm>
+          <a:prstGeom prst="curvedConnector3">
+            <a:avLst>
+              <a:gd name="adj1" fmla="val -16329"/>
+            </a:avLst>
+          </a:prstGeom>
+          <a:ln>
+            <a:tailEnd type="triangle"/>
+          </a:ln>
+        </p:spPr>
+        <p:style>
+          <a:lnRef idx="1">
+            <a:schemeClr val="dk1"/>
+          </a:lnRef>
+          <a:fillRef idx="0">
+            <a:schemeClr val="dk1"/>
+          </a:fillRef>
+          <a:effectRef idx="0">
+            <a:schemeClr val="dk1"/>
+          </a:effectRef>
+          <a:fontRef idx="minor">
+            <a:schemeClr val="tx1"/>
+          </a:fontRef>
+        </p:style>
+      </p:cxnSp>
+      <p:sp>
+        <p:nvSpPr>
+          <p:cNvPr id="41" name="직사각형 40">
+            <a:extLst>
+              <a:ext uri="{FF2B5EF4-FFF2-40B4-BE49-F238E27FC236}">
+                <a16:creationId xmlns:a16="http://schemas.microsoft.com/office/drawing/2014/main" id="{8B0D3877-9170-6E68-4A96-476DB28A4E05}"/>
+              </a:ext>
+            </a:extLst>
+          </p:cNvPr>
+          <p:cNvSpPr/>
+          <p:nvPr/>
+        </p:nvSpPr>
+        <p:spPr>
+          <a:xfrm>
+            <a:off x="5697355" y="2403681"/>
+            <a:ext cx="1530743" cy="436970"/>
+          </a:xfrm>
+          <a:prstGeom prst="rect">
+            <a:avLst/>
+          </a:prstGeom>
+          <a:solidFill>
+            <a:srgbClr val="92D050"/>
+          </a:solidFill>
+        </p:spPr>
+        <p:style>
+          <a:lnRef idx="2">
+            <a:schemeClr val="accent1">
+              <a:shade val="50000"/>
+            </a:schemeClr>
+          </a:lnRef>
+          <a:fillRef idx="1">
+            <a:schemeClr val="accent1"/>
+          </a:fillRef>
+          <a:effectRef idx="0">
+            <a:schemeClr val="accent1"/>
+          </a:effectRef>
+          <a:fontRef idx="minor">
+            <a:schemeClr val="lt1"/>
+          </a:fontRef>
+        </p:style>
+        <p:txBody>
+          <a:bodyPr rtlCol="0" anchor="ctr"/>
+          <a:lstStyle/>
+          <a:p>
+            <a:pPr algn="ctr"/>
+            <a:r>
+              <a:rPr kumimoji="1" lang="en-US" altLang="ko-Kore-KR" sz="1400" dirty="0">
+                <a:solidFill>
+                  <a:schemeClr val="tx1"/>
+                </a:solidFill>
+              </a:rPr>
+              <a:t>2</a:t>
+            </a:r>
+            <a:r>
+              <a:rPr kumimoji="1" lang="en-US" altLang="ko-KR" sz="1400" dirty="0">
+                <a:solidFill>
+                  <a:schemeClr val="tx1"/>
+                </a:solidFill>
+              </a:rPr>
+              <a:t>0</a:t>
+            </a:r>
+            <a:endParaRPr kumimoji="1" lang="ko-Kore-KR" altLang="en-US" sz="1400" dirty="0">
+              <a:solidFill>
+                <a:schemeClr val="tx1"/>
+              </a:solidFill>
+            </a:endParaRPr>
+          </a:p>
+        </p:txBody>
+      </p:sp>
+      <p:cxnSp>
+        <p:nvCxnSpPr>
+          <p:cNvPr id="43" name="구부러진 연결선[U] 42">
+            <a:extLst>
+              <a:ext uri="{FF2B5EF4-FFF2-40B4-BE49-F238E27FC236}">
+                <a16:creationId xmlns:a16="http://schemas.microsoft.com/office/drawing/2014/main" id="{E25C7922-D48F-263E-010F-9F7D2658FAFE}"/>
+              </a:ext>
+            </a:extLst>
+          </p:cNvPr>
+          <p:cNvCxnSpPr>
+            <a:cxnSpLocks/>
+            <a:stCxn id="41" idx="1"/>
+            <a:endCxn id="31" idx="3"/>
+          </p:cNvCxnSpPr>
+          <p:nvPr/>
+        </p:nvCxnSpPr>
+        <p:spPr>
+          <a:xfrm rot="10800000" flipH="1" flipV="1">
+            <a:off x="5697354" y="2622166"/>
+            <a:ext cx="3048785" cy="1008604"/>
+          </a:xfrm>
+          <a:prstGeom prst="curvedConnector5">
+            <a:avLst>
+              <a:gd name="adj1" fmla="val -7498"/>
+              <a:gd name="adj2" fmla="val 50000"/>
+              <a:gd name="adj3" fmla="val 107498"/>
+            </a:avLst>
+          </a:prstGeom>
+          <a:ln>
+            <a:tailEnd type="triangle"/>
+          </a:ln>
+        </p:spPr>
+        <p:style>
+          <a:lnRef idx="1">
+            <a:schemeClr val="dk1"/>
+          </a:lnRef>
+          <a:fillRef idx="0">
+            <a:schemeClr val="dk1"/>
+          </a:fillRef>
+          <a:effectRef idx="0">
+            <a:schemeClr val="dk1"/>
+          </a:effectRef>
+          <a:fontRef idx="minor">
+            <a:schemeClr val="tx1"/>
+          </a:fontRef>
+        </p:style>
+      </p:cxnSp>
+    </p:spTree>
+    <p:extLst>
+      <p:ext uri="{BB962C8B-B14F-4D97-AF65-F5344CB8AC3E}">
+        <p14:creationId xmlns:p14="http://schemas.microsoft.com/office/powerpoint/2010/main" val="2514326222"/>
+      </p:ext>
+    </p:extLst>
+  </p:cSld>
+  <p:clrMapOvr>
+    <a:masterClrMapping/>
+  </p:clrMapOvr>
+</p:sld>
+</file>
+
+<file path=ppt/slides/slide5.xml><?xml version="1.0" encoding="utf-8"?>
+<p:sld xmlns:a="http://schemas.openxmlformats.org/drawingml/2006/main" xmlns:r="http://schemas.openxmlformats.org/officeDocument/2006/relationships" xmlns:p="http://schemas.openxmlformats.org/presentationml/2006/main">
+  <p:cSld>
+    <p:spTree>
+      <p:nvGrpSpPr>
+        <p:cNvPr id="1" name=""/>
+        <p:cNvGrpSpPr/>
+        <p:nvPr/>
+      </p:nvGrpSpPr>
+      <p:grpSpPr>
+        <a:xfrm>
+          <a:off x="0" y="0"/>
+          <a:ext cx="0" cy="0"/>
+          <a:chOff x="0" y="0"/>
+          <a:chExt cx="0" cy="0"/>
+        </a:xfrm>
+      </p:grpSpPr>
+      <p:sp>
+        <p:nvSpPr>
+          <p:cNvPr id="6" name="직사각형 5">
+            <a:extLst>
+              <a:ext uri="{FF2B5EF4-FFF2-40B4-BE49-F238E27FC236}">
+                <a16:creationId xmlns:a16="http://schemas.microsoft.com/office/drawing/2014/main" id="{0AAD2971-C304-0E60-DDB4-448CF37233EC}"/>
+              </a:ext>
+            </a:extLst>
+          </p:cNvPr>
+          <p:cNvSpPr/>
+          <p:nvPr/>
+        </p:nvSpPr>
+        <p:spPr>
+          <a:xfrm>
+            <a:off x="1722254" y="715879"/>
+            <a:ext cx="1530743" cy="436970"/>
+          </a:xfrm>
+          <a:prstGeom prst="rect">
+            <a:avLst/>
+          </a:prstGeom>
+          <a:solidFill>
+            <a:srgbClr val="00B050"/>
+          </a:solidFill>
+        </p:spPr>
+        <p:style>
+          <a:lnRef idx="2">
+            <a:schemeClr val="accent1">
+              <a:shade val="50000"/>
+            </a:schemeClr>
+          </a:lnRef>
+          <a:fillRef idx="1">
+            <a:schemeClr val="accent1"/>
+          </a:fillRef>
+          <a:effectRef idx="0">
+            <a:schemeClr val="accent1"/>
+          </a:effectRef>
+          <a:fontRef idx="minor">
+            <a:schemeClr val="lt1"/>
+          </a:fontRef>
+        </p:style>
+        <p:txBody>
+          <a:bodyPr rtlCol="0" anchor="ctr"/>
+          <a:lstStyle/>
+          <a:p>
+            <a:pPr algn="ctr"/>
+            <a:r>
+              <a:rPr kumimoji="1" lang="en-US" altLang="ko-Kore-KR" sz="1400" dirty="0">
+                <a:solidFill>
+                  <a:schemeClr val="tx1"/>
+                </a:solidFill>
+              </a:rPr>
+              <a:t>1</a:t>
+            </a:r>
+            <a:r>
+              <a:rPr kumimoji="1" lang="en-US" altLang="ko-KR" sz="1400" dirty="0">
+                <a:solidFill>
+                  <a:schemeClr val="tx1"/>
+                </a:solidFill>
+              </a:rPr>
+              <a:t>0</a:t>
+            </a:r>
+            <a:endParaRPr kumimoji="1" lang="ko-Kore-KR" altLang="en-US" sz="1400" dirty="0">
+              <a:solidFill>
+                <a:schemeClr val="tx1"/>
+              </a:solidFill>
+            </a:endParaRPr>
+          </a:p>
+        </p:txBody>
+      </p:sp>
+      <p:sp>
+        <p:nvSpPr>
+          <p:cNvPr id="7" name="직사각형 6">
+            <a:extLst>
+              <a:ext uri="{FF2B5EF4-FFF2-40B4-BE49-F238E27FC236}">
+                <a16:creationId xmlns:a16="http://schemas.microsoft.com/office/drawing/2014/main" id="{FBCFA194-0C15-2827-EEBA-DED30282F0AC}"/>
+              </a:ext>
+            </a:extLst>
+          </p:cNvPr>
+          <p:cNvSpPr/>
+          <p:nvPr/>
+        </p:nvSpPr>
+        <p:spPr>
+          <a:xfrm>
+            <a:off x="1722254" y="1152849"/>
+            <a:ext cx="1530743" cy="436970"/>
+          </a:xfrm>
+          <a:prstGeom prst="rect">
+            <a:avLst/>
+          </a:prstGeom>
+          <a:solidFill>
+            <a:srgbClr val="00B050"/>
+          </a:solidFill>
+        </p:spPr>
+        <p:style>
+          <a:lnRef idx="2">
+            <a:schemeClr val="accent1">
+              <a:shade val="50000"/>
+            </a:schemeClr>
+          </a:lnRef>
+          <a:fillRef idx="1">
+            <a:schemeClr val="accent1"/>
+          </a:fillRef>
+          <a:effectRef idx="0">
+            <a:schemeClr val="accent1"/>
+          </a:effectRef>
+          <a:fontRef idx="minor">
+            <a:schemeClr val="lt1"/>
+          </a:fontRef>
+        </p:style>
+        <p:txBody>
+          <a:bodyPr rtlCol="0" anchor="ctr"/>
+          <a:lstStyle/>
+          <a:p>
+            <a:pPr algn="ctr"/>
+            <a:r>
+              <a:rPr kumimoji="1" lang="en-US" altLang="ko-Kore-KR" sz="1400" dirty="0">
+                <a:solidFill>
+                  <a:schemeClr val="tx1"/>
+                </a:solidFill>
+              </a:rPr>
+              <a:t>2</a:t>
+            </a:r>
+            <a:r>
+              <a:rPr kumimoji="1" lang="en-US" altLang="ko-KR" sz="1400" dirty="0">
+                <a:solidFill>
+                  <a:schemeClr val="tx1"/>
+                </a:solidFill>
+              </a:rPr>
+              <a:t>0</a:t>
+            </a:r>
+            <a:endParaRPr kumimoji="1" lang="ko-Kore-KR" altLang="en-US" sz="1400" dirty="0">
+              <a:solidFill>
+                <a:schemeClr val="tx1"/>
+              </a:solidFill>
+            </a:endParaRPr>
+          </a:p>
+        </p:txBody>
+      </p:sp>
+      <p:sp>
+        <p:nvSpPr>
+          <p:cNvPr id="8" name="직사각형 7">
+            <a:extLst>
+              <a:ext uri="{FF2B5EF4-FFF2-40B4-BE49-F238E27FC236}">
+                <a16:creationId xmlns:a16="http://schemas.microsoft.com/office/drawing/2014/main" id="{99D2DD62-4F38-ECE5-2B20-D82A1B8AD1CC}"/>
+              </a:ext>
+            </a:extLst>
+          </p:cNvPr>
+          <p:cNvSpPr/>
+          <p:nvPr/>
+        </p:nvSpPr>
+        <p:spPr>
+          <a:xfrm>
+            <a:off x="1722254" y="1589819"/>
+            <a:ext cx="1530743" cy="436970"/>
+          </a:xfrm>
+          <a:prstGeom prst="rect">
+            <a:avLst/>
+          </a:prstGeom>
+          <a:solidFill>
+            <a:srgbClr val="00B050"/>
+          </a:solidFill>
+        </p:spPr>
+        <p:style>
+          <a:lnRef idx="2">
+            <a:schemeClr val="accent1">
+              <a:shade val="50000"/>
+            </a:schemeClr>
+          </a:lnRef>
+          <a:fillRef idx="1">
+            <a:schemeClr val="accent1"/>
+          </a:fillRef>
+          <a:effectRef idx="0">
+            <a:schemeClr val="accent1"/>
+          </a:effectRef>
+          <a:fontRef idx="minor">
+            <a:schemeClr val="lt1"/>
+          </a:fontRef>
+        </p:style>
+        <p:txBody>
+          <a:bodyPr rtlCol="0" anchor="ctr"/>
+          <a:lstStyle/>
+          <a:p>
+            <a:pPr algn="ctr"/>
+            <a:r>
+              <a:rPr kumimoji="1" lang="en-US" altLang="ko-KR" sz="1400" dirty="0">
+                <a:solidFill>
+                  <a:schemeClr val="tx1"/>
+                </a:solidFill>
+              </a:rPr>
+              <a:t>100</a:t>
+            </a:r>
+            <a:endParaRPr kumimoji="1" lang="ko-Kore-KR" altLang="en-US" sz="1400" dirty="0">
+              <a:solidFill>
+                <a:schemeClr val="tx1"/>
+              </a:solidFill>
+            </a:endParaRPr>
+          </a:p>
+        </p:txBody>
+      </p:sp>
+      <p:sp>
+        <p:nvSpPr>
+          <p:cNvPr id="9" name="직사각형 8">
+            <a:extLst>
+              <a:ext uri="{FF2B5EF4-FFF2-40B4-BE49-F238E27FC236}">
+                <a16:creationId xmlns:a16="http://schemas.microsoft.com/office/drawing/2014/main" id="{D8923471-6F24-BE81-0EEB-D73E63BAECF8}"/>
+              </a:ext>
+            </a:extLst>
+          </p:cNvPr>
+          <p:cNvSpPr/>
+          <p:nvPr/>
+        </p:nvSpPr>
+        <p:spPr>
+          <a:xfrm>
+            <a:off x="1722254" y="2026789"/>
+            <a:ext cx="1530743" cy="436970"/>
+          </a:xfrm>
+          <a:prstGeom prst="rect">
+            <a:avLst/>
+          </a:prstGeom>
+          <a:solidFill>
+            <a:srgbClr val="FFC000"/>
+          </a:solidFill>
+        </p:spPr>
+        <p:style>
+          <a:lnRef idx="2">
+            <a:schemeClr val="accent1">
+              <a:shade val="50000"/>
+            </a:schemeClr>
+          </a:lnRef>
+          <a:fillRef idx="1">
+            <a:schemeClr val="accent1"/>
+          </a:fillRef>
+          <a:effectRef idx="0">
+            <a:schemeClr val="accent1"/>
+          </a:effectRef>
+          <a:fontRef idx="minor">
+            <a:schemeClr val="lt1"/>
+          </a:fontRef>
+        </p:style>
+        <p:txBody>
+          <a:bodyPr rtlCol="0" anchor="ctr"/>
+          <a:lstStyle/>
+          <a:p>
+            <a:pPr algn="ctr"/>
+            <a:r>
+              <a:rPr kumimoji="1" lang="en-US" altLang="ko-KR" sz="1400" dirty="0">
+                <a:solidFill>
+                  <a:schemeClr val="tx1"/>
+                </a:solidFill>
+              </a:rPr>
+              <a:t>30</a:t>
+            </a:r>
+            <a:endParaRPr kumimoji="1" lang="ko-Kore-KR" altLang="en-US" sz="1400" dirty="0">
+              <a:solidFill>
+                <a:schemeClr val="tx1"/>
+              </a:solidFill>
+            </a:endParaRPr>
+          </a:p>
+        </p:txBody>
+      </p:sp>
+      <p:sp>
+        <p:nvSpPr>
+          <p:cNvPr id="10" name="직사각형 9">
+            <a:extLst>
+              <a:ext uri="{FF2B5EF4-FFF2-40B4-BE49-F238E27FC236}">
+                <a16:creationId xmlns:a16="http://schemas.microsoft.com/office/drawing/2014/main" id="{2A401CBB-2CFC-3208-8C9E-41A29CBEF195}"/>
+              </a:ext>
+            </a:extLst>
+          </p:cNvPr>
+          <p:cNvSpPr/>
+          <p:nvPr/>
+        </p:nvSpPr>
+        <p:spPr>
+          <a:xfrm>
+            <a:off x="1722254" y="2463759"/>
+            <a:ext cx="1530743" cy="436970"/>
+          </a:xfrm>
+          <a:prstGeom prst="rect">
+            <a:avLst/>
+          </a:prstGeom>
+          <a:solidFill>
+            <a:srgbClr val="FFC000"/>
+          </a:solidFill>
+        </p:spPr>
+        <p:style>
+          <a:lnRef idx="2">
+            <a:schemeClr val="accent1">
+              <a:shade val="50000"/>
+            </a:schemeClr>
+          </a:lnRef>
+          <a:fillRef idx="1">
+            <a:schemeClr val="accent1"/>
+          </a:fillRef>
+          <a:effectRef idx="0">
+            <a:schemeClr val="accent1"/>
+          </a:effectRef>
+          <a:fontRef idx="minor">
+            <a:schemeClr val="lt1"/>
+          </a:fontRef>
+        </p:style>
+        <p:txBody>
+          <a:bodyPr rtlCol="0" anchor="ctr"/>
+          <a:lstStyle/>
+          <a:p>
+            <a:pPr algn="ctr"/>
+            <a:r>
+              <a:rPr kumimoji="1" lang="en-US" altLang="ko-KR" sz="1400" dirty="0">
+                <a:solidFill>
+                  <a:schemeClr val="tx1"/>
+                </a:solidFill>
+              </a:rPr>
+              <a:t>40</a:t>
+            </a:r>
+            <a:endParaRPr kumimoji="1" lang="ko-Kore-KR" altLang="en-US" sz="1400" dirty="0">
+              <a:solidFill>
+                <a:schemeClr val="tx1"/>
+              </a:solidFill>
+            </a:endParaRPr>
+          </a:p>
+        </p:txBody>
+      </p:sp>
+      <p:sp>
+        <p:nvSpPr>
+          <p:cNvPr id="11" name="직사각형 10">
+            <a:extLst>
+              <a:ext uri="{FF2B5EF4-FFF2-40B4-BE49-F238E27FC236}">
+                <a16:creationId xmlns:a16="http://schemas.microsoft.com/office/drawing/2014/main" id="{1B0FC7BB-50BE-8AF5-E1D1-7F544E9EB090}"/>
+              </a:ext>
+            </a:extLst>
+          </p:cNvPr>
+          <p:cNvSpPr/>
+          <p:nvPr/>
+        </p:nvSpPr>
+        <p:spPr>
+          <a:xfrm>
+            <a:off x="1722254" y="2900729"/>
+            <a:ext cx="1530743" cy="436970"/>
+          </a:xfrm>
+          <a:prstGeom prst="rect">
+            <a:avLst/>
+          </a:prstGeom>
+          <a:solidFill>
+            <a:srgbClr val="FFC000"/>
+          </a:solidFill>
+        </p:spPr>
+        <p:style>
+          <a:lnRef idx="2">
+            <a:schemeClr val="accent1">
+              <a:shade val="50000"/>
+            </a:schemeClr>
+          </a:lnRef>
+          <a:fillRef idx="1">
+            <a:schemeClr val="accent1"/>
+          </a:fillRef>
+          <a:effectRef idx="0">
+            <a:schemeClr val="accent1"/>
+          </a:effectRef>
+          <a:fontRef idx="minor">
+            <a:schemeClr val="lt1"/>
+          </a:fontRef>
+        </p:style>
+        <p:txBody>
+          <a:bodyPr rtlCol="0" anchor="ctr"/>
+          <a:lstStyle/>
+          <a:p>
+            <a:pPr algn="ctr"/>
+            <a:r>
+              <a:rPr kumimoji="1" lang="en-US" altLang="ko-Kore-KR" sz="1400" dirty="0">
+                <a:solidFill>
+                  <a:schemeClr val="tx1"/>
+                </a:solidFill>
+              </a:rPr>
+              <a:t>5</a:t>
+            </a:r>
+            <a:r>
+              <a:rPr kumimoji="1" lang="en-US" altLang="ko-KR" sz="1400" dirty="0">
+                <a:solidFill>
+                  <a:schemeClr val="tx1"/>
+                </a:solidFill>
+              </a:rPr>
+              <a:t>0</a:t>
+            </a:r>
+            <a:endParaRPr kumimoji="1" lang="ko-Kore-KR" altLang="en-US" sz="1400" dirty="0">
+              <a:solidFill>
+                <a:schemeClr val="tx1"/>
+              </a:solidFill>
+            </a:endParaRPr>
+          </a:p>
+        </p:txBody>
+      </p:sp>
+      <p:sp>
+        <p:nvSpPr>
+          <p:cNvPr id="12" name="직사각형 11">
+            <a:extLst>
+              <a:ext uri="{FF2B5EF4-FFF2-40B4-BE49-F238E27FC236}">
+                <a16:creationId xmlns:a16="http://schemas.microsoft.com/office/drawing/2014/main" id="{69639A87-7045-59FF-6C67-29C4BD16227F}"/>
+              </a:ext>
+            </a:extLst>
+          </p:cNvPr>
+          <p:cNvSpPr/>
+          <p:nvPr/>
+        </p:nvSpPr>
+        <p:spPr>
+          <a:xfrm>
+            <a:off x="1722254" y="3337699"/>
+            <a:ext cx="1530743" cy="436970"/>
+          </a:xfrm>
+          <a:prstGeom prst="rect">
+            <a:avLst/>
+          </a:prstGeom>
+          <a:solidFill>
+            <a:srgbClr val="FFFF00"/>
+          </a:solidFill>
+        </p:spPr>
+        <p:style>
+          <a:lnRef idx="2">
+            <a:schemeClr val="accent1">
+              <a:shade val="50000"/>
+            </a:schemeClr>
+          </a:lnRef>
+          <a:fillRef idx="1">
+            <a:schemeClr val="accent1"/>
+          </a:fillRef>
+          <a:effectRef idx="0">
+            <a:schemeClr val="accent1"/>
+          </a:effectRef>
+          <a:fontRef idx="minor">
+            <a:schemeClr val="lt1"/>
+          </a:fontRef>
+        </p:style>
+        <p:txBody>
+          <a:bodyPr rtlCol="0" anchor="ctr"/>
+          <a:lstStyle/>
+          <a:p>
+            <a:pPr algn="ctr"/>
+            <a:endParaRPr kumimoji="1" lang="ko-Kore-KR" altLang="en-US" sz="1400" dirty="0">
+              <a:solidFill>
+                <a:schemeClr val="tx1"/>
+              </a:solidFill>
+            </a:endParaRPr>
+          </a:p>
+        </p:txBody>
+      </p:sp>
+      <p:sp>
+        <p:nvSpPr>
+          <p:cNvPr id="13" name="직사각형 12">
+            <a:extLst>
+              <a:ext uri="{FF2B5EF4-FFF2-40B4-BE49-F238E27FC236}">
+                <a16:creationId xmlns:a16="http://schemas.microsoft.com/office/drawing/2014/main" id="{3B43222A-C4A2-53F6-1032-16D0A309942C}"/>
+              </a:ext>
+            </a:extLst>
+          </p:cNvPr>
+          <p:cNvSpPr/>
+          <p:nvPr/>
+        </p:nvSpPr>
+        <p:spPr>
+          <a:xfrm>
+            <a:off x="1722254" y="3774669"/>
+            <a:ext cx="1530743" cy="436970"/>
+          </a:xfrm>
+          <a:prstGeom prst="rect">
+            <a:avLst/>
+          </a:prstGeom>
+          <a:solidFill>
+            <a:srgbClr val="FFFF00"/>
+          </a:solidFill>
+        </p:spPr>
+        <p:style>
+          <a:lnRef idx="2">
+            <a:schemeClr val="accent1">
+              <a:shade val="50000"/>
+            </a:schemeClr>
+          </a:lnRef>
+          <a:fillRef idx="1">
+            <a:schemeClr val="accent1"/>
+          </a:fillRef>
+          <a:effectRef idx="0">
+            <a:schemeClr val="accent1"/>
+          </a:effectRef>
+          <a:fontRef idx="minor">
+            <a:schemeClr val="lt1"/>
+          </a:fontRef>
+        </p:style>
+        <p:txBody>
+          <a:bodyPr rtlCol="0" anchor="ctr"/>
+          <a:lstStyle/>
+          <a:p>
+            <a:pPr algn="ctr"/>
+            <a:endParaRPr kumimoji="1" lang="ko-Kore-KR" altLang="en-US" sz="1400" dirty="0">
+              <a:solidFill>
+                <a:schemeClr val="tx1"/>
+              </a:solidFill>
+            </a:endParaRPr>
+          </a:p>
+        </p:txBody>
+      </p:sp>
+      <p:sp>
+        <p:nvSpPr>
+          <p:cNvPr id="14" name="직사각형 13">
+            <a:extLst>
+              <a:ext uri="{FF2B5EF4-FFF2-40B4-BE49-F238E27FC236}">
+                <a16:creationId xmlns:a16="http://schemas.microsoft.com/office/drawing/2014/main" id="{25F02642-7114-4C11-4310-A5ABEE2E79C5}"/>
+              </a:ext>
+            </a:extLst>
+          </p:cNvPr>
+          <p:cNvSpPr/>
+          <p:nvPr/>
+        </p:nvSpPr>
+        <p:spPr>
+          <a:xfrm>
+            <a:off x="1722254" y="4211639"/>
+            <a:ext cx="1530743" cy="436970"/>
+          </a:xfrm>
+          <a:prstGeom prst="rect">
+            <a:avLst/>
+          </a:prstGeom>
+          <a:solidFill>
+            <a:srgbClr val="FFFF00"/>
+          </a:solidFill>
+        </p:spPr>
+        <p:style>
+          <a:lnRef idx="2">
+            <a:schemeClr val="accent1">
+              <a:shade val="50000"/>
+            </a:schemeClr>
+          </a:lnRef>
+          <a:fillRef idx="1">
+            <a:schemeClr val="accent1"/>
+          </a:fillRef>
+          <a:effectRef idx="0">
+            <a:schemeClr val="accent1"/>
+          </a:effectRef>
+          <a:fontRef idx="minor">
+            <a:schemeClr val="lt1"/>
+          </a:fontRef>
+        </p:style>
+        <p:txBody>
+          <a:bodyPr rtlCol="0" anchor="ctr"/>
+          <a:lstStyle/>
+          <a:p>
+            <a:pPr algn="ctr"/>
+            <a:endParaRPr kumimoji="1" lang="ko-Kore-KR" altLang="en-US" sz="1400" dirty="0">
+              <a:solidFill>
+                <a:schemeClr val="tx1"/>
+              </a:solidFill>
+            </a:endParaRPr>
+          </a:p>
+        </p:txBody>
+      </p:sp>
+      <p:sp>
+        <p:nvSpPr>
+          <p:cNvPr id="15" name="직사각형 14">
+            <a:extLst>
+              <a:ext uri="{FF2B5EF4-FFF2-40B4-BE49-F238E27FC236}">
+                <a16:creationId xmlns:a16="http://schemas.microsoft.com/office/drawing/2014/main" id="{459423C6-4D66-A703-519F-7F4B7744142F}"/>
+              </a:ext>
+            </a:extLst>
+          </p:cNvPr>
+          <p:cNvSpPr/>
+          <p:nvPr/>
+        </p:nvSpPr>
+        <p:spPr>
+          <a:xfrm>
+            <a:off x="1722253" y="4648609"/>
+            <a:ext cx="1530743" cy="436970"/>
+          </a:xfrm>
+          <a:prstGeom prst="rect">
+            <a:avLst/>
+          </a:prstGeom>
+          <a:solidFill>
+            <a:srgbClr val="FFFF00"/>
+          </a:solidFill>
+        </p:spPr>
+        <p:style>
+          <a:lnRef idx="2">
+            <a:schemeClr val="accent1">
+              <a:shade val="50000"/>
+            </a:schemeClr>
+          </a:lnRef>
+          <a:fillRef idx="1">
+            <a:schemeClr val="accent1"/>
+          </a:fillRef>
+          <a:effectRef idx="0">
+            <a:schemeClr val="accent1"/>
+          </a:effectRef>
+          <a:fontRef idx="minor">
+            <a:schemeClr val="lt1"/>
+          </a:fontRef>
+        </p:style>
+        <p:txBody>
+          <a:bodyPr rtlCol="0" anchor="ctr"/>
+          <a:lstStyle/>
+          <a:p>
+            <a:pPr algn="ctr"/>
+            <a:endParaRPr kumimoji="1" lang="ko-Kore-KR" altLang="en-US" sz="1400" dirty="0">
+              <a:solidFill>
+                <a:schemeClr val="tx1"/>
+              </a:solidFill>
+            </a:endParaRPr>
+          </a:p>
+        </p:txBody>
+      </p:sp>
+    </p:spTree>
+    <p:extLst>
+      <p:ext uri="{BB962C8B-B14F-4D97-AF65-F5344CB8AC3E}">
+        <p14:creationId xmlns:p14="http://schemas.microsoft.com/office/powerpoint/2010/main" val="2205674780"/>
+      </p:ext>
+    </p:extLst>
+  </p:cSld>
+  <p:clrMapOvr>
+    <a:masterClrMapping/>
+  </p:clrMapOvr>
+</p:sld>
+</file>
+
+<file path=ppt/slides/slide6.xml><?xml version="1.0" encoding="utf-8"?>
+<p:sld xmlns:a="http://schemas.openxmlformats.org/drawingml/2006/main" xmlns:r="http://schemas.openxmlformats.org/officeDocument/2006/relationships" xmlns:p="http://schemas.openxmlformats.org/presentationml/2006/main">
+  <p:cSld>
+    <p:spTree>
+      <p:nvGrpSpPr>
+        <p:cNvPr id="1" name=""/>
+        <p:cNvGrpSpPr/>
+        <p:nvPr/>
+      </p:nvGrpSpPr>
+      <p:grpSpPr>
+        <a:xfrm>
+          <a:off x="0" y="0"/>
+          <a:ext cx="0" cy="0"/>
+          <a:chOff x="0" y="0"/>
+          <a:chExt cx="0" cy="0"/>
+        </a:xfrm>
+      </p:grpSpPr>
+      <p:sp>
+        <p:nvSpPr>
+          <p:cNvPr id="16" name="직사각형 15">
+            <a:extLst>
+              <a:ext uri="{FF2B5EF4-FFF2-40B4-BE49-F238E27FC236}">
+                <a16:creationId xmlns:a16="http://schemas.microsoft.com/office/drawing/2014/main" id="{B5816D3B-B274-5E62-92FA-D94550C80314}"/>
+              </a:ext>
+            </a:extLst>
+          </p:cNvPr>
+          <p:cNvSpPr/>
+          <p:nvPr/>
+        </p:nvSpPr>
+        <p:spPr>
+          <a:xfrm>
+            <a:off x="353352" y="197346"/>
+            <a:ext cx="4784312" cy="923330"/>
+          </a:xfrm>
+          <a:prstGeom prst="rect">
+            <a:avLst/>
+          </a:prstGeom>
+        </p:spPr>
+        <p:txBody>
+          <a:bodyPr wrap="square">
+            <a:spAutoFit/>
+          </a:bodyPr>
+          <a:lstStyle/>
+          <a:p>
+            <a:r>
+              <a:rPr lang="en-US" altLang="ko-KR" dirty="0">
+                <a:solidFill>
+                  <a:srgbClr val="000000"/>
+                </a:solidFill>
+                <a:latin typeface="DM Mono" panose="020B0509040201040103" pitchFamily="49" charset="0"/>
+              </a:rPr>
+              <a:t>50</a:t>
+            </a:r>
+            <a:r>
+              <a:rPr lang="ko-KR" altLang="en-US" dirty="0">
+                <a:solidFill>
+                  <a:srgbClr val="000000"/>
+                </a:solidFill>
+                <a:latin typeface="DM Mono" panose="020B0509040201040103" pitchFamily="49" charset="0"/>
+              </a:rPr>
+              <a:t> </a:t>
+            </a:r>
+            <a:r>
+              <a:rPr lang="en-US" altLang="ko-KR" dirty="0">
+                <a:solidFill>
+                  <a:srgbClr val="000000"/>
+                </a:solidFill>
+                <a:latin typeface="DM Mono" panose="020B0509040201040103" pitchFamily="49" charset="0"/>
+              </a:rPr>
+              <a:t>30</a:t>
+            </a:r>
+            <a:r>
+              <a:rPr lang="ko-KR" altLang="en-US" dirty="0">
+                <a:solidFill>
+                  <a:srgbClr val="000000"/>
+                </a:solidFill>
+                <a:latin typeface="DM Mono" panose="020B0509040201040103" pitchFamily="49" charset="0"/>
+              </a:rPr>
+              <a:t> </a:t>
+            </a:r>
+            <a:r>
+              <a:rPr lang="en-US" altLang="ko-KR" dirty="0">
+                <a:solidFill>
+                  <a:srgbClr val="000000"/>
+                </a:solidFill>
+                <a:latin typeface="DM Mono" panose="020B0509040201040103" pitchFamily="49" charset="0"/>
+              </a:rPr>
+              <a:t>10</a:t>
+            </a:r>
+            <a:r>
+              <a:rPr lang="ko-KR" altLang="en-US" dirty="0">
+                <a:solidFill>
+                  <a:srgbClr val="000000"/>
+                </a:solidFill>
+                <a:latin typeface="DM Mono" panose="020B0509040201040103" pitchFamily="49" charset="0"/>
+              </a:rPr>
+              <a:t> </a:t>
+            </a:r>
+            <a:r>
+              <a:rPr lang="en-US" altLang="ko-KR" dirty="0">
+                <a:solidFill>
+                  <a:srgbClr val="000000"/>
+                </a:solidFill>
+                <a:latin typeface="DM Mono" panose="020B0509040201040103" pitchFamily="49" charset="0"/>
+              </a:rPr>
+              <a:t>20</a:t>
+            </a:r>
+            <a:r>
+              <a:rPr lang="ko-KR" altLang="en-US" dirty="0">
+                <a:solidFill>
+                  <a:srgbClr val="000000"/>
+                </a:solidFill>
+                <a:latin typeface="DM Mono" panose="020B0509040201040103" pitchFamily="49" charset="0"/>
+              </a:rPr>
+              <a:t> </a:t>
+            </a:r>
+            <a:r>
+              <a:rPr lang="en-US" altLang="ko-KR" dirty="0">
+                <a:solidFill>
+                  <a:srgbClr val="000000"/>
+                </a:solidFill>
+                <a:latin typeface="DM Mono" panose="020B0509040201040103" pitchFamily="49" charset="0"/>
+              </a:rPr>
+              <a:t>40</a:t>
+            </a:r>
+            <a:r>
+              <a:rPr lang="ko-KR" altLang="en-US" dirty="0">
+                <a:solidFill>
+                  <a:srgbClr val="000000"/>
+                </a:solidFill>
+                <a:latin typeface="DM Mono" panose="020B0509040201040103" pitchFamily="49" charset="0"/>
+              </a:rPr>
+              <a:t> </a:t>
+            </a:r>
+            <a:r>
+              <a:rPr lang="en-US" altLang="ko-KR" dirty="0">
+                <a:solidFill>
+                  <a:srgbClr val="000000"/>
+                </a:solidFill>
+                <a:latin typeface="DM Mono" panose="020B0509040201040103" pitchFamily="49" charset="0"/>
+              </a:rPr>
+              <a:t>80</a:t>
+            </a:r>
+            <a:r>
+              <a:rPr lang="ko-KR" altLang="en-US" dirty="0">
+                <a:solidFill>
+                  <a:srgbClr val="000000"/>
+                </a:solidFill>
+                <a:latin typeface="DM Mono" panose="020B0509040201040103" pitchFamily="49" charset="0"/>
+              </a:rPr>
+              <a:t> </a:t>
+            </a:r>
+            <a:r>
+              <a:rPr lang="en-US" altLang="ko-KR" dirty="0">
+                <a:solidFill>
+                  <a:srgbClr val="000000"/>
+                </a:solidFill>
+                <a:latin typeface="DM Mono" panose="020B0509040201040103" pitchFamily="49" charset="0"/>
+              </a:rPr>
+              <a:t>60</a:t>
+            </a:r>
+            <a:r>
+              <a:rPr lang="ko-KR" altLang="en-US" dirty="0">
+                <a:solidFill>
+                  <a:srgbClr val="000000"/>
+                </a:solidFill>
+                <a:latin typeface="DM Mono" panose="020B0509040201040103" pitchFamily="49" charset="0"/>
+              </a:rPr>
+              <a:t> </a:t>
+            </a:r>
+            <a:r>
+              <a:rPr lang="en-US" altLang="ko-KR" dirty="0">
+                <a:solidFill>
+                  <a:srgbClr val="000000"/>
+                </a:solidFill>
+                <a:latin typeface="DM Mono" panose="020B0509040201040103" pitchFamily="49" charset="0"/>
+              </a:rPr>
+              <a:t>90</a:t>
+            </a:r>
+          </a:p>
+          <a:p>
+            <a:endParaRPr lang="en-US" altLang="ko-Kore-KR" b="0" dirty="0">
+              <a:solidFill>
+                <a:srgbClr val="000000"/>
+              </a:solidFill>
+              <a:effectLst/>
+              <a:latin typeface="DM Mono" panose="020B0509040201040103" pitchFamily="49" charset="0"/>
+            </a:endParaRPr>
+          </a:p>
+          <a:p>
+            <a:r>
+              <a:rPr lang="en-US" altLang="ko-KR" dirty="0">
+                <a:solidFill>
+                  <a:srgbClr val="000000"/>
+                </a:solidFill>
+                <a:latin typeface="DM Mono" panose="020B0509040201040103" pitchFamily="49" charset="0"/>
+              </a:rPr>
+              <a:t>=&gt;</a:t>
+            </a:r>
+            <a:r>
+              <a:rPr lang="ko-KR" altLang="en-US" dirty="0">
+                <a:solidFill>
+                  <a:srgbClr val="000000"/>
+                </a:solidFill>
+                <a:latin typeface="DM Mono" panose="020B0509040201040103" pitchFamily="49" charset="0"/>
+              </a:rPr>
+              <a:t> </a:t>
+            </a:r>
+            <a:r>
+              <a:rPr lang="en-US" altLang="ko-KR" dirty="0" err="1">
+                <a:solidFill>
+                  <a:srgbClr val="000000"/>
+                </a:solidFill>
+                <a:latin typeface="DM Mono" panose="020B0509040201040103" pitchFamily="49" charset="0"/>
+              </a:rPr>
+              <a:t>logN</a:t>
+            </a:r>
+            <a:endParaRPr lang="en" altLang="ko-Kore-KR" b="0" dirty="0">
+              <a:solidFill>
+                <a:srgbClr val="000000"/>
+              </a:solidFill>
+              <a:effectLst/>
+              <a:latin typeface="DM Mono" panose="020B0509040201040103" pitchFamily="49" charset="0"/>
+            </a:endParaRPr>
+          </a:p>
+        </p:txBody>
+      </p:sp>
+      <p:sp>
+        <p:nvSpPr>
+          <p:cNvPr id="17" name="직사각형 16">
+            <a:extLst>
+              <a:ext uri="{FF2B5EF4-FFF2-40B4-BE49-F238E27FC236}">
+                <a16:creationId xmlns:a16="http://schemas.microsoft.com/office/drawing/2014/main" id="{6924B884-EC82-832E-55C3-7C1DFE29362F}"/>
+              </a:ext>
+            </a:extLst>
+          </p:cNvPr>
+          <p:cNvSpPr/>
+          <p:nvPr/>
+        </p:nvSpPr>
+        <p:spPr>
+          <a:xfrm>
+            <a:off x="5816824" y="732064"/>
+            <a:ext cx="753909" cy="436970"/>
+          </a:xfrm>
+          <a:prstGeom prst="rect">
+            <a:avLst/>
+          </a:prstGeom>
+          <a:solidFill>
+            <a:srgbClr val="FFFF00"/>
+          </a:solidFill>
+        </p:spPr>
+        <p:style>
+          <a:lnRef idx="2">
+            <a:schemeClr val="accent1">
+              <a:shade val="50000"/>
+            </a:schemeClr>
+          </a:lnRef>
+          <a:fillRef idx="1">
+            <a:schemeClr val="accent1"/>
+          </a:fillRef>
+          <a:effectRef idx="0">
+            <a:schemeClr val="accent1"/>
+          </a:effectRef>
+          <a:fontRef idx="minor">
+            <a:schemeClr val="lt1"/>
+          </a:fontRef>
+        </p:style>
+        <p:txBody>
+          <a:bodyPr rtlCol="0" anchor="ctr"/>
+          <a:lstStyle/>
+          <a:p>
+            <a:pPr algn="ctr"/>
+            <a:r>
+              <a:rPr kumimoji="1" lang="en-US" altLang="ko-Kore-KR" sz="1400" dirty="0">
+                <a:solidFill>
+                  <a:schemeClr val="tx1"/>
+                </a:solidFill>
+              </a:rPr>
+              <a:t>5</a:t>
+            </a:r>
+            <a:r>
+              <a:rPr kumimoji="1" lang="en-US" altLang="ko-KR" sz="1400" dirty="0">
+                <a:solidFill>
+                  <a:schemeClr val="tx1"/>
+                </a:solidFill>
+              </a:rPr>
+              <a:t>0</a:t>
+            </a:r>
+            <a:endParaRPr kumimoji="1" lang="ko-Kore-KR" altLang="en-US" sz="1400" dirty="0">
+              <a:solidFill>
+                <a:schemeClr val="tx1"/>
+              </a:solidFill>
+            </a:endParaRPr>
+          </a:p>
+        </p:txBody>
+      </p:sp>
+      <p:sp>
+        <p:nvSpPr>
+          <p:cNvPr id="18" name="직사각형 17">
+            <a:extLst>
+              <a:ext uri="{FF2B5EF4-FFF2-40B4-BE49-F238E27FC236}">
+                <a16:creationId xmlns:a16="http://schemas.microsoft.com/office/drawing/2014/main" id="{67A486F4-D25B-43A0-ACC4-0A3060683C51}"/>
+              </a:ext>
+            </a:extLst>
+          </p:cNvPr>
+          <p:cNvSpPr/>
+          <p:nvPr/>
+        </p:nvSpPr>
+        <p:spPr>
+          <a:xfrm>
+            <a:off x="5030547" y="1572287"/>
+            <a:ext cx="753909" cy="436970"/>
+          </a:xfrm>
+          <a:prstGeom prst="rect">
+            <a:avLst/>
+          </a:prstGeom>
+          <a:solidFill>
+            <a:srgbClr val="FFFF00"/>
+          </a:solidFill>
+        </p:spPr>
+        <p:style>
+          <a:lnRef idx="2">
+            <a:schemeClr val="accent1">
+              <a:shade val="50000"/>
+            </a:schemeClr>
+          </a:lnRef>
+          <a:fillRef idx="1">
+            <a:schemeClr val="accent1"/>
+          </a:fillRef>
+          <a:effectRef idx="0">
+            <a:schemeClr val="accent1"/>
+          </a:effectRef>
+          <a:fontRef idx="minor">
+            <a:schemeClr val="lt1"/>
+          </a:fontRef>
+        </p:style>
+        <p:txBody>
+          <a:bodyPr rtlCol="0" anchor="ctr"/>
+          <a:lstStyle/>
+          <a:p>
+            <a:pPr algn="ctr"/>
+            <a:r>
+              <a:rPr kumimoji="1" lang="en-US" altLang="ko-KR" sz="1400" dirty="0">
+                <a:solidFill>
+                  <a:schemeClr val="tx1"/>
+                </a:solidFill>
+              </a:rPr>
+              <a:t>30</a:t>
+            </a:r>
+            <a:endParaRPr kumimoji="1" lang="ko-Kore-KR" altLang="en-US" sz="1400" dirty="0">
+              <a:solidFill>
+                <a:schemeClr val="tx1"/>
+              </a:solidFill>
+            </a:endParaRPr>
+          </a:p>
+        </p:txBody>
+      </p:sp>
+      <p:sp>
+        <p:nvSpPr>
+          <p:cNvPr id="19" name="직사각형 18">
+            <a:extLst>
+              <a:ext uri="{FF2B5EF4-FFF2-40B4-BE49-F238E27FC236}">
+                <a16:creationId xmlns:a16="http://schemas.microsoft.com/office/drawing/2014/main" id="{756D7C3B-B0C7-D360-C8F7-78DD5CC8B3A4}"/>
+              </a:ext>
+            </a:extLst>
+          </p:cNvPr>
+          <p:cNvSpPr/>
+          <p:nvPr/>
+        </p:nvSpPr>
+        <p:spPr>
+          <a:xfrm>
+            <a:off x="4383755" y="2266854"/>
+            <a:ext cx="753909" cy="436970"/>
+          </a:xfrm>
+          <a:prstGeom prst="rect">
+            <a:avLst/>
+          </a:prstGeom>
+          <a:solidFill>
+            <a:srgbClr val="FFFF00"/>
+          </a:solidFill>
+        </p:spPr>
+        <p:style>
+          <a:lnRef idx="2">
+            <a:schemeClr val="accent1">
+              <a:shade val="50000"/>
+            </a:schemeClr>
+          </a:lnRef>
+          <a:fillRef idx="1">
+            <a:schemeClr val="accent1"/>
+          </a:fillRef>
+          <a:effectRef idx="0">
+            <a:schemeClr val="accent1"/>
+          </a:effectRef>
+          <a:fontRef idx="minor">
+            <a:schemeClr val="lt1"/>
+          </a:fontRef>
+        </p:style>
+        <p:txBody>
+          <a:bodyPr rtlCol="0" anchor="ctr"/>
+          <a:lstStyle/>
+          <a:p>
+            <a:pPr algn="ctr"/>
+            <a:r>
+              <a:rPr kumimoji="1" lang="en-US" altLang="ko-KR" sz="1400" dirty="0">
+                <a:solidFill>
+                  <a:schemeClr val="tx1"/>
+                </a:solidFill>
+              </a:rPr>
+              <a:t>10</a:t>
+            </a:r>
+            <a:endParaRPr kumimoji="1" lang="ko-Kore-KR" altLang="en-US" sz="1400" dirty="0">
+              <a:solidFill>
+                <a:schemeClr val="tx1"/>
+              </a:solidFill>
+            </a:endParaRPr>
+          </a:p>
+        </p:txBody>
+      </p:sp>
+      <p:cxnSp>
+        <p:nvCxnSpPr>
+          <p:cNvPr id="20" name="구부러진 연결선[U] 19">
+            <a:extLst>
+              <a:ext uri="{FF2B5EF4-FFF2-40B4-BE49-F238E27FC236}">
+                <a16:creationId xmlns:a16="http://schemas.microsoft.com/office/drawing/2014/main" id="{4689F944-F652-9CA0-C275-6934E47E34EE}"/>
+              </a:ext>
+            </a:extLst>
+          </p:cNvPr>
+          <p:cNvCxnSpPr>
+            <a:cxnSpLocks/>
+            <a:stCxn id="17" idx="2"/>
+            <a:endCxn id="18" idx="0"/>
+          </p:cNvCxnSpPr>
+          <p:nvPr/>
+        </p:nvCxnSpPr>
+        <p:spPr>
+          <a:xfrm rot="5400000">
+            <a:off x="5599015" y="977522"/>
+            <a:ext cx="403253" cy="786277"/>
+          </a:xfrm>
+          <a:prstGeom prst="curvedConnector3">
+            <a:avLst>
+              <a:gd name="adj1" fmla="val 50000"/>
+            </a:avLst>
+          </a:prstGeom>
+          <a:ln>
+            <a:tailEnd type="triangle"/>
+          </a:ln>
+        </p:spPr>
+        <p:style>
+          <a:lnRef idx="1">
+            <a:schemeClr val="dk1"/>
+          </a:lnRef>
+          <a:fillRef idx="0">
+            <a:schemeClr val="dk1"/>
+          </a:fillRef>
+          <a:effectRef idx="0">
+            <a:schemeClr val="dk1"/>
+          </a:effectRef>
+          <a:fontRef idx="minor">
+            <a:schemeClr val="tx1"/>
+          </a:fontRef>
+        </p:style>
+      </p:cxnSp>
+      <p:cxnSp>
+        <p:nvCxnSpPr>
+          <p:cNvPr id="21" name="구부러진 연결선[U] 20">
+            <a:extLst>
+              <a:ext uri="{FF2B5EF4-FFF2-40B4-BE49-F238E27FC236}">
+                <a16:creationId xmlns:a16="http://schemas.microsoft.com/office/drawing/2014/main" id="{FFB5B9D7-2D69-8B9A-DD48-E4768E8B51BB}"/>
+              </a:ext>
+            </a:extLst>
+          </p:cNvPr>
+          <p:cNvCxnSpPr>
+            <a:cxnSpLocks/>
+            <a:stCxn id="18" idx="2"/>
+            <a:endCxn id="19" idx="0"/>
+          </p:cNvCxnSpPr>
+          <p:nvPr/>
+        </p:nvCxnSpPr>
+        <p:spPr>
+          <a:xfrm rot="5400000">
+            <a:off x="4955308" y="1814659"/>
+            <a:ext cx="257597" cy="646792"/>
+          </a:xfrm>
+          <a:prstGeom prst="curvedConnector3">
+            <a:avLst>
+              <a:gd name="adj1" fmla="val 50000"/>
+            </a:avLst>
+          </a:prstGeom>
+          <a:ln>
+            <a:tailEnd type="triangle"/>
+          </a:ln>
+        </p:spPr>
+        <p:style>
+          <a:lnRef idx="1">
+            <a:schemeClr val="dk1"/>
+          </a:lnRef>
+          <a:fillRef idx="0">
+            <a:schemeClr val="dk1"/>
+          </a:fillRef>
+          <a:effectRef idx="0">
+            <a:schemeClr val="dk1"/>
+          </a:effectRef>
+          <a:fontRef idx="minor">
+            <a:schemeClr val="tx1"/>
+          </a:fontRef>
+        </p:style>
+      </p:cxnSp>
+      <p:sp>
+        <p:nvSpPr>
+          <p:cNvPr id="22" name="직사각형 21">
+            <a:extLst>
+              <a:ext uri="{FF2B5EF4-FFF2-40B4-BE49-F238E27FC236}">
+                <a16:creationId xmlns:a16="http://schemas.microsoft.com/office/drawing/2014/main" id="{F63F388F-6DB2-62B9-6DD1-4A4215C96ABA}"/>
+              </a:ext>
+            </a:extLst>
+          </p:cNvPr>
+          <p:cNvSpPr/>
+          <p:nvPr/>
+        </p:nvSpPr>
+        <p:spPr>
+          <a:xfrm>
+            <a:off x="5046732" y="3014865"/>
+            <a:ext cx="753909" cy="436970"/>
+          </a:xfrm>
+          <a:prstGeom prst="rect">
+            <a:avLst/>
+          </a:prstGeom>
+          <a:solidFill>
+            <a:srgbClr val="FFFF00"/>
+          </a:solidFill>
+        </p:spPr>
+        <p:style>
+          <a:lnRef idx="2">
+            <a:schemeClr val="accent1">
+              <a:shade val="50000"/>
+            </a:schemeClr>
+          </a:lnRef>
+          <a:fillRef idx="1">
+            <a:schemeClr val="accent1"/>
+          </a:fillRef>
+          <a:effectRef idx="0">
+            <a:schemeClr val="accent1"/>
+          </a:effectRef>
+          <a:fontRef idx="minor">
+            <a:schemeClr val="lt1"/>
+          </a:fontRef>
+        </p:style>
+        <p:txBody>
+          <a:bodyPr rtlCol="0" anchor="ctr"/>
+          <a:lstStyle/>
+          <a:p>
+            <a:pPr algn="ctr"/>
+            <a:r>
+              <a:rPr kumimoji="1" lang="en-US" altLang="ko-KR" sz="1400" dirty="0">
+                <a:solidFill>
+                  <a:schemeClr val="tx1"/>
+                </a:solidFill>
+              </a:rPr>
+              <a:t>20</a:t>
+            </a:r>
+            <a:endParaRPr kumimoji="1" lang="ko-Kore-KR" altLang="en-US" sz="1400" dirty="0">
+              <a:solidFill>
+                <a:schemeClr val="tx1"/>
+              </a:solidFill>
+            </a:endParaRPr>
+          </a:p>
+        </p:txBody>
+      </p:sp>
+      <p:cxnSp>
+        <p:nvCxnSpPr>
+          <p:cNvPr id="23" name="구부러진 연결선[U] 22">
+            <a:extLst>
+              <a:ext uri="{FF2B5EF4-FFF2-40B4-BE49-F238E27FC236}">
+                <a16:creationId xmlns:a16="http://schemas.microsoft.com/office/drawing/2014/main" id="{49A3B2E5-104D-96F0-832A-AAABB6F8C9D2}"/>
+              </a:ext>
+            </a:extLst>
+          </p:cNvPr>
+          <p:cNvCxnSpPr>
+            <a:cxnSpLocks/>
+            <a:stCxn id="19" idx="2"/>
+            <a:endCxn id="22" idx="0"/>
+          </p:cNvCxnSpPr>
+          <p:nvPr/>
+        </p:nvCxnSpPr>
+        <p:spPr>
+          <a:xfrm rot="16200000" flipH="1">
+            <a:off x="4936678" y="2527855"/>
+            <a:ext cx="311041" cy="662977"/>
+          </a:xfrm>
+          <a:prstGeom prst="curvedConnector3">
+            <a:avLst>
+              <a:gd name="adj1" fmla="val 50000"/>
+            </a:avLst>
+          </a:prstGeom>
+          <a:ln>
+            <a:tailEnd type="triangle"/>
+          </a:ln>
+        </p:spPr>
+        <p:style>
+          <a:lnRef idx="1">
+            <a:schemeClr val="dk1"/>
+          </a:lnRef>
+          <a:fillRef idx="0">
+            <a:schemeClr val="dk1"/>
+          </a:fillRef>
+          <a:effectRef idx="0">
+            <a:schemeClr val="dk1"/>
+          </a:effectRef>
+          <a:fontRef idx="minor">
+            <a:schemeClr val="tx1"/>
+          </a:fontRef>
+        </p:style>
+      </p:cxnSp>
+      <p:sp>
+        <p:nvSpPr>
+          <p:cNvPr id="27" name="직사각형 26">
+            <a:extLst>
+              <a:ext uri="{FF2B5EF4-FFF2-40B4-BE49-F238E27FC236}">
+                <a16:creationId xmlns:a16="http://schemas.microsoft.com/office/drawing/2014/main" id="{DCE1DE44-6A76-A63F-CAE0-5214005ADA95}"/>
+              </a:ext>
+            </a:extLst>
+          </p:cNvPr>
+          <p:cNvSpPr/>
+          <p:nvPr/>
+        </p:nvSpPr>
+        <p:spPr>
+          <a:xfrm>
+            <a:off x="5514619" y="2242314"/>
+            <a:ext cx="753909" cy="436970"/>
+          </a:xfrm>
+          <a:prstGeom prst="rect">
+            <a:avLst/>
+          </a:prstGeom>
+          <a:solidFill>
+            <a:srgbClr val="FFFF00"/>
+          </a:solidFill>
+        </p:spPr>
+        <p:style>
+          <a:lnRef idx="2">
+            <a:schemeClr val="accent1">
+              <a:shade val="50000"/>
+            </a:schemeClr>
+          </a:lnRef>
+          <a:fillRef idx="1">
+            <a:schemeClr val="accent1"/>
+          </a:fillRef>
+          <a:effectRef idx="0">
+            <a:schemeClr val="accent1"/>
+          </a:effectRef>
+          <a:fontRef idx="minor">
+            <a:schemeClr val="lt1"/>
+          </a:fontRef>
+        </p:style>
+        <p:txBody>
+          <a:bodyPr rtlCol="0" anchor="ctr"/>
+          <a:lstStyle/>
+          <a:p>
+            <a:pPr algn="ctr"/>
+            <a:r>
+              <a:rPr kumimoji="1" lang="en-US" altLang="ko-KR" sz="1400" dirty="0">
+                <a:solidFill>
+                  <a:schemeClr val="tx1"/>
+                </a:solidFill>
+              </a:rPr>
+              <a:t>40</a:t>
+            </a:r>
+            <a:endParaRPr kumimoji="1" lang="ko-Kore-KR" altLang="en-US" sz="1400" dirty="0">
+              <a:solidFill>
+                <a:schemeClr val="tx1"/>
+              </a:solidFill>
+            </a:endParaRPr>
+          </a:p>
+        </p:txBody>
+      </p:sp>
+      <p:cxnSp>
+        <p:nvCxnSpPr>
+          <p:cNvPr id="28" name="구부러진 연결선[U] 27">
+            <a:extLst>
+              <a:ext uri="{FF2B5EF4-FFF2-40B4-BE49-F238E27FC236}">
+                <a16:creationId xmlns:a16="http://schemas.microsoft.com/office/drawing/2014/main" id="{DB2888E5-4790-CD2E-0BB2-EB17DFC9390B}"/>
+              </a:ext>
+            </a:extLst>
+          </p:cNvPr>
+          <p:cNvCxnSpPr>
+            <a:cxnSpLocks/>
+            <a:stCxn id="18" idx="2"/>
+            <a:endCxn id="27" idx="0"/>
+          </p:cNvCxnSpPr>
+          <p:nvPr/>
+        </p:nvCxnSpPr>
+        <p:spPr>
+          <a:xfrm rot="16200000" flipH="1">
+            <a:off x="5533010" y="1883749"/>
+            <a:ext cx="233057" cy="484072"/>
+          </a:xfrm>
+          <a:prstGeom prst="curvedConnector3">
+            <a:avLst>
+              <a:gd name="adj1" fmla="val 50000"/>
+            </a:avLst>
+          </a:prstGeom>
+          <a:ln>
+            <a:tailEnd type="triangle"/>
+          </a:ln>
+        </p:spPr>
+        <p:style>
+          <a:lnRef idx="1">
+            <a:schemeClr val="dk1"/>
+          </a:lnRef>
+          <a:fillRef idx="0">
+            <a:schemeClr val="dk1"/>
+          </a:fillRef>
+          <a:effectRef idx="0">
+            <a:schemeClr val="dk1"/>
+          </a:effectRef>
+          <a:fontRef idx="minor">
+            <a:schemeClr val="tx1"/>
+          </a:fontRef>
+        </p:style>
+      </p:cxnSp>
+      <p:sp>
+        <p:nvSpPr>
+          <p:cNvPr id="31" name="직사각형 30">
+            <a:extLst>
+              <a:ext uri="{FF2B5EF4-FFF2-40B4-BE49-F238E27FC236}">
+                <a16:creationId xmlns:a16="http://schemas.microsoft.com/office/drawing/2014/main" id="{E64A7368-5B3F-4AE5-74B6-2B361966FD86}"/>
+              </a:ext>
+            </a:extLst>
+          </p:cNvPr>
+          <p:cNvSpPr/>
+          <p:nvPr/>
+        </p:nvSpPr>
+        <p:spPr>
+          <a:xfrm>
+            <a:off x="6987470" y="1572844"/>
+            <a:ext cx="753909" cy="436970"/>
+          </a:xfrm>
+          <a:prstGeom prst="rect">
+            <a:avLst/>
+          </a:prstGeom>
+          <a:solidFill>
+            <a:srgbClr val="FFFF00"/>
+          </a:solidFill>
+        </p:spPr>
+        <p:style>
+          <a:lnRef idx="2">
+            <a:schemeClr val="accent1">
+              <a:shade val="50000"/>
+            </a:schemeClr>
+          </a:lnRef>
+          <a:fillRef idx="1">
+            <a:schemeClr val="accent1"/>
+          </a:fillRef>
+          <a:effectRef idx="0">
+            <a:schemeClr val="accent1"/>
+          </a:effectRef>
+          <a:fontRef idx="minor">
+            <a:schemeClr val="lt1"/>
+          </a:fontRef>
+        </p:style>
+        <p:txBody>
+          <a:bodyPr rtlCol="0" anchor="ctr"/>
+          <a:lstStyle/>
+          <a:p>
+            <a:pPr algn="ctr"/>
+            <a:r>
+              <a:rPr kumimoji="1" lang="en-US" altLang="ko-KR" sz="1400" dirty="0">
+                <a:solidFill>
+                  <a:schemeClr val="tx1"/>
+                </a:solidFill>
+              </a:rPr>
+              <a:t>80</a:t>
+            </a:r>
+            <a:endParaRPr kumimoji="1" lang="ko-Kore-KR" altLang="en-US" sz="1400" dirty="0">
+              <a:solidFill>
+                <a:schemeClr val="tx1"/>
+              </a:solidFill>
+            </a:endParaRPr>
+          </a:p>
+        </p:txBody>
+      </p:sp>
+      <p:cxnSp>
+        <p:nvCxnSpPr>
+          <p:cNvPr id="32" name="구부러진 연결선[U] 31">
+            <a:extLst>
+              <a:ext uri="{FF2B5EF4-FFF2-40B4-BE49-F238E27FC236}">
+                <a16:creationId xmlns:a16="http://schemas.microsoft.com/office/drawing/2014/main" id="{3C5621F3-730F-1B3C-7B05-EB235F1D5075}"/>
+              </a:ext>
+            </a:extLst>
+          </p:cNvPr>
+          <p:cNvCxnSpPr>
+            <a:cxnSpLocks/>
+            <a:stCxn id="17" idx="2"/>
+            <a:endCxn id="31" idx="0"/>
+          </p:cNvCxnSpPr>
+          <p:nvPr/>
+        </p:nvCxnSpPr>
+        <p:spPr>
+          <a:xfrm rot="16200000" flipH="1">
+            <a:off x="6577197" y="785616"/>
+            <a:ext cx="403810" cy="1170646"/>
+          </a:xfrm>
+          <a:prstGeom prst="curvedConnector3">
+            <a:avLst>
+              <a:gd name="adj1" fmla="val 50000"/>
+            </a:avLst>
+          </a:prstGeom>
+          <a:ln>
+            <a:tailEnd type="triangle"/>
+          </a:ln>
+        </p:spPr>
+        <p:style>
+          <a:lnRef idx="1">
+            <a:schemeClr val="dk1"/>
+          </a:lnRef>
+          <a:fillRef idx="0">
+            <a:schemeClr val="dk1"/>
+          </a:fillRef>
+          <a:effectRef idx="0">
+            <a:schemeClr val="dk1"/>
+          </a:effectRef>
+          <a:fontRef idx="minor">
+            <a:schemeClr val="tx1"/>
+          </a:fontRef>
+        </p:style>
+      </p:cxnSp>
+      <p:sp>
+        <p:nvSpPr>
+          <p:cNvPr id="35" name="직사각형 34">
+            <a:extLst>
+              <a:ext uri="{FF2B5EF4-FFF2-40B4-BE49-F238E27FC236}">
+                <a16:creationId xmlns:a16="http://schemas.microsoft.com/office/drawing/2014/main" id="{6C803303-1039-DDFC-8993-8E8235C3A114}"/>
+              </a:ext>
+            </a:extLst>
+          </p:cNvPr>
+          <p:cNvSpPr/>
+          <p:nvPr/>
+        </p:nvSpPr>
+        <p:spPr>
+          <a:xfrm>
+            <a:off x="6570733" y="2242314"/>
+            <a:ext cx="753909" cy="436970"/>
+          </a:xfrm>
+          <a:prstGeom prst="rect">
+            <a:avLst/>
+          </a:prstGeom>
+          <a:solidFill>
+            <a:srgbClr val="FFFF00"/>
+          </a:solidFill>
+        </p:spPr>
+        <p:style>
+          <a:lnRef idx="2">
+            <a:schemeClr val="accent1">
+              <a:shade val="50000"/>
+            </a:schemeClr>
+          </a:lnRef>
+          <a:fillRef idx="1">
+            <a:schemeClr val="accent1"/>
+          </a:fillRef>
+          <a:effectRef idx="0">
+            <a:schemeClr val="accent1"/>
+          </a:effectRef>
+          <a:fontRef idx="minor">
+            <a:schemeClr val="lt1"/>
+          </a:fontRef>
+        </p:style>
+        <p:txBody>
+          <a:bodyPr rtlCol="0" anchor="ctr"/>
+          <a:lstStyle/>
+          <a:p>
+            <a:pPr algn="ctr"/>
+            <a:r>
+              <a:rPr kumimoji="1" lang="en-US" altLang="ko-KR" sz="1400" dirty="0">
+                <a:solidFill>
+                  <a:schemeClr val="tx1"/>
+                </a:solidFill>
+              </a:rPr>
+              <a:t>60</a:t>
+            </a:r>
+            <a:endParaRPr kumimoji="1" lang="ko-Kore-KR" altLang="en-US" sz="1400" dirty="0">
+              <a:solidFill>
+                <a:schemeClr val="tx1"/>
+              </a:solidFill>
+            </a:endParaRPr>
+          </a:p>
+        </p:txBody>
+      </p:sp>
+      <p:cxnSp>
+        <p:nvCxnSpPr>
+          <p:cNvPr id="36" name="구부러진 연결선[U] 35">
+            <a:extLst>
+              <a:ext uri="{FF2B5EF4-FFF2-40B4-BE49-F238E27FC236}">
+                <a16:creationId xmlns:a16="http://schemas.microsoft.com/office/drawing/2014/main" id="{1A5E42CE-CA4B-2BCD-D4D5-BBFA5F8C624B}"/>
+              </a:ext>
+            </a:extLst>
+          </p:cNvPr>
+          <p:cNvCxnSpPr>
+            <a:cxnSpLocks/>
+            <a:stCxn id="31" idx="2"/>
+            <a:endCxn id="35" idx="0"/>
+          </p:cNvCxnSpPr>
+          <p:nvPr/>
+        </p:nvCxnSpPr>
+        <p:spPr>
+          <a:xfrm rot="5400000">
+            <a:off x="7039807" y="1917696"/>
+            <a:ext cx="232500" cy="416737"/>
+          </a:xfrm>
+          <a:prstGeom prst="curvedConnector3">
+            <a:avLst>
+              <a:gd name="adj1" fmla="val 50000"/>
+            </a:avLst>
+          </a:prstGeom>
+          <a:ln>
+            <a:tailEnd type="triangle"/>
+          </a:ln>
+        </p:spPr>
+        <p:style>
+          <a:lnRef idx="1">
+            <a:schemeClr val="dk1"/>
+          </a:lnRef>
+          <a:fillRef idx="0">
+            <a:schemeClr val="dk1"/>
+          </a:fillRef>
+          <a:effectRef idx="0">
+            <a:schemeClr val="dk1"/>
+          </a:effectRef>
+          <a:fontRef idx="minor">
+            <a:schemeClr val="tx1"/>
+          </a:fontRef>
+        </p:style>
+      </p:cxnSp>
+      <p:sp>
+        <p:nvSpPr>
+          <p:cNvPr id="40" name="직사각형 39">
+            <a:extLst>
+              <a:ext uri="{FF2B5EF4-FFF2-40B4-BE49-F238E27FC236}">
+                <a16:creationId xmlns:a16="http://schemas.microsoft.com/office/drawing/2014/main" id="{205C89BE-FE37-5C3B-0ACA-54CFE3687F5B}"/>
+              </a:ext>
+            </a:extLst>
+          </p:cNvPr>
+          <p:cNvSpPr/>
+          <p:nvPr/>
+        </p:nvSpPr>
+        <p:spPr>
+          <a:xfrm>
+            <a:off x="7524245" y="2242314"/>
+            <a:ext cx="753909" cy="436970"/>
+          </a:xfrm>
+          <a:prstGeom prst="rect">
+            <a:avLst/>
+          </a:prstGeom>
+          <a:solidFill>
+            <a:srgbClr val="FFFF00"/>
+          </a:solidFill>
+        </p:spPr>
+        <p:style>
+          <a:lnRef idx="2">
+            <a:schemeClr val="accent1">
+              <a:shade val="50000"/>
+            </a:schemeClr>
+          </a:lnRef>
+          <a:fillRef idx="1">
+            <a:schemeClr val="accent1"/>
+          </a:fillRef>
+          <a:effectRef idx="0">
+            <a:schemeClr val="accent1"/>
+          </a:effectRef>
+          <a:fontRef idx="minor">
+            <a:schemeClr val="lt1"/>
+          </a:fontRef>
+        </p:style>
+        <p:txBody>
+          <a:bodyPr rtlCol="0" anchor="ctr"/>
+          <a:lstStyle/>
+          <a:p>
+            <a:pPr algn="ctr"/>
+            <a:r>
+              <a:rPr kumimoji="1" lang="en-US" altLang="ko-KR" sz="1400" dirty="0">
+                <a:solidFill>
+                  <a:schemeClr val="tx1"/>
+                </a:solidFill>
+              </a:rPr>
+              <a:t>90</a:t>
+            </a:r>
+            <a:endParaRPr kumimoji="1" lang="ko-Kore-KR" altLang="en-US" sz="1400" dirty="0">
+              <a:solidFill>
+                <a:schemeClr val="tx1"/>
+              </a:solidFill>
+            </a:endParaRPr>
+          </a:p>
+        </p:txBody>
+      </p:sp>
+      <p:cxnSp>
+        <p:nvCxnSpPr>
+          <p:cNvPr id="41" name="구부러진 연결선[U] 40">
+            <a:extLst>
+              <a:ext uri="{FF2B5EF4-FFF2-40B4-BE49-F238E27FC236}">
+                <a16:creationId xmlns:a16="http://schemas.microsoft.com/office/drawing/2014/main" id="{5FDDA972-58D1-8B15-8968-9C472E04914F}"/>
+              </a:ext>
+            </a:extLst>
+          </p:cNvPr>
+          <p:cNvCxnSpPr>
+            <a:cxnSpLocks/>
+            <a:stCxn id="31" idx="2"/>
+            <a:endCxn id="40" idx="0"/>
+          </p:cNvCxnSpPr>
+          <p:nvPr/>
+        </p:nvCxnSpPr>
+        <p:spPr>
+          <a:xfrm rot="16200000" flipH="1">
+            <a:off x="7516562" y="1857676"/>
+            <a:ext cx="232500" cy="536775"/>
+          </a:xfrm>
+          <a:prstGeom prst="curvedConnector3">
+            <a:avLst>
+              <a:gd name="adj1" fmla="val 50000"/>
+            </a:avLst>
+          </a:prstGeom>
+          <a:ln>
+            <a:tailEnd type="triangle"/>
+          </a:ln>
+        </p:spPr>
+        <p:style>
+          <a:lnRef idx="1">
+            <a:schemeClr val="dk1"/>
+          </a:lnRef>
+          <a:fillRef idx="0">
+            <a:schemeClr val="dk1"/>
+          </a:fillRef>
+          <a:effectRef idx="0">
+            <a:schemeClr val="dk1"/>
+          </a:effectRef>
+          <a:fontRef idx="minor">
+            <a:schemeClr val="tx1"/>
+          </a:fontRef>
+        </p:style>
+      </p:cxnSp>
+    </p:spTree>
+    <p:extLst>
+      <p:ext uri="{BB962C8B-B14F-4D97-AF65-F5344CB8AC3E}">
+        <p14:creationId xmlns:p14="http://schemas.microsoft.com/office/powerpoint/2010/main" val="1118927391"/>
+      </p:ext>
+    </p:extLst>
+  </p:cSld>
+  <p:clrMapOvr>
+    <a:masterClrMapping/>
+  </p:clrMapOvr>
+</p:sld>
+</file>
+
+<file path=ppt/slides/slide7.xml><?xml version="1.0" encoding="utf-8"?>
+<p:sld xmlns:a="http://schemas.openxmlformats.org/drawingml/2006/main" xmlns:r="http://schemas.openxmlformats.org/officeDocument/2006/relationships" xmlns:p="http://schemas.openxmlformats.org/presentationml/2006/main">
+  <p:cSld>
+    <p:spTree>
+      <p:nvGrpSpPr>
+        <p:cNvPr id="1" name=""/>
+        <p:cNvGrpSpPr/>
+        <p:nvPr/>
+      </p:nvGrpSpPr>
+      <p:grpSpPr>
+        <a:xfrm>
+          <a:off x="0" y="0"/>
+          <a:ext cx="0" cy="0"/>
+          <a:chOff x="0" y="0"/>
+          <a:chExt cx="0" cy="0"/>
+        </a:xfrm>
+      </p:grpSpPr>
+      <p:sp>
+        <p:nvSpPr>
+          <p:cNvPr id="16" name="직사각형 15">
+            <a:extLst>
+              <a:ext uri="{FF2B5EF4-FFF2-40B4-BE49-F238E27FC236}">
+                <a16:creationId xmlns:a16="http://schemas.microsoft.com/office/drawing/2014/main" id="{B5816D3B-B274-5E62-92FA-D94550C80314}"/>
+              </a:ext>
+            </a:extLst>
+          </p:cNvPr>
+          <p:cNvSpPr/>
+          <p:nvPr/>
+        </p:nvSpPr>
+        <p:spPr>
+          <a:xfrm>
+            <a:off x="353352" y="197346"/>
+            <a:ext cx="4784312" cy="2031325"/>
+          </a:xfrm>
+          <a:prstGeom prst="rect">
+            <a:avLst/>
+          </a:prstGeom>
+        </p:spPr>
+        <p:txBody>
+          <a:bodyPr wrap="square">
+            <a:spAutoFit/>
+          </a:bodyPr>
+          <a:lstStyle/>
+          <a:p>
+            <a:r>
+              <a:rPr lang="en-US" altLang="ko-KR" dirty="0">
+                <a:solidFill>
+                  <a:srgbClr val="000000"/>
+                </a:solidFill>
+                <a:latin typeface="DM Mono" panose="020B0509040201040103" pitchFamily="49" charset="0"/>
+              </a:rPr>
+              <a:t>10 20 30 40 50 60</a:t>
+            </a:r>
+          </a:p>
+          <a:p>
+            <a:endParaRPr lang="en-US" altLang="ko-Kore-KR" b="0" dirty="0">
+              <a:solidFill>
+                <a:srgbClr val="000000"/>
+              </a:solidFill>
+              <a:effectLst/>
+              <a:latin typeface="DM Mono" panose="020B0509040201040103" pitchFamily="49" charset="0"/>
+            </a:endParaRPr>
+          </a:p>
+          <a:p>
+            <a:pPr marL="285750" indent="-285750">
+              <a:buFont typeface="Symbol" pitchFamily="2" charset="2"/>
+              <a:buChar char="Þ"/>
+            </a:pPr>
+            <a:r>
+              <a:rPr lang="en-US" altLang="ko-KR" dirty="0" err="1">
+                <a:solidFill>
+                  <a:srgbClr val="000000"/>
+                </a:solidFill>
+                <a:latin typeface="DM Mono" panose="020B0509040201040103" pitchFamily="49" charset="0"/>
+              </a:rPr>
+              <a:t>logN</a:t>
+            </a:r>
+            <a:endParaRPr lang="en-US" altLang="ko-KR" dirty="0">
+              <a:solidFill>
+                <a:srgbClr val="000000"/>
+              </a:solidFill>
+              <a:latin typeface="DM Mono" panose="020B0509040201040103" pitchFamily="49" charset="0"/>
+            </a:endParaRPr>
+          </a:p>
+          <a:p>
+            <a:pPr marL="285750" indent="-285750">
+              <a:buFont typeface="Symbol" pitchFamily="2" charset="2"/>
+              <a:buChar char="Þ"/>
+            </a:pPr>
+            <a:r>
+              <a:rPr lang="ko-KR" altLang="en-US" b="0" dirty="0">
+                <a:solidFill>
+                  <a:srgbClr val="000000"/>
+                </a:solidFill>
+                <a:effectLst/>
+                <a:latin typeface="DM Mono" panose="020B0509040201040103" pitchFamily="49" charset="0"/>
+              </a:rPr>
+              <a:t>자가 균형 트리</a:t>
+            </a:r>
+            <a:endParaRPr lang="en-US" altLang="ko-KR" b="0" dirty="0">
+              <a:solidFill>
+                <a:srgbClr val="000000"/>
+              </a:solidFill>
+              <a:effectLst/>
+              <a:latin typeface="DM Mono" panose="020B0509040201040103" pitchFamily="49" charset="0"/>
+            </a:endParaRPr>
+          </a:p>
+          <a:p>
+            <a:pPr marL="285750" indent="-285750">
+              <a:buFont typeface="Symbol" pitchFamily="2" charset="2"/>
+              <a:buChar char="Þ"/>
+            </a:pPr>
+            <a:r>
+              <a:rPr lang="ko-KR" altLang="en-US" b="0" dirty="0">
+                <a:solidFill>
+                  <a:srgbClr val="000000"/>
+                </a:solidFill>
+                <a:effectLst/>
+                <a:latin typeface="DM Mono" panose="020B0509040201040103" pitchFamily="49" charset="0"/>
+              </a:rPr>
+              <a:t>회전을 통해서 스스로 </a:t>
+            </a:r>
+            <a:r>
+              <a:rPr lang="ko-KR" altLang="en-US" b="0" dirty="0" err="1">
+                <a:solidFill>
+                  <a:srgbClr val="000000"/>
+                </a:solidFill>
+                <a:effectLst/>
+                <a:latin typeface="DM Mono" panose="020B0509040201040103" pitchFamily="49" charset="0"/>
+              </a:rPr>
+              <a:t>균형잡습니다</a:t>
+            </a:r>
+            <a:r>
+              <a:rPr lang="en-US" altLang="ko-KR" b="0" dirty="0">
+                <a:solidFill>
+                  <a:srgbClr val="000000"/>
+                </a:solidFill>
+                <a:effectLst/>
+                <a:latin typeface="DM Mono" panose="020B0509040201040103" pitchFamily="49" charset="0"/>
+              </a:rPr>
+              <a:t>.</a:t>
+            </a:r>
+          </a:p>
+          <a:p>
+            <a:r>
+              <a:rPr lang="ko-KR" altLang="en-US" b="0" dirty="0">
+                <a:solidFill>
+                  <a:srgbClr val="000000"/>
+                </a:solidFill>
+                <a:effectLst/>
+                <a:latin typeface="DM Mono" panose="020B0509040201040103" pitchFamily="49" charset="0"/>
+              </a:rPr>
+              <a:t>  </a:t>
+            </a:r>
+            <a:r>
+              <a:rPr lang="en-US" altLang="ko-KR" b="0" dirty="0">
+                <a:solidFill>
+                  <a:srgbClr val="000000"/>
+                </a:solidFill>
+                <a:effectLst/>
+                <a:latin typeface="DM Mono" panose="020B0509040201040103" pitchFamily="49" charset="0"/>
+              </a:rPr>
+              <a:t>1)</a:t>
+            </a:r>
+            <a:r>
+              <a:rPr lang="ko-KR" altLang="en-US" b="0" dirty="0">
+                <a:solidFill>
+                  <a:srgbClr val="000000"/>
+                </a:solidFill>
+                <a:effectLst/>
+                <a:latin typeface="DM Mono" panose="020B0509040201040103" pitchFamily="49" charset="0"/>
+              </a:rPr>
+              <a:t> </a:t>
+            </a:r>
+            <a:r>
+              <a:rPr lang="en-US" altLang="ko-KR" dirty="0">
+                <a:solidFill>
+                  <a:srgbClr val="000000"/>
+                </a:solidFill>
+                <a:latin typeface="DM Mono" panose="020B0509040201040103" pitchFamily="49" charset="0"/>
+              </a:rPr>
+              <a:t>AVL Tree</a:t>
+            </a:r>
+          </a:p>
+          <a:p>
+            <a:r>
+              <a:rPr lang="en-US" altLang="ko-Kore-KR" dirty="0">
+                <a:solidFill>
+                  <a:srgbClr val="000000"/>
+                </a:solidFill>
+                <a:latin typeface="DM Mono" panose="020B0509040201040103" pitchFamily="49" charset="0"/>
+              </a:rPr>
+              <a:t>  2) RB Tree</a:t>
+            </a:r>
+            <a:endParaRPr lang="en" altLang="ko-Kore-KR" b="0" dirty="0">
+              <a:solidFill>
+                <a:srgbClr val="000000"/>
+              </a:solidFill>
+              <a:effectLst/>
+              <a:latin typeface="DM Mono" panose="020B0509040201040103" pitchFamily="49" charset="0"/>
+            </a:endParaRPr>
+          </a:p>
+        </p:txBody>
+      </p:sp>
+      <p:sp>
+        <p:nvSpPr>
+          <p:cNvPr id="24" name="직사각형 23">
+            <a:extLst>
+              <a:ext uri="{FF2B5EF4-FFF2-40B4-BE49-F238E27FC236}">
+                <a16:creationId xmlns:a16="http://schemas.microsoft.com/office/drawing/2014/main" id="{415052B1-0EBC-7E98-C352-30A59B342E98}"/>
+              </a:ext>
+            </a:extLst>
+          </p:cNvPr>
+          <p:cNvSpPr/>
+          <p:nvPr/>
+        </p:nvSpPr>
+        <p:spPr>
+          <a:xfrm>
+            <a:off x="5816824" y="732064"/>
+            <a:ext cx="753909" cy="436970"/>
+          </a:xfrm>
+          <a:prstGeom prst="rect">
+            <a:avLst/>
+          </a:prstGeom>
+          <a:solidFill>
+            <a:srgbClr val="FFFF00"/>
+          </a:solidFill>
+        </p:spPr>
+        <p:style>
+          <a:lnRef idx="2">
+            <a:schemeClr val="accent1">
+              <a:shade val="50000"/>
+            </a:schemeClr>
+          </a:lnRef>
+          <a:fillRef idx="1">
+            <a:schemeClr val="accent1"/>
+          </a:fillRef>
+          <a:effectRef idx="0">
+            <a:schemeClr val="accent1"/>
+          </a:effectRef>
+          <a:fontRef idx="minor">
+            <a:schemeClr val="lt1"/>
+          </a:fontRef>
+        </p:style>
+        <p:txBody>
+          <a:bodyPr rtlCol="0" anchor="ctr"/>
+          <a:lstStyle/>
+          <a:p>
+            <a:pPr algn="ctr"/>
+            <a:r>
+              <a:rPr kumimoji="1" lang="en-US" altLang="ko-Kore-KR" sz="1400" dirty="0">
+                <a:solidFill>
+                  <a:schemeClr val="tx1"/>
+                </a:solidFill>
+              </a:rPr>
+              <a:t>10</a:t>
+            </a:r>
+            <a:endParaRPr kumimoji="1" lang="ko-Kore-KR" altLang="en-US" sz="1400" dirty="0">
+              <a:solidFill>
+                <a:schemeClr val="tx1"/>
+              </a:solidFill>
+            </a:endParaRPr>
+          </a:p>
+        </p:txBody>
+      </p:sp>
+      <p:cxnSp>
+        <p:nvCxnSpPr>
+          <p:cNvPr id="25" name="구부러진 연결선[U] 24">
+            <a:extLst>
+              <a:ext uri="{FF2B5EF4-FFF2-40B4-BE49-F238E27FC236}">
+                <a16:creationId xmlns:a16="http://schemas.microsoft.com/office/drawing/2014/main" id="{2450000F-582C-E93C-856E-14F04BA89A2A}"/>
+              </a:ext>
+            </a:extLst>
+          </p:cNvPr>
+          <p:cNvCxnSpPr>
+            <a:cxnSpLocks/>
+            <a:stCxn id="24" idx="2"/>
+          </p:cNvCxnSpPr>
+          <p:nvPr/>
+        </p:nvCxnSpPr>
+        <p:spPr>
+          <a:xfrm rot="16200000" flipH="1">
+            <a:off x="6577197" y="785616"/>
+            <a:ext cx="403810" cy="1170646"/>
+          </a:xfrm>
+          <a:prstGeom prst="curvedConnector2">
+            <a:avLst/>
+          </a:prstGeom>
+          <a:ln>
+            <a:tailEnd type="triangle"/>
+          </a:ln>
+        </p:spPr>
+        <p:style>
+          <a:lnRef idx="1">
+            <a:schemeClr val="dk1"/>
+          </a:lnRef>
+          <a:fillRef idx="0">
+            <a:schemeClr val="dk1"/>
+          </a:fillRef>
+          <a:effectRef idx="0">
+            <a:schemeClr val="dk1"/>
+          </a:effectRef>
+          <a:fontRef idx="minor">
+            <a:schemeClr val="tx1"/>
+          </a:fontRef>
+        </p:style>
+      </p:cxnSp>
+      <p:sp>
+        <p:nvSpPr>
+          <p:cNvPr id="26" name="직사각형 25">
+            <a:extLst>
+              <a:ext uri="{FF2B5EF4-FFF2-40B4-BE49-F238E27FC236}">
+                <a16:creationId xmlns:a16="http://schemas.microsoft.com/office/drawing/2014/main" id="{DB64AB13-D2B1-D10A-4FBB-C79CA80259B1}"/>
+              </a:ext>
+            </a:extLst>
+          </p:cNvPr>
+          <p:cNvSpPr/>
+          <p:nvPr/>
+        </p:nvSpPr>
+        <p:spPr>
+          <a:xfrm>
+            <a:off x="7364425" y="1370939"/>
+            <a:ext cx="753909" cy="436970"/>
+          </a:xfrm>
+          <a:prstGeom prst="rect">
+            <a:avLst/>
+          </a:prstGeom>
+          <a:solidFill>
+            <a:srgbClr val="FFFF00"/>
+          </a:solidFill>
+        </p:spPr>
+        <p:style>
+          <a:lnRef idx="2">
+            <a:schemeClr val="accent1">
+              <a:shade val="50000"/>
+            </a:schemeClr>
+          </a:lnRef>
+          <a:fillRef idx="1">
+            <a:schemeClr val="accent1"/>
+          </a:fillRef>
+          <a:effectRef idx="0">
+            <a:schemeClr val="accent1"/>
+          </a:effectRef>
+          <a:fontRef idx="minor">
+            <a:schemeClr val="lt1"/>
+          </a:fontRef>
+        </p:style>
+        <p:txBody>
+          <a:bodyPr rtlCol="0" anchor="ctr"/>
+          <a:lstStyle/>
+          <a:p>
+            <a:pPr algn="ctr"/>
+            <a:r>
+              <a:rPr kumimoji="1" lang="en-US" altLang="ko-Kore-KR" sz="1400" dirty="0">
+                <a:solidFill>
+                  <a:schemeClr val="tx1"/>
+                </a:solidFill>
+              </a:rPr>
+              <a:t>20</a:t>
+            </a:r>
+            <a:endParaRPr kumimoji="1" lang="ko-Kore-KR" altLang="en-US" sz="1400" dirty="0">
+              <a:solidFill>
+                <a:schemeClr val="tx1"/>
+              </a:solidFill>
+            </a:endParaRPr>
+          </a:p>
+        </p:txBody>
+      </p:sp>
+      <p:cxnSp>
+        <p:nvCxnSpPr>
+          <p:cNvPr id="29" name="구부러진 연결선[U] 28">
+            <a:extLst>
+              <a:ext uri="{FF2B5EF4-FFF2-40B4-BE49-F238E27FC236}">
+                <a16:creationId xmlns:a16="http://schemas.microsoft.com/office/drawing/2014/main" id="{47B1854E-2009-9BD4-5411-59AE761ACCC1}"/>
+              </a:ext>
+            </a:extLst>
+          </p:cNvPr>
+          <p:cNvCxnSpPr>
+            <a:cxnSpLocks/>
+          </p:cNvCxnSpPr>
+          <p:nvPr/>
+        </p:nvCxnSpPr>
+        <p:spPr>
+          <a:xfrm rot="16200000" flipH="1">
+            <a:off x="8250899" y="1424491"/>
+            <a:ext cx="403810" cy="1170646"/>
+          </a:xfrm>
+          <a:prstGeom prst="curvedConnector2">
+            <a:avLst/>
+          </a:prstGeom>
+          <a:ln>
+            <a:tailEnd type="triangle"/>
+          </a:ln>
+        </p:spPr>
+        <p:style>
+          <a:lnRef idx="1">
+            <a:schemeClr val="dk1"/>
+          </a:lnRef>
+          <a:fillRef idx="0">
+            <a:schemeClr val="dk1"/>
+          </a:fillRef>
+          <a:effectRef idx="0">
+            <a:schemeClr val="dk1"/>
+          </a:effectRef>
+          <a:fontRef idx="minor">
+            <a:schemeClr val="tx1"/>
+          </a:fontRef>
+        </p:style>
+      </p:cxnSp>
+      <p:sp>
+        <p:nvSpPr>
+          <p:cNvPr id="30" name="직사각형 29">
+            <a:extLst>
+              <a:ext uri="{FF2B5EF4-FFF2-40B4-BE49-F238E27FC236}">
+                <a16:creationId xmlns:a16="http://schemas.microsoft.com/office/drawing/2014/main" id="{DD4B695C-21C3-8502-4AAE-B66385A926FC}"/>
+              </a:ext>
+            </a:extLst>
+          </p:cNvPr>
+          <p:cNvSpPr/>
+          <p:nvPr/>
+        </p:nvSpPr>
+        <p:spPr>
+          <a:xfrm>
+            <a:off x="9038127" y="2009814"/>
+            <a:ext cx="753909" cy="436970"/>
+          </a:xfrm>
+          <a:prstGeom prst="rect">
+            <a:avLst/>
+          </a:prstGeom>
+          <a:solidFill>
+            <a:srgbClr val="FFFF00"/>
+          </a:solidFill>
+        </p:spPr>
+        <p:style>
+          <a:lnRef idx="2">
+            <a:schemeClr val="accent1">
+              <a:shade val="50000"/>
+            </a:schemeClr>
+          </a:lnRef>
+          <a:fillRef idx="1">
+            <a:schemeClr val="accent1"/>
+          </a:fillRef>
+          <a:effectRef idx="0">
+            <a:schemeClr val="accent1"/>
+          </a:effectRef>
+          <a:fontRef idx="minor">
+            <a:schemeClr val="lt1"/>
+          </a:fontRef>
+        </p:style>
+        <p:txBody>
+          <a:bodyPr rtlCol="0" anchor="ctr"/>
+          <a:lstStyle/>
+          <a:p>
+            <a:pPr algn="ctr"/>
+            <a:r>
+              <a:rPr kumimoji="1" lang="en-US" altLang="ko-Kore-KR" sz="1400" dirty="0">
+                <a:solidFill>
+                  <a:schemeClr val="tx1"/>
+                </a:solidFill>
+              </a:rPr>
+              <a:t>30</a:t>
+            </a:r>
+            <a:endParaRPr kumimoji="1" lang="ko-Kore-KR" altLang="en-US" sz="1400" dirty="0">
+              <a:solidFill>
+                <a:schemeClr val="tx1"/>
+              </a:solidFill>
+            </a:endParaRPr>
+          </a:p>
+        </p:txBody>
+      </p:sp>
+      <p:cxnSp>
+        <p:nvCxnSpPr>
+          <p:cNvPr id="33" name="구부러진 연결선[U] 32">
+            <a:extLst>
+              <a:ext uri="{FF2B5EF4-FFF2-40B4-BE49-F238E27FC236}">
+                <a16:creationId xmlns:a16="http://schemas.microsoft.com/office/drawing/2014/main" id="{3CAEF1CD-B1E4-EBC2-3764-222D0FCC2C98}"/>
+              </a:ext>
+            </a:extLst>
+          </p:cNvPr>
+          <p:cNvCxnSpPr>
+            <a:cxnSpLocks/>
+          </p:cNvCxnSpPr>
+          <p:nvPr/>
+        </p:nvCxnSpPr>
+        <p:spPr>
+          <a:xfrm rot="16200000" flipH="1">
+            <a:off x="9924601" y="2063366"/>
+            <a:ext cx="403810" cy="1170646"/>
+          </a:xfrm>
+          <a:prstGeom prst="curvedConnector2">
+            <a:avLst/>
+          </a:prstGeom>
+          <a:ln>
+            <a:tailEnd type="triangle"/>
+          </a:ln>
+        </p:spPr>
+        <p:style>
+          <a:lnRef idx="1">
+            <a:schemeClr val="dk1"/>
+          </a:lnRef>
+          <a:fillRef idx="0">
+            <a:schemeClr val="dk1"/>
+          </a:fillRef>
+          <a:effectRef idx="0">
+            <a:schemeClr val="dk1"/>
+          </a:effectRef>
+          <a:fontRef idx="minor">
+            <a:schemeClr val="tx1"/>
+          </a:fontRef>
+        </p:style>
+      </p:cxnSp>
+      <p:sp>
+        <p:nvSpPr>
+          <p:cNvPr id="34" name="직사각형 33">
+            <a:extLst>
+              <a:ext uri="{FF2B5EF4-FFF2-40B4-BE49-F238E27FC236}">
+                <a16:creationId xmlns:a16="http://schemas.microsoft.com/office/drawing/2014/main" id="{4DBB6840-1C68-7F75-6033-5AB81ACFE30A}"/>
+              </a:ext>
+            </a:extLst>
+          </p:cNvPr>
+          <p:cNvSpPr/>
+          <p:nvPr/>
+        </p:nvSpPr>
+        <p:spPr>
+          <a:xfrm>
+            <a:off x="10711829" y="2648689"/>
+            <a:ext cx="753909" cy="436970"/>
+          </a:xfrm>
+          <a:prstGeom prst="rect">
+            <a:avLst/>
+          </a:prstGeom>
+          <a:solidFill>
+            <a:srgbClr val="FFFF00"/>
+          </a:solidFill>
+        </p:spPr>
+        <p:style>
+          <a:lnRef idx="2">
+            <a:schemeClr val="accent1">
+              <a:shade val="50000"/>
+            </a:schemeClr>
+          </a:lnRef>
+          <a:fillRef idx="1">
+            <a:schemeClr val="accent1"/>
+          </a:fillRef>
+          <a:effectRef idx="0">
+            <a:schemeClr val="accent1"/>
+          </a:effectRef>
+          <a:fontRef idx="minor">
+            <a:schemeClr val="lt1"/>
+          </a:fontRef>
+        </p:style>
+        <p:txBody>
+          <a:bodyPr rtlCol="0" anchor="ctr"/>
+          <a:lstStyle/>
+          <a:p>
+            <a:pPr algn="ctr"/>
+            <a:r>
+              <a:rPr kumimoji="1" lang="en-US" altLang="ko-Kore-KR" sz="1400" dirty="0">
+                <a:solidFill>
+                  <a:schemeClr val="tx1"/>
+                </a:solidFill>
+              </a:rPr>
+              <a:t>40</a:t>
+            </a:r>
+            <a:endParaRPr kumimoji="1" lang="ko-Kore-KR" altLang="en-US" sz="1400" dirty="0">
+              <a:solidFill>
+                <a:schemeClr val="tx1"/>
+              </a:solidFill>
+            </a:endParaRPr>
+          </a:p>
+        </p:txBody>
+      </p:sp>
+      <p:cxnSp>
+        <p:nvCxnSpPr>
+          <p:cNvPr id="37" name="구부러진 연결선[U] 36">
+            <a:extLst>
+              <a:ext uri="{FF2B5EF4-FFF2-40B4-BE49-F238E27FC236}">
+                <a16:creationId xmlns:a16="http://schemas.microsoft.com/office/drawing/2014/main" id="{B3D49E2C-F33C-D061-FE24-975024A1FD08}"/>
+              </a:ext>
+            </a:extLst>
+          </p:cNvPr>
+          <p:cNvCxnSpPr>
+            <a:cxnSpLocks/>
+          </p:cNvCxnSpPr>
+          <p:nvPr/>
+        </p:nvCxnSpPr>
+        <p:spPr>
+          <a:xfrm rot="16200000" flipH="1">
+            <a:off x="11598303" y="2702241"/>
+            <a:ext cx="403810" cy="1170646"/>
+          </a:xfrm>
+          <a:prstGeom prst="curvedConnector2">
+            <a:avLst/>
+          </a:prstGeom>
+          <a:ln>
+            <a:tailEnd type="triangle"/>
+          </a:ln>
+        </p:spPr>
+        <p:style>
+          <a:lnRef idx="1">
+            <a:schemeClr val="dk1"/>
+          </a:lnRef>
+          <a:fillRef idx="0">
+            <a:schemeClr val="dk1"/>
+          </a:fillRef>
+          <a:effectRef idx="0">
+            <a:schemeClr val="dk1"/>
+          </a:effectRef>
+          <a:fontRef idx="minor">
+            <a:schemeClr val="tx1"/>
+          </a:fontRef>
+        </p:style>
+      </p:cxnSp>
+      <p:sp>
+        <p:nvSpPr>
+          <p:cNvPr id="38" name="직사각형 37">
+            <a:extLst>
+              <a:ext uri="{FF2B5EF4-FFF2-40B4-BE49-F238E27FC236}">
+                <a16:creationId xmlns:a16="http://schemas.microsoft.com/office/drawing/2014/main" id="{5F47263C-C5D9-D8DA-90F1-74ABD46F4031}"/>
+              </a:ext>
+            </a:extLst>
+          </p:cNvPr>
+          <p:cNvSpPr/>
+          <p:nvPr/>
+        </p:nvSpPr>
+        <p:spPr>
+          <a:xfrm>
+            <a:off x="12385531" y="3287564"/>
+            <a:ext cx="753909" cy="436970"/>
+          </a:xfrm>
+          <a:prstGeom prst="rect">
+            <a:avLst/>
+          </a:prstGeom>
+          <a:solidFill>
+            <a:srgbClr val="FFFF00"/>
+          </a:solidFill>
+        </p:spPr>
+        <p:style>
+          <a:lnRef idx="2">
+            <a:schemeClr val="accent1">
+              <a:shade val="50000"/>
+            </a:schemeClr>
+          </a:lnRef>
+          <a:fillRef idx="1">
+            <a:schemeClr val="accent1"/>
+          </a:fillRef>
+          <a:effectRef idx="0">
+            <a:schemeClr val="accent1"/>
+          </a:effectRef>
+          <a:fontRef idx="minor">
+            <a:schemeClr val="lt1"/>
+          </a:fontRef>
+        </p:style>
+        <p:txBody>
+          <a:bodyPr rtlCol="0" anchor="ctr"/>
+          <a:lstStyle/>
+          <a:p>
+            <a:pPr algn="ctr"/>
+            <a:r>
+              <a:rPr kumimoji="1" lang="en-US" altLang="ko-Kore-KR" sz="1400" dirty="0">
+                <a:solidFill>
+                  <a:schemeClr val="tx1"/>
+                </a:solidFill>
+              </a:rPr>
+              <a:t>50</a:t>
+            </a:r>
+            <a:endParaRPr kumimoji="1" lang="ko-Kore-KR" altLang="en-US" sz="1400" dirty="0">
+              <a:solidFill>
+                <a:schemeClr val="tx1"/>
+              </a:solidFill>
+            </a:endParaRPr>
+          </a:p>
+        </p:txBody>
+      </p:sp>
+    </p:spTree>
+    <p:extLst>
+      <p:ext uri="{BB962C8B-B14F-4D97-AF65-F5344CB8AC3E}">
+        <p14:creationId xmlns:p14="http://schemas.microsoft.com/office/powerpoint/2010/main" val="3254630039"/>
+      </p:ext>
+    </p:extLst>
+  </p:cSld>
+  <p:clrMapOvr>
+    <a:masterClrMapping/>
+  </p:clrMapOvr>
+</p:sld>
+</file>
+
+<file path=ppt/slides/slide8.xml><?xml version="1.0" encoding="utf-8"?>
+<p:sld xmlns:a="http://schemas.openxmlformats.org/drawingml/2006/main" xmlns:r="http://schemas.openxmlformats.org/officeDocument/2006/relationships" xmlns:p="http://schemas.openxmlformats.org/presentationml/2006/main">
+  <p:cSld>
+    <p:spTree>
+      <p:nvGrpSpPr>
+        <p:cNvPr id="1" name=""/>
+        <p:cNvGrpSpPr/>
+        <p:nvPr/>
+      </p:nvGrpSpPr>
+      <p:grpSpPr>
+        <a:xfrm>
+          <a:off x="0" y="0"/>
+          <a:ext cx="0" cy="0"/>
+          <a:chOff x="0" y="0"/>
+          <a:chExt cx="0" cy="0"/>
+        </a:xfrm>
+      </p:grpSpPr>
+      <p:sp>
+        <p:nvSpPr>
+          <p:cNvPr id="16" name="직사각형 15">
+            <a:extLst>
+              <a:ext uri="{FF2B5EF4-FFF2-40B4-BE49-F238E27FC236}">
+                <a16:creationId xmlns:a16="http://schemas.microsoft.com/office/drawing/2014/main" id="{B5816D3B-B274-5E62-92FA-D94550C80314}"/>
+              </a:ext>
+            </a:extLst>
+          </p:cNvPr>
+          <p:cNvSpPr/>
+          <p:nvPr/>
+        </p:nvSpPr>
+        <p:spPr>
+          <a:xfrm>
+            <a:off x="353352" y="197346"/>
+            <a:ext cx="4784312" cy="646331"/>
+          </a:xfrm>
+          <a:prstGeom prst="rect">
+            <a:avLst/>
+          </a:prstGeom>
+        </p:spPr>
+        <p:txBody>
+          <a:bodyPr wrap="square">
+            <a:spAutoFit/>
+          </a:bodyPr>
+          <a:lstStyle/>
+          <a:p>
+            <a:r>
+              <a:rPr lang="en-US" altLang="ko-KR" dirty="0">
+                <a:solidFill>
+                  <a:srgbClr val="000000"/>
+                </a:solidFill>
+                <a:latin typeface="DM Mono" panose="020B0509040201040103" pitchFamily="49" charset="0"/>
+              </a:rPr>
+              <a:t>50</a:t>
+            </a:r>
+            <a:r>
+              <a:rPr lang="ko-KR" altLang="en-US" dirty="0">
+                <a:solidFill>
+                  <a:srgbClr val="000000"/>
+                </a:solidFill>
+                <a:latin typeface="DM Mono" panose="020B0509040201040103" pitchFamily="49" charset="0"/>
+              </a:rPr>
+              <a:t> </a:t>
+            </a:r>
+            <a:r>
+              <a:rPr lang="en-US" altLang="ko-KR" dirty="0">
+                <a:solidFill>
+                  <a:srgbClr val="000000"/>
+                </a:solidFill>
+                <a:latin typeface="DM Mono" panose="020B0509040201040103" pitchFamily="49" charset="0"/>
+              </a:rPr>
+              <a:t>30</a:t>
+            </a:r>
+            <a:r>
+              <a:rPr lang="ko-KR" altLang="en-US" dirty="0">
+                <a:solidFill>
+                  <a:srgbClr val="000000"/>
+                </a:solidFill>
+                <a:latin typeface="DM Mono" panose="020B0509040201040103" pitchFamily="49" charset="0"/>
+              </a:rPr>
+              <a:t> </a:t>
+            </a:r>
+            <a:r>
+              <a:rPr lang="en-US" altLang="ko-KR" dirty="0">
+                <a:solidFill>
+                  <a:srgbClr val="000000"/>
+                </a:solidFill>
+                <a:latin typeface="DM Mono" panose="020B0509040201040103" pitchFamily="49" charset="0"/>
+              </a:rPr>
+              <a:t>10</a:t>
+            </a:r>
+            <a:r>
+              <a:rPr lang="ko-KR" altLang="en-US" dirty="0">
+                <a:solidFill>
+                  <a:srgbClr val="000000"/>
+                </a:solidFill>
+                <a:latin typeface="DM Mono" panose="020B0509040201040103" pitchFamily="49" charset="0"/>
+              </a:rPr>
+              <a:t> </a:t>
+            </a:r>
+            <a:r>
+              <a:rPr lang="en-US" altLang="ko-KR" dirty="0">
+                <a:solidFill>
+                  <a:srgbClr val="000000"/>
+                </a:solidFill>
+                <a:latin typeface="DM Mono" panose="020B0509040201040103" pitchFamily="49" charset="0"/>
+              </a:rPr>
+              <a:t>20 40</a:t>
+            </a:r>
+            <a:endParaRPr lang="en-US" altLang="ko-Kore-KR" b="0" dirty="0">
+              <a:solidFill>
+                <a:srgbClr val="000000"/>
+              </a:solidFill>
+              <a:effectLst/>
+              <a:latin typeface="DM Mono" panose="020B0509040201040103" pitchFamily="49" charset="0"/>
+            </a:endParaRPr>
+          </a:p>
+          <a:p>
+            <a:r>
+              <a:rPr lang="en-US" altLang="ko-KR" dirty="0">
+                <a:solidFill>
+                  <a:srgbClr val="000000"/>
+                </a:solidFill>
+                <a:latin typeface="DM Mono" panose="020B0509040201040103" pitchFamily="49" charset="0"/>
+              </a:rPr>
+              <a:t>50 =&gt;</a:t>
+            </a:r>
+            <a:r>
+              <a:rPr lang="ko-KR" altLang="en-US" dirty="0">
+                <a:solidFill>
+                  <a:srgbClr val="000000"/>
+                </a:solidFill>
+                <a:latin typeface="DM Mono" panose="020B0509040201040103" pitchFamily="49" charset="0"/>
+              </a:rPr>
+              <a:t> </a:t>
+            </a:r>
+            <a:r>
+              <a:rPr lang="en-US" altLang="ko-KR" dirty="0">
+                <a:solidFill>
+                  <a:srgbClr val="000000"/>
+                </a:solidFill>
+                <a:latin typeface="DM Mono" panose="020B0509040201040103" pitchFamily="49" charset="0"/>
+              </a:rPr>
+              <a:t>hash(x) =&gt; 3</a:t>
+            </a:r>
+            <a:endParaRPr lang="en" altLang="ko-Kore-KR" b="0" dirty="0">
+              <a:solidFill>
+                <a:srgbClr val="000000"/>
+              </a:solidFill>
+              <a:effectLst/>
+              <a:latin typeface="DM Mono" panose="020B0509040201040103" pitchFamily="49" charset="0"/>
+            </a:endParaRPr>
+          </a:p>
+        </p:txBody>
+      </p:sp>
+      <p:sp>
+        <p:nvSpPr>
+          <p:cNvPr id="24" name="직사각형 23">
+            <a:extLst>
+              <a:ext uri="{FF2B5EF4-FFF2-40B4-BE49-F238E27FC236}">
+                <a16:creationId xmlns:a16="http://schemas.microsoft.com/office/drawing/2014/main" id="{9B56F7BC-E03B-BFC3-6557-3A112CA78E8D}"/>
+              </a:ext>
+            </a:extLst>
+          </p:cNvPr>
+          <p:cNvSpPr/>
+          <p:nvPr/>
+        </p:nvSpPr>
+        <p:spPr>
+          <a:xfrm>
+            <a:off x="6666487" y="497395"/>
+            <a:ext cx="1530743" cy="436970"/>
+          </a:xfrm>
+          <a:prstGeom prst="rect">
+            <a:avLst/>
+          </a:prstGeom>
+          <a:solidFill>
+            <a:srgbClr val="FFFF00"/>
+          </a:solidFill>
+        </p:spPr>
+        <p:style>
+          <a:lnRef idx="2">
+            <a:schemeClr val="accent1">
+              <a:shade val="50000"/>
+            </a:schemeClr>
+          </a:lnRef>
+          <a:fillRef idx="1">
+            <a:schemeClr val="accent1"/>
+          </a:fillRef>
+          <a:effectRef idx="0">
+            <a:schemeClr val="accent1"/>
+          </a:effectRef>
+          <a:fontRef idx="minor">
+            <a:schemeClr val="lt1"/>
+          </a:fontRef>
+        </p:style>
+        <p:txBody>
+          <a:bodyPr rtlCol="0" anchor="ctr"/>
+          <a:lstStyle/>
+          <a:p>
+            <a:pPr algn="ctr"/>
+            <a:r>
+              <a:rPr kumimoji="1" lang="en-US" altLang="ko-Kore-KR" sz="1400" dirty="0">
+                <a:solidFill>
+                  <a:schemeClr val="tx1"/>
+                </a:solidFill>
+              </a:rPr>
+              <a:t>0</a:t>
+            </a:r>
+            <a:endParaRPr kumimoji="1" lang="ko-Kore-KR" altLang="en-US" sz="1400" dirty="0">
+              <a:solidFill>
+                <a:schemeClr val="tx1"/>
+              </a:solidFill>
+            </a:endParaRPr>
+          </a:p>
+        </p:txBody>
+      </p:sp>
+      <p:sp>
+        <p:nvSpPr>
+          <p:cNvPr id="25" name="직사각형 24">
+            <a:extLst>
+              <a:ext uri="{FF2B5EF4-FFF2-40B4-BE49-F238E27FC236}">
+                <a16:creationId xmlns:a16="http://schemas.microsoft.com/office/drawing/2014/main" id="{32B0A0A9-81DB-BFAE-73C8-5D36271F6238}"/>
+              </a:ext>
+            </a:extLst>
+          </p:cNvPr>
+          <p:cNvSpPr/>
+          <p:nvPr/>
+        </p:nvSpPr>
+        <p:spPr>
+          <a:xfrm>
+            <a:off x="6666487" y="934365"/>
+            <a:ext cx="1530743" cy="436970"/>
+          </a:xfrm>
+          <a:prstGeom prst="rect">
+            <a:avLst/>
+          </a:prstGeom>
+          <a:solidFill>
+            <a:srgbClr val="FFFF00"/>
+          </a:solidFill>
+        </p:spPr>
+        <p:style>
+          <a:lnRef idx="2">
+            <a:schemeClr val="accent1">
+              <a:shade val="50000"/>
+            </a:schemeClr>
+          </a:lnRef>
+          <a:fillRef idx="1">
+            <a:schemeClr val="accent1"/>
+          </a:fillRef>
+          <a:effectRef idx="0">
+            <a:schemeClr val="accent1"/>
+          </a:effectRef>
+          <a:fontRef idx="minor">
+            <a:schemeClr val="lt1"/>
+          </a:fontRef>
+        </p:style>
+        <p:txBody>
+          <a:bodyPr rtlCol="0" anchor="ctr"/>
+          <a:lstStyle/>
+          <a:p>
+            <a:pPr algn="ctr"/>
+            <a:r>
+              <a:rPr kumimoji="1" lang="en-US" altLang="ko-Kore-KR" sz="1400" dirty="0">
+                <a:solidFill>
+                  <a:schemeClr val="tx1"/>
+                </a:solidFill>
+              </a:rPr>
+              <a:t>1</a:t>
+            </a:r>
+            <a:endParaRPr kumimoji="1" lang="ko-Kore-KR" altLang="en-US" sz="1400" dirty="0">
+              <a:solidFill>
+                <a:schemeClr val="tx1"/>
+              </a:solidFill>
+            </a:endParaRPr>
+          </a:p>
+        </p:txBody>
+      </p:sp>
+      <p:sp>
+        <p:nvSpPr>
+          <p:cNvPr id="26" name="직사각형 25">
+            <a:extLst>
+              <a:ext uri="{FF2B5EF4-FFF2-40B4-BE49-F238E27FC236}">
+                <a16:creationId xmlns:a16="http://schemas.microsoft.com/office/drawing/2014/main" id="{394AAE66-B255-5CAE-584E-AD413EF3102A}"/>
+              </a:ext>
+            </a:extLst>
+          </p:cNvPr>
+          <p:cNvSpPr/>
+          <p:nvPr/>
+        </p:nvSpPr>
+        <p:spPr>
+          <a:xfrm>
+            <a:off x="6666487" y="1371335"/>
+            <a:ext cx="1530743" cy="436970"/>
+          </a:xfrm>
+          <a:prstGeom prst="rect">
+            <a:avLst/>
+          </a:prstGeom>
+          <a:solidFill>
+            <a:srgbClr val="FFFF00"/>
+          </a:solidFill>
+        </p:spPr>
+        <p:style>
+          <a:lnRef idx="2">
+            <a:schemeClr val="accent1">
+              <a:shade val="50000"/>
+            </a:schemeClr>
+          </a:lnRef>
+          <a:fillRef idx="1">
+            <a:schemeClr val="accent1"/>
+          </a:fillRef>
+          <a:effectRef idx="0">
+            <a:schemeClr val="accent1"/>
+          </a:effectRef>
+          <a:fontRef idx="minor">
+            <a:schemeClr val="lt1"/>
+          </a:fontRef>
+        </p:style>
+        <p:txBody>
+          <a:bodyPr rtlCol="0" anchor="ctr"/>
+          <a:lstStyle/>
+          <a:p>
+            <a:pPr algn="ctr"/>
+            <a:r>
+              <a:rPr kumimoji="1" lang="en-US" altLang="ko-Kore-KR" sz="1400" dirty="0">
+                <a:solidFill>
+                  <a:schemeClr val="tx1"/>
+                </a:solidFill>
+              </a:rPr>
+              <a:t>2</a:t>
+            </a:r>
+            <a:endParaRPr kumimoji="1" lang="ko-Kore-KR" altLang="en-US" sz="1400" dirty="0">
+              <a:solidFill>
+                <a:schemeClr val="tx1"/>
+              </a:solidFill>
+            </a:endParaRPr>
+          </a:p>
+        </p:txBody>
+      </p:sp>
+      <p:sp>
+        <p:nvSpPr>
+          <p:cNvPr id="29" name="직사각형 28">
+            <a:extLst>
+              <a:ext uri="{FF2B5EF4-FFF2-40B4-BE49-F238E27FC236}">
+                <a16:creationId xmlns:a16="http://schemas.microsoft.com/office/drawing/2014/main" id="{228D3E24-0C57-83A4-D93E-691A2030FF20}"/>
+              </a:ext>
+            </a:extLst>
+          </p:cNvPr>
+          <p:cNvSpPr/>
+          <p:nvPr/>
+        </p:nvSpPr>
+        <p:spPr>
+          <a:xfrm>
+            <a:off x="6666487" y="1808305"/>
+            <a:ext cx="1530743" cy="436970"/>
+          </a:xfrm>
+          <a:prstGeom prst="rect">
+            <a:avLst/>
+          </a:prstGeom>
+          <a:solidFill>
+            <a:srgbClr val="FFFF00"/>
+          </a:solidFill>
+        </p:spPr>
+        <p:style>
+          <a:lnRef idx="2">
+            <a:schemeClr val="accent1">
+              <a:shade val="50000"/>
+            </a:schemeClr>
+          </a:lnRef>
+          <a:fillRef idx="1">
+            <a:schemeClr val="accent1"/>
+          </a:fillRef>
+          <a:effectRef idx="0">
+            <a:schemeClr val="accent1"/>
+          </a:effectRef>
+          <a:fontRef idx="minor">
+            <a:schemeClr val="lt1"/>
+          </a:fontRef>
+        </p:style>
+        <p:txBody>
+          <a:bodyPr rtlCol="0" anchor="ctr"/>
+          <a:lstStyle/>
+          <a:p>
+            <a:pPr algn="ctr"/>
+            <a:r>
+              <a:rPr kumimoji="1" lang="en-US" altLang="ko-Kore-KR" sz="1400" dirty="0">
+                <a:solidFill>
+                  <a:schemeClr val="tx1"/>
+                </a:solidFill>
+              </a:rPr>
+              <a:t>3</a:t>
+            </a:r>
+            <a:endParaRPr kumimoji="1" lang="ko-Kore-KR" altLang="en-US" sz="1400" dirty="0">
+              <a:solidFill>
+                <a:schemeClr val="tx1"/>
+              </a:solidFill>
+            </a:endParaRPr>
+          </a:p>
+        </p:txBody>
+      </p:sp>
+      <p:sp>
+        <p:nvSpPr>
+          <p:cNvPr id="30" name="직사각형 29">
+            <a:extLst>
+              <a:ext uri="{FF2B5EF4-FFF2-40B4-BE49-F238E27FC236}">
+                <a16:creationId xmlns:a16="http://schemas.microsoft.com/office/drawing/2014/main" id="{7D79B803-F1D9-E230-600C-851F593A6538}"/>
+              </a:ext>
+            </a:extLst>
+          </p:cNvPr>
+          <p:cNvSpPr/>
+          <p:nvPr/>
+        </p:nvSpPr>
+        <p:spPr>
+          <a:xfrm>
+            <a:off x="6666487" y="2245275"/>
+            <a:ext cx="1530743" cy="436970"/>
+          </a:xfrm>
+          <a:prstGeom prst="rect">
+            <a:avLst/>
+          </a:prstGeom>
+          <a:solidFill>
+            <a:srgbClr val="FFFF00"/>
+          </a:solidFill>
+        </p:spPr>
+        <p:style>
+          <a:lnRef idx="2">
+            <a:schemeClr val="accent1">
+              <a:shade val="50000"/>
+            </a:schemeClr>
+          </a:lnRef>
+          <a:fillRef idx="1">
+            <a:schemeClr val="accent1"/>
+          </a:fillRef>
+          <a:effectRef idx="0">
+            <a:schemeClr val="accent1"/>
+          </a:effectRef>
+          <a:fontRef idx="minor">
+            <a:schemeClr val="lt1"/>
+          </a:fontRef>
+        </p:style>
+        <p:txBody>
+          <a:bodyPr rtlCol="0" anchor="ctr"/>
+          <a:lstStyle/>
+          <a:p>
+            <a:pPr algn="ctr"/>
+            <a:r>
+              <a:rPr kumimoji="1" lang="en-US" altLang="ko-Kore-KR" sz="1400" dirty="0">
+                <a:solidFill>
+                  <a:schemeClr val="tx1"/>
+                </a:solidFill>
+              </a:rPr>
+              <a:t>4</a:t>
+            </a:r>
+            <a:endParaRPr kumimoji="1" lang="ko-Kore-KR" altLang="en-US" sz="1400" dirty="0">
+              <a:solidFill>
+                <a:schemeClr val="tx1"/>
+              </a:solidFill>
+            </a:endParaRPr>
+          </a:p>
+        </p:txBody>
+      </p:sp>
+      <p:sp>
+        <p:nvSpPr>
+          <p:cNvPr id="33" name="직사각형 32">
+            <a:extLst>
+              <a:ext uri="{FF2B5EF4-FFF2-40B4-BE49-F238E27FC236}">
+                <a16:creationId xmlns:a16="http://schemas.microsoft.com/office/drawing/2014/main" id="{BB34C13B-1173-E063-CF7E-6D3D21144613}"/>
+              </a:ext>
+            </a:extLst>
+          </p:cNvPr>
+          <p:cNvSpPr/>
+          <p:nvPr/>
+        </p:nvSpPr>
+        <p:spPr>
+          <a:xfrm>
+            <a:off x="6666487" y="2682245"/>
+            <a:ext cx="1530743" cy="436970"/>
+          </a:xfrm>
+          <a:prstGeom prst="rect">
+            <a:avLst/>
+          </a:prstGeom>
+          <a:solidFill>
+            <a:srgbClr val="FFFF00"/>
+          </a:solidFill>
+        </p:spPr>
+        <p:style>
+          <a:lnRef idx="2">
+            <a:schemeClr val="accent1">
+              <a:shade val="50000"/>
+            </a:schemeClr>
+          </a:lnRef>
+          <a:fillRef idx="1">
+            <a:schemeClr val="accent1"/>
+          </a:fillRef>
+          <a:effectRef idx="0">
+            <a:schemeClr val="accent1"/>
+          </a:effectRef>
+          <a:fontRef idx="minor">
+            <a:schemeClr val="lt1"/>
+          </a:fontRef>
+        </p:style>
+        <p:txBody>
+          <a:bodyPr rtlCol="0" anchor="ctr"/>
+          <a:lstStyle/>
+          <a:p>
+            <a:pPr algn="ctr"/>
+            <a:r>
+              <a:rPr kumimoji="1" lang="en-US" altLang="ko-Kore-KR" sz="1400" dirty="0">
+                <a:solidFill>
+                  <a:schemeClr val="tx1"/>
+                </a:solidFill>
+              </a:rPr>
+              <a:t>5</a:t>
+            </a:r>
+            <a:endParaRPr kumimoji="1" lang="ko-Kore-KR" altLang="en-US" sz="1400" dirty="0">
+              <a:solidFill>
+                <a:schemeClr val="tx1"/>
+              </a:solidFill>
+            </a:endParaRPr>
+          </a:p>
+        </p:txBody>
+      </p:sp>
+      <p:sp>
+        <p:nvSpPr>
+          <p:cNvPr id="34" name="직사각형 33">
+            <a:extLst>
+              <a:ext uri="{FF2B5EF4-FFF2-40B4-BE49-F238E27FC236}">
+                <a16:creationId xmlns:a16="http://schemas.microsoft.com/office/drawing/2014/main" id="{0085FF2A-672A-1DBF-8B23-FC8F6F9B43B3}"/>
+              </a:ext>
+            </a:extLst>
+          </p:cNvPr>
+          <p:cNvSpPr/>
+          <p:nvPr/>
+        </p:nvSpPr>
+        <p:spPr>
+          <a:xfrm>
+            <a:off x="6666487" y="3119215"/>
+            <a:ext cx="1530743" cy="436970"/>
+          </a:xfrm>
+          <a:prstGeom prst="rect">
+            <a:avLst/>
+          </a:prstGeom>
+          <a:solidFill>
+            <a:srgbClr val="FFFF00"/>
+          </a:solidFill>
+        </p:spPr>
+        <p:style>
+          <a:lnRef idx="2">
+            <a:schemeClr val="accent1">
+              <a:shade val="50000"/>
+            </a:schemeClr>
+          </a:lnRef>
+          <a:fillRef idx="1">
+            <a:schemeClr val="accent1"/>
+          </a:fillRef>
+          <a:effectRef idx="0">
+            <a:schemeClr val="accent1"/>
+          </a:effectRef>
+          <a:fontRef idx="minor">
+            <a:schemeClr val="lt1"/>
+          </a:fontRef>
+        </p:style>
+        <p:txBody>
+          <a:bodyPr rtlCol="0" anchor="ctr"/>
+          <a:lstStyle/>
+          <a:p>
+            <a:pPr algn="ctr"/>
+            <a:r>
+              <a:rPr kumimoji="1" lang="en-US" altLang="ko-Kore-KR" sz="1400" dirty="0">
+                <a:solidFill>
+                  <a:schemeClr val="tx1"/>
+                </a:solidFill>
+              </a:rPr>
+              <a:t>6</a:t>
+            </a:r>
+            <a:endParaRPr kumimoji="1" lang="ko-Kore-KR" altLang="en-US" sz="1400" dirty="0">
+              <a:solidFill>
+                <a:schemeClr val="tx1"/>
+              </a:solidFill>
+            </a:endParaRPr>
+          </a:p>
+        </p:txBody>
+      </p:sp>
+      <p:sp>
+        <p:nvSpPr>
+          <p:cNvPr id="37" name="직사각형 36">
+            <a:extLst>
+              <a:ext uri="{FF2B5EF4-FFF2-40B4-BE49-F238E27FC236}">
+                <a16:creationId xmlns:a16="http://schemas.microsoft.com/office/drawing/2014/main" id="{2A588120-C79E-857C-952E-E7FDAAF3C6A3}"/>
+              </a:ext>
+            </a:extLst>
+          </p:cNvPr>
+          <p:cNvSpPr/>
+          <p:nvPr/>
+        </p:nvSpPr>
+        <p:spPr>
+          <a:xfrm>
+            <a:off x="6666487" y="3556185"/>
+            <a:ext cx="1530743" cy="436970"/>
+          </a:xfrm>
+          <a:prstGeom prst="rect">
+            <a:avLst/>
+          </a:prstGeom>
+          <a:solidFill>
+            <a:srgbClr val="FFFF00"/>
+          </a:solidFill>
+        </p:spPr>
+        <p:style>
+          <a:lnRef idx="2">
+            <a:schemeClr val="accent1">
+              <a:shade val="50000"/>
+            </a:schemeClr>
+          </a:lnRef>
+          <a:fillRef idx="1">
+            <a:schemeClr val="accent1"/>
+          </a:fillRef>
+          <a:effectRef idx="0">
+            <a:schemeClr val="accent1"/>
+          </a:effectRef>
+          <a:fontRef idx="minor">
+            <a:schemeClr val="lt1"/>
+          </a:fontRef>
+        </p:style>
+        <p:txBody>
+          <a:bodyPr rtlCol="0" anchor="ctr"/>
+          <a:lstStyle/>
+          <a:p>
+            <a:pPr algn="ctr"/>
+            <a:r>
+              <a:rPr kumimoji="1" lang="en-US" altLang="ko-Kore-KR" sz="1400" dirty="0">
+                <a:solidFill>
+                  <a:schemeClr val="tx1"/>
+                </a:solidFill>
+              </a:rPr>
+              <a:t>7</a:t>
+            </a:r>
+            <a:endParaRPr kumimoji="1" lang="ko-Kore-KR" altLang="en-US" sz="1400" dirty="0">
+              <a:solidFill>
+                <a:schemeClr val="tx1"/>
+              </a:solidFill>
+            </a:endParaRPr>
+          </a:p>
+        </p:txBody>
+      </p:sp>
+      <p:sp>
+        <p:nvSpPr>
+          <p:cNvPr id="38" name="직사각형 37">
+            <a:extLst>
+              <a:ext uri="{FF2B5EF4-FFF2-40B4-BE49-F238E27FC236}">
+                <a16:creationId xmlns:a16="http://schemas.microsoft.com/office/drawing/2014/main" id="{82C07FB6-BE11-5FE6-A35C-0CC24446D8C8}"/>
+              </a:ext>
+            </a:extLst>
+          </p:cNvPr>
+          <p:cNvSpPr/>
+          <p:nvPr/>
+        </p:nvSpPr>
+        <p:spPr>
+          <a:xfrm>
+            <a:off x="6666487" y="3993155"/>
+            <a:ext cx="1530743" cy="436970"/>
+          </a:xfrm>
+          <a:prstGeom prst="rect">
+            <a:avLst/>
+          </a:prstGeom>
+          <a:solidFill>
+            <a:srgbClr val="FFFF00"/>
+          </a:solidFill>
+        </p:spPr>
+        <p:style>
+          <a:lnRef idx="2">
+            <a:schemeClr val="accent1">
+              <a:shade val="50000"/>
+            </a:schemeClr>
+          </a:lnRef>
+          <a:fillRef idx="1">
+            <a:schemeClr val="accent1"/>
+          </a:fillRef>
+          <a:effectRef idx="0">
+            <a:schemeClr val="accent1"/>
+          </a:effectRef>
+          <a:fontRef idx="minor">
+            <a:schemeClr val="lt1"/>
+          </a:fontRef>
+        </p:style>
+        <p:txBody>
+          <a:bodyPr rtlCol="0" anchor="ctr"/>
+          <a:lstStyle/>
+          <a:p>
+            <a:pPr algn="ctr"/>
+            <a:r>
+              <a:rPr kumimoji="1" lang="en-US" altLang="ko-Kore-KR" sz="1400" dirty="0">
+                <a:solidFill>
+                  <a:schemeClr val="tx1"/>
+                </a:solidFill>
+              </a:rPr>
+              <a:t>8</a:t>
+            </a:r>
+            <a:endParaRPr kumimoji="1" lang="ko-Kore-KR" altLang="en-US" sz="1400" dirty="0">
+              <a:solidFill>
+                <a:schemeClr val="tx1"/>
+              </a:solidFill>
+            </a:endParaRPr>
+          </a:p>
+        </p:txBody>
+      </p:sp>
+      <p:sp>
+        <p:nvSpPr>
+          <p:cNvPr id="39" name="직사각형 38">
+            <a:extLst>
+              <a:ext uri="{FF2B5EF4-FFF2-40B4-BE49-F238E27FC236}">
+                <a16:creationId xmlns:a16="http://schemas.microsoft.com/office/drawing/2014/main" id="{158B3C6F-283F-62E4-0539-F5922006B402}"/>
+              </a:ext>
+            </a:extLst>
+          </p:cNvPr>
+          <p:cNvSpPr/>
+          <p:nvPr/>
+        </p:nvSpPr>
+        <p:spPr>
+          <a:xfrm>
+            <a:off x="6666487" y="4430125"/>
+            <a:ext cx="1530743" cy="436970"/>
+          </a:xfrm>
+          <a:prstGeom prst="rect">
+            <a:avLst/>
+          </a:prstGeom>
+          <a:solidFill>
+            <a:srgbClr val="FFFF00"/>
+          </a:solidFill>
+        </p:spPr>
+        <p:style>
+          <a:lnRef idx="2">
+            <a:schemeClr val="accent1">
+              <a:shade val="50000"/>
+            </a:schemeClr>
+          </a:lnRef>
+          <a:fillRef idx="1">
+            <a:schemeClr val="accent1"/>
+          </a:fillRef>
+          <a:effectRef idx="0">
+            <a:schemeClr val="accent1"/>
+          </a:effectRef>
+          <a:fontRef idx="minor">
+            <a:schemeClr val="lt1"/>
+          </a:fontRef>
+        </p:style>
+        <p:txBody>
+          <a:bodyPr rtlCol="0" anchor="ctr"/>
+          <a:lstStyle/>
+          <a:p>
+            <a:pPr algn="ctr"/>
+            <a:r>
+              <a:rPr kumimoji="1" lang="en-US" altLang="ko-Kore-KR" sz="1400" dirty="0">
+                <a:solidFill>
+                  <a:schemeClr val="tx1"/>
+                </a:solidFill>
+              </a:rPr>
+              <a:t>9</a:t>
+            </a:r>
+            <a:endParaRPr kumimoji="1" lang="ko-Kore-KR" altLang="en-US" sz="1400" dirty="0">
+              <a:solidFill>
+                <a:schemeClr val="tx1"/>
+              </a:solidFill>
+            </a:endParaRPr>
+          </a:p>
+        </p:txBody>
+      </p:sp>
+      <p:sp>
+        <p:nvSpPr>
+          <p:cNvPr id="42" name="직사각형 41">
+            <a:extLst>
+              <a:ext uri="{FF2B5EF4-FFF2-40B4-BE49-F238E27FC236}">
+                <a16:creationId xmlns:a16="http://schemas.microsoft.com/office/drawing/2014/main" id="{9E86E949-41BF-CC8C-1134-3932E8BD50D4}"/>
+              </a:ext>
+            </a:extLst>
+          </p:cNvPr>
+          <p:cNvSpPr/>
+          <p:nvPr/>
+        </p:nvSpPr>
+        <p:spPr>
+          <a:xfrm>
+            <a:off x="8996994" y="1808305"/>
+            <a:ext cx="753909" cy="436970"/>
+          </a:xfrm>
+          <a:prstGeom prst="rect">
+            <a:avLst/>
+          </a:prstGeom>
+          <a:solidFill>
+            <a:srgbClr val="FFFF00"/>
+          </a:solidFill>
+        </p:spPr>
+        <p:style>
+          <a:lnRef idx="2">
+            <a:schemeClr val="accent1">
+              <a:shade val="50000"/>
+            </a:schemeClr>
+          </a:lnRef>
+          <a:fillRef idx="1">
+            <a:schemeClr val="accent1"/>
+          </a:fillRef>
+          <a:effectRef idx="0">
+            <a:schemeClr val="accent1"/>
+          </a:effectRef>
+          <a:fontRef idx="minor">
+            <a:schemeClr val="lt1"/>
+          </a:fontRef>
+        </p:style>
+        <p:txBody>
+          <a:bodyPr rtlCol="0" anchor="ctr"/>
+          <a:lstStyle/>
+          <a:p>
+            <a:pPr algn="ctr"/>
+            <a:r>
+              <a:rPr kumimoji="1" lang="en-US" altLang="ko-Kore-KR" sz="1400" dirty="0">
+                <a:solidFill>
+                  <a:schemeClr val="tx1"/>
+                </a:solidFill>
+              </a:rPr>
+              <a:t>5</a:t>
+            </a:r>
+            <a:r>
+              <a:rPr kumimoji="1" lang="en-US" altLang="ko-KR" sz="1400" dirty="0">
+                <a:solidFill>
+                  <a:schemeClr val="tx1"/>
+                </a:solidFill>
+              </a:rPr>
+              <a:t>0</a:t>
+            </a:r>
+            <a:endParaRPr kumimoji="1" lang="ko-Kore-KR" altLang="en-US" sz="1400" dirty="0">
+              <a:solidFill>
+                <a:schemeClr val="tx1"/>
+              </a:solidFill>
+            </a:endParaRPr>
+          </a:p>
+        </p:txBody>
+      </p:sp>
+      <p:cxnSp>
+        <p:nvCxnSpPr>
+          <p:cNvPr id="43" name="구부러진 연결선[U] 42">
+            <a:extLst>
+              <a:ext uri="{FF2B5EF4-FFF2-40B4-BE49-F238E27FC236}">
+                <a16:creationId xmlns:a16="http://schemas.microsoft.com/office/drawing/2014/main" id="{088C43C6-3059-199E-03CA-681AFDAD9CCD}"/>
+              </a:ext>
+            </a:extLst>
+          </p:cNvPr>
+          <p:cNvCxnSpPr>
+            <a:cxnSpLocks/>
+            <a:stCxn id="29" idx="3"/>
+            <a:endCxn id="42" idx="1"/>
+          </p:cNvCxnSpPr>
+          <p:nvPr/>
+        </p:nvCxnSpPr>
+        <p:spPr>
+          <a:xfrm>
+            <a:off x="8197230" y="2026790"/>
+            <a:ext cx="799764" cy="12700"/>
+          </a:xfrm>
+          <a:prstGeom prst="curvedConnector3">
+            <a:avLst>
+              <a:gd name="adj1" fmla="val 50000"/>
+            </a:avLst>
+          </a:prstGeom>
+          <a:ln>
+            <a:tailEnd type="triangle"/>
+          </a:ln>
+        </p:spPr>
+        <p:style>
+          <a:lnRef idx="1">
+            <a:schemeClr val="dk1"/>
+          </a:lnRef>
+          <a:fillRef idx="0">
+            <a:schemeClr val="dk1"/>
+          </a:fillRef>
+          <a:effectRef idx="0">
+            <a:schemeClr val="dk1"/>
+          </a:effectRef>
+          <a:fontRef idx="minor">
+            <a:schemeClr val="tx1"/>
+          </a:fontRef>
+        </p:style>
+      </p:cxnSp>
+      <p:sp>
+        <p:nvSpPr>
+          <p:cNvPr id="44" name="직사각형 43">
+            <a:extLst>
+              <a:ext uri="{FF2B5EF4-FFF2-40B4-BE49-F238E27FC236}">
+                <a16:creationId xmlns:a16="http://schemas.microsoft.com/office/drawing/2014/main" id="{AE859DE3-FEC0-AACC-7F84-AA58733CB53C}"/>
+              </a:ext>
+            </a:extLst>
+          </p:cNvPr>
+          <p:cNvSpPr/>
+          <p:nvPr/>
+        </p:nvSpPr>
+        <p:spPr>
+          <a:xfrm>
+            <a:off x="8996994" y="2646360"/>
+            <a:ext cx="753909" cy="436970"/>
+          </a:xfrm>
+          <a:prstGeom prst="rect">
+            <a:avLst/>
+          </a:prstGeom>
+          <a:solidFill>
+            <a:srgbClr val="FFFF00"/>
+          </a:solidFill>
+        </p:spPr>
+        <p:style>
+          <a:lnRef idx="2">
+            <a:schemeClr val="accent1">
+              <a:shade val="50000"/>
+            </a:schemeClr>
+          </a:lnRef>
+          <a:fillRef idx="1">
+            <a:schemeClr val="accent1"/>
+          </a:fillRef>
+          <a:effectRef idx="0">
+            <a:schemeClr val="accent1"/>
+          </a:effectRef>
+          <a:fontRef idx="minor">
+            <a:schemeClr val="lt1"/>
+          </a:fontRef>
+        </p:style>
+        <p:txBody>
+          <a:bodyPr rtlCol="0" anchor="ctr"/>
+          <a:lstStyle/>
+          <a:p>
+            <a:pPr algn="ctr"/>
+            <a:r>
+              <a:rPr kumimoji="1" lang="en-US" altLang="ko-Kore-KR" sz="1400" dirty="0">
+                <a:solidFill>
+                  <a:schemeClr val="tx1"/>
+                </a:solidFill>
+              </a:rPr>
+              <a:t>10</a:t>
+            </a:r>
+            <a:endParaRPr kumimoji="1" lang="ko-Kore-KR" altLang="en-US" sz="1400" dirty="0">
+              <a:solidFill>
+                <a:schemeClr val="tx1"/>
+              </a:solidFill>
+            </a:endParaRPr>
+          </a:p>
+        </p:txBody>
+      </p:sp>
+      <p:cxnSp>
+        <p:nvCxnSpPr>
+          <p:cNvPr id="45" name="구부러진 연결선[U] 44">
+            <a:extLst>
+              <a:ext uri="{FF2B5EF4-FFF2-40B4-BE49-F238E27FC236}">
+                <a16:creationId xmlns:a16="http://schemas.microsoft.com/office/drawing/2014/main" id="{98530480-A437-FDCC-4F02-FE4B571C84E8}"/>
+              </a:ext>
+            </a:extLst>
+          </p:cNvPr>
+          <p:cNvCxnSpPr>
+            <a:cxnSpLocks/>
+            <a:endCxn id="44" idx="1"/>
+          </p:cNvCxnSpPr>
+          <p:nvPr/>
+        </p:nvCxnSpPr>
+        <p:spPr>
+          <a:xfrm>
+            <a:off x="8197230" y="2864845"/>
+            <a:ext cx="799764" cy="12700"/>
+          </a:xfrm>
+          <a:prstGeom prst="curvedConnector3">
+            <a:avLst>
+              <a:gd name="adj1" fmla="val 50000"/>
+            </a:avLst>
+          </a:prstGeom>
+          <a:ln>
+            <a:tailEnd type="triangle"/>
+          </a:ln>
+        </p:spPr>
+        <p:style>
+          <a:lnRef idx="1">
+            <a:schemeClr val="dk1"/>
+          </a:lnRef>
+          <a:fillRef idx="0">
+            <a:schemeClr val="dk1"/>
+          </a:fillRef>
+          <a:effectRef idx="0">
+            <a:schemeClr val="dk1"/>
+          </a:effectRef>
+          <a:fontRef idx="minor">
+            <a:schemeClr val="tx1"/>
+          </a:fontRef>
+        </p:style>
+      </p:cxnSp>
+      <p:sp>
+        <p:nvSpPr>
+          <p:cNvPr id="46" name="직사각형 45">
+            <a:extLst>
+              <a:ext uri="{FF2B5EF4-FFF2-40B4-BE49-F238E27FC236}">
+                <a16:creationId xmlns:a16="http://schemas.microsoft.com/office/drawing/2014/main" id="{5AF3C6BF-7786-18B8-2831-0897A4FAE212}"/>
+              </a:ext>
+            </a:extLst>
+          </p:cNvPr>
+          <p:cNvSpPr/>
+          <p:nvPr/>
+        </p:nvSpPr>
+        <p:spPr>
+          <a:xfrm>
+            <a:off x="8996994" y="3484415"/>
+            <a:ext cx="753909" cy="436970"/>
+          </a:xfrm>
+          <a:prstGeom prst="rect">
+            <a:avLst/>
+          </a:prstGeom>
+          <a:solidFill>
+            <a:srgbClr val="FFFF00"/>
+          </a:solidFill>
+        </p:spPr>
+        <p:style>
+          <a:lnRef idx="2">
+            <a:schemeClr val="accent1">
+              <a:shade val="50000"/>
+            </a:schemeClr>
+          </a:lnRef>
+          <a:fillRef idx="1">
+            <a:schemeClr val="accent1"/>
+          </a:fillRef>
+          <a:effectRef idx="0">
+            <a:schemeClr val="accent1"/>
+          </a:effectRef>
+          <a:fontRef idx="minor">
+            <a:schemeClr val="lt1"/>
+          </a:fontRef>
+        </p:style>
+        <p:txBody>
+          <a:bodyPr rtlCol="0" anchor="ctr"/>
+          <a:lstStyle/>
+          <a:p>
+            <a:pPr algn="ctr"/>
+            <a:r>
+              <a:rPr kumimoji="1" lang="en-US" altLang="ko-Kore-KR" sz="1400" dirty="0">
+                <a:solidFill>
+                  <a:schemeClr val="tx1"/>
+                </a:solidFill>
+              </a:rPr>
+              <a:t>30</a:t>
+            </a:r>
+            <a:endParaRPr kumimoji="1" lang="ko-Kore-KR" altLang="en-US" sz="1400" dirty="0">
+              <a:solidFill>
+                <a:schemeClr val="tx1"/>
+              </a:solidFill>
+            </a:endParaRPr>
+          </a:p>
+        </p:txBody>
+      </p:sp>
+      <p:cxnSp>
+        <p:nvCxnSpPr>
+          <p:cNvPr id="47" name="구부러진 연결선[U] 46">
+            <a:extLst>
+              <a:ext uri="{FF2B5EF4-FFF2-40B4-BE49-F238E27FC236}">
+                <a16:creationId xmlns:a16="http://schemas.microsoft.com/office/drawing/2014/main" id="{E34BAB92-B189-1B88-1DE2-C3FB9B79923F}"/>
+              </a:ext>
+            </a:extLst>
+          </p:cNvPr>
+          <p:cNvCxnSpPr>
+            <a:cxnSpLocks/>
+            <a:endCxn id="46" idx="1"/>
+          </p:cNvCxnSpPr>
+          <p:nvPr/>
+        </p:nvCxnSpPr>
+        <p:spPr>
+          <a:xfrm>
+            <a:off x="8197230" y="3702900"/>
+            <a:ext cx="799764" cy="12700"/>
+          </a:xfrm>
+          <a:prstGeom prst="curvedConnector3">
+            <a:avLst>
+              <a:gd name="adj1" fmla="val 50000"/>
+            </a:avLst>
+          </a:prstGeom>
+          <a:ln>
+            <a:tailEnd type="triangle"/>
+          </a:ln>
+        </p:spPr>
+        <p:style>
+          <a:lnRef idx="1">
+            <a:schemeClr val="dk1"/>
+          </a:lnRef>
+          <a:fillRef idx="0">
+            <a:schemeClr val="dk1"/>
+          </a:fillRef>
+          <a:effectRef idx="0">
+            <a:schemeClr val="dk1"/>
+          </a:effectRef>
+          <a:fontRef idx="minor">
+            <a:schemeClr val="tx1"/>
+          </a:fontRef>
+        </p:style>
+      </p:cxnSp>
+      <p:sp>
+        <p:nvSpPr>
+          <p:cNvPr id="48" name="직사각형 47">
+            <a:extLst>
+              <a:ext uri="{FF2B5EF4-FFF2-40B4-BE49-F238E27FC236}">
+                <a16:creationId xmlns:a16="http://schemas.microsoft.com/office/drawing/2014/main" id="{03A9507A-3795-452D-16F3-ECA5D1451336}"/>
+              </a:ext>
+            </a:extLst>
+          </p:cNvPr>
+          <p:cNvSpPr/>
+          <p:nvPr/>
+        </p:nvSpPr>
+        <p:spPr>
+          <a:xfrm>
+            <a:off x="8996994" y="4322470"/>
+            <a:ext cx="753909" cy="436970"/>
+          </a:xfrm>
+          <a:prstGeom prst="rect">
+            <a:avLst/>
+          </a:prstGeom>
+          <a:solidFill>
+            <a:srgbClr val="FFFF00"/>
+          </a:solidFill>
+        </p:spPr>
+        <p:style>
+          <a:lnRef idx="2">
+            <a:schemeClr val="accent1">
+              <a:shade val="50000"/>
+            </a:schemeClr>
+          </a:lnRef>
+          <a:fillRef idx="1">
+            <a:schemeClr val="accent1"/>
+          </a:fillRef>
+          <a:effectRef idx="0">
+            <a:schemeClr val="accent1"/>
+          </a:effectRef>
+          <a:fontRef idx="minor">
+            <a:schemeClr val="lt1"/>
+          </a:fontRef>
+        </p:style>
+        <p:txBody>
+          <a:bodyPr rtlCol="0" anchor="ctr"/>
+          <a:lstStyle/>
+          <a:p>
+            <a:pPr algn="ctr"/>
+            <a:r>
+              <a:rPr kumimoji="1" lang="en-US" altLang="ko-Kore-KR" sz="1400" dirty="0">
+                <a:solidFill>
+                  <a:schemeClr val="tx1"/>
+                </a:solidFill>
+              </a:rPr>
+              <a:t>20</a:t>
+            </a:r>
+            <a:endParaRPr kumimoji="1" lang="ko-Kore-KR" altLang="en-US" sz="1400" dirty="0">
+              <a:solidFill>
+                <a:schemeClr val="tx1"/>
+              </a:solidFill>
+            </a:endParaRPr>
+          </a:p>
+        </p:txBody>
+      </p:sp>
+      <p:cxnSp>
+        <p:nvCxnSpPr>
+          <p:cNvPr id="49" name="구부러진 연결선[U] 48">
+            <a:extLst>
+              <a:ext uri="{FF2B5EF4-FFF2-40B4-BE49-F238E27FC236}">
+                <a16:creationId xmlns:a16="http://schemas.microsoft.com/office/drawing/2014/main" id="{C77D95DE-EC8B-6FC6-9863-5F0853AA4E28}"/>
+              </a:ext>
+            </a:extLst>
+          </p:cNvPr>
+          <p:cNvCxnSpPr>
+            <a:cxnSpLocks/>
+            <a:endCxn id="48" idx="1"/>
+          </p:cNvCxnSpPr>
+          <p:nvPr/>
+        </p:nvCxnSpPr>
+        <p:spPr>
+          <a:xfrm>
+            <a:off x="8197230" y="4540955"/>
+            <a:ext cx="799764" cy="12700"/>
+          </a:xfrm>
+          <a:prstGeom prst="curvedConnector3">
+            <a:avLst>
+              <a:gd name="adj1" fmla="val 50000"/>
+            </a:avLst>
+          </a:prstGeom>
+          <a:ln>
+            <a:tailEnd type="triangle"/>
+          </a:ln>
+        </p:spPr>
+        <p:style>
+          <a:lnRef idx="1">
+            <a:schemeClr val="dk1"/>
+          </a:lnRef>
+          <a:fillRef idx="0">
+            <a:schemeClr val="dk1"/>
+          </a:fillRef>
+          <a:effectRef idx="0">
+            <a:schemeClr val="dk1"/>
+          </a:effectRef>
+          <a:fontRef idx="minor">
+            <a:schemeClr val="tx1"/>
+          </a:fontRef>
+        </p:style>
+      </p:cxnSp>
+      <p:sp>
+        <p:nvSpPr>
+          <p:cNvPr id="50" name="직사각형 49">
+            <a:extLst>
+              <a:ext uri="{FF2B5EF4-FFF2-40B4-BE49-F238E27FC236}">
+                <a16:creationId xmlns:a16="http://schemas.microsoft.com/office/drawing/2014/main" id="{86DFE606-7AD2-14C4-2A02-FCC06975F79B}"/>
+              </a:ext>
+            </a:extLst>
+          </p:cNvPr>
+          <p:cNvSpPr/>
+          <p:nvPr/>
+        </p:nvSpPr>
+        <p:spPr>
+          <a:xfrm>
+            <a:off x="10173712" y="3484415"/>
+            <a:ext cx="753909" cy="436970"/>
+          </a:xfrm>
+          <a:prstGeom prst="rect">
+            <a:avLst/>
+          </a:prstGeom>
+          <a:solidFill>
+            <a:srgbClr val="FFFF00"/>
+          </a:solidFill>
+        </p:spPr>
+        <p:style>
+          <a:lnRef idx="2">
+            <a:schemeClr val="accent1">
+              <a:shade val="50000"/>
+            </a:schemeClr>
+          </a:lnRef>
+          <a:fillRef idx="1">
+            <a:schemeClr val="accent1"/>
+          </a:fillRef>
+          <a:effectRef idx="0">
+            <a:schemeClr val="accent1"/>
+          </a:effectRef>
+          <a:fontRef idx="minor">
+            <a:schemeClr val="lt1"/>
+          </a:fontRef>
+        </p:style>
+        <p:txBody>
+          <a:bodyPr rtlCol="0" anchor="ctr"/>
+          <a:lstStyle/>
+          <a:p>
+            <a:pPr algn="ctr"/>
+            <a:r>
+              <a:rPr kumimoji="1" lang="en-US" altLang="ko-Kore-KR" sz="1400" dirty="0">
+                <a:solidFill>
+                  <a:schemeClr val="tx1"/>
+                </a:solidFill>
+              </a:rPr>
+              <a:t>40</a:t>
+            </a:r>
+            <a:endParaRPr kumimoji="1" lang="ko-Kore-KR" altLang="en-US" sz="1400" dirty="0">
+              <a:solidFill>
+                <a:schemeClr val="tx1"/>
+              </a:solidFill>
+            </a:endParaRPr>
+          </a:p>
+        </p:txBody>
+      </p:sp>
+      <p:cxnSp>
+        <p:nvCxnSpPr>
+          <p:cNvPr id="51" name="구부러진 연결선[U] 50">
+            <a:extLst>
+              <a:ext uri="{FF2B5EF4-FFF2-40B4-BE49-F238E27FC236}">
+                <a16:creationId xmlns:a16="http://schemas.microsoft.com/office/drawing/2014/main" id="{2AE85ECB-4699-6211-3136-1F8842E17294}"/>
+              </a:ext>
+            </a:extLst>
+          </p:cNvPr>
+          <p:cNvCxnSpPr>
+            <a:cxnSpLocks/>
+            <a:stCxn id="46" idx="3"/>
+            <a:endCxn id="50" idx="1"/>
+          </p:cNvCxnSpPr>
+          <p:nvPr/>
+        </p:nvCxnSpPr>
+        <p:spPr>
+          <a:xfrm>
+            <a:off x="9750903" y="3702900"/>
+            <a:ext cx="422809" cy="12700"/>
+          </a:xfrm>
+          <a:prstGeom prst="curvedConnector3">
+            <a:avLst>
+              <a:gd name="adj1" fmla="val 50000"/>
+            </a:avLst>
+          </a:prstGeom>
+          <a:ln>
+            <a:tailEnd type="triangle"/>
+          </a:ln>
+        </p:spPr>
+        <p:style>
+          <a:lnRef idx="1">
+            <a:schemeClr val="dk1"/>
+          </a:lnRef>
+          <a:fillRef idx="0">
+            <a:schemeClr val="dk1"/>
+          </a:fillRef>
+          <a:effectRef idx="0">
+            <a:schemeClr val="dk1"/>
+          </a:effectRef>
+          <a:fontRef idx="minor">
+            <a:schemeClr val="tx1"/>
+          </a:fontRef>
+        </p:style>
+      </p:cxnSp>
+    </p:spTree>
+    <p:extLst>
+      <p:ext uri="{BB962C8B-B14F-4D97-AF65-F5344CB8AC3E}">
+        <p14:creationId xmlns:p14="http://schemas.microsoft.com/office/powerpoint/2010/main" val="659855767"/>
       </p:ext>
     </p:extLst>
   </p:cSld>

--- a/cpp/220517.pptx
+++ b/cpp/220517.pptx
@@ -13,6 +13,8 @@
     <p:sldId id="261" r:id="rId7"/>
     <p:sldId id="263" r:id="rId8"/>
     <p:sldId id="262" r:id="rId9"/>
+    <p:sldId id="264" r:id="rId10"/>
+    <p:sldId id="265" r:id="rId11"/>
   </p:sldIdLst>
   <p:sldSz cx="12192000" cy="6858000"/>
   <p:notesSz cx="6858000" cy="9144000"/>
@@ -111,6 +113,11 @@
       </a:defRPr>
     </a:lvl9pPr>
   </p:defaultTextStyle>
+  <p:extLst>
+    <p:ext uri="{EFAFB233-063F-42B5-8137-9DF3F51BA10A}">
+      <p15:sldGuideLst xmlns:p15="http://schemas.microsoft.com/office/powerpoint/2012/main"/>
+    </p:ext>
+  </p:extLst>
 </p:presentation>
 </file>
 
@@ -263,7 +270,7 @@
           <a:p>
             <a:fld id="{AD747233-A6A5-C042-8E7E-4CE7E5E8D13B}" type="datetimeFigureOut">
               <a:rPr kumimoji="1" lang="ko-Kore-KR" altLang="en-US" smtClean="0"/>
-              <a:t>2022. 5. 18.</a:t>
+              <a:t>2022. 5. 19.</a:t>
             </a:fld>
             <a:endParaRPr kumimoji="1" lang="ko-Kore-KR" altLang="en-US"/>
           </a:p>
@@ -463,7 +470,7 @@
           <a:p>
             <a:fld id="{AD747233-A6A5-C042-8E7E-4CE7E5E8D13B}" type="datetimeFigureOut">
               <a:rPr kumimoji="1" lang="ko-Kore-KR" altLang="en-US" smtClean="0"/>
-              <a:t>2022. 5. 18.</a:t>
+              <a:t>2022. 5. 19.</a:t>
             </a:fld>
             <a:endParaRPr kumimoji="1" lang="ko-Kore-KR" altLang="en-US"/>
           </a:p>
@@ -673,7 +680,7 @@
           <a:p>
             <a:fld id="{AD747233-A6A5-C042-8E7E-4CE7E5E8D13B}" type="datetimeFigureOut">
               <a:rPr kumimoji="1" lang="ko-Kore-KR" altLang="en-US" smtClean="0"/>
-              <a:t>2022. 5. 18.</a:t>
+              <a:t>2022. 5. 19.</a:t>
             </a:fld>
             <a:endParaRPr kumimoji="1" lang="ko-Kore-KR" altLang="en-US"/>
           </a:p>
@@ -873,7 +880,7 @@
           <a:p>
             <a:fld id="{AD747233-A6A5-C042-8E7E-4CE7E5E8D13B}" type="datetimeFigureOut">
               <a:rPr kumimoji="1" lang="ko-Kore-KR" altLang="en-US" smtClean="0"/>
-              <a:t>2022. 5. 18.</a:t>
+              <a:t>2022. 5. 19.</a:t>
             </a:fld>
             <a:endParaRPr kumimoji="1" lang="ko-Kore-KR" altLang="en-US"/>
           </a:p>
@@ -1149,7 +1156,7 @@
           <a:p>
             <a:fld id="{AD747233-A6A5-C042-8E7E-4CE7E5E8D13B}" type="datetimeFigureOut">
               <a:rPr kumimoji="1" lang="ko-Kore-KR" altLang="en-US" smtClean="0"/>
-              <a:t>2022. 5. 18.</a:t>
+              <a:t>2022. 5. 19.</a:t>
             </a:fld>
             <a:endParaRPr kumimoji="1" lang="ko-Kore-KR" altLang="en-US"/>
           </a:p>
@@ -1417,7 +1424,7 @@
           <a:p>
             <a:fld id="{AD747233-A6A5-C042-8E7E-4CE7E5E8D13B}" type="datetimeFigureOut">
               <a:rPr kumimoji="1" lang="ko-Kore-KR" altLang="en-US" smtClean="0"/>
-              <a:t>2022. 5. 18.</a:t>
+              <a:t>2022. 5. 19.</a:t>
             </a:fld>
             <a:endParaRPr kumimoji="1" lang="ko-Kore-KR" altLang="en-US"/>
           </a:p>
@@ -1832,7 +1839,7 @@
           <a:p>
             <a:fld id="{AD747233-A6A5-C042-8E7E-4CE7E5E8D13B}" type="datetimeFigureOut">
               <a:rPr kumimoji="1" lang="ko-Kore-KR" altLang="en-US" smtClean="0"/>
-              <a:t>2022. 5. 18.</a:t>
+              <a:t>2022. 5. 19.</a:t>
             </a:fld>
             <a:endParaRPr kumimoji="1" lang="ko-Kore-KR" altLang="en-US"/>
           </a:p>
@@ -1974,7 +1981,7 @@
           <a:p>
             <a:fld id="{AD747233-A6A5-C042-8E7E-4CE7E5E8D13B}" type="datetimeFigureOut">
               <a:rPr kumimoji="1" lang="ko-Kore-KR" altLang="en-US" smtClean="0"/>
-              <a:t>2022. 5. 18.</a:t>
+              <a:t>2022. 5. 19.</a:t>
             </a:fld>
             <a:endParaRPr kumimoji="1" lang="ko-Kore-KR" altLang="en-US"/>
           </a:p>
@@ -2087,7 +2094,7 @@
           <a:p>
             <a:fld id="{AD747233-A6A5-C042-8E7E-4CE7E5E8D13B}" type="datetimeFigureOut">
               <a:rPr kumimoji="1" lang="ko-Kore-KR" altLang="en-US" smtClean="0"/>
-              <a:t>2022. 5. 18.</a:t>
+              <a:t>2022. 5. 19.</a:t>
             </a:fld>
             <a:endParaRPr kumimoji="1" lang="ko-Kore-KR" altLang="en-US"/>
           </a:p>
@@ -2400,7 +2407,7 @@
           <a:p>
             <a:fld id="{AD747233-A6A5-C042-8E7E-4CE7E5E8D13B}" type="datetimeFigureOut">
               <a:rPr kumimoji="1" lang="ko-Kore-KR" altLang="en-US" smtClean="0"/>
-              <a:t>2022. 5. 18.</a:t>
+              <a:t>2022. 5. 19.</a:t>
             </a:fld>
             <a:endParaRPr kumimoji="1" lang="ko-Kore-KR" altLang="en-US"/>
           </a:p>
@@ -2689,7 +2696,7 @@
           <a:p>
             <a:fld id="{AD747233-A6A5-C042-8E7E-4CE7E5E8D13B}" type="datetimeFigureOut">
               <a:rPr kumimoji="1" lang="ko-Kore-KR" altLang="en-US" smtClean="0"/>
-              <a:t>2022. 5. 18.</a:t>
+              <a:t>2022. 5. 19.</a:t>
             </a:fld>
             <a:endParaRPr kumimoji="1" lang="ko-Kore-KR" altLang="en-US"/>
           </a:p>
@@ -2932,7 +2939,7 @@
           <a:p>
             <a:fld id="{AD747233-A6A5-C042-8E7E-4CE7E5E8D13B}" type="datetimeFigureOut">
               <a:rPr kumimoji="1" lang="ko-Kore-KR" altLang="en-US" smtClean="0"/>
-              <a:t>2022. 5. 18.</a:t>
+              <a:t>2022. 5. 19.</a:t>
             </a:fld>
             <a:endParaRPr kumimoji="1" lang="ko-Kore-KR" altLang="en-US"/>
           </a:p>
@@ -4345,6 +4352,1585 @@
 </p:sld>
 </file>
 
+<file path=ppt/slides/slide10.xml><?xml version="1.0" encoding="utf-8"?>
+<p:sld xmlns:a="http://schemas.openxmlformats.org/drawingml/2006/main" xmlns:r="http://schemas.openxmlformats.org/officeDocument/2006/relationships" xmlns:p="http://schemas.openxmlformats.org/presentationml/2006/main">
+  <p:cSld>
+    <p:spTree>
+      <p:nvGrpSpPr>
+        <p:cNvPr id="1" name=""/>
+        <p:cNvGrpSpPr/>
+        <p:nvPr/>
+      </p:nvGrpSpPr>
+      <p:grpSpPr>
+        <a:xfrm>
+          <a:off x="0" y="0"/>
+          <a:ext cx="0" cy="0"/>
+          <a:chOff x="0" y="0"/>
+          <a:chExt cx="0" cy="0"/>
+        </a:xfrm>
+      </p:grpSpPr>
+      <p:sp>
+        <p:nvSpPr>
+          <p:cNvPr id="4" name="직사각형 3">
+            <a:extLst>
+              <a:ext uri="{FF2B5EF4-FFF2-40B4-BE49-F238E27FC236}">
+                <a16:creationId xmlns:a16="http://schemas.microsoft.com/office/drawing/2014/main" id="{9E164D4B-5351-5334-6A1A-8BAB1E234FE8}"/>
+              </a:ext>
+            </a:extLst>
+          </p:cNvPr>
+          <p:cNvSpPr/>
+          <p:nvPr/>
+        </p:nvSpPr>
+        <p:spPr>
+          <a:xfrm>
+            <a:off x="418088" y="176810"/>
+            <a:ext cx="5677912" cy="5355312"/>
+          </a:xfrm>
+          <a:prstGeom prst="rect">
+            <a:avLst/>
+          </a:prstGeom>
+        </p:spPr>
+        <p:txBody>
+          <a:bodyPr wrap="square">
+            <a:spAutoFit/>
+          </a:bodyPr>
+          <a:lstStyle/>
+          <a:p>
+            <a:r>
+              <a:rPr lang="en" altLang="ko-Kore-KR" dirty="0">
+                <a:solidFill>
+                  <a:srgbClr val="0000FF"/>
+                </a:solidFill>
+                <a:latin typeface="DM Mono" panose="020B0509040201040103" pitchFamily="49" charset="0"/>
+              </a:rPr>
+              <a:t>class</a:t>
+            </a:r>
+            <a:r>
+              <a:rPr lang="en" altLang="ko-Kore-KR" dirty="0">
+                <a:solidFill>
+                  <a:srgbClr val="000000"/>
+                </a:solidFill>
+                <a:latin typeface="DM Mono" panose="020B0509040201040103" pitchFamily="49" charset="0"/>
+              </a:rPr>
+              <a:t> </a:t>
+            </a:r>
+            <a:r>
+              <a:rPr lang="en" altLang="ko-Kore-KR" dirty="0">
+                <a:solidFill>
+                  <a:srgbClr val="267F99"/>
+                </a:solidFill>
+                <a:latin typeface="DM Mono" panose="020B0509040201040103" pitchFamily="49" charset="0"/>
+              </a:rPr>
+              <a:t>Point</a:t>
+            </a:r>
+            <a:r>
+              <a:rPr lang="en" altLang="ko-Kore-KR" dirty="0">
+                <a:solidFill>
+                  <a:srgbClr val="000000"/>
+                </a:solidFill>
+                <a:latin typeface="DM Mono" panose="020B0509040201040103" pitchFamily="49" charset="0"/>
+              </a:rPr>
+              <a:t> {</a:t>
+            </a:r>
+          </a:p>
+          <a:p>
+            <a:r>
+              <a:rPr lang="en" altLang="ko-Kore-KR" dirty="0">
+                <a:solidFill>
+                  <a:srgbClr val="0000FF"/>
+                </a:solidFill>
+                <a:latin typeface="DM Mono" panose="020B0509040201040103" pitchFamily="49" charset="0"/>
+              </a:rPr>
+              <a:t>private:</a:t>
+            </a:r>
+            <a:endParaRPr lang="en" altLang="ko-Kore-KR" dirty="0">
+              <a:solidFill>
+                <a:srgbClr val="000000"/>
+              </a:solidFill>
+              <a:latin typeface="DM Mono" panose="020B0509040201040103" pitchFamily="49" charset="0"/>
+            </a:endParaRPr>
+          </a:p>
+          <a:p>
+            <a:r>
+              <a:rPr lang="en" altLang="ko-Kore-KR" dirty="0">
+                <a:solidFill>
+                  <a:srgbClr val="0000FF"/>
+                </a:solidFill>
+                <a:latin typeface="DM Mono" panose="020B0509040201040103" pitchFamily="49" charset="0"/>
+              </a:rPr>
+              <a:t>  int</a:t>
+            </a:r>
+            <a:r>
+              <a:rPr lang="en" altLang="ko-Kore-KR" dirty="0">
+                <a:solidFill>
+                  <a:srgbClr val="000000"/>
+                </a:solidFill>
+                <a:latin typeface="DM Mono" panose="020B0509040201040103" pitchFamily="49" charset="0"/>
+              </a:rPr>
+              <a:t> </a:t>
+            </a:r>
+            <a:r>
+              <a:rPr lang="en" altLang="ko-Kore-KR" dirty="0">
+                <a:solidFill>
+                  <a:srgbClr val="001080"/>
+                </a:solidFill>
+                <a:latin typeface="DM Mono" panose="020B0509040201040103" pitchFamily="49" charset="0"/>
+              </a:rPr>
+              <a:t>x</a:t>
+            </a:r>
+            <a:r>
+              <a:rPr lang="en" altLang="ko-Kore-KR" dirty="0">
+                <a:solidFill>
+                  <a:srgbClr val="000000"/>
+                </a:solidFill>
+                <a:latin typeface="DM Mono" panose="020B0509040201040103" pitchFamily="49" charset="0"/>
+              </a:rPr>
+              <a:t>;</a:t>
+            </a:r>
+          </a:p>
+          <a:p>
+            <a:r>
+              <a:rPr lang="en" altLang="ko-Kore-KR" dirty="0">
+                <a:solidFill>
+                  <a:srgbClr val="0000FF"/>
+                </a:solidFill>
+                <a:latin typeface="DM Mono" panose="020B0509040201040103" pitchFamily="49" charset="0"/>
+              </a:rPr>
+              <a:t>  int</a:t>
+            </a:r>
+            <a:r>
+              <a:rPr lang="en" altLang="ko-Kore-KR" dirty="0">
+                <a:solidFill>
+                  <a:srgbClr val="000000"/>
+                </a:solidFill>
+                <a:latin typeface="DM Mono" panose="020B0509040201040103" pitchFamily="49" charset="0"/>
+              </a:rPr>
+              <a:t> </a:t>
+            </a:r>
+            <a:r>
+              <a:rPr lang="en" altLang="ko-Kore-KR" dirty="0">
+                <a:solidFill>
+                  <a:srgbClr val="001080"/>
+                </a:solidFill>
+                <a:latin typeface="DM Mono" panose="020B0509040201040103" pitchFamily="49" charset="0"/>
+              </a:rPr>
+              <a:t>y</a:t>
+            </a:r>
+            <a:r>
+              <a:rPr lang="en" altLang="ko-Kore-KR" dirty="0">
+                <a:solidFill>
+                  <a:srgbClr val="000000"/>
+                </a:solidFill>
+                <a:latin typeface="DM Mono" panose="020B0509040201040103" pitchFamily="49" charset="0"/>
+              </a:rPr>
+              <a:t>;</a:t>
+            </a:r>
+          </a:p>
+          <a:p>
+            <a:br>
+              <a:rPr lang="en" altLang="ko-Kore-KR" dirty="0">
+                <a:solidFill>
+                  <a:srgbClr val="000000"/>
+                </a:solidFill>
+                <a:latin typeface="DM Mono" panose="020B0509040201040103" pitchFamily="49" charset="0"/>
+              </a:rPr>
+            </a:br>
+            <a:r>
+              <a:rPr lang="en" altLang="ko-Kore-KR" dirty="0">
+                <a:solidFill>
+                  <a:srgbClr val="0000FF"/>
+                </a:solidFill>
+                <a:latin typeface="DM Mono" panose="020B0509040201040103" pitchFamily="49" charset="0"/>
+              </a:rPr>
+              <a:t>public:</a:t>
+            </a:r>
+            <a:endParaRPr lang="en" altLang="ko-Kore-KR" dirty="0">
+              <a:solidFill>
+                <a:srgbClr val="000000"/>
+              </a:solidFill>
+              <a:latin typeface="DM Mono" panose="020B0509040201040103" pitchFamily="49" charset="0"/>
+            </a:endParaRPr>
+          </a:p>
+          <a:p>
+            <a:r>
+              <a:rPr lang="en" altLang="ko-Kore-KR" dirty="0">
+                <a:solidFill>
+                  <a:srgbClr val="0000FF"/>
+                </a:solidFill>
+                <a:latin typeface="DM Mono" panose="020B0509040201040103" pitchFamily="49" charset="0"/>
+              </a:rPr>
+              <a:t>  void</a:t>
+            </a:r>
+            <a:r>
+              <a:rPr lang="en" altLang="ko-Kore-KR" dirty="0">
+                <a:solidFill>
+                  <a:srgbClr val="000000"/>
+                </a:solidFill>
+                <a:latin typeface="DM Mono" panose="020B0509040201040103" pitchFamily="49" charset="0"/>
+              </a:rPr>
+              <a:t> </a:t>
+            </a:r>
+            <a:r>
+              <a:rPr lang="en" altLang="ko-Kore-KR" dirty="0">
+                <a:solidFill>
+                  <a:srgbClr val="795E26"/>
+                </a:solidFill>
+                <a:latin typeface="DM Mono" panose="020B0509040201040103" pitchFamily="49" charset="0"/>
+              </a:rPr>
+              <a:t>Set</a:t>
+            </a:r>
+            <a:r>
+              <a:rPr lang="en" altLang="ko-Kore-KR" dirty="0">
+                <a:solidFill>
+                  <a:srgbClr val="000000"/>
+                </a:solidFill>
+                <a:latin typeface="DM Mono" panose="020B0509040201040103" pitchFamily="49" charset="0"/>
+              </a:rPr>
+              <a:t>(</a:t>
+            </a:r>
+            <a:r>
+              <a:rPr lang="en" altLang="ko-Kore-KR" dirty="0">
+                <a:solidFill>
+                  <a:srgbClr val="0000FF"/>
+                </a:solidFill>
+                <a:latin typeface="DM Mono" panose="020B0509040201040103" pitchFamily="49" charset="0"/>
+              </a:rPr>
+              <a:t>int</a:t>
+            </a:r>
+            <a:r>
+              <a:rPr lang="en" altLang="ko-Kore-KR" dirty="0">
+                <a:solidFill>
+                  <a:srgbClr val="000000"/>
+                </a:solidFill>
+                <a:latin typeface="DM Mono" panose="020B0509040201040103" pitchFamily="49" charset="0"/>
+              </a:rPr>
+              <a:t> </a:t>
+            </a:r>
+            <a:r>
+              <a:rPr lang="en" altLang="ko-Kore-KR" dirty="0">
+                <a:solidFill>
+                  <a:srgbClr val="001080"/>
+                </a:solidFill>
+                <a:latin typeface="DM Mono" panose="020B0509040201040103" pitchFamily="49" charset="0"/>
+              </a:rPr>
+              <a:t>a</a:t>
+            </a:r>
+            <a:r>
+              <a:rPr lang="en" altLang="ko-Kore-KR" dirty="0">
+                <a:solidFill>
+                  <a:srgbClr val="000000"/>
+                </a:solidFill>
+                <a:latin typeface="DM Mono" panose="020B0509040201040103" pitchFamily="49" charset="0"/>
+              </a:rPr>
+              <a:t>, </a:t>
+            </a:r>
+            <a:r>
+              <a:rPr lang="en" altLang="ko-Kore-KR" dirty="0">
+                <a:solidFill>
+                  <a:srgbClr val="0000FF"/>
+                </a:solidFill>
+                <a:latin typeface="DM Mono" panose="020B0509040201040103" pitchFamily="49" charset="0"/>
+              </a:rPr>
+              <a:t>int</a:t>
+            </a:r>
+            <a:r>
+              <a:rPr lang="en" altLang="ko-Kore-KR" dirty="0">
+                <a:solidFill>
+                  <a:srgbClr val="000000"/>
+                </a:solidFill>
+                <a:latin typeface="DM Mono" panose="020B0509040201040103" pitchFamily="49" charset="0"/>
+              </a:rPr>
+              <a:t> </a:t>
+            </a:r>
+            <a:r>
+              <a:rPr lang="en" altLang="ko-Kore-KR" dirty="0">
+                <a:solidFill>
+                  <a:srgbClr val="001080"/>
+                </a:solidFill>
+                <a:latin typeface="DM Mono" panose="020B0509040201040103" pitchFamily="49" charset="0"/>
+              </a:rPr>
+              <a:t>b</a:t>
+            </a:r>
+            <a:r>
+              <a:rPr lang="en" altLang="ko-Kore-KR" dirty="0">
+                <a:solidFill>
+                  <a:srgbClr val="000000"/>
+                </a:solidFill>
+                <a:latin typeface="DM Mono" panose="020B0509040201040103" pitchFamily="49" charset="0"/>
+              </a:rPr>
+              <a:t>)</a:t>
+            </a:r>
+          </a:p>
+          <a:p>
+            <a:r>
+              <a:rPr lang="en" altLang="ko-Kore-KR" dirty="0">
+                <a:solidFill>
+                  <a:srgbClr val="000000"/>
+                </a:solidFill>
+                <a:latin typeface="DM Mono" panose="020B0509040201040103" pitchFamily="49" charset="0"/>
+              </a:rPr>
+              <a:t>  {</a:t>
+            </a:r>
+          </a:p>
+          <a:p>
+            <a:r>
+              <a:rPr lang="en" altLang="ko-Kore-KR" dirty="0">
+                <a:solidFill>
+                  <a:srgbClr val="001080"/>
+                </a:solidFill>
+                <a:latin typeface="DM Mono" panose="020B0509040201040103" pitchFamily="49" charset="0"/>
+              </a:rPr>
+              <a:t>    x</a:t>
+            </a:r>
+            <a:r>
+              <a:rPr lang="en" altLang="ko-Kore-KR" dirty="0">
+                <a:solidFill>
+                  <a:srgbClr val="000000"/>
+                </a:solidFill>
+                <a:latin typeface="DM Mono" panose="020B0509040201040103" pitchFamily="49" charset="0"/>
+              </a:rPr>
+              <a:t> = </a:t>
+            </a:r>
+            <a:r>
+              <a:rPr lang="en" altLang="ko-Kore-KR" dirty="0">
+                <a:solidFill>
+                  <a:srgbClr val="001080"/>
+                </a:solidFill>
+                <a:latin typeface="DM Mono" panose="020B0509040201040103" pitchFamily="49" charset="0"/>
+              </a:rPr>
+              <a:t>a</a:t>
+            </a:r>
+            <a:r>
+              <a:rPr lang="en" altLang="ko-Kore-KR" dirty="0">
+                <a:solidFill>
+                  <a:srgbClr val="000000"/>
+                </a:solidFill>
+                <a:latin typeface="DM Mono" panose="020B0509040201040103" pitchFamily="49" charset="0"/>
+              </a:rPr>
+              <a:t>;</a:t>
+            </a:r>
+          </a:p>
+          <a:p>
+            <a:r>
+              <a:rPr lang="en" altLang="ko-Kore-KR" dirty="0">
+                <a:solidFill>
+                  <a:srgbClr val="001080"/>
+                </a:solidFill>
+                <a:latin typeface="DM Mono" panose="020B0509040201040103" pitchFamily="49" charset="0"/>
+              </a:rPr>
+              <a:t>    y</a:t>
+            </a:r>
+            <a:r>
+              <a:rPr lang="en" altLang="ko-Kore-KR" dirty="0">
+                <a:solidFill>
+                  <a:srgbClr val="000000"/>
+                </a:solidFill>
+                <a:latin typeface="DM Mono" panose="020B0509040201040103" pitchFamily="49" charset="0"/>
+              </a:rPr>
+              <a:t> = </a:t>
+            </a:r>
+            <a:r>
+              <a:rPr lang="en" altLang="ko-Kore-KR" dirty="0">
+                <a:solidFill>
+                  <a:srgbClr val="001080"/>
+                </a:solidFill>
+                <a:latin typeface="DM Mono" panose="020B0509040201040103" pitchFamily="49" charset="0"/>
+              </a:rPr>
+              <a:t>b</a:t>
+            </a:r>
+            <a:r>
+              <a:rPr lang="en" altLang="ko-Kore-KR" dirty="0">
+                <a:solidFill>
+                  <a:srgbClr val="000000"/>
+                </a:solidFill>
+                <a:latin typeface="DM Mono" panose="020B0509040201040103" pitchFamily="49" charset="0"/>
+              </a:rPr>
+              <a:t>;</a:t>
+            </a:r>
+          </a:p>
+          <a:p>
+            <a:r>
+              <a:rPr lang="en" altLang="ko-Kore-KR" dirty="0">
+                <a:solidFill>
+                  <a:srgbClr val="000000"/>
+                </a:solidFill>
+                <a:latin typeface="DM Mono" panose="020B0509040201040103" pitchFamily="49" charset="0"/>
+              </a:rPr>
+              <a:t>  }</a:t>
+            </a:r>
+          </a:p>
+          <a:p>
+            <a:r>
+              <a:rPr lang="en" altLang="ko-Kore-KR" dirty="0">
+                <a:solidFill>
+                  <a:srgbClr val="000000"/>
+                </a:solidFill>
+                <a:latin typeface="DM Mono" panose="020B0509040201040103" pitchFamily="49" charset="0"/>
+              </a:rPr>
+              <a:t>};</a:t>
+            </a:r>
+          </a:p>
+          <a:p>
+            <a:br>
+              <a:rPr lang="en" altLang="ko-Kore-KR" dirty="0">
+                <a:solidFill>
+                  <a:srgbClr val="000000"/>
+                </a:solidFill>
+                <a:latin typeface="DM Mono" panose="020B0509040201040103" pitchFamily="49" charset="0"/>
+              </a:rPr>
+            </a:br>
+            <a:r>
+              <a:rPr lang="en" altLang="ko-Kore-KR" dirty="0">
+                <a:solidFill>
+                  <a:srgbClr val="0000FF"/>
+                </a:solidFill>
+                <a:latin typeface="DM Mono" panose="020B0509040201040103" pitchFamily="49" charset="0"/>
+              </a:rPr>
+              <a:t>int</a:t>
+            </a:r>
+            <a:r>
+              <a:rPr lang="en" altLang="ko-Kore-KR" dirty="0">
+                <a:solidFill>
+                  <a:srgbClr val="000000"/>
+                </a:solidFill>
+                <a:latin typeface="DM Mono" panose="020B0509040201040103" pitchFamily="49" charset="0"/>
+              </a:rPr>
+              <a:t> </a:t>
+            </a:r>
+            <a:r>
+              <a:rPr lang="en" altLang="ko-Kore-KR" dirty="0">
+                <a:solidFill>
+                  <a:srgbClr val="795E26"/>
+                </a:solidFill>
+                <a:latin typeface="DM Mono" panose="020B0509040201040103" pitchFamily="49" charset="0"/>
+              </a:rPr>
+              <a:t>main</a:t>
+            </a:r>
+            <a:r>
+              <a:rPr lang="en" altLang="ko-Kore-KR" dirty="0">
+                <a:solidFill>
+                  <a:srgbClr val="000000"/>
+                </a:solidFill>
+                <a:latin typeface="DM Mono" panose="020B0509040201040103" pitchFamily="49" charset="0"/>
+              </a:rPr>
+              <a:t>()</a:t>
+            </a:r>
+          </a:p>
+          <a:p>
+            <a:r>
+              <a:rPr lang="en" altLang="ko-Kore-KR" dirty="0">
+                <a:solidFill>
+                  <a:srgbClr val="000000"/>
+                </a:solidFill>
+                <a:latin typeface="DM Mono" panose="020B0509040201040103" pitchFamily="49" charset="0"/>
+              </a:rPr>
+              <a:t>{</a:t>
+            </a:r>
+          </a:p>
+          <a:p>
+            <a:r>
+              <a:rPr lang="en" altLang="ko-Kore-KR" dirty="0">
+                <a:solidFill>
+                  <a:srgbClr val="267F99"/>
+                </a:solidFill>
+                <a:latin typeface="DM Mono" panose="020B0509040201040103" pitchFamily="49" charset="0"/>
+              </a:rPr>
+              <a:t>  Point</a:t>
+            </a:r>
+            <a:r>
+              <a:rPr lang="en" altLang="ko-Kore-KR" dirty="0">
+                <a:solidFill>
+                  <a:srgbClr val="000000"/>
+                </a:solidFill>
+                <a:latin typeface="DM Mono" panose="020B0509040201040103" pitchFamily="49" charset="0"/>
+              </a:rPr>
+              <a:t> </a:t>
+            </a:r>
+            <a:r>
+              <a:rPr lang="en" altLang="ko-Kore-KR" dirty="0">
+                <a:solidFill>
+                  <a:srgbClr val="001080"/>
+                </a:solidFill>
+                <a:latin typeface="DM Mono" panose="020B0509040201040103" pitchFamily="49" charset="0"/>
+              </a:rPr>
+              <a:t>p1</a:t>
+            </a:r>
+            <a:r>
+              <a:rPr lang="en" altLang="ko-Kore-KR" dirty="0">
+                <a:solidFill>
+                  <a:srgbClr val="000000"/>
+                </a:solidFill>
+                <a:latin typeface="DM Mono" panose="020B0509040201040103" pitchFamily="49" charset="0"/>
+              </a:rPr>
+              <a:t>, </a:t>
+            </a:r>
+            <a:r>
+              <a:rPr lang="en" altLang="ko-Kore-KR" dirty="0">
+                <a:solidFill>
+                  <a:srgbClr val="001080"/>
+                </a:solidFill>
+                <a:latin typeface="DM Mono" panose="020B0509040201040103" pitchFamily="49" charset="0"/>
+              </a:rPr>
+              <a:t>p2</a:t>
+            </a:r>
+            <a:r>
+              <a:rPr lang="en" altLang="ko-Kore-KR" dirty="0">
+                <a:solidFill>
+                  <a:srgbClr val="000000"/>
+                </a:solidFill>
+                <a:latin typeface="DM Mono" panose="020B0509040201040103" pitchFamily="49" charset="0"/>
+              </a:rPr>
+              <a:t>;</a:t>
+            </a:r>
+          </a:p>
+          <a:p>
+            <a:r>
+              <a:rPr lang="en" altLang="ko-Kore-KR" dirty="0">
+                <a:solidFill>
+                  <a:srgbClr val="001080"/>
+                </a:solidFill>
+                <a:latin typeface="DM Mono" panose="020B0509040201040103" pitchFamily="49" charset="0"/>
+              </a:rPr>
+              <a:t>  p1</a:t>
+            </a:r>
+            <a:r>
+              <a:rPr lang="en" altLang="ko-Kore-KR" dirty="0">
+                <a:solidFill>
+                  <a:srgbClr val="000000"/>
+                </a:solidFill>
+                <a:latin typeface="DM Mono" panose="020B0509040201040103" pitchFamily="49" charset="0"/>
+              </a:rPr>
+              <a:t>.</a:t>
+            </a:r>
+            <a:r>
+              <a:rPr lang="en" altLang="ko-Kore-KR" dirty="0">
+                <a:solidFill>
+                  <a:srgbClr val="795E26"/>
+                </a:solidFill>
+                <a:latin typeface="DM Mono" panose="020B0509040201040103" pitchFamily="49" charset="0"/>
+              </a:rPr>
+              <a:t>Set</a:t>
+            </a:r>
+            <a:r>
+              <a:rPr lang="en" altLang="ko-Kore-KR" dirty="0">
+                <a:solidFill>
+                  <a:srgbClr val="000000"/>
+                </a:solidFill>
+                <a:latin typeface="DM Mono" panose="020B0509040201040103" pitchFamily="49" charset="0"/>
+              </a:rPr>
+              <a:t>(</a:t>
+            </a:r>
+            <a:r>
+              <a:rPr lang="en" altLang="ko-Kore-KR" dirty="0">
+                <a:solidFill>
+                  <a:srgbClr val="098658"/>
+                </a:solidFill>
+                <a:latin typeface="DM Mono" panose="020B0509040201040103" pitchFamily="49" charset="0"/>
+              </a:rPr>
+              <a:t>10</a:t>
+            </a:r>
+            <a:r>
+              <a:rPr lang="en" altLang="ko-Kore-KR" dirty="0">
+                <a:solidFill>
+                  <a:srgbClr val="000000"/>
+                </a:solidFill>
+                <a:latin typeface="DM Mono" panose="020B0509040201040103" pitchFamily="49" charset="0"/>
+              </a:rPr>
+              <a:t>, </a:t>
+            </a:r>
+            <a:r>
+              <a:rPr lang="en" altLang="ko-Kore-KR" dirty="0">
+                <a:solidFill>
+                  <a:srgbClr val="098658"/>
+                </a:solidFill>
+                <a:latin typeface="DM Mono" panose="020B0509040201040103" pitchFamily="49" charset="0"/>
+              </a:rPr>
+              <a:t>20</a:t>
+            </a:r>
+            <a:r>
+              <a:rPr lang="en" altLang="ko-Kore-KR" dirty="0">
+                <a:solidFill>
+                  <a:srgbClr val="000000"/>
+                </a:solidFill>
+                <a:latin typeface="DM Mono" panose="020B0509040201040103" pitchFamily="49" charset="0"/>
+              </a:rPr>
+              <a:t>); </a:t>
+            </a:r>
+            <a:r>
+              <a:rPr lang="en" altLang="ko-Kore-KR" dirty="0">
+                <a:solidFill>
+                  <a:srgbClr val="FF0000"/>
+                </a:solidFill>
+                <a:latin typeface="DM Mono" panose="020B0509040201040103" pitchFamily="49" charset="0"/>
+              </a:rPr>
+              <a:t>// Set(&amp;p1, 10, 20);</a:t>
+            </a:r>
+          </a:p>
+          <a:p>
+            <a:r>
+              <a:rPr lang="en" altLang="ko-Kore-KR" dirty="0">
+                <a:solidFill>
+                  <a:srgbClr val="001080"/>
+                </a:solidFill>
+                <a:latin typeface="DM Mono" panose="020B0509040201040103" pitchFamily="49" charset="0"/>
+              </a:rPr>
+              <a:t>  p2</a:t>
+            </a:r>
+            <a:r>
+              <a:rPr lang="en" altLang="ko-Kore-KR" dirty="0">
+                <a:solidFill>
+                  <a:srgbClr val="000000"/>
+                </a:solidFill>
+                <a:latin typeface="DM Mono" panose="020B0509040201040103" pitchFamily="49" charset="0"/>
+              </a:rPr>
+              <a:t>.</a:t>
+            </a:r>
+            <a:r>
+              <a:rPr lang="en" altLang="ko-Kore-KR" dirty="0">
+                <a:solidFill>
+                  <a:srgbClr val="795E26"/>
+                </a:solidFill>
+                <a:latin typeface="DM Mono" panose="020B0509040201040103" pitchFamily="49" charset="0"/>
+              </a:rPr>
+              <a:t>Set</a:t>
+            </a:r>
+            <a:r>
+              <a:rPr lang="en" altLang="ko-Kore-KR" dirty="0">
+                <a:solidFill>
+                  <a:srgbClr val="000000"/>
+                </a:solidFill>
+                <a:latin typeface="DM Mono" panose="020B0509040201040103" pitchFamily="49" charset="0"/>
+              </a:rPr>
+              <a:t>(</a:t>
+            </a:r>
+            <a:r>
+              <a:rPr lang="en" altLang="ko-Kore-KR" dirty="0">
+                <a:solidFill>
+                  <a:srgbClr val="098658"/>
+                </a:solidFill>
+                <a:latin typeface="DM Mono" panose="020B0509040201040103" pitchFamily="49" charset="0"/>
+              </a:rPr>
+              <a:t>30</a:t>
+            </a:r>
+            <a:r>
+              <a:rPr lang="en" altLang="ko-Kore-KR" dirty="0">
+                <a:solidFill>
+                  <a:srgbClr val="000000"/>
+                </a:solidFill>
+                <a:latin typeface="DM Mono" panose="020B0509040201040103" pitchFamily="49" charset="0"/>
+              </a:rPr>
+              <a:t>, </a:t>
+            </a:r>
+            <a:r>
+              <a:rPr lang="en" altLang="ko-Kore-KR" dirty="0">
+                <a:solidFill>
+                  <a:srgbClr val="098658"/>
+                </a:solidFill>
+                <a:latin typeface="DM Mono" panose="020B0509040201040103" pitchFamily="49" charset="0"/>
+              </a:rPr>
+              <a:t>40</a:t>
+            </a:r>
+            <a:r>
+              <a:rPr lang="en" altLang="ko-Kore-KR" dirty="0">
+                <a:solidFill>
+                  <a:srgbClr val="000000"/>
+                </a:solidFill>
+                <a:latin typeface="DM Mono" panose="020B0509040201040103" pitchFamily="49" charset="0"/>
+              </a:rPr>
+              <a:t>); </a:t>
+            </a:r>
+            <a:r>
+              <a:rPr lang="en" altLang="ko-Kore-KR" dirty="0">
+                <a:solidFill>
+                  <a:srgbClr val="FF0000"/>
+                </a:solidFill>
+                <a:latin typeface="DM Mono" panose="020B0509040201040103" pitchFamily="49" charset="0"/>
+              </a:rPr>
+              <a:t>// Set(&amp;p2, 30, 40);</a:t>
+            </a:r>
+            <a:endParaRPr lang="en" altLang="ko-Kore-KR" dirty="0">
+              <a:solidFill>
+                <a:srgbClr val="000000"/>
+              </a:solidFill>
+              <a:latin typeface="DM Mono" panose="020B0509040201040103" pitchFamily="49" charset="0"/>
+            </a:endParaRPr>
+          </a:p>
+          <a:p>
+            <a:r>
+              <a:rPr lang="en" altLang="ko-Kore-KR" dirty="0">
+                <a:solidFill>
+                  <a:srgbClr val="000000"/>
+                </a:solidFill>
+                <a:latin typeface="DM Mono" panose="020B0509040201040103" pitchFamily="49" charset="0"/>
+              </a:rPr>
+              <a:t>}</a:t>
+            </a:r>
+            <a:endParaRPr lang="en" altLang="ko-Kore-KR" b="0" dirty="0">
+              <a:solidFill>
+                <a:srgbClr val="000000"/>
+              </a:solidFill>
+              <a:effectLst/>
+              <a:latin typeface="DM Mono" panose="020B0509040201040103" pitchFamily="49" charset="0"/>
+            </a:endParaRPr>
+          </a:p>
+        </p:txBody>
+      </p:sp>
+      <p:sp>
+        <p:nvSpPr>
+          <p:cNvPr id="5" name="직사각형 4">
+            <a:extLst>
+              <a:ext uri="{FF2B5EF4-FFF2-40B4-BE49-F238E27FC236}">
+                <a16:creationId xmlns:a16="http://schemas.microsoft.com/office/drawing/2014/main" id="{0EEBE9B3-B6AC-1BB9-D10C-3564EEB42927}"/>
+              </a:ext>
+            </a:extLst>
+          </p:cNvPr>
+          <p:cNvSpPr/>
+          <p:nvPr/>
+        </p:nvSpPr>
+        <p:spPr>
+          <a:xfrm>
+            <a:off x="6199726" y="1442931"/>
+            <a:ext cx="815950" cy="436970"/>
+          </a:xfrm>
+          <a:prstGeom prst="rect">
+            <a:avLst/>
+          </a:prstGeom>
+          <a:solidFill>
+            <a:srgbClr val="FFFF00"/>
+          </a:solidFill>
+        </p:spPr>
+        <p:style>
+          <a:lnRef idx="2">
+            <a:schemeClr val="accent1">
+              <a:shade val="50000"/>
+            </a:schemeClr>
+          </a:lnRef>
+          <a:fillRef idx="1">
+            <a:schemeClr val="accent1"/>
+          </a:fillRef>
+          <a:effectRef idx="0">
+            <a:schemeClr val="accent1"/>
+          </a:effectRef>
+          <a:fontRef idx="minor">
+            <a:schemeClr val="lt1"/>
+          </a:fontRef>
+        </p:style>
+        <p:txBody>
+          <a:bodyPr rtlCol="0" anchor="ctr"/>
+          <a:lstStyle/>
+          <a:p>
+            <a:pPr algn="ctr"/>
+            <a:r>
+              <a:rPr kumimoji="1" lang="en-US" altLang="ko-Kore-KR" sz="1400" dirty="0">
+                <a:solidFill>
+                  <a:schemeClr val="tx1"/>
+                </a:solidFill>
+              </a:rPr>
+              <a:t>10</a:t>
+            </a:r>
+            <a:endParaRPr kumimoji="1" lang="ko-Kore-KR" altLang="en-US" sz="1400" dirty="0">
+              <a:solidFill>
+                <a:schemeClr val="tx1"/>
+              </a:solidFill>
+            </a:endParaRPr>
+          </a:p>
+        </p:txBody>
+      </p:sp>
+      <p:sp>
+        <p:nvSpPr>
+          <p:cNvPr id="6" name="직사각형 5">
+            <a:extLst>
+              <a:ext uri="{FF2B5EF4-FFF2-40B4-BE49-F238E27FC236}">
+                <a16:creationId xmlns:a16="http://schemas.microsoft.com/office/drawing/2014/main" id="{E6F42C46-716F-0127-2E33-3114810472CF}"/>
+              </a:ext>
+            </a:extLst>
+          </p:cNvPr>
+          <p:cNvSpPr/>
+          <p:nvPr/>
+        </p:nvSpPr>
+        <p:spPr>
+          <a:xfrm>
+            <a:off x="6199726" y="1879901"/>
+            <a:ext cx="815950" cy="436970"/>
+          </a:xfrm>
+          <a:prstGeom prst="rect">
+            <a:avLst/>
+          </a:prstGeom>
+          <a:solidFill>
+            <a:srgbClr val="FFFF00"/>
+          </a:solidFill>
+        </p:spPr>
+        <p:style>
+          <a:lnRef idx="2">
+            <a:schemeClr val="accent1">
+              <a:shade val="50000"/>
+            </a:schemeClr>
+          </a:lnRef>
+          <a:fillRef idx="1">
+            <a:schemeClr val="accent1"/>
+          </a:fillRef>
+          <a:effectRef idx="0">
+            <a:schemeClr val="accent1"/>
+          </a:effectRef>
+          <a:fontRef idx="minor">
+            <a:schemeClr val="lt1"/>
+          </a:fontRef>
+        </p:style>
+        <p:txBody>
+          <a:bodyPr rtlCol="0" anchor="ctr"/>
+          <a:lstStyle/>
+          <a:p>
+            <a:pPr algn="ctr"/>
+            <a:r>
+              <a:rPr kumimoji="1" lang="en-US" altLang="ko-Kore-KR" sz="1400" dirty="0">
+                <a:solidFill>
+                  <a:schemeClr val="tx1"/>
+                </a:solidFill>
+              </a:rPr>
+              <a:t>20</a:t>
+            </a:r>
+            <a:endParaRPr kumimoji="1" lang="ko-Kore-KR" altLang="en-US" sz="1400" dirty="0">
+              <a:solidFill>
+                <a:schemeClr val="tx1"/>
+              </a:solidFill>
+            </a:endParaRPr>
+          </a:p>
+        </p:txBody>
+      </p:sp>
+      <p:sp>
+        <p:nvSpPr>
+          <p:cNvPr id="7" name="직사각형 6">
+            <a:extLst>
+              <a:ext uri="{FF2B5EF4-FFF2-40B4-BE49-F238E27FC236}">
+                <a16:creationId xmlns:a16="http://schemas.microsoft.com/office/drawing/2014/main" id="{5375986B-ECCA-75C6-11CB-83D544771041}"/>
+              </a:ext>
+            </a:extLst>
+          </p:cNvPr>
+          <p:cNvSpPr/>
+          <p:nvPr/>
+        </p:nvSpPr>
+        <p:spPr>
+          <a:xfrm>
+            <a:off x="6377510" y="1039780"/>
+            <a:ext cx="460382" cy="369332"/>
+          </a:xfrm>
+          <a:prstGeom prst="rect">
+            <a:avLst/>
+          </a:prstGeom>
+        </p:spPr>
+        <p:txBody>
+          <a:bodyPr wrap="none">
+            <a:spAutoFit/>
+          </a:bodyPr>
+          <a:lstStyle/>
+          <a:p>
+            <a:r>
+              <a:rPr lang="en" altLang="ko-Kore-KR" dirty="0">
+                <a:solidFill>
+                  <a:srgbClr val="001080"/>
+                </a:solidFill>
+                <a:latin typeface="DM Mono" panose="020B0509040201040103" pitchFamily="49" charset="0"/>
+              </a:rPr>
+              <a:t>p1</a:t>
+            </a:r>
+            <a:endParaRPr lang="ko-Kore-KR" altLang="en-US" dirty="0"/>
+          </a:p>
+        </p:txBody>
+      </p:sp>
+      <p:sp>
+        <p:nvSpPr>
+          <p:cNvPr id="8" name="직사각형 7">
+            <a:extLst>
+              <a:ext uri="{FF2B5EF4-FFF2-40B4-BE49-F238E27FC236}">
+                <a16:creationId xmlns:a16="http://schemas.microsoft.com/office/drawing/2014/main" id="{38B9ECA0-580F-323A-A847-6A6284CBD5B1}"/>
+              </a:ext>
+            </a:extLst>
+          </p:cNvPr>
+          <p:cNvSpPr/>
+          <p:nvPr/>
+        </p:nvSpPr>
+        <p:spPr>
+          <a:xfrm>
+            <a:off x="5807842" y="1476750"/>
+            <a:ext cx="322524" cy="369332"/>
+          </a:xfrm>
+          <a:prstGeom prst="rect">
+            <a:avLst/>
+          </a:prstGeom>
+        </p:spPr>
+        <p:txBody>
+          <a:bodyPr wrap="none">
+            <a:spAutoFit/>
+          </a:bodyPr>
+          <a:lstStyle/>
+          <a:p>
+            <a:r>
+              <a:rPr lang="en" altLang="ko-Kore-KR" dirty="0">
+                <a:solidFill>
+                  <a:srgbClr val="001080"/>
+                </a:solidFill>
+                <a:latin typeface="DM Mono" panose="020B0509040201040103" pitchFamily="49" charset="0"/>
+              </a:rPr>
+              <a:t>x</a:t>
+            </a:r>
+            <a:endParaRPr lang="ko-Kore-KR" altLang="en-US" dirty="0"/>
+          </a:p>
+        </p:txBody>
+      </p:sp>
+      <p:sp>
+        <p:nvSpPr>
+          <p:cNvPr id="9" name="직사각형 8">
+            <a:extLst>
+              <a:ext uri="{FF2B5EF4-FFF2-40B4-BE49-F238E27FC236}">
+                <a16:creationId xmlns:a16="http://schemas.microsoft.com/office/drawing/2014/main" id="{B0A4BEC2-1C71-B590-FCE0-D2CAE2FBB959}"/>
+              </a:ext>
+            </a:extLst>
+          </p:cNvPr>
+          <p:cNvSpPr/>
+          <p:nvPr/>
+        </p:nvSpPr>
+        <p:spPr>
+          <a:xfrm>
+            <a:off x="5807842" y="1879901"/>
+            <a:ext cx="322524" cy="369332"/>
+          </a:xfrm>
+          <a:prstGeom prst="rect">
+            <a:avLst/>
+          </a:prstGeom>
+        </p:spPr>
+        <p:txBody>
+          <a:bodyPr wrap="none">
+            <a:spAutoFit/>
+          </a:bodyPr>
+          <a:lstStyle/>
+          <a:p>
+            <a:r>
+              <a:rPr lang="en" altLang="ko-Kore-KR" dirty="0">
+                <a:solidFill>
+                  <a:srgbClr val="001080"/>
+                </a:solidFill>
+                <a:latin typeface="DM Mono" panose="020B0509040201040103" pitchFamily="49" charset="0"/>
+              </a:rPr>
+              <a:t>y</a:t>
+            </a:r>
+            <a:endParaRPr lang="ko-Kore-KR" altLang="en-US" dirty="0"/>
+          </a:p>
+        </p:txBody>
+      </p:sp>
+      <p:sp>
+        <p:nvSpPr>
+          <p:cNvPr id="10" name="직사각형 9">
+            <a:extLst>
+              <a:ext uri="{FF2B5EF4-FFF2-40B4-BE49-F238E27FC236}">
+                <a16:creationId xmlns:a16="http://schemas.microsoft.com/office/drawing/2014/main" id="{76D2552F-7311-93AA-9F95-3CC1BA045023}"/>
+              </a:ext>
+            </a:extLst>
+          </p:cNvPr>
+          <p:cNvSpPr/>
+          <p:nvPr/>
+        </p:nvSpPr>
+        <p:spPr>
+          <a:xfrm>
+            <a:off x="8742407" y="1409112"/>
+            <a:ext cx="815950" cy="436970"/>
+          </a:xfrm>
+          <a:prstGeom prst="rect">
+            <a:avLst/>
+          </a:prstGeom>
+          <a:solidFill>
+            <a:srgbClr val="FFFF00"/>
+          </a:solidFill>
+        </p:spPr>
+        <p:style>
+          <a:lnRef idx="2">
+            <a:schemeClr val="accent1">
+              <a:shade val="50000"/>
+            </a:schemeClr>
+          </a:lnRef>
+          <a:fillRef idx="1">
+            <a:schemeClr val="accent1"/>
+          </a:fillRef>
+          <a:effectRef idx="0">
+            <a:schemeClr val="accent1"/>
+          </a:effectRef>
+          <a:fontRef idx="minor">
+            <a:schemeClr val="lt1"/>
+          </a:fontRef>
+        </p:style>
+        <p:txBody>
+          <a:bodyPr rtlCol="0" anchor="ctr"/>
+          <a:lstStyle/>
+          <a:p>
+            <a:pPr algn="ctr"/>
+            <a:r>
+              <a:rPr kumimoji="1" lang="en-US" altLang="ko-Kore-KR" sz="1400" dirty="0">
+                <a:solidFill>
+                  <a:schemeClr val="tx1"/>
+                </a:solidFill>
+              </a:rPr>
+              <a:t>30</a:t>
+            </a:r>
+            <a:endParaRPr kumimoji="1" lang="ko-Kore-KR" altLang="en-US" sz="1400" dirty="0">
+              <a:solidFill>
+                <a:schemeClr val="tx1"/>
+              </a:solidFill>
+            </a:endParaRPr>
+          </a:p>
+        </p:txBody>
+      </p:sp>
+      <p:sp>
+        <p:nvSpPr>
+          <p:cNvPr id="11" name="직사각형 10">
+            <a:extLst>
+              <a:ext uri="{FF2B5EF4-FFF2-40B4-BE49-F238E27FC236}">
+                <a16:creationId xmlns:a16="http://schemas.microsoft.com/office/drawing/2014/main" id="{397B5440-C301-865B-7C99-E235ECEC4A18}"/>
+              </a:ext>
+            </a:extLst>
+          </p:cNvPr>
+          <p:cNvSpPr/>
+          <p:nvPr/>
+        </p:nvSpPr>
+        <p:spPr>
+          <a:xfrm>
+            <a:off x="8742407" y="1846082"/>
+            <a:ext cx="815950" cy="436970"/>
+          </a:xfrm>
+          <a:prstGeom prst="rect">
+            <a:avLst/>
+          </a:prstGeom>
+          <a:solidFill>
+            <a:srgbClr val="FFFF00"/>
+          </a:solidFill>
+        </p:spPr>
+        <p:style>
+          <a:lnRef idx="2">
+            <a:schemeClr val="accent1">
+              <a:shade val="50000"/>
+            </a:schemeClr>
+          </a:lnRef>
+          <a:fillRef idx="1">
+            <a:schemeClr val="accent1"/>
+          </a:fillRef>
+          <a:effectRef idx="0">
+            <a:schemeClr val="accent1"/>
+          </a:effectRef>
+          <a:fontRef idx="minor">
+            <a:schemeClr val="lt1"/>
+          </a:fontRef>
+        </p:style>
+        <p:txBody>
+          <a:bodyPr rtlCol="0" anchor="ctr"/>
+          <a:lstStyle/>
+          <a:p>
+            <a:pPr algn="ctr"/>
+            <a:r>
+              <a:rPr kumimoji="1" lang="en-US" altLang="ko-Kore-KR" sz="1400" dirty="0">
+                <a:solidFill>
+                  <a:schemeClr val="tx1"/>
+                </a:solidFill>
+              </a:rPr>
+              <a:t>40</a:t>
+            </a:r>
+            <a:endParaRPr kumimoji="1" lang="ko-Kore-KR" altLang="en-US" sz="1400" dirty="0">
+              <a:solidFill>
+                <a:schemeClr val="tx1"/>
+              </a:solidFill>
+            </a:endParaRPr>
+          </a:p>
+        </p:txBody>
+      </p:sp>
+      <p:sp>
+        <p:nvSpPr>
+          <p:cNvPr id="12" name="직사각형 11">
+            <a:extLst>
+              <a:ext uri="{FF2B5EF4-FFF2-40B4-BE49-F238E27FC236}">
+                <a16:creationId xmlns:a16="http://schemas.microsoft.com/office/drawing/2014/main" id="{E1D76296-93F8-5114-FB2E-61BC93685C91}"/>
+              </a:ext>
+            </a:extLst>
+          </p:cNvPr>
+          <p:cNvSpPr/>
+          <p:nvPr/>
+        </p:nvSpPr>
+        <p:spPr>
+          <a:xfrm>
+            <a:off x="8920191" y="1005961"/>
+            <a:ext cx="460382" cy="369332"/>
+          </a:xfrm>
+          <a:prstGeom prst="rect">
+            <a:avLst/>
+          </a:prstGeom>
+        </p:spPr>
+        <p:txBody>
+          <a:bodyPr wrap="none">
+            <a:spAutoFit/>
+          </a:bodyPr>
+          <a:lstStyle/>
+          <a:p>
+            <a:r>
+              <a:rPr lang="en" altLang="ko-Kore-KR" dirty="0">
+                <a:solidFill>
+                  <a:srgbClr val="001080"/>
+                </a:solidFill>
+                <a:latin typeface="DM Mono" panose="020B0509040201040103" pitchFamily="49" charset="0"/>
+              </a:rPr>
+              <a:t>p2</a:t>
+            </a:r>
+            <a:endParaRPr lang="ko-Kore-KR" altLang="en-US" dirty="0"/>
+          </a:p>
+        </p:txBody>
+      </p:sp>
+      <p:sp>
+        <p:nvSpPr>
+          <p:cNvPr id="13" name="직사각형 12">
+            <a:extLst>
+              <a:ext uri="{FF2B5EF4-FFF2-40B4-BE49-F238E27FC236}">
+                <a16:creationId xmlns:a16="http://schemas.microsoft.com/office/drawing/2014/main" id="{5BACDF1A-A4C7-2A11-1F1A-DAC1D1021ECB}"/>
+              </a:ext>
+            </a:extLst>
+          </p:cNvPr>
+          <p:cNvSpPr/>
+          <p:nvPr/>
+        </p:nvSpPr>
+        <p:spPr>
+          <a:xfrm>
+            <a:off x="8350523" y="1442931"/>
+            <a:ext cx="322524" cy="369332"/>
+          </a:xfrm>
+          <a:prstGeom prst="rect">
+            <a:avLst/>
+          </a:prstGeom>
+        </p:spPr>
+        <p:txBody>
+          <a:bodyPr wrap="none">
+            <a:spAutoFit/>
+          </a:bodyPr>
+          <a:lstStyle/>
+          <a:p>
+            <a:r>
+              <a:rPr lang="en" altLang="ko-Kore-KR" dirty="0">
+                <a:solidFill>
+                  <a:srgbClr val="001080"/>
+                </a:solidFill>
+                <a:latin typeface="DM Mono" panose="020B0509040201040103" pitchFamily="49" charset="0"/>
+              </a:rPr>
+              <a:t>x</a:t>
+            </a:r>
+            <a:endParaRPr lang="ko-Kore-KR" altLang="en-US" dirty="0"/>
+          </a:p>
+        </p:txBody>
+      </p:sp>
+      <p:sp>
+        <p:nvSpPr>
+          <p:cNvPr id="14" name="직사각형 13">
+            <a:extLst>
+              <a:ext uri="{FF2B5EF4-FFF2-40B4-BE49-F238E27FC236}">
+                <a16:creationId xmlns:a16="http://schemas.microsoft.com/office/drawing/2014/main" id="{61D7E6D6-65D5-CBF3-DFFE-94B697ED6660}"/>
+              </a:ext>
+            </a:extLst>
+          </p:cNvPr>
+          <p:cNvSpPr/>
+          <p:nvPr/>
+        </p:nvSpPr>
+        <p:spPr>
+          <a:xfrm>
+            <a:off x="8350523" y="1846082"/>
+            <a:ext cx="322524" cy="369332"/>
+          </a:xfrm>
+          <a:prstGeom prst="rect">
+            <a:avLst/>
+          </a:prstGeom>
+        </p:spPr>
+        <p:txBody>
+          <a:bodyPr wrap="none">
+            <a:spAutoFit/>
+          </a:bodyPr>
+          <a:lstStyle/>
+          <a:p>
+            <a:r>
+              <a:rPr lang="en" altLang="ko-Kore-KR" dirty="0">
+                <a:solidFill>
+                  <a:srgbClr val="001080"/>
+                </a:solidFill>
+                <a:latin typeface="DM Mono" panose="020B0509040201040103" pitchFamily="49" charset="0"/>
+              </a:rPr>
+              <a:t>y</a:t>
+            </a:r>
+            <a:endParaRPr lang="ko-Kore-KR" altLang="en-US" dirty="0"/>
+          </a:p>
+        </p:txBody>
+      </p:sp>
+      <p:sp>
+        <p:nvSpPr>
+          <p:cNvPr id="15" name="직사각형 14">
+            <a:extLst>
+              <a:ext uri="{FF2B5EF4-FFF2-40B4-BE49-F238E27FC236}">
+                <a16:creationId xmlns:a16="http://schemas.microsoft.com/office/drawing/2014/main" id="{20C52F76-24C6-FE80-A02D-B052C8428D37}"/>
+              </a:ext>
+            </a:extLst>
+          </p:cNvPr>
+          <p:cNvSpPr/>
+          <p:nvPr/>
+        </p:nvSpPr>
+        <p:spPr>
+          <a:xfrm>
+            <a:off x="6377510" y="3808549"/>
+            <a:ext cx="4577002" cy="1169551"/>
+          </a:xfrm>
+          <a:prstGeom prst="rect">
+            <a:avLst/>
+          </a:prstGeom>
+        </p:spPr>
+        <p:txBody>
+          <a:bodyPr wrap="square">
+            <a:spAutoFit/>
+          </a:bodyPr>
+          <a:lstStyle/>
+          <a:p>
+            <a:r>
+              <a:rPr lang="en" altLang="ko-Kore-KR" sz="1400" dirty="0">
+                <a:solidFill>
+                  <a:srgbClr val="0000FF"/>
+                </a:solidFill>
+                <a:latin typeface="DM Mono" panose="020B0509040201040103" pitchFamily="49" charset="0"/>
+              </a:rPr>
+              <a:t>  void</a:t>
+            </a:r>
+            <a:r>
+              <a:rPr lang="en" altLang="ko-Kore-KR" sz="1400" dirty="0">
+                <a:solidFill>
+                  <a:srgbClr val="000000"/>
+                </a:solidFill>
+                <a:latin typeface="DM Mono" panose="020B0509040201040103" pitchFamily="49" charset="0"/>
+              </a:rPr>
+              <a:t> </a:t>
+            </a:r>
+            <a:r>
+              <a:rPr lang="en" altLang="ko-Kore-KR" sz="1400" dirty="0">
+                <a:solidFill>
+                  <a:srgbClr val="795E26"/>
+                </a:solidFill>
+                <a:latin typeface="DM Mono" panose="020B0509040201040103" pitchFamily="49" charset="0"/>
+              </a:rPr>
+              <a:t>Set</a:t>
+            </a:r>
+            <a:r>
+              <a:rPr lang="en" altLang="ko-Kore-KR" sz="1400" dirty="0">
+                <a:solidFill>
+                  <a:srgbClr val="000000"/>
+                </a:solidFill>
+                <a:latin typeface="DM Mono" panose="020B0509040201040103" pitchFamily="49" charset="0"/>
+              </a:rPr>
+              <a:t>(</a:t>
+            </a:r>
+            <a:r>
+              <a:rPr lang="en" altLang="ko-Kore-KR" sz="1400" dirty="0">
+                <a:solidFill>
+                  <a:srgbClr val="FF0000"/>
+                </a:solidFill>
+                <a:latin typeface="DM Mono" panose="020B0509040201040103" pitchFamily="49" charset="0"/>
+              </a:rPr>
+              <a:t>Point* this</a:t>
+            </a:r>
+            <a:r>
+              <a:rPr lang="en" altLang="ko-Kore-KR" sz="1400" dirty="0">
+                <a:solidFill>
+                  <a:srgbClr val="000000"/>
+                </a:solidFill>
+                <a:latin typeface="DM Mono" panose="020B0509040201040103" pitchFamily="49" charset="0"/>
+              </a:rPr>
+              <a:t>, </a:t>
+            </a:r>
+            <a:r>
+              <a:rPr lang="en" altLang="ko-Kore-KR" sz="1400" dirty="0">
+                <a:solidFill>
+                  <a:srgbClr val="0000FF"/>
+                </a:solidFill>
+                <a:latin typeface="DM Mono" panose="020B0509040201040103" pitchFamily="49" charset="0"/>
+              </a:rPr>
+              <a:t>int</a:t>
+            </a:r>
+            <a:r>
+              <a:rPr lang="en" altLang="ko-Kore-KR" sz="1400" dirty="0">
+                <a:solidFill>
+                  <a:srgbClr val="000000"/>
+                </a:solidFill>
+                <a:latin typeface="DM Mono" panose="020B0509040201040103" pitchFamily="49" charset="0"/>
+              </a:rPr>
+              <a:t> </a:t>
+            </a:r>
+            <a:r>
+              <a:rPr lang="en" altLang="ko-Kore-KR" sz="1400" dirty="0">
+                <a:solidFill>
+                  <a:srgbClr val="001080"/>
+                </a:solidFill>
+                <a:latin typeface="DM Mono" panose="020B0509040201040103" pitchFamily="49" charset="0"/>
+              </a:rPr>
+              <a:t>a</a:t>
+            </a:r>
+            <a:r>
+              <a:rPr lang="en" altLang="ko-Kore-KR" sz="1400" dirty="0">
+                <a:solidFill>
+                  <a:srgbClr val="000000"/>
+                </a:solidFill>
+                <a:latin typeface="DM Mono" panose="020B0509040201040103" pitchFamily="49" charset="0"/>
+              </a:rPr>
+              <a:t>, </a:t>
+            </a:r>
+            <a:r>
+              <a:rPr lang="en" altLang="ko-Kore-KR" sz="1400" dirty="0">
+                <a:solidFill>
+                  <a:srgbClr val="0000FF"/>
+                </a:solidFill>
+                <a:latin typeface="DM Mono" panose="020B0509040201040103" pitchFamily="49" charset="0"/>
+              </a:rPr>
+              <a:t>int</a:t>
+            </a:r>
+            <a:r>
+              <a:rPr lang="en" altLang="ko-Kore-KR" sz="1400" dirty="0">
+                <a:solidFill>
+                  <a:srgbClr val="000000"/>
+                </a:solidFill>
+                <a:latin typeface="DM Mono" panose="020B0509040201040103" pitchFamily="49" charset="0"/>
+              </a:rPr>
+              <a:t> </a:t>
+            </a:r>
+            <a:r>
+              <a:rPr lang="en" altLang="ko-Kore-KR" sz="1400" dirty="0">
+                <a:solidFill>
+                  <a:srgbClr val="001080"/>
+                </a:solidFill>
+                <a:latin typeface="DM Mono" panose="020B0509040201040103" pitchFamily="49" charset="0"/>
+              </a:rPr>
+              <a:t>b</a:t>
+            </a:r>
+            <a:r>
+              <a:rPr lang="en" altLang="ko-Kore-KR" sz="1400" dirty="0">
+                <a:solidFill>
+                  <a:srgbClr val="000000"/>
+                </a:solidFill>
+                <a:latin typeface="DM Mono" panose="020B0509040201040103" pitchFamily="49" charset="0"/>
+              </a:rPr>
+              <a:t>)</a:t>
+            </a:r>
+          </a:p>
+          <a:p>
+            <a:r>
+              <a:rPr lang="en" altLang="ko-Kore-KR" sz="1400" dirty="0">
+                <a:solidFill>
+                  <a:srgbClr val="000000"/>
+                </a:solidFill>
+                <a:latin typeface="DM Mono" panose="020B0509040201040103" pitchFamily="49" charset="0"/>
+              </a:rPr>
+              <a:t>  {</a:t>
+            </a:r>
+          </a:p>
+          <a:p>
+            <a:r>
+              <a:rPr lang="en" altLang="ko-Kore-KR" sz="1400" dirty="0">
+                <a:solidFill>
+                  <a:srgbClr val="FF0000"/>
+                </a:solidFill>
+                <a:latin typeface="DM Mono" panose="020B0509040201040103" pitchFamily="49" charset="0"/>
+              </a:rPr>
+              <a:t>    this-&gt;</a:t>
+            </a:r>
+            <a:r>
+              <a:rPr lang="en" altLang="ko-Kore-KR" sz="1400" dirty="0">
+                <a:solidFill>
+                  <a:srgbClr val="001080"/>
+                </a:solidFill>
+                <a:latin typeface="DM Mono" panose="020B0509040201040103" pitchFamily="49" charset="0"/>
+              </a:rPr>
+              <a:t>x</a:t>
+            </a:r>
+            <a:r>
+              <a:rPr lang="en" altLang="ko-Kore-KR" sz="1400" dirty="0">
+                <a:solidFill>
+                  <a:srgbClr val="000000"/>
+                </a:solidFill>
+                <a:latin typeface="DM Mono" panose="020B0509040201040103" pitchFamily="49" charset="0"/>
+              </a:rPr>
+              <a:t> = </a:t>
+            </a:r>
+            <a:r>
+              <a:rPr lang="en" altLang="ko-Kore-KR" sz="1400" dirty="0">
+                <a:solidFill>
+                  <a:srgbClr val="001080"/>
+                </a:solidFill>
+                <a:latin typeface="DM Mono" panose="020B0509040201040103" pitchFamily="49" charset="0"/>
+              </a:rPr>
+              <a:t>a</a:t>
+            </a:r>
+            <a:r>
+              <a:rPr lang="en" altLang="ko-Kore-KR" sz="1400" dirty="0">
+                <a:solidFill>
+                  <a:srgbClr val="000000"/>
+                </a:solidFill>
+                <a:latin typeface="DM Mono" panose="020B0509040201040103" pitchFamily="49" charset="0"/>
+              </a:rPr>
+              <a:t>;</a:t>
+            </a:r>
+          </a:p>
+          <a:p>
+            <a:r>
+              <a:rPr lang="en" altLang="ko-Kore-KR" sz="1400" dirty="0">
+                <a:solidFill>
+                  <a:srgbClr val="FF0000"/>
+                </a:solidFill>
+                <a:latin typeface="DM Mono" panose="020B0509040201040103" pitchFamily="49" charset="0"/>
+              </a:rPr>
+              <a:t>    this-&gt;</a:t>
+            </a:r>
+            <a:r>
+              <a:rPr lang="en" altLang="ko-Kore-KR" sz="1400" dirty="0">
+                <a:solidFill>
+                  <a:srgbClr val="001080"/>
+                </a:solidFill>
+                <a:latin typeface="DM Mono" panose="020B0509040201040103" pitchFamily="49" charset="0"/>
+              </a:rPr>
+              <a:t>y</a:t>
+            </a:r>
+            <a:r>
+              <a:rPr lang="en" altLang="ko-Kore-KR" sz="1400" dirty="0">
+                <a:solidFill>
+                  <a:srgbClr val="000000"/>
+                </a:solidFill>
+                <a:latin typeface="DM Mono" panose="020B0509040201040103" pitchFamily="49" charset="0"/>
+              </a:rPr>
+              <a:t> = </a:t>
+            </a:r>
+            <a:r>
+              <a:rPr lang="en" altLang="ko-Kore-KR" sz="1400" dirty="0">
+                <a:solidFill>
+                  <a:srgbClr val="001080"/>
+                </a:solidFill>
+                <a:latin typeface="DM Mono" panose="020B0509040201040103" pitchFamily="49" charset="0"/>
+              </a:rPr>
+              <a:t>b</a:t>
+            </a:r>
+            <a:r>
+              <a:rPr lang="en" altLang="ko-Kore-KR" sz="1400" dirty="0">
+                <a:solidFill>
+                  <a:srgbClr val="000000"/>
+                </a:solidFill>
+                <a:latin typeface="DM Mono" panose="020B0509040201040103" pitchFamily="49" charset="0"/>
+              </a:rPr>
+              <a:t>;</a:t>
+            </a:r>
+          </a:p>
+          <a:p>
+            <a:r>
+              <a:rPr lang="en" altLang="ko-Kore-KR" sz="1400" dirty="0">
+                <a:solidFill>
+                  <a:srgbClr val="000000"/>
+                </a:solidFill>
+                <a:latin typeface="DM Mono" panose="020B0509040201040103" pitchFamily="49" charset="0"/>
+              </a:rPr>
+              <a:t>  }</a:t>
+            </a:r>
+            <a:endParaRPr lang="ko-Kore-KR" altLang="en-US" sz="1400" dirty="0"/>
+          </a:p>
+        </p:txBody>
+      </p:sp>
+      <p:cxnSp>
+        <p:nvCxnSpPr>
+          <p:cNvPr id="18" name="구부러진 연결선[U] 17">
+            <a:extLst>
+              <a:ext uri="{FF2B5EF4-FFF2-40B4-BE49-F238E27FC236}">
+                <a16:creationId xmlns:a16="http://schemas.microsoft.com/office/drawing/2014/main" id="{B9B2F7B9-948F-92A3-A7E5-52676D7B8EBA}"/>
+              </a:ext>
+            </a:extLst>
+          </p:cNvPr>
+          <p:cNvCxnSpPr>
+            <a:cxnSpLocks/>
+            <a:stCxn id="6" idx="2"/>
+            <a:endCxn id="15" idx="0"/>
+          </p:cNvCxnSpPr>
+          <p:nvPr/>
+        </p:nvCxnSpPr>
+        <p:spPr>
+          <a:xfrm rot="16200000" flipH="1">
+            <a:off x="6891017" y="2033555"/>
+            <a:ext cx="1491678" cy="2058310"/>
+          </a:xfrm>
+          <a:prstGeom prst="curvedConnector3">
+            <a:avLst/>
+          </a:prstGeom>
+          <a:ln>
+            <a:tailEnd type="triangle"/>
+          </a:ln>
+        </p:spPr>
+        <p:style>
+          <a:lnRef idx="1">
+            <a:schemeClr val="dk1"/>
+          </a:lnRef>
+          <a:fillRef idx="0">
+            <a:schemeClr val="dk1"/>
+          </a:fillRef>
+          <a:effectRef idx="0">
+            <a:schemeClr val="dk1"/>
+          </a:effectRef>
+          <a:fontRef idx="minor">
+            <a:schemeClr val="tx1"/>
+          </a:fontRef>
+        </p:style>
+      </p:cxnSp>
+      <p:cxnSp>
+        <p:nvCxnSpPr>
+          <p:cNvPr id="19" name="구부러진 연결선[U] 18">
+            <a:extLst>
+              <a:ext uri="{FF2B5EF4-FFF2-40B4-BE49-F238E27FC236}">
+                <a16:creationId xmlns:a16="http://schemas.microsoft.com/office/drawing/2014/main" id="{05882597-00E7-3A41-621F-70EE12CE8ACC}"/>
+              </a:ext>
+            </a:extLst>
+          </p:cNvPr>
+          <p:cNvCxnSpPr>
+            <a:cxnSpLocks/>
+            <a:stCxn id="11" idx="2"/>
+            <a:endCxn id="15" idx="0"/>
+          </p:cNvCxnSpPr>
+          <p:nvPr/>
+        </p:nvCxnSpPr>
+        <p:spPr>
+          <a:xfrm rot="5400000">
+            <a:off x="8145449" y="2803615"/>
+            <a:ext cx="1525497" cy="484371"/>
+          </a:xfrm>
+          <a:prstGeom prst="curvedConnector3">
+            <a:avLst/>
+          </a:prstGeom>
+          <a:ln>
+            <a:tailEnd type="triangle"/>
+          </a:ln>
+        </p:spPr>
+        <p:style>
+          <a:lnRef idx="1">
+            <a:schemeClr val="dk1"/>
+          </a:lnRef>
+          <a:fillRef idx="0">
+            <a:schemeClr val="dk1"/>
+          </a:fillRef>
+          <a:effectRef idx="0">
+            <a:schemeClr val="dk1"/>
+          </a:effectRef>
+          <a:fontRef idx="minor">
+            <a:schemeClr val="tx1"/>
+          </a:fontRef>
+        </p:style>
+      </p:cxnSp>
+    </p:spTree>
+    <p:extLst>
+      <p:ext uri="{BB962C8B-B14F-4D97-AF65-F5344CB8AC3E}">
+        <p14:creationId xmlns:p14="http://schemas.microsoft.com/office/powerpoint/2010/main" val="2730574173"/>
+      </p:ext>
+    </p:extLst>
+  </p:cSld>
+  <p:clrMapOvr>
+    <a:masterClrMapping/>
+  </p:clrMapOvr>
+</p:sld>
+</file>
+
 <file path=ppt/slides/slide2.xml><?xml version="1.0" encoding="utf-8"?>
 <p:sld xmlns:a="http://schemas.openxmlformats.org/drawingml/2006/main" xmlns:r="http://schemas.openxmlformats.org/officeDocument/2006/relationships" xmlns:p="http://schemas.openxmlformats.org/presentationml/2006/main">
   <p:cSld>
@@ -12605,6 +14191,1525 @@
     <p:extLst>
       <p:ext uri="{BB962C8B-B14F-4D97-AF65-F5344CB8AC3E}">
         <p14:creationId xmlns:p14="http://schemas.microsoft.com/office/powerpoint/2010/main" val="659855767"/>
+      </p:ext>
+    </p:extLst>
+  </p:cSld>
+  <p:clrMapOvr>
+    <a:masterClrMapping/>
+  </p:clrMapOvr>
+</p:sld>
+</file>
+
+<file path=ppt/slides/slide9.xml><?xml version="1.0" encoding="utf-8"?>
+<p:sld xmlns:a="http://schemas.openxmlformats.org/drawingml/2006/main" xmlns:r="http://schemas.openxmlformats.org/officeDocument/2006/relationships" xmlns:p="http://schemas.openxmlformats.org/presentationml/2006/main">
+  <p:cSld>
+    <p:spTree>
+      <p:nvGrpSpPr>
+        <p:cNvPr id="1" name=""/>
+        <p:cNvGrpSpPr/>
+        <p:nvPr/>
+      </p:nvGrpSpPr>
+      <p:grpSpPr>
+        <a:xfrm>
+          <a:off x="0" y="0"/>
+          <a:ext cx="0" cy="0"/>
+          <a:chOff x="0" y="0"/>
+          <a:chExt cx="0" cy="0"/>
+        </a:xfrm>
+      </p:grpSpPr>
+      <p:sp>
+        <p:nvSpPr>
+          <p:cNvPr id="4" name="직사각형 3">
+            <a:extLst>
+              <a:ext uri="{FF2B5EF4-FFF2-40B4-BE49-F238E27FC236}">
+                <a16:creationId xmlns:a16="http://schemas.microsoft.com/office/drawing/2014/main" id="{9E164D4B-5351-5334-6A1A-8BAB1E234FE8}"/>
+              </a:ext>
+            </a:extLst>
+          </p:cNvPr>
+          <p:cNvSpPr/>
+          <p:nvPr/>
+        </p:nvSpPr>
+        <p:spPr>
+          <a:xfrm>
+            <a:off x="418089" y="176810"/>
+            <a:ext cx="4291476" cy="5355312"/>
+          </a:xfrm>
+          <a:prstGeom prst="rect">
+            <a:avLst/>
+          </a:prstGeom>
+        </p:spPr>
+        <p:txBody>
+          <a:bodyPr wrap="square">
+            <a:spAutoFit/>
+          </a:bodyPr>
+          <a:lstStyle/>
+          <a:p>
+            <a:r>
+              <a:rPr lang="en" altLang="ko-Kore-KR" dirty="0">
+                <a:solidFill>
+                  <a:srgbClr val="0000FF"/>
+                </a:solidFill>
+                <a:latin typeface="DM Mono" panose="020B0509040201040103" pitchFamily="49" charset="0"/>
+              </a:rPr>
+              <a:t>class</a:t>
+            </a:r>
+            <a:r>
+              <a:rPr lang="en" altLang="ko-Kore-KR" dirty="0">
+                <a:solidFill>
+                  <a:srgbClr val="000000"/>
+                </a:solidFill>
+                <a:latin typeface="DM Mono" panose="020B0509040201040103" pitchFamily="49" charset="0"/>
+              </a:rPr>
+              <a:t> </a:t>
+            </a:r>
+            <a:r>
+              <a:rPr lang="en" altLang="ko-Kore-KR" dirty="0">
+                <a:solidFill>
+                  <a:srgbClr val="267F99"/>
+                </a:solidFill>
+                <a:latin typeface="DM Mono" panose="020B0509040201040103" pitchFamily="49" charset="0"/>
+              </a:rPr>
+              <a:t>Point</a:t>
+            </a:r>
+            <a:r>
+              <a:rPr lang="en" altLang="ko-Kore-KR" dirty="0">
+                <a:solidFill>
+                  <a:srgbClr val="000000"/>
+                </a:solidFill>
+                <a:latin typeface="DM Mono" panose="020B0509040201040103" pitchFamily="49" charset="0"/>
+              </a:rPr>
+              <a:t> {</a:t>
+            </a:r>
+          </a:p>
+          <a:p>
+            <a:r>
+              <a:rPr lang="en" altLang="ko-Kore-KR" dirty="0">
+                <a:solidFill>
+                  <a:srgbClr val="0000FF"/>
+                </a:solidFill>
+                <a:latin typeface="DM Mono" panose="020B0509040201040103" pitchFamily="49" charset="0"/>
+              </a:rPr>
+              <a:t>private:</a:t>
+            </a:r>
+            <a:endParaRPr lang="en" altLang="ko-Kore-KR" dirty="0">
+              <a:solidFill>
+                <a:srgbClr val="000000"/>
+              </a:solidFill>
+              <a:latin typeface="DM Mono" panose="020B0509040201040103" pitchFamily="49" charset="0"/>
+            </a:endParaRPr>
+          </a:p>
+          <a:p>
+            <a:r>
+              <a:rPr lang="en" altLang="ko-Kore-KR" dirty="0">
+                <a:solidFill>
+                  <a:srgbClr val="0000FF"/>
+                </a:solidFill>
+                <a:latin typeface="DM Mono" panose="020B0509040201040103" pitchFamily="49" charset="0"/>
+              </a:rPr>
+              <a:t>  int</a:t>
+            </a:r>
+            <a:r>
+              <a:rPr lang="en" altLang="ko-Kore-KR" dirty="0">
+                <a:solidFill>
+                  <a:srgbClr val="000000"/>
+                </a:solidFill>
+                <a:latin typeface="DM Mono" panose="020B0509040201040103" pitchFamily="49" charset="0"/>
+              </a:rPr>
+              <a:t> </a:t>
+            </a:r>
+            <a:r>
+              <a:rPr lang="en" altLang="ko-Kore-KR" dirty="0">
+                <a:solidFill>
+                  <a:srgbClr val="001080"/>
+                </a:solidFill>
+                <a:latin typeface="DM Mono" panose="020B0509040201040103" pitchFamily="49" charset="0"/>
+              </a:rPr>
+              <a:t>x</a:t>
+            </a:r>
+            <a:r>
+              <a:rPr lang="en" altLang="ko-Kore-KR" dirty="0">
+                <a:solidFill>
+                  <a:srgbClr val="000000"/>
+                </a:solidFill>
+                <a:latin typeface="DM Mono" panose="020B0509040201040103" pitchFamily="49" charset="0"/>
+              </a:rPr>
+              <a:t>;</a:t>
+            </a:r>
+          </a:p>
+          <a:p>
+            <a:r>
+              <a:rPr lang="en" altLang="ko-Kore-KR" dirty="0">
+                <a:solidFill>
+                  <a:srgbClr val="0000FF"/>
+                </a:solidFill>
+                <a:latin typeface="DM Mono" panose="020B0509040201040103" pitchFamily="49" charset="0"/>
+              </a:rPr>
+              <a:t>  int</a:t>
+            </a:r>
+            <a:r>
+              <a:rPr lang="en" altLang="ko-Kore-KR" dirty="0">
+                <a:solidFill>
+                  <a:srgbClr val="000000"/>
+                </a:solidFill>
+                <a:latin typeface="DM Mono" panose="020B0509040201040103" pitchFamily="49" charset="0"/>
+              </a:rPr>
+              <a:t> </a:t>
+            </a:r>
+            <a:r>
+              <a:rPr lang="en" altLang="ko-Kore-KR" dirty="0">
+                <a:solidFill>
+                  <a:srgbClr val="001080"/>
+                </a:solidFill>
+                <a:latin typeface="DM Mono" panose="020B0509040201040103" pitchFamily="49" charset="0"/>
+              </a:rPr>
+              <a:t>y</a:t>
+            </a:r>
+            <a:r>
+              <a:rPr lang="en" altLang="ko-Kore-KR" dirty="0">
+                <a:solidFill>
+                  <a:srgbClr val="000000"/>
+                </a:solidFill>
+                <a:latin typeface="DM Mono" panose="020B0509040201040103" pitchFamily="49" charset="0"/>
+              </a:rPr>
+              <a:t>;</a:t>
+            </a:r>
+          </a:p>
+          <a:p>
+            <a:br>
+              <a:rPr lang="en" altLang="ko-Kore-KR" dirty="0">
+                <a:solidFill>
+                  <a:srgbClr val="000000"/>
+                </a:solidFill>
+                <a:latin typeface="DM Mono" panose="020B0509040201040103" pitchFamily="49" charset="0"/>
+              </a:rPr>
+            </a:br>
+            <a:r>
+              <a:rPr lang="en" altLang="ko-Kore-KR" dirty="0">
+                <a:solidFill>
+                  <a:srgbClr val="0000FF"/>
+                </a:solidFill>
+                <a:latin typeface="DM Mono" panose="020B0509040201040103" pitchFamily="49" charset="0"/>
+              </a:rPr>
+              <a:t>public:</a:t>
+            </a:r>
+            <a:endParaRPr lang="en" altLang="ko-Kore-KR" dirty="0">
+              <a:solidFill>
+                <a:srgbClr val="000000"/>
+              </a:solidFill>
+              <a:latin typeface="DM Mono" panose="020B0509040201040103" pitchFamily="49" charset="0"/>
+            </a:endParaRPr>
+          </a:p>
+          <a:p>
+            <a:r>
+              <a:rPr lang="en" altLang="ko-Kore-KR" dirty="0">
+                <a:solidFill>
+                  <a:srgbClr val="0000FF"/>
+                </a:solidFill>
+                <a:latin typeface="DM Mono" panose="020B0509040201040103" pitchFamily="49" charset="0"/>
+              </a:rPr>
+              <a:t>  void</a:t>
+            </a:r>
+            <a:r>
+              <a:rPr lang="en" altLang="ko-Kore-KR" dirty="0">
+                <a:solidFill>
+                  <a:srgbClr val="000000"/>
+                </a:solidFill>
+                <a:latin typeface="DM Mono" panose="020B0509040201040103" pitchFamily="49" charset="0"/>
+              </a:rPr>
+              <a:t> </a:t>
+            </a:r>
+            <a:r>
+              <a:rPr lang="en" altLang="ko-Kore-KR" dirty="0">
+                <a:solidFill>
+                  <a:srgbClr val="795E26"/>
+                </a:solidFill>
+                <a:latin typeface="DM Mono" panose="020B0509040201040103" pitchFamily="49" charset="0"/>
+              </a:rPr>
+              <a:t>Set</a:t>
+            </a:r>
+            <a:r>
+              <a:rPr lang="en" altLang="ko-Kore-KR" dirty="0">
+                <a:solidFill>
+                  <a:srgbClr val="000000"/>
+                </a:solidFill>
+                <a:latin typeface="DM Mono" panose="020B0509040201040103" pitchFamily="49" charset="0"/>
+              </a:rPr>
+              <a:t>(</a:t>
+            </a:r>
+            <a:r>
+              <a:rPr lang="en" altLang="ko-Kore-KR" dirty="0">
+                <a:solidFill>
+                  <a:srgbClr val="0000FF"/>
+                </a:solidFill>
+                <a:latin typeface="DM Mono" panose="020B0509040201040103" pitchFamily="49" charset="0"/>
+              </a:rPr>
+              <a:t>int</a:t>
+            </a:r>
+            <a:r>
+              <a:rPr lang="en" altLang="ko-Kore-KR" dirty="0">
+                <a:solidFill>
+                  <a:srgbClr val="000000"/>
+                </a:solidFill>
+                <a:latin typeface="DM Mono" panose="020B0509040201040103" pitchFamily="49" charset="0"/>
+              </a:rPr>
+              <a:t> </a:t>
+            </a:r>
+            <a:r>
+              <a:rPr lang="en" altLang="ko-Kore-KR" dirty="0">
+                <a:solidFill>
+                  <a:srgbClr val="001080"/>
+                </a:solidFill>
+                <a:latin typeface="DM Mono" panose="020B0509040201040103" pitchFamily="49" charset="0"/>
+              </a:rPr>
+              <a:t>a</a:t>
+            </a:r>
+            <a:r>
+              <a:rPr lang="en" altLang="ko-Kore-KR" dirty="0">
+                <a:solidFill>
+                  <a:srgbClr val="000000"/>
+                </a:solidFill>
+                <a:latin typeface="DM Mono" panose="020B0509040201040103" pitchFamily="49" charset="0"/>
+              </a:rPr>
+              <a:t>, </a:t>
+            </a:r>
+            <a:r>
+              <a:rPr lang="en" altLang="ko-Kore-KR" dirty="0">
+                <a:solidFill>
+                  <a:srgbClr val="0000FF"/>
+                </a:solidFill>
+                <a:latin typeface="DM Mono" panose="020B0509040201040103" pitchFamily="49" charset="0"/>
+              </a:rPr>
+              <a:t>int</a:t>
+            </a:r>
+            <a:r>
+              <a:rPr lang="en" altLang="ko-Kore-KR" dirty="0">
+                <a:solidFill>
+                  <a:srgbClr val="000000"/>
+                </a:solidFill>
+                <a:latin typeface="DM Mono" panose="020B0509040201040103" pitchFamily="49" charset="0"/>
+              </a:rPr>
+              <a:t> </a:t>
+            </a:r>
+            <a:r>
+              <a:rPr lang="en" altLang="ko-Kore-KR" dirty="0">
+                <a:solidFill>
+                  <a:srgbClr val="001080"/>
+                </a:solidFill>
+                <a:latin typeface="DM Mono" panose="020B0509040201040103" pitchFamily="49" charset="0"/>
+              </a:rPr>
+              <a:t>b</a:t>
+            </a:r>
+            <a:r>
+              <a:rPr lang="en" altLang="ko-Kore-KR" dirty="0">
+                <a:solidFill>
+                  <a:srgbClr val="000000"/>
+                </a:solidFill>
+                <a:latin typeface="DM Mono" panose="020B0509040201040103" pitchFamily="49" charset="0"/>
+              </a:rPr>
+              <a:t>)</a:t>
+            </a:r>
+          </a:p>
+          <a:p>
+            <a:r>
+              <a:rPr lang="en" altLang="ko-Kore-KR" dirty="0">
+                <a:solidFill>
+                  <a:srgbClr val="000000"/>
+                </a:solidFill>
+                <a:latin typeface="DM Mono" panose="020B0509040201040103" pitchFamily="49" charset="0"/>
+              </a:rPr>
+              <a:t>  {</a:t>
+            </a:r>
+          </a:p>
+          <a:p>
+            <a:r>
+              <a:rPr lang="en" altLang="ko-Kore-KR" dirty="0">
+                <a:solidFill>
+                  <a:srgbClr val="001080"/>
+                </a:solidFill>
+                <a:latin typeface="DM Mono" panose="020B0509040201040103" pitchFamily="49" charset="0"/>
+              </a:rPr>
+              <a:t>    x</a:t>
+            </a:r>
+            <a:r>
+              <a:rPr lang="en" altLang="ko-Kore-KR" dirty="0">
+                <a:solidFill>
+                  <a:srgbClr val="000000"/>
+                </a:solidFill>
+                <a:latin typeface="DM Mono" panose="020B0509040201040103" pitchFamily="49" charset="0"/>
+              </a:rPr>
+              <a:t> = </a:t>
+            </a:r>
+            <a:r>
+              <a:rPr lang="en" altLang="ko-Kore-KR" dirty="0">
+                <a:solidFill>
+                  <a:srgbClr val="001080"/>
+                </a:solidFill>
+                <a:latin typeface="DM Mono" panose="020B0509040201040103" pitchFamily="49" charset="0"/>
+              </a:rPr>
+              <a:t>a</a:t>
+            </a:r>
+            <a:r>
+              <a:rPr lang="en" altLang="ko-Kore-KR" dirty="0">
+                <a:solidFill>
+                  <a:srgbClr val="000000"/>
+                </a:solidFill>
+                <a:latin typeface="DM Mono" panose="020B0509040201040103" pitchFamily="49" charset="0"/>
+              </a:rPr>
+              <a:t>;</a:t>
+            </a:r>
+          </a:p>
+          <a:p>
+            <a:r>
+              <a:rPr lang="en" altLang="ko-Kore-KR" dirty="0">
+                <a:solidFill>
+                  <a:srgbClr val="001080"/>
+                </a:solidFill>
+                <a:latin typeface="DM Mono" panose="020B0509040201040103" pitchFamily="49" charset="0"/>
+              </a:rPr>
+              <a:t>    y</a:t>
+            </a:r>
+            <a:r>
+              <a:rPr lang="en" altLang="ko-Kore-KR" dirty="0">
+                <a:solidFill>
+                  <a:srgbClr val="000000"/>
+                </a:solidFill>
+                <a:latin typeface="DM Mono" panose="020B0509040201040103" pitchFamily="49" charset="0"/>
+              </a:rPr>
+              <a:t> = </a:t>
+            </a:r>
+            <a:r>
+              <a:rPr lang="en" altLang="ko-Kore-KR" dirty="0">
+                <a:solidFill>
+                  <a:srgbClr val="001080"/>
+                </a:solidFill>
+                <a:latin typeface="DM Mono" panose="020B0509040201040103" pitchFamily="49" charset="0"/>
+              </a:rPr>
+              <a:t>b</a:t>
+            </a:r>
+            <a:r>
+              <a:rPr lang="en" altLang="ko-Kore-KR" dirty="0">
+                <a:solidFill>
+                  <a:srgbClr val="000000"/>
+                </a:solidFill>
+                <a:latin typeface="DM Mono" panose="020B0509040201040103" pitchFamily="49" charset="0"/>
+              </a:rPr>
+              <a:t>;</a:t>
+            </a:r>
+          </a:p>
+          <a:p>
+            <a:r>
+              <a:rPr lang="en" altLang="ko-Kore-KR" dirty="0">
+                <a:solidFill>
+                  <a:srgbClr val="000000"/>
+                </a:solidFill>
+                <a:latin typeface="DM Mono" panose="020B0509040201040103" pitchFamily="49" charset="0"/>
+              </a:rPr>
+              <a:t>  }</a:t>
+            </a:r>
+          </a:p>
+          <a:p>
+            <a:r>
+              <a:rPr lang="en" altLang="ko-Kore-KR" dirty="0">
+                <a:solidFill>
+                  <a:srgbClr val="000000"/>
+                </a:solidFill>
+                <a:latin typeface="DM Mono" panose="020B0509040201040103" pitchFamily="49" charset="0"/>
+              </a:rPr>
+              <a:t>};</a:t>
+            </a:r>
+          </a:p>
+          <a:p>
+            <a:br>
+              <a:rPr lang="en" altLang="ko-Kore-KR" dirty="0">
+                <a:solidFill>
+                  <a:srgbClr val="000000"/>
+                </a:solidFill>
+                <a:latin typeface="DM Mono" panose="020B0509040201040103" pitchFamily="49" charset="0"/>
+              </a:rPr>
+            </a:br>
+            <a:r>
+              <a:rPr lang="en" altLang="ko-Kore-KR" dirty="0">
+                <a:solidFill>
+                  <a:srgbClr val="0000FF"/>
+                </a:solidFill>
+                <a:latin typeface="DM Mono" panose="020B0509040201040103" pitchFamily="49" charset="0"/>
+              </a:rPr>
+              <a:t>int</a:t>
+            </a:r>
+            <a:r>
+              <a:rPr lang="en" altLang="ko-Kore-KR" dirty="0">
+                <a:solidFill>
+                  <a:srgbClr val="000000"/>
+                </a:solidFill>
+                <a:latin typeface="DM Mono" panose="020B0509040201040103" pitchFamily="49" charset="0"/>
+              </a:rPr>
+              <a:t> </a:t>
+            </a:r>
+            <a:r>
+              <a:rPr lang="en" altLang="ko-Kore-KR" dirty="0">
+                <a:solidFill>
+                  <a:srgbClr val="795E26"/>
+                </a:solidFill>
+                <a:latin typeface="DM Mono" panose="020B0509040201040103" pitchFamily="49" charset="0"/>
+              </a:rPr>
+              <a:t>main</a:t>
+            </a:r>
+            <a:r>
+              <a:rPr lang="en" altLang="ko-Kore-KR" dirty="0">
+                <a:solidFill>
+                  <a:srgbClr val="000000"/>
+                </a:solidFill>
+                <a:latin typeface="DM Mono" panose="020B0509040201040103" pitchFamily="49" charset="0"/>
+              </a:rPr>
+              <a:t>()</a:t>
+            </a:r>
+          </a:p>
+          <a:p>
+            <a:r>
+              <a:rPr lang="en" altLang="ko-Kore-KR" dirty="0">
+                <a:solidFill>
+                  <a:srgbClr val="000000"/>
+                </a:solidFill>
+                <a:latin typeface="DM Mono" panose="020B0509040201040103" pitchFamily="49" charset="0"/>
+              </a:rPr>
+              <a:t>{</a:t>
+            </a:r>
+          </a:p>
+          <a:p>
+            <a:r>
+              <a:rPr lang="en" altLang="ko-Kore-KR" dirty="0">
+                <a:solidFill>
+                  <a:srgbClr val="267F99"/>
+                </a:solidFill>
+                <a:latin typeface="DM Mono" panose="020B0509040201040103" pitchFamily="49" charset="0"/>
+              </a:rPr>
+              <a:t>  Point</a:t>
+            </a:r>
+            <a:r>
+              <a:rPr lang="en" altLang="ko-Kore-KR" dirty="0">
+                <a:solidFill>
+                  <a:srgbClr val="000000"/>
+                </a:solidFill>
+                <a:latin typeface="DM Mono" panose="020B0509040201040103" pitchFamily="49" charset="0"/>
+              </a:rPr>
+              <a:t> </a:t>
+            </a:r>
+            <a:r>
+              <a:rPr lang="en" altLang="ko-Kore-KR" dirty="0">
+                <a:solidFill>
+                  <a:srgbClr val="001080"/>
+                </a:solidFill>
+                <a:latin typeface="DM Mono" panose="020B0509040201040103" pitchFamily="49" charset="0"/>
+              </a:rPr>
+              <a:t>p1</a:t>
+            </a:r>
+            <a:r>
+              <a:rPr lang="en" altLang="ko-Kore-KR" dirty="0">
+                <a:solidFill>
+                  <a:srgbClr val="000000"/>
+                </a:solidFill>
+                <a:latin typeface="DM Mono" panose="020B0509040201040103" pitchFamily="49" charset="0"/>
+              </a:rPr>
+              <a:t>, </a:t>
+            </a:r>
+            <a:r>
+              <a:rPr lang="en" altLang="ko-Kore-KR" dirty="0">
+                <a:solidFill>
+                  <a:srgbClr val="001080"/>
+                </a:solidFill>
+                <a:latin typeface="DM Mono" panose="020B0509040201040103" pitchFamily="49" charset="0"/>
+              </a:rPr>
+              <a:t>p2</a:t>
+            </a:r>
+            <a:r>
+              <a:rPr lang="en" altLang="ko-Kore-KR" dirty="0">
+                <a:solidFill>
+                  <a:srgbClr val="000000"/>
+                </a:solidFill>
+                <a:latin typeface="DM Mono" panose="020B0509040201040103" pitchFamily="49" charset="0"/>
+              </a:rPr>
+              <a:t>;</a:t>
+            </a:r>
+          </a:p>
+          <a:p>
+            <a:r>
+              <a:rPr lang="en" altLang="ko-Kore-KR" dirty="0">
+                <a:solidFill>
+                  <a:srgbClr val="001080"/>
+                </a:solidFill>
+                <a:latin typeface="DM Mono" panose="020B0509040201040103" pitchFamily="49" charset="0"/>
+              </a:rPr>
+              <a:t>  p1</a:t>
+            </a:r>
+            <a:r>
+              <a:rPr lang="en" altLang="ko-Kore-KR" dirty="0">
+                <a:solidFill>
+                  <a:srgbClr val="000000"/>
+                </a:solidFill>
+                <a:latin typeface="DM Mono" panose="020B0509040201040103" pitchFamily="49" charset="0"/>
+              </a:rPr>
+              <a:t>.</a:t>
+            </a:r>
+            <a:r>
+              <a:rPr lang="en" altLang="ko-Kore-KR" dirty="0">
+                <a:solidFill>
+                  <a:srgbClr val="795E26"/>
+                </a:solidFill>
+                <a:latin typeface="DM Mono" panose="020B0509040201040103" pitchFamily="49" charset="0"/>
+              </a:rPr>
+              <a:t>Set</a:t>
+            </a:r>
+            <a:r>
+              <a:rPr lang="en" altLang="ko-Kore-KR" dirty="0">
+                <a:solidFill>
+                  <a:srgbClr val="000000"/>
+                </a:solidFill>
+                <a:latin typeface="DM Mono" panose="020B0509040201040103" pitchFamily="49" charset="0"/>
+              </a:rPr>
+              <a:t>(</a:t>
+            </a:r>
+            <a:r>
+              <a:rPr lang="en" altLang="ko-Kore-KR" dirty="0">
+                <a:solidFill>
+                  <a:srgbClr val="098658"/>
+                </a:solidFill>
+                <a:latin typeface="DM Mono" panose="020B0509040201040103" pitchFamily="49" charset="0"/>
+              </a:rPr>
+              <a:t>10</a:t>
+            </a:r>
+            <a:r>
+              <a:rPr lang="en" altLang="ko-Kore-KR" dirty="0">
+                <a:solidFill>
+                  <a:srgbClr val="000000"/>
+                </a:solidFill>
+                <a:latin typeface="DM Mono" panose="020B0509040201040103" pitchFamily="49" charset="0"/>
+              </a:rPr>
+              <a:t>, </a:t>
+            </a:r>
+            <a:r>
+              <a:rPr lang="en" altLang="ko-Kore-KR" dirty="0">
+                <a:solidFill>
+                  <a:srgbClr val="098658"/>
+                </a:solidFill>
+                <a:latin typeface="DM Mono" panose="020B0509040201040103" pitchFamily="49" charset="0"/>
+              </a:rPr>
+              <a:t>20</a:t>
+            </a:r>
+            <a:r>
+              <a:rPr lang="en" altLang="ko-Kore-KR" dirty="0">
+                <a:solidFill>
+                  <a:srgbClr val="000000"/>
+                </a:solidFill>
+                <a:latin typeface="DM Mono" panose="020B0509040201040103" pitchFamily="49" charset="0"/>
+              </a:rPr>
+              <a:t>);</a:t>
+            </a:r>
+          </a:p>
+          <a:p>
+            <a:r>
+              <a:rPr lang="en" altLang="ko-Kore-KR" dirty="0">
+                <a:solidFill>
+                  <a:srgbClr val="001080"/>
+                </a:solidFill>
+                <a:latin typeface="DM Mono" panose="020B0509040201040103" pitchFamily="49" charset="0"/>
+              </a:rPr>
+              <a:t>  p2</a:t>
+            </a:r>
+            <a:r>
+              <a:rPr lang="en" altLang="ko-Kore-KR" dirty="0">
+                <a:solidFill>
+                  <a:srgbClr val="000000"/>
+                </a:solidFill>
+                <a:latin typeface="DM Mono" panose="020B0509040201040103" pitchFamily="49" charset="0"/>
+              </a:rPr>
+              <a:t>.</a:t>
+            </a:r>
+            <a:r>
+              <a:rPr lang="en" altLang="ko-Kore-KR" dirty="0">
+                <a:solidFill>
+                  <a:srgbClr val="795E26"/>
+                </a:solidFill>
+                <a:latin typeface="DM Mono" panose="020B0509040201040103" pitchFamily="49" charset="0"/>
+              </a:rPr>
+              <a:t>Set</a:t>
+            </a:r>
+            <a:r>
+              <a:rPr lang="en" altLang="ko-Kore-KR" dirty="0">
+                <a:solidFill>
+                  <a:srgbClr val="000000"/>
+                </a:solidFill>
+                <a:latin typeface="DM Mono" panose="020B0509040201040103" pitchFamily="49" charset="0"/>
+              </a:rPr>
+              <a:t>(</a:t>
+            </a:r>
+            <a:r>
+              <a:rPr lang="en" altLang="ko-Kore-KR" dirty="0">
+                <a:solidFill>
+                  <a:srgbClr val="098658"/>
+                </a:solidFill>
+                <a:latin typeface="DM Mono" panose="020B0509040201040103" pitchFamily="49" charset="0"/>
+              </a:rPr>
+              <a:t>30</a:t>
+            </a:r>
+            <a:r>
+              <a:rPr lang="en" altLang="ko-Kore-KR" dirty="0">
+                <a:solidFill>
+                  <a:srgbClr val="000000"/>
+                </a:solidFill>
+                <a:latin typeface="DM Mono" panose="020B0509040201040103" pitchFamily="49" charset="0"/>
+              </a:rPr>
+              <a:t>, </a:t>
+            </a:r>
+            <a:r>
+              <a:rPr lang="en" altLang="ko-Kore-KR" dirty="0">
+                <a:solidFill>
+                  <a:srgbClr val="098658"/>
+                </a:solidFill>
+                <a:latin typeface="DM Mono" panose="020B0509040201040103" pitchFamily="49" charset="0"/>
+              </a:rPr>
+              <a:t>40</a:t>
+            </a:r>
+            <a:r>
+              <a:rPr lang="en" altLang="ko-Kore-KR" dirty="0">
+                <a:solidFill>
+                  <a:srgbClr val="000000"/>
+                </a:solidFill>
+                <a:latin typeface="DM Mono" panose="020B0509040201040103" pitchFamily="49" charset="0"/>
+              </a:rPr>
+              <a:t>);</a:t>
+            </a:r>
+          </a:p>
+          <a:p>
+            <a:r>
+              <a:rPr lang="en" altLang="ko-Kore-KR" dirty="0">
+                <a:solidFill>
+                  <a:srgbClr val="000000"/>
+                </a:solidFill>
+                <a:latin typeface="DM Mono" panose="020B0509040201040103" pitchFamily="49" charset="0"/>
+              </a:rPr>
+              <a:t>}</a:t>
+            </a:r>
+            <a:endParaRPr lang="en" altLang="ko-Kore-KR" b="0" dirty="0">
+              <a:solidFill>
+                <a:srgbClr val="000000"/>
+              </a:solidFill>
+              <a:effectLst/>
+              <a:latin typeface="DM Mono" panose="020B0509040201040103" pitchFamily="49" charset="0"/>
+            </a:endParaRPr>
+          </a:p>
+        </p:txBody>
+      </p:sp>
+      <p:sp>
+        <p:nvSpPr>
+          <p:cNvPr id="5" name="직사각형 4">
+            <a:extLst>
+              <a:ext uri="{FF2B5EF4-FFF2-40B4-BE49-F238E27FC236}">
+                <a16:creationId xmlns:a16="http://schemas.microsoft.com/office/drawing/2014/main" id="{0EEBE9B3-B6AC-1BB9-D10C-3564EEB42927}"/>
+              </a:ext>
+            </a:extLst>
+          </p:cNvPr>
+          <p:cNvSpPr/>
+          <p:nvPr/>
+        </p:nvSpPr>
+        <p:spPr>
+          <a:xfrm>
+            <a:off x="6199726" y="1442931"/>
+            <a:ext cx="815950" cy="436970"/>
+          </a:xfrm>
+          <a:prstGeom prst="rect">
+            <a:avLst/>
+          </a:prstGeom>
+          <a:solidFill>
+            <a:srgbClr val="FFFF00"/>
+          </a:solidFill>
+        </p:spPr>
+        <p:style>
+          <a:lnRef idx="2">
+            <a:schemeClr val="accent1">
+              <a:shade val="50000"/>
+            </a:schemeClr>
+          </a:lnRef>
+          <a:fillRef idx="1">
+            <a:schemeClr val="accent1"/>
+          </a:fillRef>
+          <a:effectRef idx="0">
+            <a:schemeClr val="accent1"/>
+          </a:effectRef>
+          <a:fontRef idx="minor">
+            <a:schemeClr val="lt1"/>
+          </a:fontRef>
+        </p:style>
+        <p:txBody>
+          <a:bodyPr rtlCol="0" anchor="ctr"/>
+          <a:lstStyle/>
+          <a:p>
+            <a:pPr algn="ctr"/>
+            <a:r>
+              <a:rPr kumimoji="1" lang="en-US" altLang="ko-Kore-KR" sz="1400" dirty="0">
+                <a:solidFill>
+                  <a:schemeClr val="tx1"/>
+                </a:solidFill>
+              </a:rPr>
+              <a:t>10</a:t>
+            </a:r>
+            <a:endParaRPr kumimoji="1" lang="ko-Kore-KR" altLang="en-US" sz="1400" dirty="0">
+              <a:solidFill>
+                <a:schemeClr val="tx1"/>
+              </a:solidFill>
+            </a:endParaRPr>
+          </a:p>
+        </p:txBody>
+      </p:sp>
+      <p:sp>
+        <p:nvSpPr>
+          <p:cNvPr id="6" name="직사각형 5">
+            <a:extLst>
+              <a:ext uri="{FF2B5EF4-FFF2-40B4-BE49-F238E27FC236}">
+                <a16:creationId xmlns:a16="http://schemas.microsoft.com/office/drawing/2014/main" id="{E6F42C46-716F-0127-2E33-3114810472CF}"/>
+              </a:ext>
+            </a:extLst>
+          </p:cNvPr>
+          <p:cNvSpPr/>
+          <p:nvPr/>
+        </p:nvSpPr>
+        <p:spPr>
+          <a:xfrm>
+            <a:off x="6199726" y="1879901"/>
+            <a:ext cx="815950" cy="436970"/>
+          </a:xfrm>
+          <a:prstGeom prst="rect">
+            <a:avLst/>
+          </a:prstGeom>
+          <a:solidFill>
+            <a:srgbClr val="FFFF00"/>
+          </a:solidFill>
+        </p:spPr>
+        <p:style>
+          <a:lnRef idx="2">
+            <a:schemeClr val="accent1">
+              <a:shade val="50000"/>
+            </a:schemeClr>
+          </a:lnRef>
+          <a:fillRef idx="1">
+            <a:schemeClr val="accent1"/>
+          </a:fillRef>
+          <a:effectRef idx="0">
+            <a:schemeClr val="accent1"/>
+          </a:effectRef>
+          <a:fontRef idx="minor">
+            <a:schemeClr val="lt1"/>
+          </a:fontRef>
+        </p:style>
+        <p:txBody>
+          <a:bodyPr rtlCol="0" anchor="ctr"/>
+          <a:lstStyle/>
+          <a:p>
+            <a:pPr algn="ctr"/>
+            <a:r>
+              <a:rPr kumimoji="1" lang="en-US" altLang="ko-Kore-KR" sz="1400" dirty="0">
+                <a:solidFill>
+                  <a:schemeClr val="tx1"/>
+                </a:solidFill>
+              </a:rPr>
+              <a:t>20</a:t>
+            </a:r>
+            <a:endParaRPr kumimoji="1" lang="ko-Kore-KR" altLang="en-US" sz="1400" dirty="0">
+              <a:solidFill>
+                <a:schemeClr val="tx1"/>
+              </a:solidFill>
+            </a:endParaRPr>
+          </a:p>
+        </p:txBody>
+      </p:sp>
+      <p:sp>
+        <p:nvSpPr>
+          <p:cNvPr id="7" name="직사각형 6">
+            <a:extLst>
+              <a:ext uri="{FF2B5EF4-FFF2-40B4-BE49-F238E27FC236}">
+                <a16:creationId xmlns:a16="http://schemas.microsoft.com/office/drawing/2014/main" id="{5375986B-ECCA-75C6-11CB-83D544771041}"/>
+              </a:ext>
+            </a:extLst>
+          </p:cNvPr>
+          <p:cNvSpPr/>
+          <p:nvPr/>
+        </p:nvSpPr>
+        <p:spPr>
+          <a:xfrm>
+            <a:off x="6377510" y="1039780"/>
+            <a:ext cx="460382" cy="369332"/>
+          </a:xfrm>
+          <a:prstGeom prst="rect">
+            <a:avLst/>
+          </a:prstGeom>
+        </p:spPr>
+        <p:txBody>
+          <a:bodyPr wrap="none">
+            <a:spAutoFit/>
+          </a:bodyPr>
+          <a:lstStyle/>
+          <a:p>
+            <a:r>
+              <a:rPr lang="en" altLang="ko-Kore-KR" dirty="0">
+                <a:solidFill>
+                  <a:srgbClr val="001080"/>
+                </a:solidFill>
+                <a:latin typeface="DM Mono" panose="020B0509040201040103" pitchFamily="49" charset="0"/>
+              </a:rPr>
+              <a:t>p1</a:t>
+            </a:r>
+            <a:endParaRPr lang="ko-Kore-KR" altLang="en-US" dirty="0"/>
+          </a:p>
+        </p:txBody>
+      </p:sp>
+      <p:sp>
+        <p:nvSpPr>
+          <p:cNvPr id="8" name="직사각형 7">
+            <a:extLst>
+              <a:ext uri="{FF2B5EF4-FFF2-40B4-BE49-F238E27FC236}">
+                <a16:creationId xmlns:a16="http://schemas.microsoft.com/office/drawing/2014/main" id="{38B9ECA0-580F-323A-A847-6A6284CBD5B1}"/>
+              </a:ext>
+            </a:extLst>
+          </p:cNvPr>
+          <p:cNvSpPr/>
+          <p:nvPr/>
+        </p:nvSpPr>
+        <p:spPr>
+          <a:xfrm>
+            <a:off x="5807842" y="1476750"/>
+            <a:ext cx="322524" cy="369332"/>
+          </a:xfrm>
+          <a:prstGeom prst="rect">
+            <a:avLst/>
+          </a:prstGeom>
+        </p:spPr>
+        <p:txBody>
+          <a:bodyPr wrap="none">
+            <a:spAutoFit/>
+          </a:bodyPr>
+          <a:lstStyle/>
+          <a:p>
+            <a:r>
+              <a:rPr lang="en" altLang="ko-Kore-KR" dirty="0">
+                <a:solidFill>
+                  <a:srgbClr val="001080"/>
+                </a:solidFill>
+                <a:latin typeface="DM Mono" panose="020B0509040201040103" pitchFamily="49" charset="0"/>
+              </a:rPr>
+              <a:t>x</a:t>
+            </a:r>
+            <a:endParaRPr lang="ko-Kore-KR" altLang="en-US" dirty="0"/>
+          </a:p>
+        </p:txBody>
+      </p:sp>
+      <p:sp>
+        <p:nvSpPr>
+          <p:cNvPr id="9" name="직사각형 8">
+            <a:extLst>
+              <a:ext uri="{FF2B5EF4-FFF2-40B4-BE49-F238E27FC236}">
+                <a16:creationId xmlns:a16="http://schemas.microsoft.com/office/drawing/2014/main" id="{B0A4BEC2-1C71-B590-FCE0-D2CAE2FBB959}"/>
+              </a:ext>
+            </a:extLst>
+          </p:cNvPr>
+          <p:cNvSpPr/>
+          <p:nvPr/>
+        </p:nvSpPr>
+        <p:spPr>
+          <a:xfrm>
+            <a:off x="5807842" y="1879901"/>
+            <a:ext cx="322524" cy="369332"/>
+          </a:xfrm>
+          <a:prstGeom prst="rect">
+            <a:avLst/>
+          </a:prstGeom>
+        </p:spPr>
+        <p:txBody>
+          <a:bodyPr wrap="none">
+            <a:spAutoFit/>
+          </a:bodyPr>
+          <a:lstStyle/>
+          <a:p>
+            <a:r>
+              <a:rPr lang="en" altLang="ko-Kore-KR" dirty="0">
+                <a:solidFill>
+                  <a:srgbClr val="001080"/>
+                </a:solidFill>
+                <a:latin typeface="DM Mono" panose="020B0509040201040103" pitchFamily="49" charset="0"/>
+              </a:rPr>
+              <a:t>y</a:t>
+            </a:r>
+            <a:endParaRPr lang="ko-Kore-KR" altLang="en-US" dirty="0"/>
+          </a:p>
+        </p:txBody>
+      </p:sp>
+      <p:sp>
+        <p:nvSpPr>
+          <p:cNvPr id="10" name="직사각형 9">
+            <a:extLst>
+              <a:ext uri="{FF2B5EF4-FFF2-40B4-BE49-F238E27FC236}">
+                <a16:creationId xmlns:a16="http://schemas.microsoft.com/office/drawing/2014/main" id="{76D2552F-7311-93AA-9F95-3CC1BA045023}"/>
+              </a:ext>
+            </a:extLst>
+          </p:cNvPr>
+          <p:cNvSpPr/>
+          <p:nvPr/>
+        </p:nvSpPr>
+        <p:spPr>
+          <a:xfrm>
+            <a:off x="8742407" y="1409112"/>
+            <a:ext cx="815950" cy="436970"/>
+          </a:xfrm>
+          <a:prstGeom prst="rect">
+            <a:avLst/>
+          </a:prstGeom>
+          <a:solidFill>
+            <a:srgbClr val="FFFF00"/>
+          </a:solidFill>
+        </p:spPr>
+        <p:style>
+          <a:lnRef idx="2">
+            <a:schemeClr val="accent1">
+              <a:shade val="50000"/>
+            </a:schemeClr>
+          </a:lnRef>
+          <a:fillRef idx="1">
+            <a:schemeClr val="accent1"/>
+          </a:fillRef>
+          <a:effectRef idx="0">
+            <a:schemeClr val="accent1"/>
+          </a:effectRef>
+          <a:fontRef idx="minor">
+            <a:schemeClr val="lt1"/>
+          </a:fontRef>
+        </p:style>
+        <p:txBody>
+          <a:bodyPr rtlCol="0" anchor="ctr"/>
+          <a:lstStyle/>
+          <a:p>
+            <a:pPr algn="ctr"/>
+            <a:r>
+              <a:rPr kumimoji="1" lang="en-US" altLang="ko-Kore-KR" sz="1400" dirty="0">
+                <a:solidFill>
+                  <a:schemeClr val="tx1"/>
+                </a:solidFill>
+              </a:rPr>
+              <a:t>30</a:t>
+            </a:r>
+            <a:endParaRPr kumimoji="1" lang="ko-Kore-KR" altLang="en-US" sz="1400" dirty="0">
+              <a:solidFill>
+                <a:schemeClr val="tx1"/>
+              </a:solidFill>
+            </a:endParaRPr>
+          </a:p>
+        </p:txBody>
+      </p:sp>
+      <p:sp>
+        <p:nvSpPr>
+          <p:cNvPr id="11" name="직사각형 10">
+            <a:extLst>
+              <a:ext uri="{FF2B5EF4-FFF2-40B4-BE49-F238E27FC236}">
+                <a16:creationId xmlns:a16="http://schemas.microsoft.com/office/drawing/2014/main" id="{397B5440-C301-865B-7C99-E235ECEC4A18}"/>
+              </a:ext>
+            </a:extLst>
+          </p:cNvPr>
+          <p:cNvSpPr/>
+          <p:nvPr/>
+        </p:nvSpPr>
+        <p:spPr>
+          <a:xfrm>
+            <a:off x="8742407" y="1846082"/>
+            <a:ext cx="815950" cy="436970"/>
+          </a:xfrm>
+          <a:prstGeom prst="rect">
+            <a:avLst/>
+          </a:prstGeom>
+          <a:solidFill>
+            <a:srgbClr val="FFFF00"/>
+          </a:solidFill>
+        </p:spPr>
+        <p:style>
+          <a:lnRef idx="2">
+            <a:schemeClr val="accent1">
+              <a:shade val="50000"/>
+            </a:schemeClr>
+          </a:lnRef>
+          <a:fillRef idx="1">
+            <a:schemeClr val="accent1"/>
+          </a:fillRef>
+          <a:effectRef idx="0">
+            <a:schemeClr val="accent1"/>
+          </a:effectRef>
+          <a:fontRef idx="minor">
+            <a:schemeClr val="lt1"/>
+          </a:fontRef>
+        </p:style>
+        <p:txBody>
+          <a:bodyPr rtlCol="0" anchor="ctr"/>
+          <a:lstStyle/>
+          <a:p>
+            <a:pPr algn="ctr"/>
+            <a:r>
+              <a:rPr kumimoji="1" lang="en-US" altLang="ko-Kore-KR" sz="1400" dirty="0">
+                <a:solidFill>
+                  <a:schemeClr val="tx1"/>
+                </a:solidFill>
+              </a:rPr>
+              <a:t>40</a:t>
+            </a:r>
+            <a:endParaRPr kumimoji="1" lang="ko-Kore-KR" altLang="en-US" sz="1400" dirty="0">
+              <a:solidFill>
+                <a:schemeClr val="tx1"/>
+              </a:solidFill>
+            </a:endParaRPr>
+          </a:p>
+        </p:txBody>
+      </p:sp>
+      <p:sp>
+        <p:nvSpPr>
+          <p:cNvPr id="12" name="직사각형 11">
+            <a:extLst>
+              <a:ext uri="{FF2B5EF4-FFF2-40B4-BE49-F238E27FC236}">
+                <a16:creationId xmlns:a16="http://schemas.microsoft.com/office/drawing/2014/main" id="{E1D76296-93F8-5114-FB2E-61BC93685C91}"/>
+              </a:ext>
+            </a:extLst>
+          </p:cNvPr>
+          <p:cNvSpPr/>
+          <p:nvPr/>
+        </p:nvSpPr>
+        <p:spPr>
+          <a:xfrm>
+            <a:off x="8920191" y="1005961"/>
+            <a:ext cx="460382" cy="369332"/>
+          </a:xfrm>
+          <a:prstGeom prst="rect">
+            <a:avLst/>
+          </a:prstGeom>
+        </p:spPr>
+        <p:txBody>
+          <a:bodyPr wrap="none">
+            <a:spAutoFit/>
+          </a:bodyPr>
+          <a:lstStyle/>
+          <a:p>
+            <a:r>
+              <a:rPr lang="en" altLang="ko-Kore-KR" dirty="0">
+                <a:solidFill>
+                  <a:srgbClr val="001080"/>
+                </a:solidFill>
+                <a:latin typeface="DM Mono" panose="020B0509040201040103" pitchFamily="49" charset="0"/>
+              </a:rPr>
+              <a:t>p2</a:t>
+            </a:r>
+            <a:endParaRPr lang="ko-Kore-KR" altLang="en-US" dirty="0"/>
+          </a:p>
+        </p:txBody>
+      </p:sp>
+      <p:sp>
+        <p:nvSpPr>
+          <p:cNvPr id="13" name="직사각형 12">
+            <a:extLst>
+              <a:ext uri="{FF2B5EF4-FFF2-40B4-BE49-F238E27FC236}">
+                <a16:creationId xmlns:a16="http://schemas.microsoft.com/office/drawing/2014/main" id="{5BACDF1A-A4C7-2A11-1F1A-DAC1D1021ECB}"/>
+              </a:ext>
+            </a:extLst>
+          </p:cNvPr>
+          <p:cNvSpPr/>
+          <p:nvPr/>
+        </p:nvSpPr>
+        <p:spPr>
+          <a:xfrm>
+            <a:off x="8350523" y="1442931"/>
+            <a:ext cx="322524" cy="369332"/>
+          </a:xfrm>
+          <a:prstGeom prst="rect">
+            <a:avLst/>
+          </a:prstGeom>
+        </p:spPr>
+        <p:txBody>
+          <a:bodyPr wrap="none">
+            <a:spAutoFit/>
+          </a:bodyPr>
+          <a:lstStyle/>
+          <a:p>
+            <a:r>
+              <a:rPr lang="en" altLang="ko-Kore-KR" dirty="0">
+                <a:solidFill>
+                  <a:srgbClr val="001080"/>
+                </a:solidFill>
+                <a:latin typeface="DM Mono" panose="020B0509040201040103" pitchFamily="49" charset="0"/>
+              </a:rPr>
+              <a:t>x</a:t>
+            </a:r>
+            <a:endParaRPr lang="ko-Kore-KR" altLang="en-US" dirty="0"/>
+          </a:p>
+        </p:txBody>
+      </p:sp>
+      <p:sp>
+        <p:nvSpPr>
+          <p:cNvPr id="14" name="직사각형 13">
+            <a:extLst>
+              <a:ext uri="{FF2B5EF4-FFF2-40B4-BE49-F238E27FC236}">
+                <a16:creationId xmlns:a16="http://schemas.microsoft.com/office/drawing/2014/main" id="{61D7E6D6-65D5-CBF3-DFFE-94B697ED6660}"/>
+              </a:ext>
+            </a:extLst>
+          </p:cNvPr>
+          <p:cNvSpPr/>
+          <p:nvPr/>
+        </p:nvSpPr>
+        <p:spPr>
+          <a:xfrm>
+            <a:off x="8350523" y="1846082"/>
+            <a:ext cx="322524" cy="369332"/>
+          </a:xfrm>
+          <a:prstGeom prst="rect">
+            <a:avLst/>
+          </a:prstGeom>
+        </p:spPr>
+        <p:txBody>
+          <a:bodyPr wrap="none">
+            <a:spAutoFit/>
+          </a:bodyPr>
+          <a:lstStyle/>
+          <a:p>
+            <a:r>
+              <a:rPr lang="en" altLang="ko-Kore-KR" dirty="0">
+                <a:solidFill>
+                  <a:srgbClr val="001080"/>
+                </a:solidFill>
+                <a:latin typeface="DM Mono" panose="020B0509040201040103" pitchFamily="49" charset="0"/>
+              </a:rPr>
+              <a:t>y</a:t>
+            </a:r>
+            <a:endParaRPr lang="ko-Kore-KR" altLang="en-US" dirty="0"/>
+          </a:p>
+        </p:txBody>
+      </p:sp>
+      <p:sp>
+        <p:nvSpPr>
+          <p:cNvPr id="15" name="직사각형 14">
+            <a:extLst>
+              <a:ext uri="{FF2B5EF4-FFF2-40B4-BE49-F238E27FC236}">
+                <a16:creationId xmlns:a16="http://schemas.microsoft.com/office/drawing/2014/main" id="{20C52F76-24C6-FE80-A02D-B052C8428D37}"/>
+              </a:ext>
+            </a:extLst>
+          </p:cNvPr>
+          <p:cNvSpPr/>
+          <p:nvPr/>
+        </p:nvSpPr>
+        <p:spPr>
+          <a:xfrm>
+            <a:off x="6377510" y="3808549"/>
+            <a:ext cx="3566080" cy="1169551"/>
+          </a:xfrm>
+          <a:prstGeom prst="rect">
+            <a:avLst/>
+          </a:prstGeom>
+        </p:spPr>
+        <p:txBody>
+          <a:bodyPr wrap="square">
+            <a:spAutoFit/>
+          </a:bodyPr>
+          <a:lstStyle/>
+          <a:p>
+            <a:r>
+              <a:rPr lang="en" altLang="ko-Kore-KR" sz="1400" dirty="0">
+                <a:solidFill>
+                  <a:srgbClr val="0000FF"/>
+                </a:solidFill>
+                <a:latin typeface="DM Mono" panose="020B0509040201040103" pitchFamily="49" charset="0"/>
+              </a:rPr>
+              <a:t>  void</a:t>
+            </a:r>
+            <a:r>
+              <a:rPr lang="en" altLang="ko-Kore-KR" sz="1400" dirty="0">
+                <a:solidFill>
+                  <a:srgbClr val="000000"/>
+                </a:solidFill>
+                <a:latin typeface="DM Mono" panose="020B0509040201040103" pitchFamily="49" charset="0"/>
+              </a:rPr>
+              <a:t> </a:t>
+            </a:r>
+            <a:r>
+              <a:rPr lang="en" altLang="ko-Kore-KR" sz="1400" dirty="0">
+                <a:solidFill>
+                  <a:srgbClr val="795E26"/>
+                </a:solidFill>
+                <a:latin typeface="DM Mono" panose="020B0509040201040103" pitchFamily="49" charset="0"/>
+              </a:rPr>
+              <a:t>Set</a:t>
+            </a:r>
+            <a:r>
+              <a:rPr lang="en" altLang="ko-Kore-KR" sz="1400" dirty="0">
+                <a:solidFill>
+                  <a:srgbClr val="000000"/>
+                </a:solidFill>
+                <a:latin typeface="DM Mono" panose="020B0509040201040103" pitchFamily="49" charset="0"/>
+              </a:rPr>
+              <a:t>(</a:t>
+            </a:r>
+            <a:r>
+              <a:rPr lang="en" altLang="ko-Kore-KR" sz="1400" dirty="0">
+                <a:solidFill>
+                  <a:srgbClr val="0000FF"/>
+                </a:solidFill>
+                <a:latin typeface="DM Mono" panose="020B0509040201040103" pitchFamily="49" charset="0"/>
+              </a:rPr>
+              <a:t>int</a:t>
+            </a:r>
+            <a:r>
+              <a:rPr lang="en" altLang="ko-Kore-KR" sz="1400" dirty="0">
+                <a:solidFill>
+                  <a:srgbClr val="000000"/>
+                </a:solidFill>
+                <a:latin typeface="DM Mono" panose="020B0509040201040103" pitchFamily="49" charset="0"/>
+              </a:rPr>
+              <a:t> </a:t>
+            </a:r>
+            <a:r>
+              <a:rPr lang="en" altLang="ko-Kore-KR" sz="1400" dirty="0">
+                <a:solidFill>
+                  <a:srgbClr val="001080"/>
+                </a:solidFill>
+                <a:latin typeface="DM Mono" panose="020B0509040201040103" pitchFamily="49" charset="0"/>
+              </a:rPr>
+              <a:t>a</a:t>
+            </a:r>
+            <a:r>
+              <a:rPr lang="en" altLang="ko-Kore-KR" sz="1400" dirty="0">
+                <a:solidFill>
+                  <a:srgbClr val="000000"/>
+                </a:solidFill>
+                <a:latin typeface="DM Mono" panose="020B0509040201040103" pitchFamily="49" charset="0"/>
+              </a:rPr>
+              <a:t>, </a:t>
+            </a:r>
+            <a:r>
+              <a:rPr lang="en" altLang="ko-Kore-KR" sz="1400" dirty="0">
+                <a:solidFill>
+                  <a:srgbClr val="0000FF"/>
+                </a:solidFill>
+                <a:latin typeface="DM Mono" panose="020B0509040201040103" pitchFamily="49" charset="0"/>
+              </a:rPr>
+              <a:t>int</a:t>
+            </a:r>
+            <a:r>
+              <a:rPr lang="en" altLang="ko-Kore-KR" sz="1400" dirty="0">
+                <a:solidFill>
+                  <a:srgbClr val="000000"/>
+                </a:solidFill>
+                <a:latin typeface="DM Mono" panose="020B0509040201040103" pitchFamily="49" charset="0"/>
+              </a:rPr>
+              <a:t> </a:t>
+            </a:r>
+            <a:r>
+              <a:rPr lang="en" altLang="ko-Kore-KR" sz="1400" dirty="0">
+                <a:solidFill>
+                  <a:srgbClr val="001080"/>
+                </a:solidFill>
+                <a:latin typeface="DM Mono" panose="020B0509040201040103" pitchFamily="49" charset="0"/>
+              </a:rPr>
+              <a:t>b</a:t>
+            </a:r>
+            <a:r>
+              <a:rPr lang="en" altLang="ko-Kore-KR" sz="1400" dirty="0">
+                <a:solidFill>
+                  <a:srgbClr val="000000"/>
+                </a:solidFill>
+                <a:latin typeface="DM Mono" panose="020B0509040201040103" pitchFamily="49" charset="0"/>
+              </a:rPr>
+              <a:t>)</a:t>
+            </a:r>
+          </a:p>
+          <a:p>
+            <a:r>
+              <a:rPr lang="en" altLang="ko-Kore-KR" sz="1400" dirty="0">
+                <a:solidFill>
+                  <a:srgbClr val="000000"/>
+                </a:solidFill>
+                <a:latin typeface="DM Mono" panose="020B0509040201040103" pitchFamily="49" charset="0"/>
+              </a:rPr>
+              <a:t>  {</a:t>
+            </a:r>
+          </a:p>
+          <a:p>
+            <a:r>
+              <a:rPr lang="en" altLang="ko-Kore-KR" sz="1400" dirty="0">
+                <a:solidFill>
+                  <a:srgbClr val="001080"/>
+                </a:solidFill>
+                <a:latin typeface="DM Mono" panose="020B0509040201040103" pitchFamily="49" charset="0"/>
+              </a:rPr>
+              <a:t>    x</a:t>
+            </a:r>
+            <a:r>
+              <a:rPr lang="en" altLang="ko-Kore-KR" sz="1400" dirty="0">
+                <a:solidFill>
+                  <a:srgbClr val="000000"/>
+                </a:solidFill>
+                <a:latin typeface="DM Mono" panose="020B0509040201040103" pitchFamily="49" charset="0"/>
+              </a:rPr>
+              <a:t> = </a:t>
+            </a:r>
+            <a:r>
+              <a:rPr lang="en" altLang="ko-Kore-KR" sz="1400" dirty="0">
+                <a:solidFill>
+                  <a:srgbClr val="001080"/>
+                </a:solidFill>
+                <a:latin typeface="DM Mono" panose="020B0509040201040103" pitchFamily="49" charset="0"/>
+              </a:rPr>
+              <a:t>a</a:t>
+            </a:r>
+            <a:r>
+              <a:rPr lang="en" altLang="ko-Kore-KR" sz="1400" dirty="0">
+                <a:solidFill>
+                  <a:srgbClr val="000000"/>
+                </a:solidFill>
+                <a:latin typeface="DM Mono" panose="020B0509040201040103" pitchFamily="49" charset="0"/>
+              </a:rPr>
+              <a:t>;</a:t>
+            </a:r>
+          </a:p>
+          <a:p>
+            <a:r>
+              <a:rPr lang="en" altLang="ko-Kore-KR" sz="1400" dirty="0">
+                <a:solidFill>
+                  <a:srgbClr val="001080"/>
+                </a:solidFill>
+                <a:latin typeface="DM Mono" panose="020B0509040201040103" pitchFamily="49" charset="0"/>
+              </a:rPr>
+              <a:t>    y</a:t>
+            </a:r>
+            <a:r>
+              <a:rPr lang="en" altLang="ko-Kore-KR" sz="1400" dirty="0">
+                <a:solidFill>
+                  <a:srgbClr val="000000"/>
+                </a:solidFill>
+                <a:latin typeface="DM Mono" panose="020B0509040201040103" pitchFamily="49" charset="0"/>
+              </a:rPr>
+              <a:t> = </a:t>
+            </a:r>
+            <a:r>
+              <a:rPr lang="en" altLang="ko-Kore-KR" sz="1400" dirty="0">
+                <a:solidFill>
+                  <a:srgbClr val="001080"/>
+                </a:solidFill>
+                <a:latin typeface="DM Mono" panose="020B0509040201040103" pitchFamily="49" charset="0"/>
+              </a:rPr>
+              <a:t>b</a:t>
+            </a:r>
+            <a:r>
+              <a:rPr lang="en" altLang="ko-Kore-KR" sz="1400" dirty="0">
+                <a:solidFill>
+                  <a:srgbClr val="000000"/>
+                </a:solidFill>
+                <a:latin typeface="DM Mono" panose="020B0509040201040103" pitchFamily="49" charset="0"/>
+              </a:rPr>
+              <a:t>;</a:t>
+            </a:r>
+          </a:p>
+          <a:p>
+            <a:r>
+              <a:rPr lang="en" altLang="ko-Kore-KR" sz="1400" dirty="0">
+                <a:solidFill>
+                  <a:srgbClr val="000000"/>
+                </a:solidFill>
+                <a:latin typeface="DM Mono" panose="020B0509040201040103" pitchFamily="49" charset="0"/>
+              </a:rPr>
+              <a:t>  }</a:t>
+            </a:r>
+            <a:endParaRPr lang="ko-Kore-KR" altLang="en-US" sz="1400" dirty="0"/>
+          </a:p>
+        </p:txBody>
+      </p:sp>
+      <p:cxnSp>
+        <p:nvCxnSpPr>
+          <p:cNvPr id="18" name="구부러진 연결선[U] 17">
+            <a:extLst>
+              <a:ext uri="{FF2B5EF4-FFF2-40B4-BE49-F238E27FC236}">
+                <a16:creationId xmlns:a16="http://schemas.microsoft.com/office/drawing/2014/main" id="{B9B2F7B9-948F-92A3-A7E5-52676D7B8EBA}"/>
+              </a:ext>
+            </a:extLst>
+          </p:cNvPr>
+          <p:cNvCxnSpPr>
+            <a:cxnSpLocks/>
+            <a:stCxn id="6" idx="2"/>
+            <a:endCxn id="15" idx="0"/>
+          </p:cNvCxnSpPr>
+          <p:nvPr/>
+        </p:nvCxnSpPr>
+        <p:spPr>
+          <a:xfrm rot="16200000" flipH="1">
+            <a:off x="6638286" y="2286285"/>
+            <a:ext cx="1491678" cy="1552849"/>
+          </a:xfrm>
+          <a:prstGeom prst="curvedConnector3">
+            <a:avLst/>
+          </a:prstGeom>
+          <a:ln>
+            <a:tailEnd type="triangle"/>
+          </a:ln>
+        </p:spPr>
+        <p:style>
+          <a:lnRef idx="1">
+            <a:schemeClr val="dk1"/>
+          </a:lnRef>
+          <a:fillRef idx="0">
+            <a:schemeClr val="dk1"/>
+          </a:fillRef>
+          <a:effectRef idx="0">
+            <a:schemeClr val="dk1"/>
+          </a:effectRef>
+          <a:fontRef idx="minor">
+            <a:schemeClr val="tx1"/>
+          </a:fontRef>
+        </p:style>
+      </p:cxnSp>
+      <p:cxnSp>
+        <p:nvCxnSpPr>
+          <p:cNvPr id="19" name="구부러진 연결선[U] 18">
+            <a:extLst>
+              <a:ext uri="{FF2B5EF4-FFF2-40B4-BE49-F238E27FC236}">
+                <a16:creationId xmlns:a16="http://schemas.microsoft.com/office/drawing/2014/main" id="{05882597-00E7-3A41-621F-70EE12CE8ACC}"/>
+              </a:ext>
+            </a:extLst>
+          </p:cNvPr>
+          <p:cNvCxnSpPr>
+            <a:cxnSpLocks/>
+            <a:stCxn id="11" idx="2"/>
+            <a:endCxn id="15" idx="0"/>
+          </p:cNvCxnSpPr>
+          <p:nvPr/>
+        </p:nvCxnSpPr>
+        <p:spPr>
+          <a:xfrm rot="5400000">
+            <a:off x="7892718" y="2550884"/>
+            <a:ext cx="1525497" cy="989832"/>
+          </a:xfrm>
+          <a:prstGeom prst="curvedConnector3">
+            <a:avLst/>
+          </a:prstGeom>
+          <a:ln>
+            <a:tailEnd type="triangle"/>
+          </a:ln>
+        </p:spPr>
+        <p:style>
+          <a:lnRef idx="1">
+            <a:schemeClr val="dk1"/>
+          </a:lnRef>
+          <a:fillRef idx="0">
+            <a:schemeClr val="dk1"/>
+          </a:fillRef>
+          <a:effectRef idx="0">
+            <a:schemeClr val="dk1"/>
+          </a:effectRef>
+          <a:fontRef idx="minor">
+            <a:schemeClr val="tx1"/>
+          </a:fontRef>
+        </p:style>
+      </p:cxnSp>
+    </p:spTree>
+    <p:extLst>
+      <p:ext uri="{BB962C8B-B14F-4D97-AF65-F5344CB8AC3E}">
+        <p14:creationId xmlns:p14="http://schemas.microsoft.com/office/powerpoint/2010/main" val="2584827986"/>
       </p:ext>
     </p:extLst>
   </p:cSld>

--- a/cpp/220517.pptx
+++ b/cpp/220517.pptx
@@ -23,6 +23,8 @@
     <p:sldId id="271" r:id="rId17"/>
     <p:sldId id="272" r:id="rId18"/>
     <p:sldId id="273" r:id="rId19"/>
+    <p:sldId id="274" r:id="rId20"/>
+    <p:sldId id="275" r:id="rId21"/>
   </p:sldIdLst>
   <p:sldSz cx="12192000" cy="6858000"/>
   <p:notesSz cx="6858000" cy="9144000"/>
@@ -18396,6 +18398,594 @@
 </p:sld>
 </file>
 
+<file path=ppt/slides/slide19.xml><?xml version="1.0" encoding="utf-8"?>
+<p:sld xmlns:a="http://schemas.openxmlformats.org/drawingml/2006/main" xmlns:r="http://schemas.openxmlformats.org/officeDocument/2006/relationships" xmlns:p="http://schemas.openxmlformats.org/presentationml/2006/main">
+  <p:cSld>
+    <p:spTree>
+      <p:nvGrpSpPr>
+        <p:cNvPr id="1" name=""/>
+        <p:cNvGrpSpPr/>
+        <p:nvPr/>
+      </p:nvGrpSpPr>
+      <p:grpSpPr>
+        <a:xfrm>
+          <a:off x="0" y="0"/>
+          <a:ext cx="0" cy="0"/>
+          <a:chOff x="0" y="0"/>
+          <a:chExt cx="0" cy="0"/>
+        </a:xfrm>
+      </p:grpSpPr>
+      <p:sp>
+        <p:nvSpPr>
+          <p:cNvPr id="4" name="직사각형 3">
+            <a:extLst>
+              <a:ext uri="{FF2B5EF4-FFF2-40B4-BE49-F238E27FC236}">
+                <a16:creationId xmlns:a16="http://schemas.microsoft.com/office/drawing/2014/main" id="{8103A285-9251-5447-8210-064322CB1F39}"/>
+              </a:ext>
+            </a:extLst>
+          </p:cNvPr>
+          <p:cNvSpPr/>
+          <p:nvPr/>
+        </p:nvSpPr>
+        <p:spPr>
+          <a:xfrm>
+            <a:off x="2400307" y="2318790"/>
+            <a:ext cx="815950" cy="436970"/>
+          </a:xfrm>
+          <a:prstGeom prst="rect">
+            <a:avLst/>
+          </a:prstGeom>
+          <a:solidFill>
+            <a:srgbClr val="FFFF00"/>
+          </a:solidFill>
+        </p:spPr>
+        <p:style>
+          <a:lnRef idx="2">
+            <a:schemeClr val="accent1">
+              <a:shade val="50000"/>
+            </a:schemeClr>
+          </a:lnRef>
+          <a:fillRef idx="1">
+            <a:schemeClr val="accent1"/>
+          </a:fillRef>
+          <a:effectRef idx="0">
+            <a:schemeClr val="accent1"/>
+          </a:effectRef>
+          <a:fontRef idx="minor">
+            <a:schemeClr val="lt1"/>
+          </a:fontRef>
+        </p:style>
+        <p:txBody>
+          <a:bodyPr rtlCol="0" anchor="ctr"/>
+          <a:lstStyle/>
+          <a:p>
+            <a:pPr algn="ctr"/>
+            <a:r>
+              <a:rPr kumimoji="1" lang="en-US" altLang="ko-Kore-KR" sz="1400" dirty="0">
+                <a:solidFill>
+                  <a:schemeClr val="tx1"/>
+                </a:solidFill>
+              </a:rPr>
+              <a:t>1</a:t>
+            </a:r>
+            <a:endParaRPr kumimoji="1" lang="ko-Kore-KR" altLang="en-US" sz="1400" dirty="0">
+              <a:solidFill>
+                <a:schemeClr val="tx1"/>
+              </a:solidFill>
+            </a:endParaRPr>
+          </a:p>
+        </p:txBody>
+      </p:sp>
+      <p:sp>
+        <p:nvSpPr>
+          <p:cNvPr id="6" name="직사각형 5">
+            <a:extLst>
+              <a:ext uri="{FF2B5EF4-FFF2-40B4-BE49-F238E27FC236}">
+                <a16:creationId xmlns:a16="http://schemas.microsoft.com/office/drawing/2014/main" id="{DF4830B6-A501-A5E4-931E-DB9E09689B4C}"/>
+              </a:ext>
+            </a:extLst>
+          </p:cNvPr>
+          <p:cNvSpPr/>
+          <p:nvPr/>
+        </p:nvSpPr>
+        <p:spPr>
+          <a:xfrm>
+            <a:off x="606552" y="333863"/>
+            <a:ext cx="6096000" cy="1477328"/>
+          </a:xfrm>
+          <a:prstGeom prst="rect">
+            <a:avLst/>
+          </a:prstGeom>
+        </p:spPr>
+        <p:txBody>
+          <a:bodyPr>
+            <a:spAutoFit/>
+          </a:bodyPr>
+          <a:lstStyle/>
+          <a:p>
+            <a:r>
+              <a:rPr lang="en" altLang="ko-Kore-KR" dirty="0">
+                <a:solidFill>
+                  <a:srgbClr val="0000FF"/>
+                </a:solidFill>
+                <a:latin typeface="DM Mono" panose="020B0509040201040103" pitchFamily="49" charset="0"/>
+              </a:rPr>
+              <a:t>class</a:t>
+            </a:r>
+            <a:r>
+              <a:rPr lang="en" altLang="ko-Kore-KR" dirty="0">
+                <a:solidFill>
+                  <a:srgbClr val="000000"/>
+                </a:solidFill>
+                <a:latin typeface="DM Mono" panose="020B0509040201040103" pitchFamily="49" charset="0"/>
+              </a:rPr>
+              <a:t> </a:t>
+            </a:r>
+            <a:r>
+              <a:rPr lang="en" altLang="ko-Kore-KR" dirty="0">
+                <a:solidFill>
+                  <a:srgbClr val="267F99"/>
+                </a:solidFill>
+                <a:latin typeface="DM Mono" panose="020B0509040201040103" pitchFamily="49" charset="0"/>
+              </a:rPr>
+              <a:t>Car</a:t>
+            </a:r>
+            <a:endParaRPr lang="en" altLang="ko-Kore-KR" dirty="0">
+              <a:solidFill>
+                <a:srgbClr val="000000"/>
+              </a:solidFill>
+              <a:latin typeface="DM Mono" panose="020B0509040201040103" pitchFamily="49" charset="0"/>
+            </a:endParaRPr>
+          </a:p>
+          <a:p>
+            <a:r>
+              <a:rPr lang="en" altLang="ko-Kore-KR" dirty="0">
+                <a:solidFill>
+                  <a:srgbClr val="000000"/>
+                </a:solidFill>
+                <a:latin typeface="DM Mono" panose="020B0509040201040103" pitchFamily="49" charset="0"/>
+              </a:rPr>
+              <a:t>{</a:t>
+            </a:r>
+          </a:p>
+          <a:p>
+            <a:r>
+              <a:rPr lang="en" altLang="ko-Kore-KR" dirty="0">
+                <a:solidFill>
+                  <a:srgbClr val="0000FF"/>
+                </a:solidFill>
+                <a:latin typeface="DM Mono" panose="020B0509040201040103" pitchFamily="49" charset="0"/>
+              </a:rPr>
+              <a:t>  int</a:t>
+            </a:r>
+            <a:r>
+              <a:rPr lang="en" altLang="ko-Kore-KR" dirty="0">
+                <a:solidFill>
+                  <a:srgbClr val="000000"/>
+                </a:solidFill>
+                <a:latin typeface="DM Mono" panose="020B0509040201040103" pitchFamily="49" charset="0"/>
+              </a:rPr>
+              <a:t> </a:t>
+            </a:r>
+            <a:r>
+              <a:rPr lang="en" altLang="ko-Kore-KR" dirty="0" err="1">
+                <a:solidFill>
+                  <a:srgbClr val="001080"/>
+                </a:solidFill>
+                <a:latin typeface="DM Mono" panose="020B0509040201040103" pitchFamily="49" charset="0"/>
+              </a:rPr>
+              <a:t>cnt</a:t>
+            </a:r>
+            <a:r>
+              <a:rPr lang="en" altLang="ko-Kore-KR" dirty="0">
+                <a:solidFill>
+                  <a:srgbClr val="000000"/>
+                </a:solidFill>
+                <a:latin typeface="DM Mono" panose="020B0509040201040103" pitchFamily="49" charset="0"/>
+              </a:rPr>
+              <a:t>;</a:t>
+            </a:r>
+          </a:p>
+          <a:p>
+            <a:r>
+              <a:rPr lang="en" altLang="ko-Kore-KR" b="0" dirty="0">
+                <a:solidFill>
+                  <a:srgbClr val="000000"/>
+                </a:solidFill>
+                <a:effectLst/>
+                <a:latin typeface="DM Mono" panose="020B0509040201040103" pitchFamily="49" charset="0"/>
+              </a:rPr>
+              <a:t>  </a:t>
+            </a:r>
+            <a:r>
+              <a:rPr lang="en" altLang="ko-Kore-KR" dirty="0">
+                <a:solidFill>
+                  <a:srgbClr val="0000FF"/>
+                </a:solidFill>
+                <a:latin typeface="DM Mono" panose="020B0509040201040103" pitchFamily="49" charset="0"/>
+              </a:rPr>
+              <a:t>int</a:t>
+            </a:r>
+            <a:r>
+              <a:rPr lang="en" altLang="ko-Kore-KR" dirty="0">
+                <a:solidFill>
+                  <a:srgbClr val="000000"/>
+                </a:solidFill>
+                <a:latin typeface="DM Mono" panose="020B0509040201040103" pitchFamily="49" charset="0"/>
+              </a:rPr>
+              <a:t> color;</a:t>
+            </a:r>
+          </a:p>
+          <a:p>
+            <a:r>
+              <a:rPr lang="en" altLang="ko-Kore-KR" b="0" dirty="0">
+                <a:solidFill>
+                  <a:srgbClr val="000000"/>
+                </a:solidFill>
+                <a:effectLst/>
+                <a:latin typeface="DM Mono" panose="020B0509040201040103" pitchFamily="49" charset="0"/>
+              </a:rPr>
+              <a:t>};</a:t>
+            </a:r>
+          </a:p>
+        </p:txBody>
+      </p:sp>
+      <p:sp>
+        <p:nvSpPr>
+          <p:cNvPr id="7" name="직사각형 6">
+            <a:extLst>
+              <a:ext uri="{FF2B5EF4-FFF2-40B4-BE49-F238E27FC236}">
+                <a16:creationId xmlns:a16="http://schemas.microsoft.com/office/drawing/2014/main" id="{C84B6693-A71B-F106-239F-6A6C826CC05F}"/>
+              </a:ext>
+            </a:extLst>
+          </p:cNvPr>
+          <p:cNvSpPr/>
+          <p:nvPr/>
+        </p:nvSpPr>
+        <p:spPr>
+          <a:xfrm>
+            <a:off x="2400307" y="2755760"/>
+            <a:ext cx="815950" cy="436970"/>
+          </a:xfrm>
+          <a:prstGeom prst="rect">
+            <a:avLst/>
+          </a:prstGeom>
+          <a:solidFill>
+            <a:srgbClr val="FFFF00"/>
+          </a:solidFill>
+        </p:spPr>
+        <p:style>
+          <a:lnRef idx="2">
+            <a:schemeClr val="accent1">
+              <a:shade val="50000"/>
+            </a:schemeClr>
+          </a:lnRef>
+          <a:fillRef idx="1">
+            <a:schemeClr val="accent1"/>
+          </a:fillRef>
+          <a:effectRef idx="0">
+            <a:schemeClr val="accent1"/>
+          </a:effectRef>
+          <a:fontRef idx="minor">
+            <a:schemeClr val="lt1"/>
+          </a:fontRef>
+        </p:style>
+        <p:txBody>
+          <a:bodyPr rtlCol="0" anchor="ctr"/>
+          <a:lstStyle/>
+          <a:p>
+            <a:pPr algn="ctr"/>
+            <a:r>
+              <a:rPr kumimoji="1" lang="en-US" altLang="ko-Kore-KR" sz="1400" dirty="0">
+                <a:solidFill>
+                  <a:schemeClr val="tx1"/>
+                </a:solidFill>
+              </a:rPr>
+              <a:t>1</a:t>
+            </a:r>
+            <a:endParaRPr kumimoji="1" lang="ko-Kore-KR" altLang="en-US" sz="1400" dirty="0">
+              <a:solidFill>
+                <a:schemeClr val="tx1"/>
+              </a:solidFill>
+            </a:endParaRPr>
+          </a:p>
+        </p:txBody>
+      </p:sp>
+      <p:sp>
+        <p:nvSpPr>
+          <p:cNvPr id="8" name="직사각형 7">
+            <a:extLst>
+              <a:ext uri="{FF2B5EF4-FFF2-40B4-BE49-F238E27FC236}">
+                <a16:creationId xmlns:a16="http://schemas.microsoft.com/office/drawing/2014/main" id="{4E1618FD-CC9B-E63C-F458-B5746850344D}"/>
+              </a:ext>
+            </a:extLst>
+          </p:cNvPr>
+          <p:cNvSpPr/>
+          <p:nvPr/>
+        </p:nvSpPr>
+        <p:spPr>
+          <a:xfrm>
+            <a:off x="1736943" y="2352609"/>
+            <a:ext cx="598241" cy="369332"/>
+          </a:xfrm>
+          <a:prstGeom prst="rect">
+            <a:avLst/>
+          </a:prstGeom>
+        </p:spPr>
+        <p:txBody>
+          <a:bodyPr wrap="none">
+            <a:spAutoFit/>
+          </a:bodyPr>
+          <a:lstStyle/>
+          <a:p>
+            <a:r>
+              <a:rPr lang="en" altLang="ko-Kore-KR" dirty="0" err="1">
+                <a:solidFill>
+                  <a:srgbClr val="001080"/>
+                </a:solidFill>
+                <a:latin typeface="DM Mono" panose="020B0509040201040103" pitchFamily="49" charset="0"/>
+              </a:rPr>
+              <a:t>cnt</a:t>
+            </a:r>
+            <a:endParaRPr lang="ko-Kore-KR" altLang="en-US" dirty="0"/>
+          </a:p>
+        </p:txBody>
+      </p:sp>
+      <p:sp>
+        <p:nvSpPr>
+          <p:cNvPr id="9" name="직사각형 8">
+            <a:extLst>
+              <a:ext uri="{FF2B5EF4-FFF2-40B4-BE49-F238E27FC236}">
+                <a16:creationId xmlns:a16="http://schemas.microsoft.com/office/drawing/2014/main" id="{BB340307-14DF-F17F-95F9-ABAFEB245D3B}"/>
+              </a:ext>
+            </a:extLst>
+          </p:cNvPr>
+          <p:cNvSpPr/>
+          <p:nvPr/>
+        </p:nvSpPr>
+        <p:spPr>
+          <a:xfrm>
+            <a:off x="1461227" y="2789579"/>
+            <a:ext cx="873957" cy="369332"/>
+          </a:xfrm>
+          <a:prstGeom prst="rect">
+            <a:avLst/>
+          </a:prstGeom>
+        </p:spPr>
+        <p:txBody>
+          <a:bodyPr wrap="none">
+            <a:spAutoFit/>
+          </a:bodyPr>
+          <a:lstStyle/>
+          <a:p>
+            <a:r>
+              <a:rPr lang="en" altLang="ko-Kore-KR" dirty="0">
+                <a:solidFill>
+                  <a:srgbClr val="000000"/>
+                </a:solidFill>
+                <a:latin typeface="DM Mono" panose="020B0509040201040103" pitchFamily="49" charset="0"/>
+              </a:rPr>
+              <a:t>color</a:t>
+            </a:r>
+            <a:endParaRPr lang="ko-Kore-KR" altLang="en-US" dirty="0"/>
+          </a:p>
+        </p:txBody>
+      </p:sp>
+      <p:sp>
+        <p:nvSpPr>
+          <p:cNvPr id="10" name="직사각형 9">
+            <a:extLst>
+              <a:ext uri="{FF2B5EF4-FFF2-40B4-BE49-F238E27FC236}">
+                <a16:creationId xmlns:a16="http://schemas.microsoft.com/office/drawing/2014/main" id="{AF0A2BFB-D01D-F181-1EAB-C8E2A412F5CB}"/>
+              </a:ext>
+            </a:extLst>
+          </p:cNvPr>
+          <p:cNvSpPr/>
+          <p:nvPr/>
+        </p:nvSpPr>
+        <p:spPr>
+          <a:xfrm>
+            <a:off x="4957579" y="2284971"/>
+            <a:ext cx="815950" cy="436970"/>
+          </a:xfrm>
+          <a:prstGeom prst="rect">
+            <a:avLst/>
+          </a:prstGeom>
+          <a:solidFill>
+            <a:srgbClr val="FFFF00"/>
+          </a:solidFill>
+        </p:spPr>
+        <p:style>
+          <a:lnRef idx="2">
+            <a:schemeClr val="accent1">
+              <a:shade val="50000"/>
+            </a:schemeClr>
+          </a:lnRef>
+          <a:fillRef idx="1">
+            <a:schemeClr val="accent1"/>
+          </a:fillRef>
+          <a:effectRef idx="0">
+            <a:schemeClr val="accent1"/>
+          </a:effectRef>
+          <a:fontRef idx="minor">
+            <a:schemeClr val="lt1"/>
+          </a:fontRef>
+        </p:style>
+        <p:txBody>
+          <a:bodyPr rtlCol="0" anchor="ctr"/>
+          <a:lstStyle/>
+          <a:p>
+            <a:pPr algn="ctr"/>
+            <a:r>
+              <a:rPr kumimoji="1" lang="en-US" altLang="ko-Kore-KR" sz="1400" dirty="0">
+                <a:solidFill>
+                  <a:schemeClr val="tx1"/>
+                </a:solidFill>
+              </a:rPr>
+              <a:t>1</a:t>
+            </a:r>
+            <a:endParaRPr kumimoji="1" lang="ko-Kore-KR" altLang="en-US" sz="1400" dirty="0">
+              <a:solidFill>
+                <a:schemeClr val="tx1"/>
+              </a:solidFill>
+            </a:endParaRPr>
+          </a:p>
+        </p:txBody>
+      </p:sp>
+      <p:sp>
+        <p:nvSpPr>
+          <p:cNvPr id="11" name="직사각형 10">
+            <a:extLst>
+              <a:ext uri="{FF2B5EF4-FFF2-40B4-BE49-F238E27FC236}">
+                <a16:creationId xmlns:a16="http://schemas.microsoft.com/office/drawing/2014/main" id="{035AFC4F-8FE8-605D-608D-E1711A5A55A9}"/>
+              </a:ext>
+            </a:extLst>
+          </p:cNvPr>
+          <p:cNvSpPr/>
+          <p:nvPr/>
+        </p:nvSpPr>
+        <p:spPr>
+          <a:xfrm>
+            <a:off x="4957579" y="2721941"/>
+            <a:ext cx="815950" cy="436970"/>
+          </a:xfrm>
+          <a:prstGeom prst="rect">
+            <a:avLst/>
+          </a:prstGeom>
+          <a:solidFill>
+            <a:srgbClr val="FFFF00"/>
+          </a:solidFill>
+        </p:spPr>
+        <p:style>
+          <a:lnRef idx="2">
+            <a:schemeClr val="accent1">
+              <a:shade val="50000"/>
+            </a:schemeClr>
+          </a:lnRef>
+          <a:fillRef idx="1">
+            <a:schemeClr val="accent1"/>
+          </a:fillRef>
+          <a:effectRef idx="0">
+            <a:schemeClr val="accent1"/>
+          </a:effectRef>
+          <a:fontRef idx="minor">
+            <a:schemeClr val="lt1"/>
+          </a:fontRef>
+        </p:style>
+        <p:txBody>
+          <a:bodyPr rtlCol="0" anchor="ctr"/>
+          <a:lstStyle/>
+          <a:p>
+            <a:pPr algn="ctr"/>
+            <a:r>
+              <a:rPr kumimoji="1" lang="en-US" altLang="ko-Kore-KR" sz="1400" dirty="0">
+                <a:solidFill>
+                  <a:schemeClr val="tx1"/>
+                </a:solidFill>
+              </a:rPr>
+              <a:t>1</a:t>
+            </a:r>
+            <a:endParaRPr kumimoji="1" lang="ko-Kore-KR" altLang="en-US" sz="1400" dirty="0">
+              <a:solidFill>
+                <a:schemeClr val="tx1"/>
+              </a:solidFill>
+            </a:endParaRPr>
+          </a:p>
+        </p:txBody>
+      </p:sp>
+      <p:sp>
+        <p:nvSpPr>
+          <p:cNvPr id="12" name="직사각형 11">
+            <a:extLst>
+              <a:ext uri="{FF2B5EF4-FFF2-40B4-BE49-F238E27FC236}">
+                <a16:creationId xmlns:a16="http://schemas.microsoft.com/office/drawing/2014/main" id="{789C4D59-37B0-FAE9-E604-4B87540CE38C}"/>
+              </a:ext>
+            </a:extLst>
+          </p:cNvPr>
+          <p:cNvSpPr/>
+          <p:nvPr/>
+        </p:nvSpPr>
+        <p:spPr>
+          <a:xfrm>
+            <a:off x="4294215" y="2318790"/>
+            <a:ext cx="598241" cy="369332"/>
+          </a:xfrm>
+          <a:prstGeom prst="rect">
+            <a:avLst/>
+          </a:prstGeom>
+        </p:spPr>
+        <p:txBody>
+          <a:bodyPr wrap="none">
+            <a:spAutoFit/>
+          </a:bodyPr>
+          <a:lstStyle/>
+          <a:p>
+            <a:r>
+              <a:rPr lang="en" altLang="ko-Kore-KR" dirty="0" err="1">
+                <a:solidFill>
+                  <a:srgbClr val="001080"/>
+                </a:solidFill>
+                <a:latin typeface="DM Mono" panose="020B0509040201040103" pitchFamily="49" charset="0"/>
+              </a:rPr>
+              <a:t>cnt</a:t>
+            </a:r>
+            <a:endParaRPr lang="ko-Kore-KR" altLang="en-US" dirty="0"/>
+          </a:p>
+        </p:txBody>
+      </p:sp>
+      <p:sp>
+        <p:nvSpPr>
+          <p:cNvPr id="13" name="직사각형 12">
+            <a:extLst>
+              <a:ext uri="{FF2B5EF4-FFF2-40B4-BE49-F238E27FC236}">
+                <a16:creationId xmlns:a16="http://schemas.microsoft.com/office/drawing/2014/main" id="{71166C02-A82A-A0B7-1B2A-B8F0A3011725}"/>
+              </a:ext>
+            </a:extLst>
+          </p:cNvPr>
+          <p:cNvSpPr/>
+          <p:nvPr/>
+        </p:nvSpPr>
+        <p:spPr>
+          <a:xfrm>
+            <a:off x="4018499" y="2755760"/>
+            <a:ext cx="873957" cy="369332"/>
+          </a:xfrm>
+          <a:prstGeom prst="rect">
+            <a:avLst/>
+          </a:prstGeom>
+        </p:spPr>
+        <p:txBody>
+          <a:bodyPr wrap="none">
+            <a:spAutoFit/>
+          </a:bodyPr>
+          <a:lstStyle/>
+          <a:p>
+            <a:r>
+              <a:rPr lang="en" altLang="ko-Kore-KR" dirty="0">
+                <a:solidFill>
+                  <a:srgbClr val="000000"/>
+                </a:solidFill>
+                <a:latin typeface="DM Mono" panose="020B0509040201040103" pitchFamily="49" charset="0"/>
+              </a:rPr>
+              <a:t>color</a:t>
+            </a:r>
+            <a:endParaRPr lang="ko-Kore-KR" altLang="en-US" dirty="0"/>
+          </a:p>
+        </p:txBody>
+      </p:sp>
+    </p:spTree>
+    <p:extLst>
+      <p:ext uri="{BB962C8B-B14F-4D97-AF65-F5344CB8AC3E}">
+        <p14:creationId xmlns:p14="http://schemas.microsoft.com/office/powerpoint/2010/main" val="835922858"/>
+      </p:ext>
+    </p:extLst>
+  </p:cSld>
+  <p:clrMapOvr>
+    <a:masterClrMapping/>
+  </p:clrMapOvr>
+</p:sld>
+</file>
+
 <file path=ppt/slides/slide2.xml><?xml version="1.0" encoding="utf-8"?>
 <p:sld xmlns:a="http://schemas.openxmlformats.org/drawingml/2006/main" xmlns:r="http://schemas.openxmlformats.org/officeDocument/2006/relationships" xmlns:p="http://schemas.openxmlformats.org/presentationml/2006/main">
   <p:cSld>
@@ -20113,6 +20703,493 @@
     <p:extLst>
       <p:ext uri="{BB962C8B-B14F-4D97-AF65-F5344CB8AC3E}">
         <p14:creationId xmlns:p14="http://schemas.microsoft.com/office/powerpoint/2010/main" val="3151168217"/>
+      </p:ext>
+    </p:extLst>
+  </p:cSld>
+  <p:clrMapOvr>
+    <a:masterClrMapping/>
+  </p:clrMapOvr>
+</p:sld>
+</file>
+
+<file path=ppt/slides/slide20.xml><?xml version="1.0" encoding="utf-8"?>
+<p:sld xmlns:a="http://schemas.openxmlformats.org/drawingml/2006/main" xmlns:r="http://schemas.openxmlformats.org/officeDocument/2006/relationships" xmlns:p="http://schemas.openxmlformats.org/presentationml/2006/main">
+  <p:cSld>
+    <p:spTree>
+      <p:nvGrpSpPr>
+        <p:cNvPr id="1" name=""/>
+        <p:cNvGrpSpPr/>
+        <p:nvPr/>
+      </p:nvGrpSpPr>
+      <p:grpSpPr>
+        <a:xfrm>
+          <a:off x="0" y="0"/>
+          <a:ext cx="0" cy="0"/>
+          <a:chOff x="0" y="0"/>
+          <a:chExt cx="0" cy="0"/>
+        </a:xfrm>
+      </p:grpSpPr>
+      <p:sp>
+        <p:nvSpPr>
+          <p:cNvPr id="4" name="직사각형 3">
+            <a:extLst>
+              <a:ext uri="{FF2B5EF4-FFF2-40B4-BE49-F238E27FC236}">
+                <a16:creationId xmlns:a16="http://schemas.microsoft.com/office/drawing/2014/main" id="{8103A285-9251-5447-8210-064322CB1F39}"/>
+              </a:ext>
+            </a:extLst>
+          </p:cNvPr>
+          <p:cNvSpPr/>
+          <p:nvPr/>
+        </p:nvSpPr>
+        <p:spPr>
+          <a:xfrm>
+            <a:off x="8334763" y="755166"/>
+            <a:ext cx="815950" cy="436970"/>
+          </a:xfrm>
+          <a:prstGeom prst="rect">
+            <a:avLst/>
+          </a:prstGeom>
+          <a:solidFill>
+            <a:srgbClr val="FFFF00"/>
+          </a:solidFill>
+        </p:spPr>
+        <p:style>
+          <a:lnRef idx="2">
+            <a:schemeClr val="accent1">
+              <a:shade val="50000"/>
+            </a:schemeClr>
+          </a:lnRef>
+          <a:fillRef idx="1">
+            <a:schemeClr val="accent1"/>
+          </a:fillRef>
+          <a:effectRef idx="0">
+            <a:schemeClr val="accent1"/>
+          </a:effectRef>
+          <a:fontRef idx="minor">
+            <a:schemeClr val="lt1"/>
+          </a:fontRef>
+        </p:style>
+        <p:txBody>
+          <a:bodyPr rtlCol="0" anchor="ctr"/>
+          <a:lstStyle/>
+          <a:p>
+            <a:pPr algn="ctr"/>
+            <a:r>
+              <a:rPr kumimoji="1" lang="en-US" altLang="ko-Kore-KR" sz="1400">
+                <a:solidFill>
+                  <a:schemeClr val="tx1"/>
+                </a:solidFill>
+              </a:rPr>
+              <a:t>2</a:t>
+            </a:r>
+            <a:endParaRPr kumimoji="1" lang="ko-Kore-KR" altLang="en-US" sz="1400" dirty="0">
+              <a:solidFill>
+                <a:schemeClr val="tx1"/>
+              </a:solidFill>
+            </a:endParaRPr>
+          </a:p>
+        </p:txBody>
+      </p:sp>
+      <p:sp>
+        <p:nvSpPr>
+          <p:cNvPr id="6" name="직사각형 5">
+            <a:extLst>
+              <a:ext uri="{FF2B5EF4-FFF2-40B4-BE49-F238E27FC236}">
+                <a16:creationId xmlns:a16="http://schemas.microsoft.com/office/drawing/2014/main" id="{DF4830B6-A501-A5E4-931E-DB9E09689B4C}"/>
+              </a:ext>
+            </a:extLst>
+          </p:cNvPr>
+          <p:cNvSpPr/>
+          <p:nvPr/>
+        </p:nvSpPr>
+        <p:spPr>
+          <a:xfrm>
+            <a:off x="606552" y="333863"/>
+            <a:ext cx="6096000" cy="1477328"/>
+          </a:xfrm>
+          <a:prstGeom prst="rect">
+            <a:avLst/>
+          </a:prstGeom>
+        </p:spPr>
+        <p:txBody>
+          <a:bodyPr>
+            <a:spAutoFit/>
+          </a:bodyPr>
+          <a:lstStyle/>
+          <a:p>
+            <a:r>
+              <a:rPr lang="en" altLang="ko-Kore-KR" dirty="0">
+                <a:solidFill>
+                  <a:srgbClr val="0000FF"/>
+                </a:solidFill>
+                <a:latin typeface="DM Mono" panose="020B0509040201040103" pitchFamily="49" charset="0"/>
+              </a:rPr>
+              <a:t>class</a:t>
+            </a:r>
+            <a:r>
+              <a:rPr lang="en" altLang="ko-Kore-KR" dirty="0">
+                <a:solidFill>
+                  <a:srgbClr val="000000"/>
+                </a:solidFill>
+                <a:latin typeface="DM Mono" panose="020B0509040201040103" pitchFamily="49" charset="0"/>
+              </a:rPr>
+              <a:t> </a:t>
+            </a:r>
+            <a:r>
+              <a:rPr lang="en" altLang="ko-Kore-KR" dirty="0">
+                <a:solidFill>
+                  <a:srgbClr val="267F99"/>
+                </a:solidFill>
+                <a:latin typeface="DM Mono" panose="020B0509040201040103" pitchFamily="49" charset="0"/>
+              </a:rPr>
+              <a:t>Car</a:t>
+            </a:r>
+            <a:endParaRPr lang="en" altLang="ko-Kore-KR" dirty="0">
+              <a:solidFill>
+                <a:srgbClr val="000000"/>
+              </a:solidFill>
+              <a:latin typeface="DM Mono" panose="020B0509040201040103" pitchFamily="49" charset="0"/>
+            </a:endParaRPr>
+          </a:p>
+          <a:p>
+            <a:r>
+              <a:rPr lang="en" altLang="ko-Kore-KR" dirty="0">
+                <a:solidFill>
+                  <a:srgbClr val="000000"/>
+                </a:solidFill>
+                <a:latin typeface="DM Mono" panose="020B0509040201040103" pitchFamily="49" charset="0"/>
+              </a:rPr>
+              <a:t>{</a:t>
+            </a:r>
+          </a:p>
+          <a:p>
+            <a:r>
+              <a:rPr lang="en" altLang="ko-Kore-KR" dirty="0">
+                <a:solidFill>
+                  <a:srgbClr val="0000FF"/>
+                </a:solidFill>
+                <a:latin typeface="DM Mono" panose="020B0509040201040103" pitchFamily="49" charset="0"/>
+              </a:rPr>
+              <a:t>  static int</a:t>
+            </a:r>
+            <a:r>
+              <a:rPr lang="en" altLang="ko-Kore-KR" dirty="0">
+                <a:solidFill>
+                  <a:srgbClr val="000000"/>
+                </a:solidFill>
+                <a:latin typeface="DM Mono" panose="020B0509040201040103" pitchFamily="49" charset="0"/>
+              </a:rPr>
+              <a:t> </a:t>
+            </a:r>
+            <a:r>
+              <a:rPr lang="en" altLang="ko-Kore-KR" dirty="0" err="1">
+                <a:solidFill>
+                  <a:srgbClr val="001080"/>
+                </a:solidFill>
+                <a:latin typeface="DM Mono" panose="020B0509040201040103" pitchFamily="49" charset="0"/>
+              </a:rPr>
+              <a:t>cnt</a:t>
+            </a:r>
+            <a:r>
+              <a:rPr lang="en" altLang="ko-Kore-KR" dirty="0">
+                <a:solidFill>
+                  <a:srgbClr val="000000"/>
+                </a:solidFill>
+                <a:latin typeface="DM Mono" panose="020B0509040201040103" pitchFamily="49" charset="0"/>
+              </a:rPr>
+              <a:t>;</a:t>
+            </a:r>
+          </a:p>
+          <a:p>
+            <a:r>
+              <a:rPr lang="en" altLang="ko-Kore-KR" b="0" dirty="0">
+                <a:solidFill>
+                  <a:srgbClr val="000000"/>
+                </a:solidFill>
+                <a:effectLst/>
+                <a:latin typeface="DM Mono" panose="020B0509040201040103" pitchFamily="49" charset="0"/>
+              </a:rPr>
+              <a:t>  </a:t>
+            </a:r>
+            <a:r>
+              <a:rPr lang="en" altLang="ko-Kore-KR" dirty="0">
+                <a:solidFill>
+                  <a:srgbClr val="0000FF"/>
+                </a:solidFill>
+                <a:latin typeface="DM Mono" panose="020B0509040201040103" pitchFamily="49" charset="0"/>
+              </a:rPr>
+              <a:t>int</a:t>
+            </a:r>
+            <a:r>
+              <a:rPr lang="en" altLang="ko-Kore-KR" dirty="0">
+                <a:solidFill>
+                  <a:srgbClr val="000000"/>
+                </a:solidFill>
+                <a:latin typeface="DM Mono" panose="020B0509040201040103" pitchFamily="49" charset="0"/>
+              </a:rPr>
+              <a:t> color;</a:t>
+            </a:r>
+          </a:p>
+          <a:p>
+            <a:r>
+              <a:rPr lang="en" altLang="ko-Kore-KR" b="0" dirty="0">
+                <a:solidFill>
+                  <a:srgbClr val="000000"/>
+                </a:solidFill>
+                <a:effectLst/>
+                <a:latin typeface="DM Mono" panose="020B0509040201040103" pitchFamily="49" charset="0"/>
+              </a:rPr>
+              <a:t>};</a:t>
+            </a:r>
+          </a:p>
+        </p:txBody>
+      </p:sp>
+      <p:sp>
+        <p:nvSpPr>
+          <p:cNvPr id="7" name="직사각형 6">
+            <a:extLst>
+              <a:ext uri="{FF2B5EF4-FFF2-40B4-BE49-F238E27FC236}">
+                <a16:creationId xmlns:a16="http://schemas.microsoft.com/office/drawing/2014/main" id="{C84B6693-A71B-F106-239F-6A6C826CC05F}"/>
+              </a:ext>
+            </a:extLst>
+          </p:cNvPr>
+          <p:cNvSpPr/>
+          <p:nvPr/>
+        </p:nvSpPr>
+        <p:spPr>
+          <a:xfrm>
+            <a:off x="2400307" y="2755760"/>
+            <a:ext cx="815950" cy="436970"/>
+          </a:xfrm>
+          <a:prstGeom prst="rect">
+            <a:avLst/>
+          </a:prstGeom>
+          <a:solidFill>
+            <a:srgbClr val="FFFF00"/>
+          </a:solidFill>
+        </p:spPr>
+        <p:style>
+          <a:lnRef idx="2">
+            <a:schemeClr val="accent1">
+              <a:shade val="50000"/>
+            </a:schemeClr>
+          </a:lnRef>
+          <a:fillRef idx="1">
+            <a:schemeClr val="accent1"/>
+          </a:fillRef>
+          <a:effectRef idx="0">
+            <a:schemeClr val="accent1"/>
+          </a:effectRef>
+          <a:fontRef idx="minor">
+            <a:schemeClr val="lt1"/>
+          </a:fontRef>
+        </p:style>
+        <p:txBody>
+          <a:bodyPr rtlCol="0" anchor="ctr"/>
+          <a:lstStyle/>
+          <a:p>
+            <a:pPr algn="ctr"/>
+            <a:r>
+              <a:rPr kumimoji="1" lang="en-US" altLang="ko-Kore-KR" sz="1400" dirty="0">
+                <a:solidFill>
+                  <a:schemeClr val="tx1"/>
+                </a:solidFill>
+              </a:rPr>
+              <a:t>1</a:t>
+            </a:r>
+            <a:endParaRPr kumimoji="1" lang="ko-Kore-KR" altLang="en-US" sz="1400" dirty="0">
+              <a:solidFill>
+                <a:schemeClr val="tx1"/>
+              </a:solidFill>
+            </a:endParaRPr>
+          </a:p>
+        </p:txBody>
+      </p:sp>
+      <p:sp>
+        <p:nvSpPr>
+          <p:cNvPr id="8" name="직사각형 7">
+            <a:extLst>
+              <a:ext uri="{FF2B5EF4-FFF2-40B4-BE49-F238E27FC236}">
+                <a16:creationId xmlns:a16="http://schemas.microsoft.com/office/drawing/2014/main" id="{4E1618FD-CC9B-E63C-F458-B5746850344D}"/>
+              </a:ext>
+            </a:extLst>
+          </p:cNvPr>
+          <p:cNvSpPr/>
+          <p:nvPr/>
+        </p:nvSpPr>
+        <p:spPr>
+          <a:xfrm>
+            <a:off x="7671399" y="788985"/>
+            <a:ext cx="598241" cy="369332"/>
+          </a:xfrm>
+          <a:prstGeom prst="rect">
+            <a:avLst/>
+          </a:prstGeom>
+        </p:spPr>
+        <p:txBody>
+          <a:bodyPr wrap="none">
+            <a:spAutoFit/>
+          </a:bodyPr>
+          <a:lstStyle/>
+          <a:p>
+            <a:r>
+              <a:rPr lang="en" altLang="ko-Kore-KR" dirty="0" err="1">
+                <a:solidFill>
+                  <a:srgbClr val="001080"/>
+                </a:solidFill>
+                <a:latin typeface="DM Mono" panose="020B0509040201040103" pitchFamily="49" charset="0"/>
+              </a:rPr>
+              <a:t>cnt</a:t>
+            </a:r>
+            <a:endParaRPr lang="ko-Kore-KR" altLang="en-US" dirty="0"/>
+          </a:p>
+        </p:txBody>
+      </p:sp>
+      <p:sp>
+        <p:nvSpPr>
+          <p:cNvPr id="9" name="직사각형 8">
+            <a:extLst>
+              <a:ext uri="{FF2B5EF4-FFF2-40B4-BE49-F238E27FC236}">
+                <a16:creationId xmlns:a16="http://schemas.microsoft.com/office/drawing/2014/main" id="{BB340307-14DF-F17F-95F9-ABAFEB245D3B}"/>
+              </a:ext>
+            </a:extLst>
+          </p:cNvPr>
+          <p:cNvSpPr/>
+          <p:nvPr/>
+        </p:nvSpPr>
+        <p:spPr>
+          <a:xfrm>
+            <a:off x="1461227" y="2789579"/>
+            <a:ext cx="873957" cy="369332"/>
+          </a:xfrm>
+          <a:prstGeom prst="rect">
+            <a:avLst/>
+          </a:prstGeom>
+        </p:spPr>
+        <p:txBody>
+          <a:bodyPr wrap="none">
+            <a:spAutoFit/>
+          </a:bodyPr>
+          <a:lstStyle/>
+          <a:p>
+            <a:r>
+              <a:rPr lang="en" altLang="ko-Kore-KR" dirty="0">
+                <a:solidFill>
+                  <a:srgbClr val="000000"/>
+                </a:solidFill>
+                <a:latin typeface="DM Mono" panose="020B0509040201040103" pitchFamily="49" charset="0"/>
+              </a:rPr>
+              <a:t>color</a:t>
+            </a:r>
+            <a:endParaRPr lang="ko-Kore-KR" altLang="en-US" dirty="0"/>
+          </a:p>
+        </p:txBody>
+      </p:sp>
+      <p:sp>
+        <p:nvSpPr>
+          <p:cNvPr id="11" name="직사각형 10">
+            <a:extLst>
+              <a:ext uri="{FF2B5EF4-FFF2-40B4-BE49-F238E27FC236}">
+                <a16:creationId xmlns:a16="http://schemas.microsoft.com/office/drawing/2014/main" id="{035AFC4F-8FE8-605D-608D-E1711A5A55A9}"/>
+              </a:ext>
+            </a:extLst>
+          </p:cNvPr>
+          <p:cNvSpPr/>
+          <p:nvPr/>
+        </p:nvSpPr>
+        <p:spPr>
+          <a:xfrm>
+            <a:off x="4957579" y="2721941"/>
+            <a:ext cx="815950" cy="436970"/>
+          </a:xfrm>
+          <a:prstGeom prst="rect">
+            <a:avLst/>
+          </a:prstGeom>
+          <a:solidFill>
+            <a:srgbClr val="FFFF00"/>
+          </a:solidFill>
+        </p:spPr>
+        <p:style>
+          <a:lnRef idx="2">
+            <a:schemeClr val="accent1">
+              <a:shade val="50000"/>
+            </a:schemeClr>
+          </a:lnRef>
+          <a:fillRef idx="1">
+            <a:schemeClr val="accent1"/>
+          </a:fillRef>
+          <a:effectRef idx="0">
+            <a:schemeClr val="accent1"/>
+          </a:effectRef>
+          <a:fontRef idx="minor">
+            <a:schemeClr val="lt1"/>
+          </a:fontRef>
+        </p:style>
+        <p:txBody>
+          <a:bodyPr rtlCol="0" anchor="ctr"/>
+          <a:lstStyle/>
+          <a:p>
+            <a:pPr algn="ctr"/>
+            <a:r>
+              <a:rPr kumimoji="1" lang="en-US" altLang="ko-Kore-KR" sz="1400" dirty="0">
+                <a:solidFill>
+                  <a:schemeClr val="tx1"/>
+                </a:solidFill>
+              </a:rPr>
+              <a:t>1</a:t>
+            </a:r>
+            <a:endParaRPr kumimoji="1" lang="ko-Kore-KR" altLang="en-US" sz="1400" dirty="0">
+              <a:solidFill>
+                <a:schemeClr val="tx1"/>
+              </a:solidFill>
+            </a:endParaRPr>
+          </a:p>
+        </p:txBody>
+      </p:sp>
+      <p:sp>
+        <p:nvSpPr>
+          <p:cNvPr id="13" name="직사각형 12">
+            <a:extLst>
+              <a:ext uri="{FF2B5EF4-FFF2-40B4-BE49-F238E27FC236}">
+                <a16:creationId xmlns:a16="http://schemas.microsoft.com/office/drawing/2014/main" id="{71166C02-A82A-A0B7-1B2A-B8F0A3011725}"/>
+              </a:ext>
+            </a:extLst>
+          </p:cNvPr>
+          <p:cNvSpPr/>
+          <p:nvPr/>
+        </p:nvSpPr>
+        <p:spPr>
+          <a:xfrm>
+            <a:off x="4018499" y="2755760"/>
+            <a:ext cx="873957" cy="369332"/>
+          </a:xfrm>
+          <a:prstGeom prst="rect">
+            <a:avLst/>
+          </a:prstGeom>
+        </p:spPr>
+        <p:txBody>
+          <a:bodyPr wrap="none">
+            <a:spAutoFit/>
+          </a:bodyPr>
+          <a:lstStyle/>
+          <a:p>
+            <a:r>
+              <a:rPr lang="en" altLang="ko-Kore-KR" dirty="0">
+                <a:solidFill>
+                  <a:srgbClr val="000000"/>
+                </a:solidFill>
+                <a:latin typeface="DM Mono" panose="020B0509040201040103" pitchFamily="49" charset="0"/>
+              </a:rPr>
+              <a:t>color</a:t>
+            </a:r>
+            <a:endParaRPr lang="ko-Kore-KR" altLang="en-US" dirty="0"/>
+          </a:p>
+        </p:txBody>
+      </p:sp>
+    </p:spTree>
+    <p:extLst>
+      <p:ext uri="{BB962C8B-B14F-4D97-AF65-F5344CB8AC3E}">
+        <p14:creationId xmlns:p14="http://schemas.microsoft.com/office/powerpoint/2010/main" val="1785593316"/>
       </p:ext>
     </p:extLst>
   </p:cSld>

--- a/cpp/220517.pptx
+++ b/cpp/220517.pptx
@@ -25,6 +25,7 @@
     <p:sldId id="273" r:id="rId19"/>
     <p:sldId id="274" r:id="rId20"/>
     <p:sldId id="275" r:id="rId21"/>
+    <p:sldId id="276" r:id="rId22"/>
   </p:sldIdLst>
   <p:sldSz cx="12192000" cy="6858000"/>
   <p:notesSz cx="6858000" cy="9144000"/>
@@ -20775,7 +20776,7 @@
           <a:p>
             <a:pPr algn="ctr"/>
             <a:r>
-              <a:rPr kumimoji="1" lang="en-US" altLang="ko-Kore-KR" sz="1400">
+              <a:rPr kumimoji="1" lang="en-US" altLang="ko-Kore-KR" sz="1400" dirty="0">
                 <a:solidFill>
                   <a:schemeClr val="tx1"/>
                 </a:solidFill>
@@ -21190,6 +21191,291 @@
     <p:extLst>
       <p:ext uri="{BB962C8B-B14F-4D97-AF65-F5344CB8AC3E}">
         <p14:creationId xmlns:p14="http://schemas.microsoft.com/office/powerpoint/2010/main" val="1785593316"/>
+      </p:ext>
+    </p:extLst>
+  </p:cSld>
+  <p:clrMapOvr>
+    <a:masterClrMapping/>
+  </p:clrMapOvr>
+</p:sld>
+</file>
+
+<file path=ppt/slides/slide21.xml><?xml version="1.0" encoding="utf-8"?>
+<p:sld xmlns:a="http://schemas.openxmlformats.org/drawingml/2006/main" xmlns:r="http://schemas.openxmlformats.org/officeDocument/2006/relationships" xmlns:p="http://schemas.openxmlformats.org/presentationml/2006/main">
+  <p:cSld>
+    <p:spTree>
+      <p:nvGrpSpPr>
+        <p:cNvPr id="1" name=""/>
+        <p:cNvGrpSpPr/>
+        <p:nvPr/>
+      </p:nvGrpSpPr>
+      <p:grpSpPr>
+        <a:xfrm>
+          <a:off x="0" y="0"/>
+          <a:ext cx="0" cy="0"/>
+          <a:chOff x="0" y="0"/>
+          <a:chExt cx="0" cy="0"/>
+        </a:xfrm>
+      </p:grpSpPr>
+      <p:sp>
+        <p:nvSpPr>
+          <p:cNvPr id="4" name="직사각형 3">
+            <a:extLst>
+              <a:ext uri="{FF2B5EF4-FFF2-40B4-BE49-F238E27FC236}">
+                <a16:creationId xmlns:a16="http://schemas.microsoft.com/office/drawing/2014/main" id="{8103A285-9251-5447-8210-064322CB1F39}"/>
+              </a:ext>
+            </a:extLst>
+          </p:cNvPr>
+          <p:cNvSpPr/>
+          <p:nvPr/>
+        </p:nvSpPr>
+        <p:spPr>
+          <a:xfrm>
+            <a:off x="8334763" y="755166"/>
+            <a:ext cx="815950" cy="436970"/>
+          </a:xfrm>
+          <a:prstGeom prst="rect">
+            <a:avLst/>
+          </a:prstGeom>
+          <a:solidFill>
+            <a:srgbClr val="FFFF00"/>
+          </a:solidFill>
+        </p:spPr>
+        <p:style>
+          <a:lnRef idx="2">
+            <a:schemeClr val="accent1">
+              <a:shade val="50000"/>
+            </a:schemeClr>
+          </a:lnRef>
+          <a:fillRef idx="1">
+            <a:schemeClr val="accent1"/>
+          </a:fillRef>
+          <a:effectRef idx="0">
+            <a:schemeClr val="accent1"/>
+          </a:effectRef>
+          <a:fontRef idx="minor">
+            <a:schemeClr val="lt1"/>
+          </a:fontRef>
+        </p:style>
+        <p:txBody>
+          <a:bodyPr rtlCol="0" anchor="ctr"/>
+          <a:lstStyle/>
+          <a:p>
+            <a:pPr algn="ctr"/>
+            <a:r>
+              <a:rPr kumimoji="1" lang="en-US" altLang="ko-Kore-KR" sz="1400" dirty="0">
+                <a:solidFill>
+                  <a:schemeClr val="tx1"/>
+                </a:solidFill>
+              </a:rPr>
+              <a:t>0</a:t>
+            </a:r>
+            <a:endParaRPr kumimoji="1" lang="ko-Kore-KR" altLang="en-US" sz="1400" dirty="0">
+              <a:solidFill>
+                <a:schemeClr val="tx1"/>
+              </a:solidFill>
+            </a:endParaRPr>
+          </a:p>
+        </p:txBody>
+      </p:sp>
+      <p:sp>
+        <p:nvSpPr>
+          <p:cNvPr id="6" name="직사각형 5">
+            <a:extLst>
+              <a:ext uri="{FF2B5EF4-FFF2-40B4-BE49-F238E27FC236}">
+                <a16:creationId xmlns:a16="http://schemas.microsoft.com/office/drawing/2014/main" id="{DF4830B6-A501-A5E4-931E-DB9E09689B4C}"/>
+              </a:ext>
+            </a:extLst>
+          </p:cNvPr>
+          <p:cNvSpPr/>
+          <p:nvPr/>
+        </p:nvSpPr>
+        <p:spPr>
+          <a:xfrm>
+            <a:off x="606552" y="333863"/>
+            <a:ext cx="6096000" cy="1477328"/>
+          </a:xfrm>
+          <a:prstGeom prst="rect">
+            <a:avLst/>
+          </a:prstGeom>
+        </p:spPr>
+        <p:txBody>
+          <a:bodyPr>
+            <a:spAutoFit/>
+          </a:bodyPr>
+          <a:lstStyle/>
+          <a:p>
+            <a:r>
+              <a:rPr lang="en" altLang="ko-Kore-KR" dirty="0">
+                <a:solidFill>
+                  <a:srgbClr val="0000FF"/>
+                </a:solidFill>
+                <a:latin typeface="DM Mono" panose="020B0509040201040103" pitchFamily="49" charset="0"/>
+              </a:rPr>
+              <a:t>class</a:t>
+            </a:r>
+            <a:r>
+              <a:rPr lang="en" altLang="ko-Kore-KR" dirty="0">
+                <a:solidFill>
+                  <a:srgbClr val="000000"/>
+                </a:solidFill>
+                <a:latin typeface="DM Mono" panose="020B0509040201040103" pitchFamily="49" charset="0"/>
+              </a:rPr>
+              <a:t> </a:t>
+            </a:r>
+            <a:r>
+              <a:rPr lang="en" altLang="ko-Kore-KR" dirty="0">
+                <a:solidFill>
+                  <a:srgbClr val="267F99"/>
+                </a:solidFill>
+                <a:latin typeface="DM Mono" panose="020B0509040201040103" pitchFamily="49" charset="0"/>
+              </a:rPr>
+              <a:t>Car</a:t>
+            </a:r>
+            <a:endParaRPr lang="en" altLang="ko-Kore-KR" dirty="0">
+              <a:solidFill>
+                <a:srgbClr val="000000"/>
+              </a:solidFill>
+              <a:latin typeface="DM Mono" panose="020B0509040201040103" pitchFamily="49" charset="0"/>
+            </a:endParaRPr>
+          </a:p>
+          <a:p>
+            <a:r>
+              <a:rPr lang="en" altLang="ko-Kore-KR" dirty="0">
+                <a:solidFill>
+                  <a:srgbClr val="000000"/>
+                </a:solidFill>
+                <a:latin typeface="DM Mono" panose="020B0509040201040103" pitchFamily="49" charset="0"/>
+              </a:rPr>
+              <a:t>{</a:t>
+            </a:r>
+          </a:p>
+          <a:p>
+            <a:r>
+              <a:rPr lang="en" altLang="ko-Kore-KR" dirty="0">
+                <a:solidFill>
+                  <a:srgbClr val="0000FF"/>
+                </a:solidFill>
+                <a:latin typeface="DM Mono" panose="020B0509040201040103" pitchFamily="49" charset="0"/>
+              </a:rPr>
+              <a:t>  static int</a:t>
+            </a:r>
+            <a:r>
+              <a:rPr lang="en" altLang="ko-Kore-KR" dirty="0">
+                <a:solidFill>
+                  <a:srgbClr val="000000"/>
+                </a:solidFill>
+                <a:latin typeface="DM Mono" panose="020B0509040201040103" pitchFamily="49" charset="0"/>
+              </a:rPr>
+              <a:t> </a:t>
+            </a:r>
+            <a:r>
+              <a:rPr lang="en" altLang="ko-Kore-KR" dirty="0" err="1">
+                <a:solidFill>
+                  <a:srgbClr val="001080"/>
+                </a:solidFill>
+                <a:latin typeface="DM Mono" panose="020B0509040201040103" pitchFamily="49" charset="0"/>
+              </a:rPr>
+              <a:t>cnt</a:t>
+            </a:r>
+            <a:r>
+              <a:rPr lang="en" altLang="ko-Kore-KR" dirty="0">
+                <a:solidFill>
+                  <a:srgbClr val="000000"/>
+                </a:solidFill>
+                <a:latin typeface="DM Mono" panose="020B0509040201040103" pitchFamily="49" charset="0"/>
+              </a:rPr>
+              <a:t>;</a:t>
+            </a:r>
+          </a:p>
+          <a:p>
+            <a:r>
+              <a:rPr lang="en" altLang="ko-Kore-KR" b="0" dirty="0">
+                <a:solidFill>
+                  <a:srgbClr val="000000"/>
+                </a:solidFill>
+                <a:effectLst/>
+                <a:latin typeface="DM Mono" panose="020B0509040201040103" pitchFamily="49" charset="0"/>
+              </a:rPr>
+              <a:t>  </a:t>
+            </a:r>
+            <a:r>
+              <a:rPr lang="en" altLang="ko-Kore-KR" dirty="0">
+                <a:solidFill>
+                  <a:srgbClr val="0000FF"/>
+                </a:solidFill>
+                <a:latin typeface="DM Mono" panose="020B0509040201040103" pitchFamily="49" charset="0"/>
+              </a:rPr>
+              <a:t>int</a:t>
+            </a:r>
+            <a:r>
+              <a:rPr lang="en" altLang="ko-Kore-KR" dirty="0">
+                <a:solidFill>
+                  <a:srgbClr val="000000"/>
+                </a:solidFill>
+                <a:latin typeface="DM Mono" panose="020B0509040201040103" pitchFamily="49" charset="0"/>
+              </a:rPr>
+              <a:t> color;</a:t>
+            </a:r>
+          </a:p>
+          <a:p>
+            <a:r>
+              <a:rPr lang="en" altLang="ko-Kore-KR" b="0" dirty="0">
+                <a:solidFill>
+                  <a:srgbClr val="000000"/>
+                </a:solidFill>
+                <a:effectLst/>
+                <a:latin typeface="DM Mono" panose="020B0509040201040103" pitchFamily="49" charset="0"/>
+              </a:rPr>
+              <a:t>};</a:t>
+            </a:r>
+          </a:p>
+        </p:txBody>
+      </p:sp>
+      <p:sp>
+        <p:nvSpPr>
+          <p:cNvPr id="8" name="직사각형 7">
+            <a:extLst>
+              <a:ext uri="{FF2B5EF4-FFF2-40B4-BE49-F238E27FC236}">
+                <a16:creationId xmlns:a16="http://schemas.microsoft.com/office/drawing/2014/main" id="{4E1618FD-CC9B-E63C-F458-B5746850344D}"/>
+              </a:ext>
+            </a:extLst>
+          </p:cNvPr>
+          <p:cNvSpPr/>
+          <p:nvPr/>
+        </p:nvSpPr>
+        <p:spPr>
+          <a:xfrm>
+            <a:off x="7671399" y="788985"/>
+            <a:ext cx="598241" cy="369332"/>
+          </a:xfrm>
+          <a:prstGeom prst="rect">
+            <a:avLst/>
+          </a:prstGeom>
+        </p:spPr>
+        <p:txBody>
+          <a:bodyPr wrap="none">
+            <a:spAutoFit/>
+          </a:bodyPr>
+          <a:lstStyle/>
+          <a:p>
+            <a:r>
+              <a:rPr lang="en" altLang="ko-Kore-KR" dirty="0" err="1">
+                <a:solidFill>
+                  <a:srgbClr val="001080"/>
+                </a:solidFill>
+                <a:latin typeface="DM Mono" panose="020B0509040201040103" pitchFamily="49" charset="0"/>
+              </a:rPr>
+              <a:t>cnt</a:t>
+            </a:r>
+            <a:endParaRPr lang="ko-Kore-KR" altLang="en-US" dirty="0"/>
+          </a:p>
+        </p:txBody>
+      </p:sp>
+    </p:spTree>
+    <p:extLst>
+      <p:ext uri="{BB962C8B-B14F-4D97-AF65-F5344CB8AC3E}">
+        <p14:creationId xmlns:p14="http://schemas.microsoft.com/office/powerpoint/2010/main" val="161804195"/>
       </p:ext>
     </p:extLst>
   </p:cSld>

--- a/cpp/220517.pptx
+++ b/cpp/220517.pptx
@@ -281,7 +281,7 @@
           <a:p>
             <a:fld id="{AD747233-A6A5-C042-8E7E-4CE7E5E8D13B}" type="datetimeFigureOut">
               <a:rPr kumimoji="1" lang="ko-Kore-KR" altLang="en-US" smtClean="0"/>
-              <a:t>2022. 5. 19.</a:t>
+              <a:t>2022. 5. 20.</a:t>
             </a:fld>
             <a:endParaRPr kumimoji="1" lang="ko-Kore-KR" altLang="en-US"/>
           </a:p>
@@ -481,7 +481,7 @@
           <a:p>
             <a:fld id="{AD747233-A6A5-C042-8E7E-4CE7E5E8D13B}" type="datetimeFigureOut">
               <a:rPr kumimoji="1" lang="ko-Kore-KR" altLang="en-US" smtClean="0"/>
-              <a:t>2022. 5. 19.</a:t>
+              <a:t>2022. 5. 20.</a:t>
             </a:fld>
             <a:endParaRPr kumimoji="1" lang="ko-Kore-KR" altLang="en-US"/>
           </a:p>
@@ -691,7 +691,7 @@
           <a:p>
             <a:fld id="{AD747233-A6A5-C042-8E7E-4CE7E5E8D13B}" type="datetimeFigureOut">
               <a:rPr kumimoji="1" lang="ko-Kore-KR" altLang="en-US" smtClean="0"/>
-              <a:t>2022. 5. 19.</a:t>
+              <a:t>2022. 5. 20.</a:t>
             </a:fld>
             <a:endParaRPr kumimoji="1" lang="ko-Kore-KR" altLang="en-US"/>
           </a:p>
@@ -891,7 +891,7 @@
           <a:p>
             <a:fld id="{AD747233-A6A5-C042-8E7E-4CE7E5E8D13B}" type="datetimeFigureOut">
               <a:rPr kumimoji="1" lang="ko-Kore-KR" altLang="en-US" smtClean="0"/>
-              <a:t>2022. 5. 19.</a:t>
+              <a:t>2022. 5. 20.</a:t>
             </a:fld>
             <a:endParaRPr kumimoji="1" lang="ko-Kore-KR" altLang="en-US"/>
           </a:p>
@@ -1167,7 +1167,7 @@
           <a:p>
             <a:fld id="{AD747233-A6A5-C042-8E7E-4CE7E5E8D13B}" type="datetimeFigureOut">
               <a:rPr kumimoji="1" lang="ko-Kore-KR" altLang="en-US" smtClean="0"/>
-              <a:t>2022. 5. 19.</a:t>
+              <a:t>2022. 5. 20.</a:t>
             </a:fld>
             <a:endParaRPr kumimoji="1" lang="ko-Kore-KR" altLang="en-US"/>
           </a:p>
@@ -1435,7 +1435,7 @@
           <a:p>
             <a:fld id="{AD747233-A6A5-C042-8E7E-4CE7E5E8D13B}" type="datetimeFigureOut">
               <a:rPr kumimoji="1" lang="ko-Kore-KR" altLang="en-US" smtClean="0"/>
-              <a:t>2022. 5. 19.</a:t>
+              <a:t>2022. 5. 20.</a:t>
             </a:fld>
             <a:endParaRPr kumimoji="1" lang="ko-Kore-KR" altLang="en-US"/>
           </a:p>
@@ -1850,7 +1850,7 @@
           <a:p>
             <a:fld id="{AD747233-A6A5-C042-8E7E-4CE7E5E8D13B}" type="datetimeFigureOut">
               <a:rPr kumimoji="1" lang="ko-Kore-KR" altLang="en-US" smtClean="0"/>
-              <a:t>2022. 5. 19.</a:t>
+              <a:t>2022. 5. 20.</a:t>
             </a:fld>
             <a:endParaRPr kumimoji="1" lang="ko-Kore-KR" altLang="en-US"/>
           </a:p>
@@ -1992,7 +1992,7 @@
           <a:p>
             <a:fld id="{AD747233-A6A5-C042-8E7E-4CE7E5E8D13B}" type="datetimeFigureOut">
               <a:rPr kumimoji="1" lang="ko-Kore-KR" altLang="en-US" smtClean="0"/>
-              <a:t>2022. 5. 19.</a:t>
+              <a:t>2022. 5. 20.</a:t>
             </a:fld>
             <a:endParaRPr kumimoji="1" lang="ko-Kore-KR" altLang="en-US"/>
           </a:p>
@@ -2105,7 +2105,7 @@
           <a:p>
             <a:fld id="{AD747233-A6A5-C042-8E7E-4CE7E5E8D13B}" type="datetimeFigureOut">
               <a:rPr kumimoji="1" lang="ko-Kore-KR" altLang="en-US" smtClean="0"/>
-              <a:t>2022. 5. 19.</a:t>
+              <a:t>2022. 5. 20.</a:t>
             </a:fld>
             <a:endParaRPr kumimoji="1" lang="ko-Kore-KR" altLang="en-US"/>
           </a:p>
@@ -2418,7 +2418,7 @@
           <a:p>
             <a:fld id="{AD747233-A6A5-C042-8E7E-4CE7E5E8D13B}" type="datetimeFigureOut">
               <a:rPr kumimoji="1" lang="ko-Kore-KR" altLang="en-US" smtClean="0"/>
-              <a:t>2022. 5. 19.</a:t>
+              <a:t>2022. 5. 20.</a:t>
             </a:fld>
             <a:endParaRPr kumimoji="1" lang="ko-Kore-KR" altLang="en-US"/>
           </a:p>
@@ -2707,7 +2707,7 @@
           <a:p>
             <a:fld id="{AD747233-A6A5-C042-8E7E-4CE7E5E8D13B}" type="datetimeFigureOut">
               <a:rPr kumimoji="1" lang="ko-Kore-KR" altLang="en-US" smtClean="0"/>
-              <a:t>2022. 5. 19.</a:t>
+              <a:t>2022. 5. 20.</a:t>
             </a:fld>
             <a:endParaRPr kumimoji="1" lang="ko-Kore-KR" altLang="en-US"/>
           </a:p>
@@ -2950,7 +2950,7 @@
           <a:p>
             <a:fld id="{AD747233-A6A5-C042-8E7E-4CE7E5E8D13B}" type="datetimeFigureOut">
               <a:rPr kumimoji="1" lang="ko-Kore-KR" altLang="en-US" smtClean="0"/>
-              <a:t>2022. 5. 19.</a:t>
+              <a:t>2022. 5. 20.</a:t>
             </a:fld>
             <a:endParaRPr kumimoji="1" lang="ko-Kore-KR" altLang="en-US"/>
           </a:p>

--- a/cpp/220517.pptx
+++ b/cpp/220517.pptx
@@ -26,6 +26,7 @@
     <p:sldId id="274" r:id="rId20"/>
     <p:sldId id="275" r:id="rId21"/>
     <p:sldId id="276" r:id="rId22"/>
+    <p:sldId id="277" r:id="rId23"/>
   </p:sldIdLst>
   <p:sldSz cx="12192000" cy="6858000"/>
   <p:notesSz cx="6858000" cy="9144000"/>
@@ -10890,7 +10891,7 @@
         </p:nvSpPr>
         <p:spPr>
           <a:xfrm>
-            <a:off x="6942444" y="3022833"/>
+            <a:off x="6934352" y="3022833"/>
             <a:ext cx="815950" cy="436970"/>
           </a:xfrm>
           <a:prstGeom prst="rect">
@@ -11048,8 +11049,8 @@
         </p:nvCxnSpPr>
         <p:spPr>
           <a:xfrm>
-            <a:off x="7758394" y="3241318"/>
-            <a:ext cx="1849607" cy="802487"/>
+            <a:off x="7750302" y="3241318"/>
+            <a:ext cx="1857699" cy="802487"/>
           </a:xfrm>
           <a:prstGeom prst="curvedConnector3">
             <a:avLst/>
@@ -12355,7 +12356,7 @@
         </p:nvSpPr>
         <p:spPr>
           <a:xfrm>
-            <a:off x="6942444" y="3022833"/>
+            <a:off x="6934352" y="3022833"/>
             <a:ext cx="815950" cy="436970"/>
           </a:xfrm>
           <a:prstGeom prst="rect">
@@ -12521,8 +12522,8 @@
         </p:nvCxnSpPr>
         <p:spPr>
           <a:xfrm>
-            <a:off x="7758394" y="3241318"/>
-            <a:ext cx="2495595" cy="511211"/>
+            <a:off x="7750302" y="3241318"/>
+            <a:ext cx="2503687" cy="511211"/>
           </a:xfrm>
           <a:prstGeom prst="curvedConnector3">
             <a:avLst/>
@@ -12802,7 +12803,7 @@
         </p:nvSpPr>
         <p:spPr>
           <a:xfrm>
-            <a:off x="6942444" y="5260468"/>
+            <a:off x="6934352" y="5260468"/>
             <a:ext cx="815950" cy="436970"/>
           </a:xfrm>
           <a:prstGeom prst="rect">
@@ -12949,7 +12950,7 @@
         </p:nvCxnSpPr>
         <p:spPr>
           <a:xfrm flipV="1">
-            <a:off x="7758394" y="3752529"/>
+            <a:off x="7750302" y="3752529"/>
             <a:ext cx="2458304" cy="1726424"/>
           </a:xfrm>
           <a:prstGeom prst="curvedConnector3">
@@ -14033,7 +14034,7 @@
         </p:nvSpPr>
         <p:spPr>
           <a:xfrm>
-            <a:off x="6942444" y="3022833"/>
+            <a:off x="6934352" y="3022833"/>
             <a:ext cx="815950" cy="436970"/>
           </a:xfrm>
           <a:prstGeom prst="rect">
@@ -14430,7 +14431,7 @@
         </p:nvSpPr>
         <p:spPr>
           <a:xfrm>
-            <a:off x="6942444" y="5260468"/>
+            <a:off x="6934352" y="5260468"/>
             <a:ext cx="815950" cy="436970"/>
           </a:xfrm>
           <a:prstGeom prst="rect">
@@ -14569,7 +14570,7 @@
         </p:nvCxnSpPr>
         <p:spPr>
           <a:xfrm flipV="1">
-            <a:off x="7758394" y="3752529"/>
+            <a:off x="7750302" y="3752529"/>
             <a:ext cx="2458304" cy="1726424"/>
           </a:xfrm>
           <a:prstGeom prst="curvedConnector3">
@@ -15942,7 +15943,7 @@
         </p:nvSpPr>
         <p:spPr>
           <a:xfrm>
-            <a:off x="6942444" y="5260468"/>
+            <a:off x="6934352" y="5260468"/>
             <a:ext cx="815950" cy="436970"/>
           </a:xfrm>
           <a:prstGeom prst="rect">
@@ -16082,7 +16083,7 @@
         </p:nvCxnSpPr>
         <p:spPr>
           <a:xfrm flipV="1">
-            <a:off x="7758394" y="3752529"/>
+            <a:off x="7750302" y="3752529"/>
             <a:ext cx="2458304" cy="1726424"/>
           </a:xfrm>
           <a:prstGeom prst="curvedConnector3">
@@ -16123,7 +16124,7 @@
         </p:nvSpPr>
         <p:spPr>
           <a:xfrm>
-            <a:off x="366915" y="1218521"/>
+            <a:off x="467975" y="1112061"/>
             <a:ext cx="4444708" cy="2308324"/>
           </a:xfrm>
           <a:prstGeom prst="rect">
@@ -20781,7 +20782,7 @@
                   <a:schemeClr val="tx1"/>
                 </a:solidFill>
               </a:rPr>
-              <a:t>2</a:t>
+              <a:t>10</a:t>
             </a:r>
             <a:endParaRPr kumimoji="1" lang="ko-Kore-KR" altLang="en-US" sz="1400" dirty="0">
               <a:solidFill>
@@ -21476,6 +21477,2232 @@
     <p:extLst>
       <p:ext uri="{BB962C8B-B14F-4D97-AF65-F5344CB8AC3E}">
         <p14:creationId xmlns:p14="http://schemas.microsoft.com/office/powerpoint/2010/main" val="161804195"/>
+      </p:ext>
+    </p:extLst>
+  </p:cSld>
+  <p:clrMapOvr>
+    <a:masterClrMapping/>
+  </p:clrMapOvr>
+</p:sld>
+</file>
+
+<file path=ppt/slides/slide22.xml><?xml version="1.0" encoding="utf-8"?>
+<p:sld xmlns:a="http://schemas.openxmlformats.org/drawingml/2006/main" xmlns:r="http://schemas.openxmlformats.org/officeDocument/2006/relationships" xmlns:p="http://schemas.openxmlformats.org/presentationml/2006/main">
+  <p:cSld>
+    <p:spTree>
+      <p:nvGrpSpPr>
+        <p:cNvPr id="1" name=""/>
+        <p:cNvGrpSpPr/>
+        <p:nvPr/>
+      </p:nvGrpSpPr>
+      <p:grpSpPr>
+        <a:xfrm>
+          <a:off x="0" y="0"/>
+          <a:ext cx="0" cy="0"/>
+          <a:chOff x="0" y="0"/>
+          <a:chExt cx="0" cy="0"/>
+        </a:xfrm>
+      </p:grpSpPr>
+      <p:sp>
+        <p:nvSpPr>
+          <p:cNvPr id="4" name="직사각형 3">
+            <a:extLst>
+              <a:ext uri="{FF2B5EF4-FFF2-40B4-BE49-F238E27FC236}">
+                <a16:creationId xmlns:a16="http://schemas.microsoft.com/office/drawing/2014/main" id="{8103A285-9251-5447-8210-064322CB1F39}"/>
+              </a:ext>
+            </a:extLst>
+          </p:cNvPr>
+          <p:cNvSpPr/>
+          <p:nvPr/>
+        </p:nvSpPr>
+        <p:spPr>
+          <a:xfrm>
+            <a:off x="7266615" y="690430"/>
+            <a:ext cx="815950" cy="436970"/>
+          </a:xfrm>
+          <a:prstGeom prst="rect">
+            <a:avLst/>
+          </a:prstGeom>
+          <a:solidFill>
+            <a:srgbClr val="FFFF00"/>
+          </a:solidFill>
+        </p:spPr>
+        <p:style>
+          <a:lnRef idx="2">
+            <a:schemeClr val="accent1">
+              <a:shade val="50000"/>
+            </a:schemeClr>
+          </a:lnRef>
+          <a:fillRef idx="1">
+            <a:schemeClr val="accent1"/>
+          </a:fillRef>
+          <a:effectRef idx="0">
+            <a:schemeClr val="accent1"/>
+          </a:effectRef>
+          <a:fontRef idx="minor">
+            <a:schemeClr val="lt1"/>
+          </a:fontRef>
+        </p:style>
+        <p:txBody>
+          <a:bodyPr rtlCol="0" anchor="ctr"/>
+          <a:lstStyle/>
+          <a:p>
+            <a:pPr algn="ctr"/>
+            <a:endParaRPr kumimoji="1" lang="ko-Kore-KR" altLang="en-US" sz="1400" dirty="0">
+              <a:solidFill>
+                <a:schemeClr val="tx1"/>
+              </a:solidFill>
+            </a:endParaRPr>
+          </a:p>
+        </p:txBody>
+      </p:sp>
+      <p:sp>
+        <p:nvSpPr>
+          <p:cNvPr id="8" name="직사각형 7">
+            <a:extLst>
+              <a:ext uri="{FF2B5EF4-FFF2-40B4-BE49-F238E27FC236}">
+                <a16:creationId xmlns:a16="http://schemas.microsoft.com/office/drawing/2014/main" id="{4E1618FD-CC9B-E63C-F458-B5746850344D}"/>
+              </a:ext>
+            </a:extLst>
+          </p:cNvPr>
+          <p:cNvSpPr/>
+          <p:nvPr/>
+        </p:nvSpPr>
+        <p:spPr>
+          <a:xfrm>
+            <a:off x="7375469" y="321098"/>
+            <a:ext cx="598241" cy="369332"/>
+          </a:xfrm>
+          <a:prstGeom prst="rect">
+            <a:avLst/>
+          </a:prstGeom>
+        </p:spPr>
+        <p:txBody>
+          <a:bodyPr wrap="none">
+            <a:spAutoFit/>
+          </a:bodyPr>
+          <a:lstStyle/>
+          <a:p>
+            <a:r>
+              <a:rPr lang="en" altLang="ko-Kore-KR" dirty="0" err="1">
+                <a:solidFill>
+                  <a:srgbClr val="001080"/>
+                </a:solidFill>
+                <a:latin typeface="DM Mono" panose="020B0509040201040103" pitchFamily="49" charset="0"/>
+              </a:rPr>
+              <a:t>aaa</a:t>
+            </a:r>
+            <a:endParaRPr lang="ko-Kore-KR" altLang="en-US" dirty="0"/>
+          </a:p>
+        </p:txBody>
+      </p:sp>
+      <p:sp>
+        <p:nvSpPr>
+          <p:cNvPr id="2" name="직사각형 1">
+            <a:extLst>
+              <a:ext uri="{FF2B5EF4-FFF2-40B4-BE49-F238E27FC236}">
+                <a16:creationId xmlns:a16="http://schemas.microsoft.com/office/drawing/2014/main" id="{AB3C058C-0BB2-17D1-00D8-B3556DC86A3D}"/>
+              </a:ext>
+            </a:extLst>
+          </p:cNvPr>
+          <p:cNvSpPr/>
+          <p:nvPr/>
+        </p:nvSpPr>
+        <p:spPr>
+          <a:xfrm>
+            <a:off x="563745" y="170588"/>
+            <a:ext cx="6096000" cy="6463308"/>
+          </a:xfrm>
+          <a:prstGeom prst="rect">
+            <a:avLst/>
+          </a:prstGeom>
+        </p:spPr>
+        <p:txBody>
+          <a:bodyPr>
+            <a:spAutoFit/>
+          </a:bodyPr>
+          <a:lstStyle/>
+          <a:p>
+            <a:r>
+              <a:rPr lang="en" altLang="ko-Kore-KR" dirty="0">
+                <a:solidFill>
+                  <a:srgbClr val="0000FF"/>
+                </a:solidFill>
+                <a:latin typeface="DM Mono" panose="020B0509040201040103" pitchFamily="49" charset="0"/>
+              </a:rPr>
+              <a:t>class</a:t>
+            </a:r>
+            <a:r>
+              <a:rPr lang="en" altLang="ko-Kore-KR" dirty="0">
+                <a:solidFill>
+                  <a:srgbClr val="000000"/>
+                </a:solidFill>
+                <a:latin typeface="DM Mono" panose="020B0509040201040103" pitchFamily="49" charset="0"/>
+              </a:rPr>
+              <a:t> </a:t>
+            </a:r>
+            <a:r>
+              <a:rPr lang="en" altLang="ko-Kore-KR" dirty="0">
+                <a:solidFill>
+                  <a:srgbClr val="267F99"/>
+                </a:solidFill>
+                <a:latin typeface="DM Mono" panose="020B0509040201040103" pitchFamily="49" charset="0"/>
+              </a:rPr>
+              <a:t>AAA</a:t>
+            </a:r>
+            <a:endParaRPr lang="en" altLang="ko-Kore-KR" dirty="0">
+              <a:solidFill>
+                <a:srgbClr val="000000"/>
+              </a:solidFill>
+              <a:latin typeface="DM Mono" panose="020B0509040201040103" pitchFamily="49" charset="0"/>
+            </a:endParaRPr>
+          </a:p>
+          <a:p>
+            <a:r>
+              <a:rPr lang="en" altLang="ko-Kore-KR" dirty="0">
+                <a:solidFill>
+                  <a:srgbClr val="000000"/>
+                </a:solidFill>
+                <a:latin typeface="DM Mono" panose="020B0509040201040103" pitchFamily="49" charset="0"/>
+              </a:rPr>
+              <a:t>{</a:t>
+            </a:r>
+          </a:p>
+          <a:p>
+            <a:r>
+              <a:rPr lang="en" altLang="ko-Kore-KR" dirty="0">
+                <a:solidFill>
+                  <a:srgbClr val="000000"/>
+                </a:solidFill>
+                <a:latin typeface="DM Mono" panose="020B0509040201040103" pitchFamily="49" charset="0"/>
+              </a:rPr>
+              <a:t>protected:</a:t>
+            </a:r>
+          </a:p>
+          <a:p>
+            <a:r>
+              <a:rPr lang="en" altLang="ko-Kore-KR" dirty="0">
+                <a:solidFill>
+                  <a:srgbClr val="0000FF"/>
+                </a:solidFill>
+                <a:latin typeface="DM Mono" panose="020B0509040201040103" pitchFamily="49" charset="0"/>
+              </a:rPr>
+              <a:t>  int</a:t>
+            </a:r>
+            <a:r>
+              <a:rPr lang="en" altLang="ko-Kore-KR" dirty="0">
+                <a:solidFill>
+                  <a:srgbClr val="000000"/>
+                </a:solidFill>
+                <a:latin typeface="DM Mono" panose="020B0509040201040103" pitchFamily="49" charset="0"/>
+              </a:rPr>
+              <a:t> </a:t>
+            </a:r>
+            <a:r>
+              <a:rPr lang="en" altLang="ko-Kore-KR" dirty="0">
+                <a:solidFill>
+                  <a:srgbClr val="001080"/>
+                </a:solidFill>
+                <a:latin typeface="DM Mono" panose="020B0509040201040103" pitchFamily="49" charset="0"/>
+              </a:rPr>
+              <a:t>a</a:t>
+            </a:r>
+            <a:r>
+              <a:rPr lang="en" altLang="ko-Kore-KR" dirty="0">
+                <a:solidFill>
+                  <a:srgbClr val="000000"/>
+                </a:solidFill>
+                <a:latin typeface="DM Mono" panose="020B0509040201040103" pitchFamily="49" charset="0"/>
+              </a:rPr>
+              <a:t>;</a:t>
+            </a:r>
+          </a:p>
+          <a:p>
+            <a:r>
+              <a:rPr lang="en" altLang="ko-Kore-KR" dirty="0">
+                <a:solidFill>
+                  <a:srgbClr val="0000FF"/>
+                </a:solidFill>
+                <a:latin typeface="DM Mono" panose="020B0509040201040103" pitchFamily="49" charset="0"/>
+              </a:rPr>
+              <a:t>  int</a:t>
+            </a:r>
+            <a:r>
+              <a:rPr lang="en" altLang="ko-Kore-KR" dirty="0">
+                <a:solidFill>
+                  <a:srgbClr val="000000"/>
+                </a:solidFill>
+                <a:latin typeface="DM Mono" panose="020B0509040201040103" pitchFamily="49" charset="0"/>
+              </a:rPr>
+              <a:t> </a:t>
+            </a:r>
+            <a:r>
+              <a:rPr lang="en" altLang="ko-Kore-KR" dirty="0">
+                <a:solidFill>
+                  <a:srgbClr val="001080"/>
+                </a:solidFill>
+                <a:latin typeface="DM Mono" panose="020B0509040201040103" pitchFamily="49" charset="0"/>
+              </a:rPr>
+              <a:t>b</a:t>
+            </a:r>
+            <a:r>
+              <a:rPr lang="en" altLang="ko-Kore-KR" dirty="0">
+                <a:solidFill>
+                  <a:srgbClr val="000000"/>
+                </a:solidFill>
+                <a:latin typeface="DM Mono" panose="020B0509040201040103" pitchFamily="49" charset="0"/>
+              </a:rPr>
+              <a:t>;</a:t>
+            </a:r>
+          </a:p>
+          <a:p>
+            <a:r>
+              <a:rPr lang="en" altLang="ko-Kore-KR" dirty="0">
+                <a:solidFill>
+                  <a:srgbClr val="0000FF"/>
+                </a:solidFill>
+                <a:latin typeface="DM Mono" panose="020B0509040201040103" pitchFamily="49" charset="0"/>
+              </a:rPr>
+              <a:t>  int</a:t>
+            </a:r>
+            <a:r>
+              <a:rPr lang="en" altLang="ko-Kore-KR" dirty="0">
+                <a:solidFill>
+                  <a:srgbClr val="000000"/>
+                </a:solidFill>
+                <a:latin typeface="DM Mono" panose="020B0509040201040103" pitchFamily="49" charset="0"/>
+              </a:rPr>
+              <a:t> </a:t>
+            </a:r>
+            <a:r>
+              <a:rPr lang="en" altLang="ko-Kore-KR" dirty="0">
+                <a:solidFill>
+                  <a:srgbClr val="001080"/>
+                </a:solidFill>
+                <a:latin typeface="DM Mono" panose="020B0509040201040103" pitchFamily="49" charset="0"/>
+              </a:rPr>
+              <a:t>c</a:t>
+            </a:r>
+            <a:r>
+              <a:rPr lang="en" altLang="ko-Kore-KR" dirty="0">
+                <a:solidFill>
+                  <a:srgbClr val="000000"/>
+                </a:solidFill>
+                <a:latin typeface="DM Mono" panose="020B0509040201040103" pitchFamily="49" charset="0"/>
+              </a:rPr>
+              <a:t>;</a:t>
+            </a:r>
+          </a:p>
+          <a:p>
+            <a:r>
+              <a:rPr lang="en" altLang="ko-Kore-KR" dirty="0">
+                <a:solidFill>
+                  <a:srgbClr val="000000"/>
+                </a:solidFill>
+                <a:latin typeface="DM Mono" panose="020B0509040201040103" pitchFamily="49" charset="0"/>
+              </a:rPr>
+              <a:t>};</a:t>
+            </a:r>
+          </a:p>
+          <a:p>
+            <a:br>
+              <a:rPr lang="en" altLang="ko-Kore-KR" dirty="0">
+                <a:solidFill>
+                  <a:srgbClr val="000000"/>
+                </a:solidFill>
+                <a:latin typeface="DM Mono" panose="020B0509040201040103" pitchFamily="49" charset="0"/>
+              </a:rPr>
+            </a:br>
+            <a:r>
+              <a:rPr lang="en" altLang="ko-Kore-KR" dirty="0">
+                <a:solidFill>
+                  <a:srgbClr val="0000FF"/>
+                </a:solidFill>
+                <a:latin typeface="DM Mono" panose="020B0509040201040103" pitchFamily="49" charset="0"/>
+              </a:rPr>
+              <a:t>class</a:t>
+            </a:r>
+            <a:r>
+              <a:rPr lang="en" altLang="ko-Kore-KR" dirty="0">
+                <a:solidFill>
+                  <a:srgbClr val="000000"/>
+                </a:solidFill>
+                <a:latin typeface="DM Mono" panose="020B0509040201040103" pitchFamily="49" charset="0"/>
+              </a:rPr>
+              <a:t> </a:t>
+            </a:r>
+            <a:r>
+              <a:rPr lang="en" altLang="ko-Kore-KR" dirty="0">
+                <a:solidFill>
+                  <a:srgbClr val="267F99"/>
+                </a:solidFill>
+                <a:latin typeface="DM Mono" panose="020B0509040201040103" pitchFamily="49" charset="0"/>
+              </a:rPr>
+              <a:t>BBB</a:t>
+            </a:r>
+            <a:r>
+              <a:rPr lang="en" altLang="ko-Kore-KR" dirty="0">
+                <a:solidFill>
+                  <a:srgbClr val="000000"/>
+                </a:solidFill>
+                <a:latin typeface="DM Mono" panose="020B0509040201040103" pitchFamily="49" charset="0"/>
+              </a:rPr>
+              <a:t> : </a:t>
+            </a:r>
+            <a:r>
+              <a:rPr lang="en" altLang="ko-Kore-KR" dirty="0">
+                <a:solidFill>
+                  <a:srgbClr val="0000FF"/>
+                </a:solidFill>
+                <a:latin typeface="DM Mono" panose="020B0509040201040103" pitchFamily="49" charset="0"/>
+              </a:rPr>
+              <a:t>public</a:t>
+            </a:r>
+            <a:r>
+              <a:rPr lang="en" altLang="ko-Kore-KR" dirty="0">
+                <a:solidFill>
+                  <a:srgbClr val="000000"/>
+                </a:solidFill>
+                <a:latin typeface="DM Mono" panose="020B0509040201040103" pitchFamily="49" charset="0"/>
+              </a:rPr>
+              <a:t> </a:t>
+            </a:r>
+            <a:r>
+              <a:rPr lang="en" altLang="ko-Kore-KR" dirty="0">
+                <a:solidFill>
+                  <a:srgbClr val="267F99"/>
+                </a:solidFill>
+                <a:latin typeface="DM Mono" panose="020B0509040201040103" pitchFamily="49" charset="0"/>
+              </a:rPr>
+              <a:t>AAA</a:t>
+            </a:r>
+            <a:endParaRPr lang="en" altLang="ko-Kore-KR" dirty="0">
+              <a:solidFill>
+                <a:srgbClr val="000000"/>
+              </a:solidFill>
+              <a:latin typeface="DM Mono" panose="020B0509040201040103" pitchFamily="49" charset="0"/>
+            </a:endParaRPr>
+          </a:p>
+          <a:p>
+            <a:r>
+              <a:rPr lang="en" altLang="ko-Kore-KR" dirty="0">
+                <a:solidFill>
+                  <a:srgbClr val="000000"/>
+                </a:solidFill>
+                <a:latin typeface="DM Mono" panose="020B0509040201040103" pitchFamily="49" charset="0"/>
+              </a:rPr>
+              <a:t>{</a:t>
+            </a:r>
+          </a:p>
+          <a:p>
+            <a:r>
+              <a:rPr lang="en" altLang="ko-Kore-KR" dirty="0">
+                <a:solidFill>
+                  <a:srgbClr val="0000FF"/>
+                </a:solidFill>
+                <a:latin typeface="DM Mono" panose="020B0509040201040103" pitchFamily="49" charset="0"/>
+              </a:rPr>
+              <a:t>  int</a:t>
+            </a:r>
+            <a:r>
+              <a:rPr lang="en" altLang="ko-Kore-KR" dirty="0">
+                <a:solidFill>
+                  <a:srgbClr val="000000"/>
+                </a:solidFill>
+                <a:latin typeface="DM Mono" panose="020B0509040201040103" pitchFamily="49" charset="0"/>
+              </a:rPr>
+              <a:t> </a:t>
+            </a:r>
+            <a:r>
+              <a:rPr lang="en" altLang="ko-Kore-KR" dirty="0">
+                <a:solidFill>
+                  <a:srgbClr val="001080"/>
+                </a:solidFill>
+                <a:latin typeface="DM Mono" panose="020B0509040201040103" pitchFamily="49" charset="0"/>
+              </a:rPr>
+              <a:t>d</a:t>
+            </a:r>
+            <a:r>
+              <a:rPr lang="en" altLang="ko-Kore-KR" dirty="0">
+                <a:solidFill>
+                  <a:srgbClr val="000000"/>
+                </a:solidFill>
+                <a:latin typeface="DM Mono" panose="020B0509040201040103" pitchFamily="49" charset="0"/>
+              </a:rPr>
+              <a:t>;</a:t>
+            </a:r>
+          </a:p>
+          <a:p>
+            <a:r>
+              <a:rPr lang="en" altLang="ko-Kore-KR" dirty="0">
+                <a:solidFill>
+                  <a:srgbClr val="000000"/>
+                </a:solidFill>
+                <a:latin typeface="DM Mono" panose="020B0509040201040103" pitchFamily="49" charset="0"/>
+              </a:rPr>
+              <a:t>};</a:t>
+            </a:r>
+          </a:p>
+          <a:p>
+            <a:endParaRPr lang="en" altLang="ko-Kore-KR" dirty="0">
+              <a:solidFill>
+                <a:srgbClr val="000000"/>
+              </a:solidFill>
+              <a:latin typeface="DM Mono" panose="020B0509040201040103" pitchFamily="49" charset="0"/>
+            </a:endParaRPr>
+          </a:p>
+          <a:p>
+            <a:r>
+              <a:rPr lang="en" altLang="ko-Kore-KR" dirty="0">
+                <a:solidFill>
+                  <a:srgbClr val="0000FF"/>
+                </a:solidFill>
+                <a:latin typeface="DM Mono" panose="020B0509040201040103" pitchFamily="49" charset="0"/>
+              </a:rPr>
+              <a:t>class</a:t>
+            </a:r>
+            <a:r>
+              <a:rPr lang="en" altLang="ko-Kore-KR" dirty="0">
+                <a:solidFill>
+                  <a:srgbClr val="000000"/>
+                </a:solidFill>
+                <a:latin typeface="DM Mono" panose="020B0509040201040103" pitchFamily="49" charset="0"/>
+              </a:rPr>
+              <a:t> </a:t>
+            </a:r>
+            <a:r>
+              <a:rPr lang="en" altLang="ko-Kore-KR" dirty="0">
+                <a:solidFill>
+                  <a:srgbClr val="267F99"/>
+                </a:solidFill>
+                <a:latin typeface="DM Mono" panose="020B0509040201040103" pitchFamily="49" charset="0"/>
+              </a:rPr>
+              <a:t>CCC</a:t>
+            </a:r>
+            <a:r>
+              <a:rPr lang="en" altLang="ko-Kore-KR" dirty="0">
+                <a:solidFill>
+                  <a:srgbClr val="000000"/>
+                </a:solidFill>
+                <a:latin typeface="DM Mono" panose="020B0509040201040103" pitchFamily="49" charset="0"/>
+              </a:rPr>
+              <a:t> : </a:t>
+            </a:r>
+            <a:r>
+              <a:rPr lang="en" altLang="ko-Kore-KR" dirty="0">
+                <a:solidFill>
+                  <a:srgbClr val="0000FF"/>
+                </a:solidFill>
+                <a:latin typeface="DM Mono" panose="020B0509040201040103" pitchFamily="49" charset="0"/>
+              </a:rPr>
+              <a:t>public</a:t>
+            </a:r>
+            <a:r>
+              <a:rPr lang="en" altLang="ko-Kore-KR" dirty="0">
+                <a:solidFill>
+                  <a:srgbClr val="000000"/>
+                </a:solidFill>
+                <a:latin typeface="DM Mono" panose="020B0509040201040103" pitchFamily="49" charset="0"/>
+              </a:rPr>
+              <a:t> </a:t>
+            </a:r>
+            <a:r>
+              <a:rPr lang="en" altLang="ko-Kore-KR" dirty="0">
+                <a:solidFill>
+                  <a:srgbClr val="267F99"/>
+                </a:solidFill>
+                <a:latin typeface="DM Mono" panose="020B0509040201040103" pitchFamily="49" charset="0"/>
+              </a:rPr>
+              <a:t>BBB</a:t>
+            </a:r>
+            <a:endParaRPr lang="en" altLang="ko-Kore-KR" dirty="0">
+              <a:solidFill>
+                <a:srgbClr val="000000"/>
+              </a:solidFill>
+              <a:latin typeface="DM Mono" panose="020B0509040201040103" pitchFamily="49" charset="0"/>
+            </a:endParaRPr>
+          </a:p>
+          <a:p>
+            <a:r>
+              <a:rPr lang="en" altLang="ko-Kore-KR" dirty="0">
+                <a:solidFill>
+                  <a:srgbClr val="000000"/>
+                </a:solidFill>
+                <a:latin typeface="DM Mono" panose="020B0509040201040103" pitchFamily="49" charset="0"/>
+              </a:rPr>
+              <a:t>{</a:t>
+            </a:r>
+          </a:p>
+          <a:p>
+            <a:r>
+              <a:rPr lang="en" altLang="ko-Kore-KR" dirty="0">
+                <a:solidFill>
+                  <a:srgbClr val="000000"/>
+                </a:solidFill>
+                <a:latin typeface="DM Mono" panose="020B0509040201040103" pitchFamily="49" charset="0"/>
+              </a:rPr>
+              <a:t>};</a:t>
+            </a:r>
+          </a:p>
+          <a:p>
+            <a:endParaRPr lang="en" altLang="ko-Kore-KR" dirty="0">
+              <a:solidFill>
+                <a:srgbClr val="000000"/>
+              </a:solidFill>
+              <a:latin typeface="DM Mono" panose="020B0509040201040103" pitchFamily="49" charset="0"/>
+            </a:endParaRPr>
+          </a:p>
+          <a:p>
+            <a:br>
+              <a:rPr lang="en" altLang="ko-Kore-KR" dirty="0">
+                <a:solidFill>
+                  <a:srgbClr val="000000"/>
+                </a:solidFill>
+                <a:latin typeface="DM Mono" panose="020B0509040201040103" pitchFamily="49" charset="0"/>
+              </a:rPr>
+            </a:br>
+            <a:r>
+              <a:rPr lang="en" altLang="ko-Kore-KR" dirty="0">
+                <a:solidFill>
+                  <a:srgbClr val="0000FF"/>
+                </a:solidFill>
+                <a:latin typeface="DM Mono" panose="020B0509040201040103" pitchFamily="49" charset="0"/>
+              </a:rPr>
+              <a:t>int</a:t>
+            </a:r>
+            <a:r>
+              <a:rPr lang="en" altLang="ko-Kore-KR" dirty="0">
+                <a:solidFill>
+                  <a:srgbClr val="000000"/>
+                </a:solidFill>
+                <a:latin typeface="DM Mono" panose="020B0509040201040103" pitchFamily="49" charset="0"/>
+              </a:rPr>
+              <a:t> </a:t>
+            </a:r>
+            <a:r>
+              <a:rPr lang="en" altLang="ko-Kore-KR" dirty="0">
+                <a:solidFill>
+                  <a:srgbClr val="795E26"/>
+                </a:solidFill>
+                <a:latin typeface="DM Mono" panose="020B0509040201040103" pitchFamily="49" charset="0"/>
+              </a:rPr>
+              <a:t>main</a:t>
+            </a:r>
+            <a:r>
+              <a:rPr lang="en" altLang="ko-Kore-KR" dirty="0">
+                <a:solidFill>
+                  <a:srgbClr val="000000"/>
+                </a:solidFill>
+                <a:latin typeface="DM Mono" panose="020B0509040201040103" pitchFamily="49" charset="0"/>
+              </a:rPr>
+              <a:t>()</a:t>
+            </a:r>
+          </a:p>
+          <a:p>
+            <a:r>
+              <a:rPr lang="en" altLang="ko-Kore-KR" dirty="0">
+                <a:solidFill>
+                  <a:srgbClr val="000000"/>
+                </a:solidFill>
+                <a:latin typeface="DM Mono" panose="020B0509040201040103" pitchFamily="49" charset="0"/>
+              </a:rPr>
+              <a:t>{</a:t>
+            </a:r>
+          </a:p>
+          <a:p>
+            <a:r>
+              <a:rPr lang="en" altLang="ko-Kore-KR" dirty="0">
+                <a:solidFill>
+                  <a:srgbClr val="267F99"/>
+                </a:solidFill>
+                <a:latin typeface="DM Mono" panose="020B0509040201040103" pitchFamily="49" charset="0"/>
+              </a:rPr>
+              <a:t>  AAA</a:t>
+            </a:r>
+            <a:r>
+              <a:rPr lang="en" altLang="ko-Kore-KR" dirty="0">
+                <a:solidFill>
+                  <a:srgbClr val="000000"/>
+                </a:solidFill>
+                <a:latin typeface="DM Mono" panose="020B0509040201040103" pitchFamily="49" charset="0"/>
+              </a:rPr>
+              <a:t> </a:t>
+            </a:r>
+            <a:r>
+              <a:rPr lang="en" altLang="ko-Kore-KR" dirty="0" err="1">
+                <a:solidFill>
+                  <a:srgbClr val="001080"/>
+                </a:solidFill>
+                <a:latin typeface="DM Mono" panose="020B0509040201040103" pitchFamily="49" charset="0"/>
+              </a:rPr>
+              <a:t>aaa</a:t>
+            </a:r>
+            <a:r>
+              <a:rPr lang="en" altLang="ko-Kore-KR" dirty="0">
+                <a:solidFill>
+                  <a:srgbClr val="000000"/>
+                </a:solidFill>
+                <a:latin typeface="DM Mono" panose="020B0509040201040103" pitchFamily="49" charset="0"/>
+              </a:rPr>
+              <a:t>;</a:t>
+            </a:r>
+          </a:p>
+          <a:p>
+            <a:r>
+              <a:rPr lang="en" altLang="ko-Kore-KR" dirty="0">
+                <a:solidFill>
+                  <a:srgbClr val="267F99"/>
+                </a:solidFill>
+                <a:latin typeface="DM Mono" panose="020B0509040201040103" pitchFamily="49" charset="0"/>
+              </a:rPr>
+              <a:t>  BBB</a:t>
+            </a:r>
+            <a:r>
+              <a:rPr lang="en" altLang="ko-Kore-KR" dirty="0">
+                <a:solidFill>
+                  <a:srgbClr val="000000"/>
+                </a:solidFill>
+                <a:latin typeface="DM Mono" panose="020B0509040201040103" pitchFamily="49" charset="0"/>
+              </a:rPr>
+              <a:t> </a:t>
+            </a:r>
+            <a:r>
+              <a:rPr lang="en" altLang="ko-Kore-KR" dirty="0" err="1">
+                <a:solidFill>
+                  <a:srgbClr val="001080"/>
+                </a:solidFill>
+                <a:latin typeface="DM Mono" panose="020B0509040201040103" pitchFamily="49" charset="0"/>
+              </a:rPr>
+              <a:t>bbb</a:t>
+            </a:r>
+            <a:r>
+              <a:rPr lang="en" altLang="ko-Kore-KR" dirty="0">
+                <a:solidFill>
+                  <a:srgbClr val="000000"/>
+                </a:solidFill>
+                <a:latin typeface="DM Mono" panose="020B0509040201040103" pitchFamily="49" charset="0"/>
+              </a:rPr>
+              <a:t>;</a:t>
+            </a:r>
+          </a:p>
+          <a:p>
+            <a:r>
+              <a:rPr lang="en" altLang="ko-Kore-KR" dirty="0">
+                <a:solidFill>
+                  <a:srgbClr val="000000"/>
+                </a:solidFill>
+                <a:latin typeface="DM Mono" panose="020B0509040201040103" pitchFamily="49" charset="0"/>
+              </a:rPr>
+              <a:t>}</a:t>
+            </a:r>
+            <a:endParaRPr lang="en" altLang="ko-Kore-KR" b="0" dirty="0">
+              <a:solidFill>
+                <a:srgbClr val="000000"/>
+              </a:solidFill>
+              <a:effectLst/>
+              <a:latin typeface="DM Mono" panose="020B0509040201040103" pitchFamily="49" charset="0"/>
+            </a:endParaRPr>
+          </a:p>
+        </p:txBody>
+      </p:sp>
+      <p:sp>
+        <p:nvSpPr>
+          <p:cNvPr id="7" name="직사각형 6">
+            <a:extLst>
+              <a:ext uri="{FF2B5EF4-FFF2-40B4-BE49-F238E27FC236}">
+                <a16:creationId xmlns:a16="http://schemas.microsoft.com/office/drawing/2014/main" id="{D229E10B-A5C9-2EDF-8ECA-AD57BE9A3567}"/>
+              </a:ext>
+            </a:extLst>
+          </p:cNvPr>
+          <p:cNvSpPr/>
+          <p:nvPr/>
+        </p:nvSpPr>
+        <p:spPr>
+          <a:xfrm>
+            <a:off x="7266614" y="1127400"/>
+            <a:ext cx="815950" cy="436970"/>
+          </a:xfrm>
+          <a:prstGeom prst="rect">
+            <a:avLst/>
+          </a:prstGeom>
+          <a:solidFill>
+            <a:srgbClr val="FFFF00"/>
+          </a:solidFill>
+        </p:spPr>
+        <p:style>
+          <a:lnRef idx="2">
+            <a:schemeClr val="accent1">
+              <a:shade val="50000"/>
+            </a:schemeClr>
+          </a:lnRef>
+          <a:fillRef idx="1">
+            <a:schemeClr val="accent1"/>
+          </a:fillRef>
+          <a:effectRef idx="0">
+            <a:schemeClr val="accent1"/>
+          </a:effectRef>
+          <a:fontRef idx="minor">
+            <a:schemeClr val="lt1"/>
+          </a:fontRef>
+        </p:style>
+        <p:txBody>
+          <a:bodyPr rtlCol="0" anchor="ctr"/>
+          <a:lstStyle/>
+          <a:p>
+            <a:pPr algn="ctr"/>
+            <a:endParaRPr kumimoji="1" lang="ko-Kore-KR" altLang="en-US" sz="1400" dirty="0">
+              <a:solidFill>
+                <a:schemeClr val="tx1"/>
+              </a:solidFill>
+            </a:endParaRPr>
+          </a:p>
+        </p:txBody>
+      </p:sp>
+      <p:sp>
+        <p:nvSpPr>
+          <p:cNvPr id="9" name="직사각형 8">
+            <a:extLst>
+              <a:ext uri="{FF2B5EF4-FFF2-40B4-BE49-F238E27FC236}">
+                <a16:creationId xmlns:a16="http://schemas.microsoft.com/office/drawing/2014/main" id="{B8B3C3DD-4507-E977-0F90-77F487809280}"/>
+              </a:ext>
+            </a:extLst>
+          </p:cNvPr>
+          <p:cNvSpPr/>
+          <p:nvPr/>
+        </p:nvSpPr>
+        <p:spPr>
+          <a:xfrm>
+            <a:off x="7266613" y="1564370"/>
+            <a:ext cx="815950" cy="436970"/>
+          </a:xfrm>
+          <a:prstGeom prst="rect">
+            <a:avLst/>
+          </a:prstGeom>
+          <a:solidFill>
+            <a:srgbClr val="FFFF00"/>
+          </a:solidFill>
+        </p:spPr>
+        <p:style>
+          <a:lnRef idx="2">
+            <a:schemeClr val="accent1">
+              <a:shade val="50000"/>
+            </a:schemeClr>
+          </a:lnRef>
+          <a:fillRef idx="1">
+            <a:schemeClr val="accent1"/>
+          </a:fillRef>
+          <a:effectRef idx="0">
+            <a:schemeClr val="accent1"/>
+          </a:effectRef>
+          <a:fontRef idx="minor">
+            <a:schemeClr val="lt1"/>
+          </a:fontRef>
+        </p:style>
+        <p:txBody>
+          <a:bodyPr rtlCol="0" anchor="ctr"/>
+          <a:lstStyle/>
+          <a:p>
+            <a:pPr algn="ctr"/>
+            <a:endParaRPr kumimoji="1" lang="ko-Kore-KR" altLang="en-US" sz="1400" dirty="0">
+              <a:solidFill>
+                <a:schemeClr val="tx1"/>
+              </a:solidFill>
+            </a:endParaRPr>
+          </a:p>
+        </p:txBody>
+      </p:sp>
+      <p:sp>
+        <p:nvSpPr>
+          <p:cNvPr id="3" name="직사각형 2">
+            <a:extLst>
+              <a:ext uri="{FF2B5EF4-FFF2-40B4-BE49-F238E27FC236}">
+                <a16:creationId xmlns:a16="http://schemas.microsoft.com/office/drawing/2014/main" id="{BBEEEA0C-7E0C-1C6C-DF9E-A36AF2C08009}"/>
+              </a:ext>
+            </a:extLst>
+          </p:cNvPr>
+          <p:cNvSpPr/>
+          <p:nvPr/>
+        </p:nvSpPr>
+        <p:spPr>
+          <a:xfrm>
+            <a:off x="6944089" y="724249"/>
+            <a:ext cx="322524" cy="369332"/>
+          </a:xfrm>
+          <a:prstGeom prst="rect">
+            <a:avLst/>
+          </a:prstGeom>
+        </p:spPr>
+        <p:txBody>
+          <a:bodyPr wrap="none">
+            <a:spAutoFit/>
+          </a:bodyPr>
+          <a:lstStyle/>
+          <a:p>
+            <a:r>
+              <a:rPr lang="en" altLang="ko-Kore-KR" dirty="0">
+                <a:solidFill>
+                  <a:srgbClr val="001080"/>
+                </a:solidFill>
+                <a:latin typeface="DM Mono" panose="020B0509040201040103" pitchFamily="49" charset="0"/>
+              </a:rPr>
+              <a:t>a</a:t>
+            </a:r>
+            <a:endParaRPr lang="ko-Kore-KR" altLang="en-US" dirty="0"/>
+          </a:p>
+        </p:txBody>
+      </p:sp>
+      <p:sp>
+        <p:nvSpPr>
+          <p:cNvPr id="10" name="직사각형 9">
+            <a:extLst>
+              <a:ext uri="{FF2B5EF4-FFF2-40B4-BE49-F238E27FC236}">
+                <a16:creationId xmlns:a16="http://schemas.microsoft.com/office/drawing/2014/main" id="{6143ACDF-0132-554B-180D-E8451977D078}"/>
+              </a:ext>
+            </a:extLst>
+          </p:cNvPr>
+          <p:cNvSpPr/>
+          <p:nvPr/>
+        </p:nvSpPr>
+        <p:spPr>
+          <a:xfrm>
+            <a:off x="6944089" y="1127400"/>
+            <a:ext cx="322524" cy="369332"/>
+          </a:xfrm>
+          <a:prstGeom prst="rect">
+            <a:avLst/>
+          </a:prstGeom>
+        </p:spPr>
+        <p:txBody>
+          <a:bodyPr wrap="none">
+            <a:spAutoFit/>
+          </a:bodyPr>
+          <a:lstStyle/>
+          <a:p>
+            <a:r>
+              <a:rPr lang="en" altLang="ko-Kore-KR" dirty="0">
+                <a:solidFill>
+                  <a:srgbClr val="001080"/>
+                </a:solidFill>
+                <a:latin typeface="DM Mono" panose="020B0509040201040103" pitchFamily="49" charset="0"/>
+              </a:rPr>
+              <a:t>b</a:t>
+            </a:r>
+            <a:endParaRPr lang="ko-Kore-KR" altLang="en-US" dirty="0"/>
+          </a:p>
+        </p:txBody>
+      </p:sp>
+      <p:sp>
+        <p:nvSpPr>
+          <p:cNvPr id="11" name="직사각형 10">
+            <a:extLst>
+              <a:ext uri="{FF2B5EF4-FFF2-40B4-BE49-F238E27FC236}">
+                <a16:creationId xmlns:a16="http://schemas.microsoft.com/office/drawing/2014/main" id="{6C49CA5E-D680-2311-0EAE-6B586A97B1F8}"/>
+              </a:ext>
+            </a:extLst>
+          </p:cNvPr>
+          <p:cNvSpPr/>
+          <p:nvPr/>
+        </p:nvSpPr>
+        <p:spPr>
+          <a:xfrm>
+            <a:off x="6944089" y="1598189"/>
+            <a:ext cx="322524" cy="369332"/>
+          </a:xfrm>
+          <a:prstGeom prst="rect">
+            <a:avLst/>
+          </a:prstGeom>
+        </p:spPr>
+        <p:txBody>
+          <a:bodyPr wrap="none">
+            <a:spAutoFit/>
+          </a:bodyPr>
+          <a:lstStyle/>
+          <a:p>
+            <a:r>
+              <a:rPr lang="en" altLang="ko-Kore-KR" dirty="0">
+                <a:solidFill>
+                  <a:srgbClr val="001080"/>
+                </a:solidFill>
+                <a:latin typeface="DM Mono" panose="020B0509040201040103" pitchFamily="49" charset="0"/>
+              </a:rPr>
+              <a:t>c</a:t>
+            </a:r>
+            <a:endParaRPr lang="ko-Kore-KR" altLang="en-US" dirty="0"/>
+          </a:p>
+        </p:txBody>
+      </p:sp>
+      <p:sp>
+        <p:nvSpPr>
+          <p:cNvPr id="12" name="직사각형 11">
+            <a:extLst>
+              <a:ext uri="{FF2B5EF4-FFF2-40B4-BE49-F238E27FC236}">
+                <a16:creationId xmlns:a16="http://schemas.microsoft.com/office/drawing/2014/main" id="{AE0E9D3A-4FA5-72E3-A0B9-0D8DB8E623E5}"/>
+              </a:ext>
+            </a:extLst>
+          </p:cNvPr>
+          <p:cNvSpPr/>
+          <p:nvPr/>
+        </p:nvSpPr>
+        <p:spPr>
+          <a:xfrm>
+            <a:off x="9127525" y="691586"/>
+            <a:ext cx="815950" cy="436970"/>
+          </a:xfrm>
+          <a:prstGeom prst="rect">
+            <a:avLst/>
+          </a:prstGeom>
+          <a:solidFill>
+            <a:schemeClr val="accent2"/>
+          </a:solidFill>
+        </p:spPr>
+        <p:style>
+          <a:lnRef idx="2">
+            <a:schemeClr val="accent1">
+              <a:shade val="50000"/>
+            </a:schemeClr>
+          </a:lnRef>
+          <a:fillRef idx="1">
+            <a:schemeClr val="accent1"/>
+          </a:fillRef>
+          <a:effectRef idx="0">
+            <a:schemeClr val="accent1"/>
+          </a:effectRef>
+          <a:fontRef idx="minor">
+            <a:schemeClr val="lt1"/>
+          </a:fontRef>
+        </p:style>
+        <p:txBody>
+          <a:bodyPr rtlCol="0" anchor="ctr"/>
+          <a:lstStyle/>
+          <a:p>
+            <a:pPr algn="ctr"/>
+            <a:endParaRPr kumimoji="1" lang="ko-Kore-KR" altLang="en-US" sz="1400" dirty="0">
+              <a:solidFill>
+                <a:schemeClr val="tx1"/>
+              </a:solidFill>
+            </a:endParaRPr>
+          </a:p>
+        </p:txBody>
+      </p:sp>
+      <p:sp>
+        <p:nvSpPr>
+          <p:cNvPr id="13" name="직사각형 12">
+            <a:extLst>
+              <a:ext uri="{FF2B5EF4-FFF2-40B4-BE49-F238E27FC236}">
+                <a16:creationId xmlns:a16="http://schemas.microsoft.com/office/drawing/2014/main" id="{F369D28F-7CAF-F951-2C80-306599296702}"/>
+              </a:ext>
+            </a:extLst>
+          </p:cNvPr>
+          <p:cNvSpPr/>
+          <p:nvPr/>
+        </p:nvSpPr>
+        <p:spPr>
+          <a:xfrm>
+            <a:off x="9236379" y="322254"/>
+            <a:ext cx="598241" cy="369332"/>
+          </a:xfrm>
+          <a:prstGeom prst="rect">
+            <a:avLst/>
+          </a:prstGeom>
+        </p:spPr>
+        <p:txBody>
+          <a:bodyPr wrap="none">
+            <a:spAutoFit/>
+          </a:bodyPr>
+          <a:lstStyle/>
+          <a:p>
+            <a:r>
+              <a:rPr lang="en-US" altLang="ko-Kore-KR" dirty="0" err="1">
+                <a:solidFill>
+                  <a:srgbClr val="001080"/>
+                </a:solidFill>
+                <a:latin typeface="DM Mono" panose="020B0509040201040103" pitchFamily="49" charset="0"/>
+              </a:rPr>
+              <a:t>bbb</a:t>
+            </a:r>
+            <a:endParaRPr lang="ko-Kore-KR" altLang="en-US" dirty="0"/>
+          </a:p>
+        </p:txBody>
+      </p:sp>
+      <p:sp>
+        <p:nvSpPr>
+          <p:cNvPr id="14" name="직사각형 13">
+            <a:extLst>
+              <a:ext uri="{FF2B5EF4-FFF2-40B4-BE49-F238E27FC236}">
+                <a16:creationId xmlns:a16="http://schemas.microsoft.com/office/drawing/2014/main" id="{53CAEA03-6A70-CA42-83D5-0C612D4A20CE}"/>
+              </a:ext>
+            </a:extLst>
+          </p:cNvPr>
+          <p:cNvSpPr/>
+          <p:nvPr/>
+        </p:nvSpPr>
+        <p:spPr>
+          <a:xfrm>
+            <a:off x="9127524" y="1128556"/>
+            <a:ext cx="815950" cy="436970"/>
+          </a:xfrm>
+          <a:prstGeom prst="rect">
+            <a:avLst/>
+          </a:prstGeom>
+          <a:solidFill>
+            <a:schemeClr val="accent2"/>
+          </a:solidFill>
+        </p:spPr>
+        <p:style>
+          <a:lnRef idx="2">
+            <a:schemeClr val="accent1">
+              <a:shade val="50000"/>
+            </a:schemeClr>
+          </a:lnRef>
+          <a:fillRef idx="1">
+            <a:schemeClr val="accent1"/>
+          </a:fillRef>
+          <a:effectRef idx="0">
+            <a:schemeClr val="accent1"/>
+          </a:effectRef>
+          <a:fontRef idx="minor">
+            <a:schemeClr val="lt1"/>
+          </a:fontRef>
+        </p:style>
+        <p:txBody>
+          <a:bodyPr rtlCol="0" anchor="ctr"/>
+          <a:lstStyle/>
+          <a:p>
+            <a:pPr algn="ctr"/>
+            <a:endParaRPr kumimoji="1" lang="ko-Kore-KR" altLang="en-US" sz="1400" dirty="0">
+              <a:solidFill>
+                <a:schemeClr val="tx1"/>
+              </a:solidFill>
+            </a:endParaRPr>
+          </a:p>
+        </p:txBody>
+      </p:sp>
+      <p:sp>
+        <p:nvSpPr>
+          <p:cNvPr id="15" name="직사각형 14">
+            <a:extLst>
+              <a:ext uri="{FF2B5EF4-FFF2-40B4-BE49-F238E27FC236}">
+                <a16:creationId xmlns:a16="http://schemas.microsoft.com/office/drawing/2014/main" id="{6520A27A-9A65-3CFB-4454-A1DD3D06A63D}"/>
+              </a:ext>
+            </a:extLst>
+          </p:cNvPr>
+          <p:cNvSpPr/>
+          <p:nvPr/>
+        </p:nvSpPr>
+        <p:spPr>
+          <a:xfrm>
+            <a:off x="9127523" y="1565526"/>
+            <a:ext cx="815950" cy="436970"/>
+          </a:xfrm>
+          <a:prstGeom prst="rect">
+            <a:avLst/>
+          </a:prstGeom>
+          <a:solidFill>
+            <a:schemeClr val="accent2"/>
+          </a:solidFill>
+        </p:spPr>
+        <p:style>
+          <a:lnRef idx="2">
+            <a:schemeClr val="accent1">
+              <a:shade val="50000"/>
+            </a:schemeClr>
+          </a:lnRef>
+          <a:fillRef idx="1">
+            <a:schemeClr val="accent1"/>
+          </a:fillRef>
+          <a:effectRef idx="0">
+            <a:schemeClr val="accent1"/>
+          </a:effectRef>
+          <a:fontRef idx="minor">
+            <a:schemeClr val="lt1"/>
+          </a:fontRef>
+        </p:style>
+        <p:txBody>
+          <a:bodyPr rtlCol="0" anchor="ctr"/>
+          <a:lstStyle/>
+          <a:p>
+            <a:pPr algn="ctr"/>
+            <a:endParaRPr kumimoji="1" lang="ko-Kore-KR" altLang="en-US" sz="1400" dirty="0">
+              <a:solidFill>
+                <a:schemeClr val="tx1"/>
+              </a:solidFill>
+            </a:endParaRPr>
+          </a:p>
+        </p:txBody>
+      </p:sp>
+      <p:sp>
+        <p:nvSpPr>
+          <p:cNvPr id="16" name="직사각형 15">
+            <a:extLst>
+              <a:ext uri="{FF2B5EF4-FFF2-40B4-BE49-F238E27FC236}">
+                <a16:creationId xmlns:a16="http://schemas.microsoft.com/office/drawing/2014/main" id="{1ADDF979-F1DA-F8BA-D1E4-708A01965087}"/>
+              </a:ext>
+            </a:extLst>
+          </p:cNvPr>
+          <p:cNvSpPr/>
+          <p:nvPr/>
+        </p:nvSpPr>
+        <p:spPr>
+          <a:xfrm>
+            <a:off x="8804999" y="725405"/>
+            <a:ext cx="322524" cy="369332"/>
+          </a:xfrm>
+          <a:prstGeom prst="rect">
+            <a:avLst/>
+          </a:prstGeom>
+        </p:spPr>
+        <p:txBody>
+          <a:bodyPr wrap="none">
+            <a:spAutoFit/>
+          </a:bodyPr>
+          <a:lstStyle/>
+          <a:p>
+            <a:r>
+              <a:rPr lang="en" altLang="ko-Kore-KR" dirty="0">
+                <a:solidFill>
+                  <a:srgbClr val="001080"/>
+                </a:solidFill>
+                <a:latin typeface="DM Mono" panose="020B0509040201040103" pitchFamily="49" charset="0"/>
+              </a:rPr>
+              <a:t>a</a:t>
+            </a:r>
+            <a:endParaRPr lang="ko-Kore-KR" altLang="en-US" dirty="0"/>
+          </a:p>
+        </p:txBody>
+      </p:sp>
+      <p:sp>
+        <p:nvSpPr>
+          <p:cNvPr id="17" name="직사각형 16">
+            <a:extLst>
+              <a:ext uri="{FF2B5EF4-FFF2-40B4-BE49-F238E27FC236}">
+                <a16:creationId xmlns:a16="http://schemas.microsoft.com/office/drawing/2014/main" id="{EEED5331-8B4C-7966-EC2F-B4AD06378A3B}"/>
+              </a:ext>
+            </a:extLst>
+          </p:cNvPr>
+          <p:cNvSpPr/>
+          <p:nvPr/>
+        </p:nvSpPr>
+        <p:spPr>
+          <a:xfrm>
+            <a:off x="8804999" y="1128556"/>
+            <a:ext cx="322524" cy="369332"/>
+          </a:xfrm>
+          <a:prstGeom prst="rect">
+            <a:avLst/>
+          </a:prstGeom>
+        </p:spPr>
+        <p:txBody>
+          <a:bodyPr wrap="none">
+            <a:spAutoFit/>
+          </a:bodyPr>
+          <a:lstStyle/>
+          <a:p>
+            <a:r>
+              <a:rPr lang="en" altLang="ko-Kore-KR" dirty="0">
+                <a:solidFill>
+                  <a:srgbClr val="001080"/>
+                </a:solidFill>
+                <a:latin typeface="DM Mono" panose="020B0509040201040103" pitchFamily="49" charset="0"/>
+              </a:rPr>
+              <a:t>b</a:t>
+            </a:r>
+            <a:endParaRPr lang="ko-Kore-KR" altLang="en-US" dirty="0"/>
+          </a:p>
+        </p:txBody>
+      </p:sp>
+      <p:sp>
+        <p:nvSpPr>
+          <p:cNvPr id="18" name="직사각형 17">
+            <a:extLst>
+              <a:ext uri="{FF2B5EF4-FFF2-40B4-BE49-F238E27FC236}">
+                <a16:creationId xmlns:a16="http://schemas.microsoft.com/office/drawing/2014/main" id="{FB2DC2DC-97C4-D169-FC8A-5E09EDDA574B}"/>
+              </a:ext>
+            </a:extLst>
+          </p:cNvPr>
+          <p:cNvSpPr/>
+          <p:nvPr/>
+        </p:nvSpPr>
+        <p:spPr>
+          <a:xfrm>
+            <a:off x="8804999" y="1599345"/>
+            <a:ext cx="322524" cy="369332"/>
+          </a:xfrm>
+          <a:prstGeom prst="rect">
+            <a:avLst/>
+          </a:prstGeom>
+        </p:spPr>
+        <p:txBody>
+          <a:bodyPr wrap="none">
+            <a:spAutoFit/>
+          </a:bodyPr>
+          <a:lstStyle/>
+          <a:p>
+            <a:r>
+              <a:rPr lang="en" altLang="ko-Kore-KR" dirty="0">
+                <a:solidFill>
+                  <a:srgbClr val="001080"/>
+                </a:solidFill>
+                <a:latin typeface="DM Mono" panose="020B0509040201040103" pitchFamily="49" charset="0"/>
+              </a:rPr>
+              <a:t>c</a:t>
+            </a:r>
+            <a:endParaRPr lang="ko-Kore-KR" altLang="en-US" dirty="0"/>
+          </a:p>
+        </p:txBody>
+      </p:sp>
+      <p:sp>
+        <p:nvSpPr>
+          <p:cNvPr id="19" name="직사각형 18">
+            <a:extLst>
+              <a:ext uri="{FF2B5EF4-FFF2-40B4-BE49-F238E27FC236}">
+                <a16:creationId xmlns:a16="http://schemas.microsoft.com/office/drawing/2014/main" id="{116566DF-C168-B379-3302-844082149AA1}"/>
+              </a:ext>
+            </a:extLst>
+          </p:cNvPr>
+          <p:cNvSpPr/>
+          <p:nvPr/>
+        </p:nvSpPr>
+        <p:spPr>
+          <a:xfrm>
+            <a:off x="9127523" y="2001340"/>
+            <a:ext cx="815950" cy="436970"/>
+          </a:xfrm>
+          <a:prstGeom prst="rect">
+            <a:avLst/>
+          </a:prstGeom>
+          <a:solidFill>
+            <a:srgbClr val="FFFF00"/>
+          </a:solidFill>
+        </p:spPr>
+        <p:style>
+          <a:lnRef idx="2">
+            <a:schemeClr val="accent1">
+              <a:shade val="50000"/>
+            </a:schemeClr>
+          </a:lnRef>
+          <a:fillRef idx="1">
+            <a:schemeClr val="accent1"/>
+          </a:fillRef>
+          <a:effectRef idx="0">
+            <a:schemeClr val="accent1"/>
+          </a:effectRef>
+          <a:fontRef idx="minor">
+            <a:schemeClr val="lt1"/>
+          </a:fontRef>
+        </p:style>
+        <p:txBody>
+          <a:bodyPr rtlCol="0" anchor="ctr"/>
+          <a:lstStyle/>
+          <a:p>
+            <a:pPr algn="ctr"/>
+            <a:endParaRPr kumimoji="1" lang="ko-Kore-KR" altLang="en-US" sz="1400" dirty="0">
+              <a:solidFill>
+                <a:schemeClr val="tx1"/>
+              </a:solidFill>
+            </a:endParaRPr>
+          </a:p>
+        </p:txBody>
+      </p:sp>
+      <p:sp>
+        <p:nvSpPr>
+          <p:cNvPr id="20" name="직사각형 19">
+            <a:extLst>
+              <a:ext uri="{FF2B5EF4-FFF2-40B4-BE49-F238E27FC236}">
+                <a16:creationId xmlns:a16="http://schemas.microsoft.com/office/drawing/2014/main" id="{48110F0D-8CE6-583B-A08A-6B4788C9DF53}"/>
+              </a:ext>
+            </a:extLst>
+          </p:cNvPr>
+          <p:cNvSpPr/>
+          <p:nvPr/>
+        </p:nvSpPr>
+        <p:spPr>
+          <a:xfrm>
+            <a:off x="8804999" y="1994723"/>
+            <a:ext cx="322524" cy="369332"/>
+          </a:xfrm>
+          <a:prstGeom prst="rect">
+            <a:avLst/>
+          </a:prstGeom>
+        </p:spPr>
+        <p:txBody>
+          <a:bodyPr wrap="none">
+            <a:spAutoFit/>
+          </a:bodyPr>
+          <a:lstStyle/>
+          <a:p>
+            <a:r>
+              <a:rPr lang="en" altLang="ko-Kore-KR" dirty="0">
+                <a:solidFill>
+                  <a:srgbClr val="001080"/>
+                </a:solidFill>
+                <a:latin typeface="DM Mono" panose="020B0509040201040103" pitchFamily="49" charset="0"/>
+              </a:rPr>
+              <a:t>d</a:t>
+            </a:r>
+            <a:endParaRPr lang="ko-Kore-KR" altLang="en-US" dirty="0"/>
+          </a:p>
+        </p:txBody>
+      </p:sp>
+      <p:sp>
+        <p:nvSpPr>
+          <p:cNvPr id="21" name="직사각형 20">
+            <a:extLst>
+              <a:ext uri="{FF2B5EF4-FFF2-40B4-BE49-F238E27FC236}">
+                <a16:creationId xmlns:a16="http://schemas.microsoft.com/office/drawing/2014/main" id="{BB22648B-E4D1-78D1-AF7A-A6925B7B97F5}"/>
+              </a:ext>
+            </a:extLst>
+          </p:cNvPr>
+          <p:cNvSpPr/>
+          <p:nvPr/>
+        </p:nvSpPr>
+        <p:spPr>
+          <a:xfrm>
+            <a:off x="9105197" y="3295873"/>
+            <a:ext cx="815950" cy="436970"/>
+          </a:xfrm>
+          <a:prstGeom prst="rect">
+            <a:avLst/>
+          </a:prstGeom>
+          <a:solidFill>
+            <a:schemeClr val="accent2"/>
+          </a:solidFill>
+        </p:spPr>
+        <p:style>
+          <a:lnRef idx="2">
+            <a:schemeClr val="accent1">
+              <a:shade val="50000"/>
+            </a:schemeClr>
+          </a:lnRef>
+          <a:fillRef idx="1">
+            <a:schemeClr val="accent1"/>
+          </a:fillRef>
+          <a:effectRef idx="0">
+            <a:schemeClr val="accent1"/>
+          </a:effectRef>
+          <a:fontRef idx="minor">
+            <a:schemeClr val="lt1"/>
+          </a:fontRef>
+        </p:style>
+        <p:txBody>
+          <a:bodyPr rtlCol="0" anchor="ctr"/>
+          <a:lstStyle/>
+          <a:p>
+            <a:pPr algn="ctr"/>
+            <a:endParaRPr kumimoji="1" lang="ko-Kore-KR" altLang="en-US" sz="1400" dirty="0">
+              <a:solidFill>
+                <a:schemeClr val="tx1"/>
+              </a:solidFill>
+            </a:endParaRPr>
+          </a:p>
+        </p:txBody>
+      </p:sp>
+      <p:sp>
+        <p:nvSpPr>
+          <p:cNvPr id="22" name="직사각형 21">
+            <a:extLst>
+              <a:ext uri="{FF2B5EF4-FFF2-40B4-BE49-F238E27FC236}">
+                <a16:creationId xmlns:a16="http://schemas.microsoft.com/office/drawing/2014/main" id="{819314B3-C44E-571B-64E9-0CF268D99090}"/>
+              </a:ext>
+            </a:extLst>
+          </p:cNvPr>
+          <p:cNvSpPr/>
+          <p:nvPr/>
+        </p:nvSpPr>
+        <p:spPr>
+          <a:xfrm>
+            <a:off x="9214051" y="2926541"/>
+            <a:ext cx="598241" cy="369332"/>
+          </a:xfrm>
+          <a:prstGeom prst="rect">
+            <a:avLst/>
+          </a:prstGeom>
+        </p:spPr>
+        <p:txBody>
+          <a:bodyPr wrap="none">
+            <a:spAutoFit/>
+          </a:bodyPr>
+          <a:lstStyle/>
+          <a:p>
+            <a:r>
+              <a:rPr lang="en-US" altLang="ko-Kore-KR" dirty="0" err="1">
+                <a:solidFill>
+                  <a:srgbClr val="001080"/>
+                </a:solidFill>
+                <a:latin typeface="DM Mono" panose="020B0509040201040103" pitchFamily="49" charset="0"/>
+              </a:rPr>
+              <a:t>bbb</a:t>
+            </a:r>
+            <a:endParaRPr lang="ko-Kore-KR" altLang="en-US" dirty="0"/>
+          </a:p>
+        </p:txBody>
+      </p:sp>
+      <p:sp>
+        <p:nvSpPr>
+          <p:cNvPr id="23" name="직사각형 22">
+            <a:extLst>
+              <a:ext uri="{FF2B5EF4-FFF2-40B4-BE49-F238E27FC236}">
+                <a16:creationId xmlns:a16="http://schemas.microsoft.com/office/drawing/2014/main" id="{EC964D24-FB92-EAAC-5FA3-DE17B3561E42}"/>
+              </a:ext>
+            </a:extLst>
+          </p:cNvPr>
+          <p:cNvSpPr/>
+          <p:nvPr/>
+        </p:nvSpPr>
+        <p:spPr>
+          <a:xfrm>
+            <a:off x="9105196" y="3732843"/>
+            <a:ext cx="815950" cy="436970"/>
+          </a:xfrm>
+          <a:prstGeom prst="rect">
+            <a:avLst/>
+          </a:prstGeom>
+          <a:solidFill>
+            <a:schemeClr val="accent2"/>
+          </a:solidFill>
+        </p:spPr>
+        <p:style>
+          <a:lnRef idx="2">
+            <a:schemeClr val="accent1">
+              <a:shade val="50000"/>
+            </a:schemeClr>
+          </a:lnRef>
+          <a:fillRef idx="1">
+            <a:schemeClr val="accent1"/>
+          </a:fillRef>
+          <a:effectRef idx="0">
+            <a:schemeClr val="accent1"/>
+          </a:effectRef>
+          <a:fontRef idx="minor">
+            <a:schemeClr val="lt1"/>
+          </a:fontRef>
+        </p:style>
+        <p:txBody>
+          <a:bodyPr rtlCol="0" anchor="ctr"/>
+          <a:lstStyle/>
+          <a:p>
+            <a:pPr algn="ctr"/>
+            <a:endParaRPr kumimoji="1" lang="ko-Kore-KR" altLang="en-US" sz="1400" dirty="0">
+              <a:solidFill>
+                <a:schemeClr val="tx1"/>
+              </a:solidFill>
+            </a:endParaRPr>
+          </a:p>
+        </p:txBody>
+      </p:sp>
+      <p:sp>
+        <p:nvSpPr>
+          <p:cNvPr id="24" name="직사각형 23">
+            <a:extLst>
+              <a:ext uri="{FF2B5EF4-FFF2-40B4-BE49-F238E27FC236}">
+                <a16:creationId xmlns:a16="http://schemas.microsoft.com/office/drawing/2014/main" id="{C8142146-676F-0804-874F-0D8114D65C6A}"/>
+              </a:ext>
+            </a:extLst>
+          </p:cNvPr>
+          <p:cNvSpPr/>
+          <p:nvPr/>
+        </p:nvSpPr>
+        <p:spPr>
+          <a:xfrm>
+            <a:off x="9105195" y="4169813"/>
+            <a:ext cx="815950" cy="436970"/>
+          </a:xfrm>
+          <a:prstGeom prst="rect">
+            <a:avLst/>
+          </a:prstGeom>
+          <a:solidFill>
+            <a:schemeClr val="accent2"/>
+          </a:solidFill>
+        </p:spPr>
+        <p:style>
+          <a:lnRef idx="2">
+            <a:schemeClr val="accent1">
+              <a:shade val="50000"/>
+            </a:schemeClr>
+          </a:lnRef>
+          <a:fillRef idx="1">
+            <a:schemeClr val="accent1"/>
+          </a:fillRef>
+          <a:effectRef idx="0">
+            <a:schemeClr val="accent1"/>
+          </a:effectRef>
+          <a:fontRef idx="minor">
+            <a:schemeClr val="lt1"/>
+          </a:fontRef>
+        </p:style>
+        <p:txBody>
+          <a:bodyPr rtlCol="0" anchor="ctr"/>
+          <a:lstStyle/>
+          <a:p>
+            <a:pPr algn="ctr"/>
+            <a:endParaRPr kumimoji="1" lang="ko-Kore-KR" altLang="en-US" sz="1400" dirty="0">
+              <a:solidFill>
+                <a:schemeClr val="tx1"/>
+              </a:solidFill>
+            </a:endParaRPr>
+          </a:p>
+        </p:txBody>
+      </p:sp>
+      <p:sp>
+        <p:nvSpPr>
+          <p:cNvPr id="25" name="직사각형 24">
+            <a:extLst>
+              <a:ext uri="{FF2B5EF4-FFF2-40B4-BE49-F238E27FC236}">
+                <a16:creationId xmlns:a16="http://schemas.microsoft.com/office/drawing/2014/main" id="{6083BCDD-9093-4EE3-073E-0DAB4512618A}"/>
+              </a:ext>
+            </a:extLst>
+          </p:cNvPr>
+          <p:cNvSpPr/>
+          <p:nvPr/>
+        </p:nvSpPr>
+        <p:spPr>
+          <a:xfrm>
+            <a:off x="8782671" y="3329692"/>
+            <a:ext cx="322524" cy="369332"/>
+          </a:xfrm>
+          <a:prstGeom prst="rect">
+            <a:avLst/>
+          </a:prstGeom>
+        </p:spPr>
+        <p:txBody>
+          <a:bodyPr wrap="none">
+            <a:spAutoFit/>
+          </a:bodyPr>
+          <a:lstStyle/>
+          <a:p>
+            <a:r>
+              <a:rPr lang="en" altLang="ko-Kore-KR" dirty="0">
+                <a:solidFill>
+                  <a:srgbClr val="001080"/>
+                </a:solidFill>
+                <a:latin typeface="DM Mono" panose="020B0509040201040103" pitchFamily="49" charset="0"/>
+              </a:rPr>
+              <a:t>a</a:t>
+            </a:r>
+            <a:endParaRPr lang="ko-Kore-KR" altLang="en-US" dirty="0"/>
+          </a:p>
+        </p:txBody>
+      </p:sp>
+      <p:sp>
+        <p:nvSpPr>
+          <p:cNvPr id="26" name="직사각형 25">
+            <a:extLst>
+              <a:ext uri="{FF2B5EF4-FFF2-40B4-BE49-F238E27FC236}">
+                <a16:creationId xmlns:a16="http://schemas.microsoft.com/office/drawing/2014/main" id="{4E33E355-A212-FC5F-02BC-B28BE563755C}"/>
+              </a:ext>
+            </a:extLst>
+          </p:cNvPr>
+          <p:cNvSpPr/>
+          <p:nvPr/>
+        </p:nvSpPr>
+        <p:spPr>
+          <a:xfrm>
+            <a:off x="8782671" y="3732843"/>
+            <a:ext cx="322524" cy="369332"/>
+          </a:xfrm>
+          <a:prstGeom prst="rect">
+            <a:avLst/>
+          </a:prstGeom>
+        </p:spPr>
+        <p:txBody>
+          <a:bodyPr wrap="none">
+            <a:spAutoFit/>
+          </a:bodyPr>
+          <a:lstStyle/>
+          <a:p>
+            <a:r>
+              <a:rPr lang="en" altLang="ko-Kore-KR" dirty="0">
+                <a:solidFill>
+                  <a:srgbClr val="001080"/>
+                </a:solidFill>
+                <a:latin typeface="DM Mono" panose="020B0509040201040103" pitchFamily="49" charset="0"/>
+              </a:rPr>
+              <a:t>b</a:t>
+            </a:r>
+            <a:endParaRPr lang="ko-Kore-KR" altLang="en-US" dirty="0"/>
+          </a:p>
+        </p:txBody>
+      </p:sp>
+      <p:sp>
+        <p:nvSpPr>
+          <p:cNvPr id="27" name="직사각형 26">
+            <a:extLst>
+              <a:ext uri="{FF2B5EF4-FFF2-40B4-BE49-F238E27FC236}">
+                <a16:creationId xmlns:a16="http://schemas.microsoft.com/office/drawing/2014/main" id="{50BB3084-154F-1835-8058-7226F8A2B41B}"/>
+              </a:ext>
+            </a:extLst>
+          </p:cNvPr>
+          <p:cNvSpPr/>
+          <p:nvPr/>
+        </p:nvSpPr>
+        <p:spPr>
+          <a:xfrm>
+            <a:off x="8782671" y="4203632"/>
+            <a:ext cx="322524" cy="369332"/>
+          </a:xfrm>
+          <a:prstGeom prst="rect">
+            <a:avLst/>
+          </a:prstGeom>
+        </p:spPr>
+        <p:txBody>
+          <a:bodyPr wrap="none">
+            <a:spAutoFit/>
+          </a:bodyPr>
+          <a:lstStyle/>
+          <a:p>
+            <a:r>
+              <a:rPr lang="en" altLang="ko-Kore-KR" dirty="0">
+                <a:solidFill>
+                  <a:srgbClr val="001080"/>
+                </a:solidFill>
+                <a:latin typeface="DM Mono" panose="020B0509040201040103" pitchFamily="49" charset="0"/>
+              </a:rPr>
+              <a:t>c</a:t>
+            </a:r>
+            <a:endParaRPr lang="ko-Kore-KR" altLang="en-US" dirty="0"/>
+          </a:p>
+        </p:txBody>
+      </p:sp>
+      <p:sp>
+        <p:nvSpPr>
+          <p:cNvPr id="28" name="직사각형 27">
+            <a:extLst>
+              <a:ext uri="{FF2B5EF4-FFF2-40B4-BE49-F238E27FC236}">
+                <a16:creationId xmlns:a16="http://schemas.microsoft.com/office/drawing/2014/main" id="{86AA76A8-885D-D761-C6EB-D8495D786E64}"/>
+              </a:ext>
+            </a:extLst>
+          </p:cNvPr>
+          <p:cNvSpPr/>
+          <p:nvPr/>
+        </p:nvSpPr>
+        <p:spPr>
+          <a:xfrm>
+            <a:off x="9105195" y="4605627"/>
+            <a:ext cx="815950" cy="436970"/>
+          </a:xfrm>
+          <a:prstGeom prst="rect">
+            <a:avLst/>
+          </a:prstGeom>
+          <a:solidFill>
+            <a:srgbClr val="FFFF00"/>
+          </a:solidFill>
+        </p:spPr>
+        <p:style>
+          <a:lnRef idx="2">
+            <a:schemeClr val="accent1">
+              <a:shade val="50000"/>
+            </a:schemeClr>
+          </a:lnRef>
+          <a:fillRef idx="1">
+            <a:schemeClr val="accent1"/>
+          </a:fillRef>
+          <a:effectRef idx="0">
+            <a:schemeClr val="accent1"/>
+          </a:effectRef>
+          <a:fontRef idx="minor">
+            <a:schemeClr val="lt1"/>
+          </a:fontRef>
+        </p:style>
+        <p:txBody>
+          <a:bodyPr rtlCol="0" anchor="ctr"/>
+          <a:lstStyle/>
+          <a:p>
+            <a:pPr algn="ctr"/>
+            <a:endParaRPr kumimoji="1" lang="ko-Kore-KR" altLang="en-US" sz="1400" dirty="0">
+              <a:solidFill>
+                <a:schemeClr val="tx1"/>
+              </a:solidFill>
+            </a:endParaRPr>
+          </a:p>
+        </p:txBody>
+      </p:sp>
+      <p:sp>
+        <p:nvSpPr>
+          <p:cNvPr id="29" name="직사각형 28">
+            <a:extLst>
+              <a:ext uri="{FF2B5EF4-FFF2-40B4-BE49-F238E27FC236}">
+                <a16:creationId xmlns:a16="http://schemas.microsoft.com/office/drawing/2014/main" id="{193C2D88-AFFA-C127-883B-5E45EF8FF5DF}"/>
+              </a:ext>
+            </a:extLst>
+          </p:cNvPr>
+          <p:cNvSpPr/>
+          <p:nvPr/>
+        </p:nvSpPr>
+        <p:spPr>
+          <a:xfrm>
+            <a:off x="8782671" y="4599010"/>
+            <a:ext cx="322524" cy="369332"/>
+          </a:xfrm>
+          <a:prstGeom prst="rect">
+            <a:avLst/>
+          </a:prstGeom>
+        </p:spPr>
+        <p:txBody>
+          <a:bodyPr wrap="none">
+            <a:spAutoFit/>
+          </a:bodyPr>
+          <a:lstStyle/>
+          <a:p>
+            <a:r>
+              <a:rPr lang="en" altLang="ko-Kore-KR" dirty="0">
+                <a:solidFill>
+                  <a:srgbClr val="001080"/>
+                </a:solidFill>
+                <a:latin typeface="DM Mono" panose="020B0509040201040103" pitchFamily="49" charset="0"/>
+              </a:rPr>
+              <a:t>d</a:t>
+            </a:r>
+            <a:endParaRPr lang="ko-Kore-KR" altLang="en-US" dirty="0"/>
+          </a:p>
+        </p:txBody>
+      </p:sp>
+      <p:sp>
+        <p:nvSpPr>
+          <p:cNvPr id="30" name="직사각형 29">
+            <a:extLst>
+              <a:ext uri="{FF2B5EF4-FFF2-40B4-BE49-F238E27FC236}">
+                <a16:creationId xmlns:a16="http://schemas.microsoft.com/office/drawing/2014/main" id="{52EDE260-9478-0BAD-FA6D-C5AB25DAB872}"/>
+              </a:ext>
+            </a:extLst>
+          </p:cNvPr>
+          <p:cNvSpPr/>
+          <p:nvPr/>
+        </p:nvSpPr>
+        <p:spPr>
+          <a:xfrm>
+            <a:off x="6259136" y="3309865"/>
+            <a:ext cx="815950" cy="436970"/>
+          </a:xfrm>
+          <a:prstGeom prst="rect">
+            <a:avLst/>
+          </a:prstGeom>
+          <a:solidFill>
+            <a:schemeClr val="accent2"/>
+          </a:solidFill>
+        </p:spPr>
+        <p:style>
+          <a:lnRef idx="2">
+            <a:schemeClr val="accent1">
+              <a:shade val="50000"/>
+            </a:schemeClr>
+          </a:lnRef>
+          <a:fillRef idx="1">
+            <a:schemeClr val="accent1"/>
+          </a:fillRef>
+          <a:effectRef idx="0">
+            <a:schemeClr val="accent1"/>
+          </a:effectRef>
+          <a:fontRef idx="minor">
+            <a:schemeClr val="lt1"/>
+          </a:fontRef>
+        </p:style>
+        <p:txBody>
+          <a:bodyPr rtlCol="0" anchor="ctr"/>
+          <a:lstStyle/>
+          <a:p>
+            <a:pPr algn="ctr"/>
+            <a:endParaRPr kumimoji="1" lang="ko-Kore-KR" altLang="en-US" sz="1400" dirty="0">
+              <a:solidFill>
+                <a:schemeClr val="tx1"/>
+              </a:solidFill>
+            </a:endParaRPr>
+          </a:p>
+        </p:txBody>
+      </p:sp>
+      <p:sp>
+        <p:nvSpPr>
+          <p:cNvPr id="31" name="직사각형 30">
+            <a:extLst>
+              <a:ext uri="{FF2B5EF4-FFF2-40B4-BE49-F238E27FC236}">
+                <a16:creationId xmlns:a16="http://schemas.microsoft.com/office/drawing/2014/main" id="{335E2F71-9198-4E12-B1EE-277E0666B53A}"/>
+              </a:ext>
+            </a:extLst>
+          </p:cNvPr>
+          <p:cNvSpPr/>
+          <p:nvPr/>
+        </p:nvSpPr>
+        <p:spPr>
+          <a:xfrm>
+            <a:off x="6367990" y="2940533"/>
+            <a:ext cx="598241" cy="369332"/>
+          </a:xfrm>
+          <a:prstGeom prst="rect">
+            <a:avLst/>
+          </a:prstGeom>
+        </p:spPr>
+        <p:txBody>
+          <a:bodyPr wrap="none">
+            <a:spAutoFit/>
+          </a:bodyPr>
+          <a:lstStyle/>
+          <a:p>
+            <a:r>
+              <a:rPr lang="en-US" altLang="ko-Kore-KR" dirty="0">
+                <a:solidFill>
+                  <a:srgbClr val="001080"/>
+                </a:solidFill>
+                <a:latin typeface="DM Mono" panose="020B0509040201040103" pitchFamily="49" charset="0"/>
+              </a:rPr>
+              <a:t>ccc</a:t>
+            </a:r>
+            <a:endParaRPr lang="ko-Kore-KR" altLang="en-US" dirty="0"/>
+          </a:p>
+        </p:txBody>
+      </p:sp>
+      <p:sp>
+        <p:nvSpPr>
+          <p:cNvPr id="32" name="직사각형 31">
+            <a:extLst>
+              <a:ext uri="{FF2B5EF4-FFF2-40B4-BE49-F238E27FC236}">
+                <a16:creationId xmlns:a16="http://schemas.microsoft.com/office/drawing/2014/main" id="{B0F5458D-2CA8-7548-1C31-B9016BCBC51D}"/>
+              </a:ext>
+            </a:extLst>
+          </p:cNvPr>
+          <p:cNvSpPr/>
+          <p:nvPr/>
+        </p:nvSpPr>
+        <p:spPr>
+          <a:xfrm>
+            <a:off x="6259135" y="3746835"/>
+            <a:ext cx="815950" cy="436970"/>
+          </a:xfrm>
+          <a:prstGeom prst="rect">
+            <a:avLst/>
+          </a:prstGeom>
+          <a:solidFill>
+            <a:schemeClr val="accent2"/>
+          </a:solidFill>
+        </p:spPr>
+        <p:style>
+          <a:lnRef idx="2">
+            <a:schemeClr val="accent1">
+              <a:shade val="50000"/>
+            </a:schemeClr>
+          </a:lnRef>
+          <a:fillRef idx="1">
+            <a:schemeClr val="accent1"/>
+          </a:fillRef>
+          <a:effectRef idx="0">
+            <a:schemeClr val="accent1"/>
+          </a:effectRef>
+          <a:fontRef idx="minor">
+            <a:schemeClr val="lt1"/>
+          </a:fontRef>
+        </p:style>
+        <p:txBody>
+          <a:bodyPr rtlCol="0" anchor="ctr"/>
+          <a:lstStyle/>
+          <a:p>
+            <a:pPr algn="ctr"/>
+            <a:endParaRPr kumimoji="1" lang="ko-Kore-KR" altLang="en-US" sz="1400" dirty="0">
+              <a:solidFill>
+                <a:schemeClr val="tx1"/>
+              </a:solidFill>
+            </a:endParaRPr>
+          </a:p>
+        </p:txBody>
+      </p:sp>
+      <p:sp>
+        <p:nvSpPr>
+          <p:cNvPr id="33" name="직사각형 32">
+            <a:extLst>
+              <a:ext uri="{FF2B5EF4-FFF2-40B4-BE49-F238E27FC236}">
+                <a16:creationId xmlns:a16="http://schemas.microsoft.com/office/drawing/2014/main" id="{ADB66635-E5E0-CC64-A89F-EF96068D18F1}"/>
+              </a:ext>
+            </a:extLst>
+          </p:cNvPr>
+          <p:cNvSpPr/>
+          <p:nvPr/>
+        </p:nvSpPr>
+        <p:spPr>
+          <a:xfrm>
+            <a:off x="6259134" y="4183805"/>
+            <a:ext cx="815950" cy="436970"/>
+          </a:xfrm>
+          <a:prstGeom prst="rect">
+            <a:avLst/>
+          </a:prstGeom>
+          <a:solidFill>
+            <a:schemeClr val="accent2"/>
+          </a:solidFill>
+        </p:spPr>
+        <p:style>
+          <a:lnRef idx="2">
+            <a:schemeClr val="accent1">
+              <a:shade val="50000"/>
+            </a:schemeClr>
+          </a:lnRef>
+          <a:fillRef idx="1">
+            <a:schemeClr val="accent1"/>
+          </a:fillRef>
+          <a:effectRef idx="0">
+            <a:schemeClr val="accent1"/>
+          </a:effectRef>
+          <a:fontRef idx="minor">
+            <a:schemeClr val="lt1"/>
+          </a:fontRef>
+        </p:style>
+        <p:txBody>
+          <a:bodyPr rtlCol="0" anchor="ctr"/>
+          <a:lstStyle/>
+          <a:p>
+            <a:pPr algn="ctr"/>
+            <a:endParaRPr kumimoji="1" lang="ko-Kore-KR" altLang="en-US" sz="1400" dirty="0">
+              <a:solidFill>
+                <a:schemeClr val="tx1"/>
+              </a:solidFill>
+            </a:endParaRPr>
+          </a:p>
+        </p:txBody>
+      </p:sp>
+      <p:sp>
+        <p:nvSpPr>
+          <p:cNvPr id="34" name="직사각형 33">
+            <a:extLst>
+              <a:ext uri="{FF2B5EF4-FFF2-40B4-BE49-F238E27FC236}">
+                <a16:creationId xmlns:a16="http://schemas.microsoft.com/office/drawing/2014/main" id="{3B633E35-C1F9-66F6-4E1E-4B4103A95553}"/>
+              </a:ext>
+            </a:extLst>
+          </p:cNvPr>
+          <p:cNvSpPr/>
+          <p:nvPr/>
+        </p:nvSpPr>
+        <p:spPr>
+          <a:xfrm>
+            <a:off x="5936610" y="3343684"/>
+            <a:ext cx="322524" cy="369332"/>
+          </a:xfrm>
+          <a:prstGeom prst="rect">
+            <a:avLst/>
+          </a:prstGeom>
+        </p:spPr>
+        <p:txBody>
+          <a:bodyPr wrap="none">
+            <a:spAutoFit/>
+          </a:bodyPr>
+          <a:lstStyle/>
+          <a:p>
+            <a:r>
+              <a:rPr lang="en" altLang="ko-Kore-KR" dirty="0">
+                <a:solidFill>
+                  <a:srgbClr val="001080"/>
+                </a:solidFill>
+                <a:latin typeface="DM Mono" panose="020B0509040201040103" pitchFamily="49" charset="0"/>
+              </a:rPr>
+              <a:t>a</a:t>
+            </a:r>
+            <a:endParaRPr lang="ko-Kore-KR" altLang="en-US" dirty="0"/>
+          </a:p>
+        </p:txBody>
+      </p:sp>
+      <p:sp>
+        <p:nvSpPr>
+          <p:cNvPr id="35" name="직사각형 34">
+            <a:extLst>
+              <a:ext uri="{FF2B5EF4-FFF2-40B4-BE49-F238E27FC236}">
+                <a16:creationId xmlns:a16="http://schemas.microsoft.com/office/drawing/2014/main" id="{3BF9188A-5AB6-C8FF-6181-2B441DA3BC70}"/>
+              </a:ext>
+            </a:extLst>
+          </p:cNvPr>
+          <p:cNvSpPr/>
+          <p:nvPr/>
+        </p:nvSpPr>
+        <p:spPr>
+          <a:xfrm>
+            <a:off x="5936610" y="3746835"/>
+            <a:ext cx="322524" cy="369332"/>
+          </a:xfrm>
+          <a:prstGeom prst="rect">
+            <a:avLst/>
+          </a:prstGeom>
+        </p:spPr>
+        <p:txBody>
+          <a:bodyPr wrap="none">
+            <a:spAutoFit/>
+          </a:bodyPr>
+          <a:lstStyle/>
+          <a:p>
+            <a:r>
+              <a:rPr lang="en" altLang="ko-Kore-KR" dirty="0">
+                <a:solidFill>
+                  <a:srgbClr val="001080"/>
+                </a:solidFill>
+                <a:latin typeface="DM Mono" panose="020B0509040201040103" pitchFamily="49" charset="0"/>
+              </a:rPr>
+              <a:t>b</a:t>
+            </a:r>
+            <a:endParaRPr lang="ko-Kore-KR" altLang="en-US" dirty="0"/>
+          </a:p>
+        </p:txBody>
+      </p:sp>
+      <p:sp>
+        <p:nvSpPr>
+          <p:cNvPr id="36" name="직사각형 35">
+            <a:extLst>
+              <a:ext uri="{FF2B5EF4-FFF2-40B4-BE49-F238E27FC236}">
+                <a16:creationId xmlns:a16="http://schemas.microsoft.com/office/drawing/2014/main" id="{78B7D98C-6DD6-4CCF-2F2D-1AA9E271A821}"/>
+              </a:ext>
+            </a:extLst>
+          </p:cNvPr>
+          <p:cNvSpPr/>
+          <p:nvPr/>
+        </p:nvSpPr>
+        <p:spPr>
+          <a:xfrm>
+            <a:off x="5936610" y="4217624"/>
+            <a:ext cx="322524" cy="369332"/>
+          </a:xfrm>
+          <a:prstGeom prst="rect">
+            <a:avLst/>
+          </a:prstGeom>
+        </p:spPr>
+        <p:txBody>
+          <a:bodyPr wrap="none">
+            <a:spAutoFit/>
+          </a:bodyPr>
+          <a:lstStyle/>
+          <a:p>
+            <a:r>
+              <a:rPr lang="en" altLang="ko-Kore-KR" dirty="0">
+                <a:solidFill>
+                  <a:srgbClr val="001080"/>
+                </a:solidFill>
+                <a:latin typeface="DM Mono" panose="020B0509040201040103" pitchFamily="49" charset="0"/>
+              </a:rPr>
+              <a:t>c</a:t>
+            </a:r>
+            <a:endParaRPr lang="ko-Kore-KR" altLang="en-US" dirty="0"/>
+          </a:p>
+        </p:txBody>
+      </p:sp>
+      <p:sp>
+        <p:nvSpPr>
+          <p:cNvPr id="37" name="직사각형 36">
+            <a:extLst>
+              <a:ext uri="{FF2B5EF4-FFF2-40B4-BE49-F238E27FC236}">
+                <a16:creationId xmlns:a16="http://schemas.microsoft.com/office/drawing/2014/main" id="{A1FF814B-D906-8713-2FA3-21CC7E8B9778}"/>
+              </a:ext>
+            </a:extLst>
+          </p:cNvPr>
+          <p:cNvSpPr/>
+          <p:nvPr/>
+        </p:nvSpPr>
+        <p:spPr>
+          <a:xfrm>
+            <a:off x="6259134" y="4619619"/>
+            <a:ext cx="815950" cy="436970"/>
+          </a:xfrm>
+          <a:prstGeom prst="rect">
+            <a:avLst/>
+          </a:prstGeom>
+          <a:solidFill>
+            <a:schemeClr val="accent2"/>
+          </a:solidFill>
+        </p:spPr>
+        <p:style>
+          <a:lnRef idx="2">
+            <a:schemeClr val="accent1">
+              <a:shade val="50000"/>
+            </a:schemeClr>
+          </a:lnRef>
+          <a:fillRef idx="1">
+            <a:schemeClr val="accent1"/>
+          </a:fillRef>
+          <a:effectRef idx="0">
+            <a:schemeClr val="accent1"/>
+          </a:effectRef>
+          <a:fontRef idx="minor">
+            <a:schemeClr val="lt1"/>
+          </a:fontRef>
+        </p:style>
+        <p:txBody>
+          <a:bodyPr rtlCol="0" anchor="ctr"/>
+          <a:lstStyle/>
+          <a:p>
+            <a:pPr algn="ctr"/>
+            <a:endParaRPr kumimoji="1" lang="ko-Kore-KR" altLang="en-US" sz="1400" dirty="0">
+              <a:solidFill>
+                <a:schemeClr val="tx1"/>
+              </a:solidFill>
+            </a:endParaRPr>
+          </a:p>
+        </p:txBody>
+      </p:sp>
+      <p:sp>
+        <p:nvSpPr>
+          <p:cNvPr id="38" name="직사각형 37">
+            <a:extLst>
+              <a:ext uri="{FF2B5EF4-FFF2-40B4-BE49-F238E27FC236}">
+                <a16:creationId xmlns:a16="http://schemas.microsoft.com/office/drawing/2014/main" id="{415DD8DD-90A2-6801-1C7B-F0C244CE2C12}"/>
+              </a:ext>
+            </a:extLst>
+          </p:cNvPr>
+          <p:cNvSpPr/>
+          <p:nvPr/>
+        </p:nvSpPr>
+        <p:spPr>
+          <a:xfrm>
+            <a:off x="5936610" y="4613002"/>
+            <a:ext cx="322524" cy="369332"/>
+          </a:xfrm>
+          <a:prstGeom prst="rect">
+            <a:avLst/>
+          </a:prstGeom>
+        </p:spPr>
+        <p:txBody>
+          <a:bodyPr wrap="none">
+            <a:spAutoFit/>
+          </a:bodyPr>
+          <a:lstStyle/>
+          <a:p>
+            <a:r>
+              <a:rPr lang="en" altLang="ko-Kore-KR" dirty="0">
+                <a:solidFill>
+                  <a:srgbClr val="001080"/>
+                </a:solidFill>
+                <a:latin typeface="DM Mono" panose="020B0509040201040103" pitchFamily="49" charset="0"/>
+              </a:rPr>
+              <a:t>d</a:t>
+            </a:r>
+            <a:endParaRPr lang="ko-Kore-KR" altLang="en-US" dirty="0"/>
+          </a:p>
+        </p:txBody>
+      </p:sp>
+      <p:sp>
+        <p:nvSpPr>
+          <p:cNvPr id="39" name="TextBox 38">
+            <a:extLst>
+              <a:ext uri="{FF2B5EF4-FFF2-40B4-BE49-F238E27FC236}">
+                <a16:creationId xmlns:a16="http://schemas.microsoft.com/office/drawing/2014/main" id="{AA4DA1D1-F4A8-BEBC-D7B8-8EECC9A64DB3}"/>
+              </a:ext>
+            </a:extLst>
+          </p:cNvPr>
+          <p:cNvSpPr txBox="1"/>
+          <p:nvPr/>
+        </p:nvSpPr>
+        <p:spPr>
+          <a:xfrm>
+            <a:off x="6444243" y="3150384"/>
+            <a:ext cx="184731" cy="369332"/>
+          </a:xfrm>
+          <a:prstGeom prst="rect">
+            <a:avLst/>
+          </a:prstGeom>
+          <a:noFill/>
+        </p:spPr>
+        <p:txBody>
+          <a:bodyPr wrap="none" rtlCol="0">
+            <a:spAutoFit/>
+          </a:bodyPr>
+          <a:lstStyle/>
+          <a:p>
+            <a:endParaRPr kumimoji="1" lang="ko-Kore-KR" altLang="en-US" dirty="0"/>
+          </a:p>
+        </p:txBody>
+      </p:sp>
+    </p:spTree>
+    <p:extLst>
+      <p:ext uri="{BB962C8B-B14F-4D97-AF65-F5344CB8AC3E}">
+        <p14:creationId xmlns:p14="http://schemas.microsoft.com/office/powerpoint/2010/main" val="2230626344"/>
       </p:ext>
     </p:extLst>
   </p:cSld>

--- a/cpp/220517.pptx
+++ b/cpp/220517.pptx
@@ -21517,14 +21517,14 @@
         </p:nvSpPr>
         <p:spPr>
           <a:xfrm>
-            <a:off x="7266615" y="690430"/>
+            <a:off x="4855188" y="725405"/>
             <a:ext cx="815950" cy="436970"/>
           </a:xfrm>
           <a:prstGeom prst="rect">
             <a:avLst/>
           </a:prstGeom>
           <a:solidFill>
-            <a:srgbClr val="FFFF00"/>
+            <a:schemeClr val="accent2"/>
           </a:solidFill>
         </p:spPr>
         <p:style>
@@ -21570,7 +21570,7 @@
         </p:nvSpPr>
         <p:spPr>
           <a:xfrm>
-            <a:off x="7375469" y="321098"/>
+            <a:off x="4964042" y="356073"/>
             <a:ext cx="598241" cy="369332"/>
           </a:xfrm>
           <a:prstGeom prst="rect">
@@ -22219,14 +22219,14 @@
         </p:nvSpPr>
         <p:spPr>
           <a:xfrm>
-            <a:off x="7266614" y="1127400"/>
+            <a:off x="4855187" y="1162375"/>
             <a:ext cx="815950" cy="436970"/>
           </a:xfrm>
           <a:prstGeom prst="rect">
             <a:avLst/>
           </a:prstGeom>
           <a:solidFill>
-            <a:srgbClr val="FFFF00"/>
+            <a:schemeClr val="accent2"/>
           </a:solidFill>
         </p:spPr>
         <p:style>
@@ -22272,14 +22272,14 @@
         </p:nvSpPr>
         <p:spPr>
           <a:xfrm>
-            <a:off x="7266613" y="1564370"/>
+            <a:off x="4855186" y="1599345"/>
             <a:ext cx="815950" cy="436970"/>
           </a:xfrm>
           <a:prstGeom prst="rect">
             <a:avLst/>
           </a:prstGeom>
           <a:solidFill>
-            <a:srgbClr val="FFFF00"/>
+            <a:schemeClr val="accent2"/>
           </a:solidFill>
         </p:spPr>
         <p:style>
@@ -22325,7 +22325,7 @@
         </p:nvSpPr>
         <p:spPr>
           <a:xfrm>
-            <a:off x="6944089" y="724249"/>
+            <a:off x="4532662" y="759224"/>
             <a:ext cx="322524" cy="369332"/>
           </a:xfrm>
           <a:prstGeom prst="rect">
@@ -22365,7 +22365,7 @@
         </p:nvSpPr>
         <p:spPr>
           <a:xfrm>
-            <a:off x="6944089" y="1127400"/>
+            <a:off x="4532662" y="1162375"/>
             <a:ext cx="322524" cy="369332"/>
           </a:xfrm>
           <a:prstGeom prst="rect">
@@ -22405,7 +22405,7 @@
         </p:nvSpPr>
         <p:spPr>
           <a:xfrm>
-            <a:off x="6944089" y="1598189"/>
+            <a:off x="4532662" y="1633164"/>
             <a:ext cx="322524" cy="369332"/>
           </a:xfrm>
           <a:prstGeom prst="rect">
@@ -22445,7 +22445,7 @@
         </p:nvSpPr>
         <p:spPr>
           <a:xfrm>
-            <a:off x="9127525" y="691586"/>
+            <a:off x="6061504" y="719712"/>
             <a:ext cx="815950" cy="436970"/>
           </a:xfrm>
           <a:prstGeom prst="rect">
@@ -22498,7 +22498,7 @@
         </p:nvSpPr>
         <p:spPr>
           <a:xfrm>
-            <a:off x="9236379" y="322254"/>
+            <a:off x="6170358" y="350380"/>
             <a:ext cx="598241" cy="369332"/>
           </a:xfrm>
           <a:prstGeom prst="rect">
@@ -22538,7 +22538,7 @@
         </p:nvSpPr>
         <p:spPr>
           <a:xfrm>
-            <a:off x="9127524" y="1128556"/>
+            <a:off x="6061503" y="1156682"/>
             <a:ext cx="815950" cy="436970"/>
           </a:xfrm>
           <a:prstGeom prst="rect">
@@ -22591,7 +22591,7 @@
         </p:nvSpPr>
         <p:spPr>
           <a:xfrm>
-            <a:off x="9127523" y="1565526"/>
+            <a:off x="6061502" y="1593652"/>
             <a:ext cx="815950" cy="436970"/>
           </a:xfrm>
           <a:prstGeom prst="rect">
@@ -22644,7 +22644,7 @@
         </p:nvSpPr>
         <p:spPr>
           <a:xfrm>
-            <a:off x="8804999" y="725405"/>
+            <a:off x="5738978" y="753531"/>
             <a:ext cx="322524" cy="369332"/>
           </a:xfrm>
           <a:prstGeom prst="rect">
@@ -22684,7 +22684,7 @@
         </p:nvSpPr>
         <p:spPr>
           <a:xfrm>
-            <a:off x="8804999" y="1128556"/>
+            <a:off x="5738978" y="1156682"/>
             <a:ext cx="322524" cy="369332"/>
           </a:xfrm>
           <a:prstGeom prst="rect">
@@ -22724,7 +22724,7 @@
         </p:nvSpPr>
         <p:spPr>
           <a:xfrm>
-            <a:off x="8804999" y="1599345"/>
+            <a:off x="5738978" y="1627471"/>
             <a:ext cx="322524" cy="369332"/>
           </a:xfrm>
           <a:prstGeom prst="rect">
@@ -22764,7 +22764,7 @@
         </p:nvSpPr>
         <p:spPr>
           <a:xfrm>
-            <a:off x="9127523" y="2001340"/>
+            <a:off x="6061502" y="2029466"/>
             <a:ext cx="815950" cy="436970"/>
           </a:xfrm>
           <a:prstGeom prst="rect">
@@ -22817,7 +22817,7 @@
         </p:nvSpPr>
         <p:spPr>
           <a:xfrm>
-            <a:off x="8804999" y="1994723"/>
+            <a:off x="5738978" y="2022849"/>
             <a:ext cx="322524" cy="369332"/>
           </a:xfrm>
           <a:prstGeom prst="rect">
@@ -22845,10 +22845,10 @@
       </p:sp>
       <p:sp>
         <p:nvSpPr>
-          <p:cNvPr id="21" name="직사각형 20">
-            <a:extLst>
-              <a:ext uri="{FF2B5EF4-FFF2-40B4-BE49-F238E27FC236}">
-                <a16:creationId xmlns:a16="http://schemas.microsoft.com/office/drawing/2014/main" id="{BB22648B-E4D1-78D1-AF7A-A6925B7B97F5}"/>
+          <p:cNvPr id="30" name="직사각형 29">
+            <a:extLst>
+              <a:ext uri="{FF2B5EF4-FFF2-40B4-BE49-F238E27FC236}">
+                <a16:creationId xmlns:a16="http://schemas.microsoft.com/office/drawing/2014/main" id="{52EDE260-9478-0BAD-FA6D-C5AB25DAB872}"/>
               </a:ext>
             </a:extLst>
           </p:cNvPr>
@@ -22857,7 +22857,7 @@
         </p:nvSpPr>
         <p:spPr>
           <a:xfrm>
-            <a:off x="9105197" y="3295873"/>
+            <a:off x="7204378" y="708844"/>
             <a:ext cx="815950" cy="436970"/>
           </a:xfrm>
           <a:prstGeom prst="rect">
@@ -22898,10 +22898,10 @@
       </p:sp>
       <p:sp>
         <p:nvSpPr>
-          <p:cNvPr id="22" name="직사각형 21">
-            <a:extLst>
-              <a:ext uri="{FF2B5EF4-FFF2-40B4-BE49-F238E27FC236}">
-                <a16:creationId xmlns:a16="http://schemas.microsoft.com/office/drawing/2014/main" id="{819314B3-C44E-571B-64E9-0CF268D99090}"/>
+          <p:cNvPr id="31" name="직사각형 30">
+            <a:extLst>
+              <a:ext uri="{FF2B5EF4-FFF2-40B4-BE49-F238E27FC236}">
+                <a16:creationId xmlns:a16="http://schemas.microsoft.com/office/drawing/2014/main" id="{335E2F71-9198-4E12-B1EE-277E0666B53A}"/>
               </a:ext>
             </a:extLst>
           </p:cNvPr>
@@ -22910,7 +22910,7 @@
         </p:nvSpPr>
         <p:spPr>
           <a:xfrm>
-            <a:off x="9214051" y="2926541"/>
+            <a:off x="7313232" y="339512"/>
             <a:ext cx="598241" cy="369332"/>
           </a:xfrm>
           <a:prstGeom prst="rect">
@@ -22924,13 +22924,13 @@
           <a:lstStyle/>
           <a:p>
             <a:r>
-              <a:rPr lang="en-US" altLang="ko-Kore-KR" dirty="0" err="1">
+              <a:rPr lang="en-US" altLang="ko-Kore-KR" dirty="0">
                 <a:solidFill>
                   <a:srgbClr val="001080"/>
                 </a:solidFill>
                 <a:latin typeface="DM Mono" panose="020B0509040201040103" pitchFamily="49" charset="0"/>
               </a:rPr>
-              <a:t>bbb</a:t>
+              <a:t>ccc</a:t>
             </a:r>
             <a:endParaRPr lang="ko-Kore-KR" altLang="en-US" dirty="0"/>
           </a:p>
@@ -22938,10 +22938,10 @@
       </p:sp>
       <p:sp>
         <p:nvSpPr>
-          <p:cNvPr id="23" name="직사각형 22">
-            <a:extLst>
-              <a:ext uri="{FF2B5EF4-FFF2-40B4-BE49-F238E27FC236}">
-                <a16:creationId xmlns:a16="http://schemas.microsoft.com/office/drawing/2014/main" id="{EC964D24-FB92-EAAC-5FA3-DE17B3561E42}"/>
+          <p:cNvPr id="32" name="직사각형 31">
+            <a:extLst>
+              <a:ext uri="{FF2B5EF4-FFF2-40B4-BE49-F238E27FC236}">
+                <a16:creationId xmlns:a16="http://schemas.microsoft.com/office/drawing/2014/main" id="{B0F5458D-2CA8-7548-1C31-B9016BCBC51D}"/>
               </a:ext>
             </a:extLst>
           </p:cNvPr>
@@ -22950,7 +22950,7 @@
         </p:nvSpPr>
         <p:spPr>
           <a:xfrm>
-            <a:off x="9105196" y="3732843"/>
+            <a:off x="7204377" y="1145814"/>
             <a:ext cx="815950" cy="436970"/>
           </a:xfrm>
           <a:prstGeom prst="rect">
@@ -22991,10 +22991,10 @@
       </p:sp>
       <p:sp>
         <p:nvSpPr>
-          <p:cNvPr id="24" name="직사각형 23">
-            <a:extLst>
-              <a:ext uri="{FF2B5EF4-FFF2-40B4-BE49-F238E27FC236}">
-                <a16:creationId xmlns:a16="http://schemas.microsoft.com/office/drawing/2014/main" id="{C8142146-676F-0804-874F-0D8114D65C6A}"/>
+          <p:cNvPr id="33" name="직사각형 32">
+            <a:extLst>
+              <a:ext uri="{FF2B5EF4-FFF2-40B4-BE49-F238E27FC236}">
+                <a16:creationId xmlns:a16="http://schemas.microsoft.com/office/drawing/2014/main" id="{ADB66635-E5E0-CC64-A89F-EF96068D18F1}"/>
               </a:ext>
             </a:extLst>
           </p:cNvPr>
@@ -23003,7 +23003,7 @@
         </p:nvSpPr>
         <p:spPr>
           <a:xfrm>
-            <a:off x="9105195" y="4169813"/>
+            <a:off x="7204376" y="1582784"/>
             <a:ext cx="815950" cy="436970"/>
           </a:xfrm>
           <a:prstGeom prst="rect">
@@ -23044,10 +23044,10 @@
       </p:sp>
       <p:sp>
         <p:nvSpPr>
-          <p:cNvPr id="25" name="직사각형 24">
-            <a:extLst>
-              <a:ext uri="{FF2B5EF4-FFF2-40B4-BE49-F238E27FC236}">
-                <a16:creationId xmlns:a16="http://schemas.microsoft.com/office/drawing/2014/main" id="{6083BCDD-9093-4EE3-073E-0DAB4512618A}"/>
+          <p:cNvPr id="34" name="직사각형 33">
+            <a:extLst>
+              <a:ext uri="{FF2B5EF4-FFF2-40B4-BE49-F238E27FC236}">
+                <a16:creationId xmlns:a16="http://schemas.microsoft.com/office/drawing/2014/main" id="{3B633E35-C1F9-66F6-4E1E-4B4103A95553}"/>
               </a:ext>
             </a:extLst>
           </p:cNvPr>
@@ -23056,7 +23056,7 @@
         </p:nvSpPr>
         <p:spPr>
           <a:xfrm>
-            <a:off x="8782671" y="3329692"/>
+            <a:off x="6881852" y="742663"/>
             <a:ext cx="322524" cy="369332"/>
           </a:xfrm>
           <a:prstGeom prst="rect">
@@ -23084,10 +23084,10 @@
       </p:sp>
       <p:sp>
         <p:nvSpPr>
-          <p:cNvPr id="26" name="직사각형 25">
-            <a:extLst>
-              <a:ext uri="{FF2B5EF4-FFF2-40B4-BE49-F238E27FC236}">
-                <a16:creationId xmlns:a16="http://schemas.microsoft.com/office/drawing/2014/main" id="{4E33E355-A212-FC5F-02BC-B28BE563755C}"/>
+          <p:cNvPr id="35" name="직사각형 34">
+            <a:extLst>
+              <a:ext uri="{FF2B5EF4-FFF2-40B4-BE49-F238E27FC236}">
+                <a16:creationId xmlns:a16="http://schemas.microsoft.com/office/drawing/2014/main" id="{3BF9188A-5AB6-C8FF-6181-2B441DA3BC70}"/>
               </a:ext>
             </a:extLst>
           </p:cNvPr>
@@ -23096,7 +23096,7 @@
         </p:nvSpPr>
         <p:spPr>
           <a:xfrm>
-            <a:off x="8782671" y="3732843"/>
+            <a:off x="6881852" y="1145814"/>
             <a:ext cx="322524" cy="369332"/>
           </a:xfrm>
           <a:prstGeom prst="rect">
@@ -23124,10 +23124,10 @@
       </p:sp>
       <p:sp>
         <p:nvSpPr>
-          <p:cNvPr id="27" name="직사각형 26">
-            <a:extLst>
-              <a:ext uri="{FF2B5EF4-FFF2-40B4-BE49-F238E27FC236}">
-                <a16:creationId xmlns:a16="http://schemas.microsoft.com/office/drawing/2014/main" id="{50BB3084-154F-1835-8058-7226F8A2B41B}"/>
+          <p:cNvPr id="36" name="직사각형 35">
+            <a:extLst>
+              <a:ext uri="{FF2B5EF4-FFF2-40B4-BE49-F238E27FC236}">
+                <a16:creationId xmlns:a16="http://schemas.microsoft.com/office/drawing/2014/main" id="{78B7D98C-6DD6-4CCF-2F2D-1AA9E271A821}"/>
               </a:ext>
             </a:extLst>
           </p:cNvPr>
@@ -23136,7 +23136,7 @@
         </p:nvSpPr>
         <p:spPr>
           <a:xfrm>
-            <a:off x="8782671" y="4203632"/>
+            <a:off x="6881852" y="1616603"/>
             <a:ext cx="322524" cy="369332"/>
           </a:xfrm>
           <a:prstGeom prst="rect">
@@ -23164,10 +23164,10 @@
       </p:sp>
       <p:sp>
         <p:nvSpPr>
-          <p:cNvPr id="28" name="직사각형 27">
-            <a:extLst>
-              <a:ext uri="{FF2B5EF4-FFF2-40B4-BE49-F238E27FC236}">
-                <a16:creationId xmlns:a16="http://schemas.microsoft.com/office/drawing/2014/main" id="{86AA76A8-885D-D761-C6EB-D8495D786E64}"/>
+          <p:cNvPr id="38" name="직사각형 37">
+            <a:extLst>
+              <a:ext uri="{FF2B5EF4-FFF2-40B4-BE49-F238E27FC236}">
+                <a16:creationId xmlns:a16="http://schemas.microsoft.com/office/drawing/2014/main" id="{415DD8DD-90A2-6801-1C7B-F0C244CE2C12}"/>
               </a:ext>
             </a:extLst>
           </p:cNvPr>
@@ -23176,7 +23176,79 @@
         </p:nvSpPr>
         <p:spPr>
           <a:xfrm>
-            <a:off x="9105195" y="4605627"/>
+            <a:off x="6881852" y="2011981"/>
+            <a:ext cx="322524" cy="369332"/>
+          </a:xfrm>
+          <a:prstGeom prst="rect">
+            <a:avLst/>
+          </a:prstGeom>
+        </p:spPr>
+        <p:txBody>
+          <a:bodyPr wrap="none">
+            <a:spAutoFit/>
+          </a:bodyPr>
+          <a:lstStyle/>
+          <a:p>
+            <a:r>
+              <a:rPr lang="en" altLang="ko-Kore-KR" dirty="0">
+                <a:solidFill>
+                  <a:srgbClr val="001080"/>
+                </a:solidFill>
+                <a:latin typeface="DM Mono" panose="020B0509040201040103" pitchFamily="49" charset="0"/>
+              </a:rPr>
+              <a:t>d</a:t>
+            </a:r>
+            <a:endParaRPr lang="ko-Kore-KR" altLang="en-US" dirty="0"/>
+          </a:p>
+        </p:txBody>
+      </p:sp>
+      <p:sp>
+        <p:nvSpPr>
+          <p:cNvPr id="39" name="TextBox 38">
+            <a:extLst>
+              <a:ext uri="{FF2B5EF4-FFF2-40B4-BE49-F238E27FC236}">
+                <a16:creationId xmlns:a16="http://schemas.microsoft.com/office/drawing/2014/main" id="{AA4DA1D1-F4A8-BEBC-D7B8-8EECC9A64DB3}"/>
+              </a:ext>
+            </a:extLst>
+          </p:cNvPr>
+          <p:cNvSpPr txBox="1"/>
+          <p:nvPr/>
+        </p:nvSpPr>
+        <p:spPr>
+          <a:xfrm>
+            <a:off x="7389485" y="549363"/>
+            <a:ext cx="184731" cy="369332"/>
+          </a:xfrm>
+          <a:prstGeom prst="rect">
+            <a:avLst/>
+          </a:prstGeom>
+          <a:noFill/>
+        </p:spPr>
+        <p:txBody>
+          <a:bodyPr wrap="none" rtlCol="0">
+            <a:spAutoFit/>
+          </a:bodyPr>
+          <a:lstStyle/>
+          <a:p>
+            <a:endParaRPr kumimoji="1" lang="ko-Kore-KR" altLang="en-US" dirty="0"/>
+          </a:p>
+        </p:txBody>
+      </p:sp>
+      <p:sp>
+        <p:nvSpPr>
+          <p:cNvPr id="40" name="직사각형 39">
+            <a:extLst>
+              <a:ext uri="{FF2B5EF4-FFF2-40B4-BE49-F238E27FC236}">
+                <a16:creationId xmlns:a16="http://schemas.microsoft.com/office/drawing/2014/main" id="{1DBE8C0D-56AE-8AC2-8511-16C5A907CBCF}"/>
+              </a:ext>
+            </a:extLst>
+          </p:cNvPr>
+          <p:cNvSpPr/>
+          <p:nvPr/>
+        </p:nvSpPr>
+        <p:spPr>
+          <a:xfrm>
+            <a:off x="7199976" y="2029466"/>
             <a:ext cx="815950" cy="436970"/>
           </a:xfrm>
           <a:prstGeom prst="rect">
@@ -23217,10 +23289,10 @@
       </p:sp>
       <p:sp>
         <p:nvSpPr>
-          <p:cNvPr id="29" name="직사각형 28">
-            <a:extLst>
-              <a:ext uri="{FF2B5EF4-FFF2-40B4-BE49-F238E27FC236}">
-                <a16:creationId xmlns:a16="http://schemas.microsoft.com/office/drawing/2014/main" id="{193C2D88-AFFA-C127-883B-5E45EF8FF5DF}"/>
+          <p:cNvPr id="41" name="직사각형 40">
+            <a:extLst>
+              <a:ext uri="{FF2B5EF4-FFF2-40B4-BE49-F238E27FC236}">
+                <a16:creationId xmlns:a16="http://schemas.microsoft.com/office/drawing/2014/main" id="{9DAED54B-9141-6246-6D6D-50C07086E79E}"/>
               </a:ext>
             </a:extLst>
           </p:cNvPr>
@@ -23229,54 +23301,14 @@
         </p:nvSpPr>
         <p:spPr>
           <a:xfrm>
-            <a:off x="8782671" y="4599010"/>
-            <a:ext cx="322524" cy="369332"/>
+            <a:off x="7204376" y="2456724"/>
+            <a:ext cx="815950" cy="436970"/>
           </a:xfrm>
           <a:prstGeom prst="rect">
             <a:avLst/>
           </a:prstGeom>
-        </p:spPr>
-        <p:txBody>
-          <a:bodyPr wrap="none">
-            <a:spAutoFit/>
-          </a:bodyPr>
-          <a:lstStyle/>
-          <a:p>
-            <a:r>
-              <a:rPr lang="en" altLang="ko-Kore-KR" dirty="0">
-                <a:solidFill>
-                  <a:srgbClr val="001080"/>
-                </a:solidFill>
-                <a:latin typeface="DM Mono" panose="020B0509040201040103" pitchFamily="49" charset="0"/>
-              </a:rPr>
-              <a:t>d</a:t>
-            </a:r>
-            <a:endParaRPr lang="ko-Kore-KR" altLang="en-US" dirty="0"/>
-          </a:p>
-        </p:txBody>
-      </p:sp>
-      <p:sp>
-        <p:nvSpPr>
-          <p:cNvPr id="30" name="직사각형 29">
-            <a:extLst>
-              <a:ext uri="{FF2B5EF4-FFF2-40B4-BE49-F238E27FC236}">
-                <a16:creationId xmlns:a16="http://schemas.microsoft.com/office/drawing/2014/main" id="{52EDE260-9478-0BAD-FA6D-C5AB25DAB872}"/>
-              </a:ext>
-            </a:extLst>
-          </p:cNvPr>
-          <p:cNvSpPr/>
-          <p:nvPr/>
-        </p:nvSpPr>
-        <p:spPr>
-          <a:xfrm>
-            <a:off x="6259136" y="3309865"/>
-            <a:ext cx="815950" cy="436970"/>
-          </a:xfrm>
-          <a:prstGeom prst="rect">
-            <a:avLst/>
-          </a:prstGeom>
           <a:solidFill>
-            <a:schemeClr val="accent2"/>
+            <a:srgbClr val="FFFF00"/>
           </a:solidFill>
         </p:spPr>
         <p:style>
@@ -23310,10 +23342,10 @@
       </p:sp>
       <p:sp>
         <p:nvSpPr>
-          <p:cNvPr id="31" name="직사각형 30">
-            <a:extLst>
-              <a:ext uri="{FF2B5EF4-FFF2-40B4-BE49-F238E27FC236}">
-                <a16:creationId xmlns:a16="http://schemas.microsoft.com/office/drawing/2014/main" id="{335E2F71-9198-4E12-B1EE-277E0666B53A}"/>
+          <p:cNvPr id="42" name="직사각형 41">
+            <a:extLst>
+              <a:ext uri="{FF2B5EF4-FFF2-40B4-BE49-F238E27FC236}">
+                <a16:creationId xmlns:a16="http://schemas.microsoft.com/office/drawing/2014/main" id="{5B1E7390-757C-262C-98A5-A9486319A58A}"/>
               </a:ext>
             </a:extLst>
           </p:cNvPr>
@@ -23322,54 +23354,14 @@
         </p:nvSpPr>
         <p:spPr>
           <a:xfrm>
-            <a:off x="6367990" y="2940533"/>
-            <a:ext cx="598241" cy="369332"/>
+            <a:off x="7208776" y="2883982"/>
+            <a:ext cx="815950" cy="436970"/>
           </a:xfrm>
           <a:prstGeom prst="rect">
             <a:avLst/>
           </a:prstGeom>
-        </p:spPr>
-        <p:txBody>
-          <a:bodyPr wrap="none">
-            <a:spAutoFit/>
-          </a:bodyPr>
-          <a:lstStyle/>
-          <a:p>
-            <a:r>
-              <a:rPr lang="en-US" altLang="ko-Kore-KR" dirty="0">
-                <a:solidFill>
-                  <a:srgbClr val="001080"/>
-                </a:solidFill>
-                <a:latin typeface="DM Mono" panose="020B0509040201040103" pitchFamily="49" charset="0"/>
-              </a:rPr>
-              <a:t>ccc</a:t>
-            </a:r>
-            <a:endParaRPr lang="ko-Kore-KR" altLang="en-US" dirty="0"/>
-          </a:p>
-        </p:txBody>
-      </p:sp>
-      <p:sp>
-        <p:nvSpPr>
-          <p:cNvPr id="32" name="직사각형 31">
-            <a:extLst>
-              <a:ext uri="{FF2B5EF4-FFF2-40B4-BE49-F238E27FC236}">
-                <a16:creationId xmlns:a16="http://schemas.microsoft.com/office/drawing/2014/main" id="{B0F5458D-2CA8-7548-1C31-B9016BCBC51D}"/>
-              </a:ext>
-            </a:extLst>
-          </p:cNvPr>
-          <p:cNvSpPr/>
-          <p:nvPr/>
-        </p:nvSpPr>
-        <p:spPr>
-          <a:xfrm>
-            <a:off x="6259135" y="3746835"/>
-            <a:ext cx="815950" cy="436970"/>
-          </a:xfrm>
-          <a:prstGeom prst="rect">
-            <a:avLst/>
-          </a:prstGeom>
           <a:solidFill>
-            <a:schemeClr val="accent2"/>
+            <a:srgbClr val="FFFF00"/>
           </a:solidFill>
         </p:spPr>
         <p:style>
@@ -23403,10 +23395,10 @@
       </p:sp>
       <p:sp>
         <p:nvSpPr>
-          <p:cNvPr id="33" name="직사각형 32">
-            <a:extLst>
-              <a:ext uri="{FF2B5EF4-FFF2-40B4-BE49-F238E27FC236}">
-                <a16:creationId xmlns:a16="http://schemas.microsoft.com/office/drawing/2014/main" id="{ADB66635-E5E0-CC64-A89F-EF96068D18F1}"/>
+          <p:cNvPr id="43" name="직사각형 42">
+            <a:extLst>
+              <a:ext uri="{FF2B5EF4-FFF2-40B4-BE49-F238E27FC236}">
+                <a16:creationId xmlns:a16="http://schemas.microsoft.com/office/drawing/2014/main" id="{74194FDA-41DF-AC4A-6605-9F5DED847D95}"/>
               </a:ext>
             </a:extLst>
           </p:cNvPr>
@@ -23415,14 +23407,14 @@
         </p:nvSpPr>
         <p:spPr>
           <a:xfrm>
-            <a:off x="6259134" y="4183805"/>
+            <a:off x="7213176" y="3311240"/>
             <a:ext cx="815950" cy="436970"/>
           </a:xfrm>
           <a:prstGeom prst="rect">
             <a:avLst/>
           </a:prstGeom>
           <a:solidFill>
-            <a:schemeClr val="accent2"/>
+            <a:srgbClr val="FFFF00"/>
           </a:solidFill>
         </p:spPr>
         <p:style>
@@ -23451,251 +23443,6 @@
                 <a:schemeClr val="tx1"/>
               </a:solidFill>
             </a:endParaRPr>
-          </a:p>
-        </p:txBody>
-      </p:sp>
-      <p:sp>
-        <p:nvSpPr>
-          <p:cNvPr id="34" name="직사각형 33">
-            <a:extLst>
-              <a:ext uri="{FF2B5EF4-FFF2-40B4-BE49-F238E27FC236}">
-                <a16:creationId xmlns:a16="http://schemas.microsoft.com/office/drawing/2014/main" id="{3B633E35-C1F9-66F6-4E1E-4B4103A95553}"/>
-              </a:ext>
-            </a:extLst>
-          </p:cNvPr>
-          <p:cNvSpPr/>
-          <p:nvPr/>
-        </p:nvSpPr>
-        <p:spPr>
-          <a:xfrm>
-            <a:off x="5936610" y="3343684"/>
-            <a:ext cx="322524" cy="369332"/>
-          </a:xfrm>
-          <a:prstGeom prst="rect">
-            <a:avLst/>
-          </a:prstGeom>
-        </p:spPr>
-        <p:txBody>
-          <a:bodyPr wrap="none">
-            <a:spAutoFit/>
-          </a:bodyPr>
-          <a:lstStyle/>
-          <a:p>
-            <a:r>
-              <a:rPr lang="en" altLang="ko-Kore-KR" dirty="0">
-                <a:solidFill>
-                  <a:srgbClr val="001080"/>
-                </a:solidFill>
-                <a:latin typeface="DM Mono" panose="020B0509040201040103" pitchFamily="49" charset="0"/>
-              </a:rPr>
-              <a:t>a</a:t>
-            </a:r>
-            <a:endParaRPr lang="ko-Kore-KR" altLang="en-US" dirty="0"/>
-          </a:p>
-        </p:txBody>
-      </p:sp>
-      <p:sp>
-        <p:nvSpPr>
-          <p:cNvPr id="35" name="직사각형 34">
-            <a:extLst>
-              <a:ext uri="{FF2B5EF4-FFF2-40B4-BE49-F238E27FC236}">
-                <a16:creationId xmlns:a16="http://schemas.microsoft.com/office/drawing/2014/main" id="{3BF9188A-5AB6-C8FF-6181-2B441DA3BC70}"/>
-              </a:ext>
-            </a:extLst>
-          </p:cNvPr>
-          <p:cNvSpPr/>
-          <p:nvPr/>
-        </p:nvSpPr>
-        <p:spPr>
-          <a:xfrm>
-            <a:off x="5936610" y="3746835"/>
-            <a:ext cx="322524" cy="369332"/>
-          </a:xfrm>
-          <a:prstGeom prst="rect">
-            <a:avLst/>
-          </a:prstGeom>
-        </p:spPr>
-        <p:txBody>
-          <a:bodyPr wrap="none">
-            <a:spAutoFit/>
-          </a:bodyPr>
-          <a:lstStyle/>
-          <a:p>
-            <a:r>
-              <a:rPr lang="en" altLang="ko-Kore-KR" dirty="0">
-                <a:solidFill>
-                  <a:srgbClr val="001080"/>
-                </a:solidFill>
-                <a:latin typeface="DM Mono" panose="020B0509040201040103" pitchFamily="49" charset="0"/>
-              </a:rPr>
-              <a:t>b</a:t>
-            </a:r>
-            <a:endParaRPr lang="ko-Kore-KR" altLang="en-US" dirty="0"/>
-          </a:p>
-        </p:txBody>
-      </p:sp>
-      <p:sp>
-        <p:nvSpPr>
-          <p:cNvPr id="36" name="직사각형 35">
-            <a:extLst>
-              <a:ext uri="{FF2B5EF4-FFF2-40B4-BE49-F238E27FC236}">
-                <a16:creationId xmlns:a16="http://schemas.microsoft.com/office/drawing/2014/main" id="{78B7D98C-6DD6-4CCF-2F2D-1AA9E271A821}"/>
-              </a:ext>
-            </a:extLst>
-          </p:cNvPr>
-          <p:cNvSpPr/>
-          <p:nvPr/>
-        </p:nvSpPr>
-        <p:spPr>
-          <a:xfrm>
-            <a:off x="5936610" y="4217624"/>
-            <a:ext cx="322524" cy="369332"/>
-          </a:xfrm>
-          <a:prstGeom prst="rect">
-            <a:avLst/>
-          </a:prstGeom>
-        </p:spPr>
-        <p:txBody>
-          <a:bodyPr wrap="none">
-            <a:spAutoFit/>
-          </a:bodyPr>
-          <a:lstStyle/>
-          <a:p>
-            <a:r>
-              <a:rPr lang="en" altLang="ko-Kore-KR" dirty="0">
-                <a:solidFill>
-                  <a:srgbClr val="001080"/>
-                </a:solidFill>
-                <a:latin typeface="DM Mono" panose="020B0509040201040103" pitchFamily="49" charset="0"/>
-              </a:rPr>
-              <a:t>c</a:t>
-            </a:r>
-            <a:endParaRPr lang="ko-Kore-KR" altLang="en-US" dirty="0"/>
-          </a:p>
-        </p:txBody>
-      </p:sp>
-      <p:sp>
-        <p:nvSpPr>
-          <p:cNvPr id="37" name="직사각형 36">
-            <a:extLst>
-              <a:ext uri="{FF2B5EF4-FFF2-40B4-BE49-F238E27FC236}">
-                <a16:creationId xmlns:a16="http://schemas.microsoft.com/office/drawing/2014/main" id="{A1FF814B-D906-8713-2FA3-21CC7E8B9778}"/>
-              </a:ext>
-            </a:extLst>
-          </p:cNvPr>
-          <p:cNvSpPr/>
-          <p:nvPr/>
-        </p:nvSpPr>
-        <p:spPr>
-          <a:xfrm>
-            <a:off x="6259134" y="4619619"/>
-            <a:ext cx="815950" cy="436970"/>
-          </a:xfrm>
-          <a:prstGeom prst="rect">
-            <a:avLst/>
-          </a:prstGeom>
-          <a:solidFill>
-            <a:schemeClr val="accent2"/>
-          </a:solidFill>
-        </p:spPr>
-        <p:style>
-          <a:lnRef idx="2">
-            <a:schemeClr val="accent1">
-              <a:shade val="50000"/>
-            </a:schemeClr>
-          </a:lnRef>
-          <a:fillRef idx="1">
-            <a:schemeClr val="accent1"/>
-          </a:fillRef>
-          <a:effectRef idx="0">
-            <a:schemeClr val="accent1"/>
-          </a:effectRef>
-          <a:fontRef idx="minor">
-            <a:schemeClr val="lt1"/>
-          </a:fontRef>
-        </p:style>
-        <p:txBody>
-          <a:bodyPr rtlCol="0" anchor="ctr"/>
-          <a:lstStyle/>
-          <a:p>
-            <a:pPr algn="ctr"/>
-            <a:endParaRPr kumimoji="1" lang="ko-Kore-KR" altLang="en-US" sz="1400" dirty="0">
-              <a:solidFill>
-                <a:schemeClr val="tx1"/>
-              </a:solidFill>
-            </a:endParaRPr>
-          </a:p>
-        </p:txBody>
-      </p:sp>
-      <p:sp>
-        <p:nvSpPr>
-          <p:cNvPr id="38" name="직사각형 37">
-            <a:extLst>
-              <a:ext uri="{FF2B5EF4-FFF2-40B4-BE49-F238E27FC236}">
-                <a16:creationId xmlns:a16="http://schemas.microsoft.com/office/drawing/2014/main" id="{415DD8DD-90A2-6801-1C7B-F0C244CE2C12}"/>
-              </a:ext>
-            </a:extLst>
-          </p:cNvPr>
-          <p:cNvSpPr/>
-          <p:nvPr/>
-        </p:nvSpPr>
-        <p:spPr>
-          <a:xfrm>
-            <a:off x="5936610" y="4613002"/>
-            <a:ext cx="322524" cy="369332"/>
-          </a:xfrm>
-          <a:prstGeom prst="rect">
-            <a:avLst/>
-          </a:prstGeom>
-        </p:spPr>
-        <p:txBody>
-          <a:bodyPr wrap="none">
-            <a:spAutoFit/>
-          </a:bodyPr>
-          <a:lstStyle/>
-          <a:p>
-            <a:r>
-              <a:rPr lang="en" altLang="ko-Kore-KR" dirty="0">
-                <a:solidFill>
-                  <a:srgbClr val="001080"/>
-                </a:solidFill>
-                <a:latin typeface="DM Mono" panose="020B0509040201040103" pitchFamily="49" charset="0"/>
-              </a:rPr>
-              <a:t>d</a:t>
-            </a:r>
-            <a:endParaRPr lang="ko-Kore-KR" altLang="en-US" dirty="0"/>
-          </a:p>
-        </p:txBody>
-      </p:sp>
-      <p:sp>
-        <p:nvSpPr>
-          <p:cNvPr id="39" name="TextBox 38">
-            <a:extLst>
-              <a:ext uri="{FF2B5EF4-FFF2-40B4-BE49-F238E27FC236}">
-                <a16:creationId xmlns:a16="http://schemas.microsoft.com/office/drawing/2014/main" id="{AA4DA1D1-F4A8-BEBC-D7B8-8EECC9A64DB3}"/>
-              </a:ext>
-            </a:extLst>
-          </p:cNvPr>
-          <p:cNvSpPr txBox="1"/>
-          <p:nvPr/>
-        </p:nvSpPr>
-        <p:spPr>
-          <a:xfrm>
-            <a:off x="6444243" y="3150384"/>
-            <a:ext cx="184731" cy="369332"/>
-          </a:xfrm>
-          <a:prstGeom prst="rect">
-            <a:avLst/>
-          </a:prstGeom>
-          <a:noFill/>
-        </p:spPr>
-        <p:txBody>
-          <a:bodyPr wrap="none" rtlCol="0">
-            <a:spAutoFit/>
-          </a:bodyPr>
-          <a:lstStyle/>
-          <a:p>
-            <a:endParaRPr kumimoji="1" lang="ko-Kore-KR" altLang="en-US" dirty="0"/>
           </a:p>
         </p:txBody>
       </p:sp>
